--- a/Estadistica cap 7 rm.pptx
+++ b/Estadistica cap 7 rm.pptx
@@ -5,10 +5,10 @@
     <p:sldMasterId id="2147483650" r:id="rId1"/>
   </p:sldMasterIdLst>
   <p:notesMasterIdLst>
-    <p:notesMasterId r:id="rId55"/>
+    <p:notesMasterId r:id="rId49"/>
   </p:notesMasterIdLst>
   <p:handoutMasterIdLst>
-    <p:handoutMasterId r:id="rId56"/>
+    <p:handoutMasterId r:id="rId50"/>
   </p:handoutMasterIdLst>
   <p:sldIdLst>
     <p:sldId id="362" r:id="rId2"/>
@@ -29,55 +29,49 @@
     <p:sldId id="375" r:id="rId17"/>
     <p:sldId id="406" r:id="rId18"/>
     <p:sldId id="408" r:id="rId19"/>
-    <p:sldId id="409" r:id="rId20"/>
-    <p:sldId id="410" r:id="rId21"/>
-    <p:sldId id="411" r:id="rId22"/>
-    <p:sldId id="412" r:id="rId23"/>
-    <p:sldId id="413" r:id="rId24"/>
-    <p:sldId id="414" r:id="rId25"/>
-    <p:sldId id="378" r:id="rId26"/>
-    <p:sldId id="379" r:id="rId27"/>
-    <p:sldId id="380" r:id="rId28"/>
-    <p:sldId id="381" r:id="rId29"/>
-    <p:sldId id="382" r:id="rId30"/>
-    <p:sldId id="383" r:id="rId31"/>
-    <p:sldId id="384" r:id="rId32"/>
-    <p:sldId id="385" r:id="rId33"/>
-    <p:sldId id="416" r:id="rId34"/>
-    <p:sldId id="386" r:id="rId35"/>
-    <p:sldId id="387" r:id="rId36"/>
-    <p:sldId id="417" r:id="rId37"/>
-    <p:sldId id="389" r:id="rId38"/>
-    <p:sldId id="419" r:id="rId39"/>
-    <p:sldId id="418" r:id="rId40"/>
-    <p:sldId id="391" r:id="rId41"/>
-    <p:sldId id="392" r:id="rId42"/>
-    <p:sldId id="393" r:id="rId43"/>
-    <p:sldId id="394" r:id="rId44"/>
-    <p:sldId id="395" r:id="rId45"/>
-    <p:sldId id="396" r:id="rId46"/>
-    <p:sldId id="397" r:id="rId47"/>
-    <p:sldId id="398" r:id="rId48"/>
-    <p:sldId id="399" r:id="rId49"/>
-    <p:sldId id="400" r:id="rId50"/>
-    <p:sldId id="401" r:id="rId51"/>
-    <p:sldId id="402" r:id="rId52"/>
-    <p:sldId id="403" r:id="rId53"/>
-    <p:sldId id="308" r:id="rId54"/>
+    <p:sldId id="378" r:id="rId20"/>
+    <p:sldId id="379" r:id="rId21"/>
+    <p:sldId id="380" r:id="rId22"/>
+    <p:sldId id="381" r:id="rId23"/>
+    <p:sldId id="382" r:id="rId24"/>
+    <p:sldId id="383" r:id="rId25"/>
+    <p:sldId id="384" r:id="rId26"/>
+    <p:sldId id="385" r:id="rId27"/>
+    <p:sldId id="416" r:id="rId28"/>
+    <p:sldId id="386" r:id="rId29"/>
+    <p:sldId id="387" r:id="rId30"/>
+    <p:sldId id="417" r:id="rId31"/>
+    <p:sldId id="389" r:id="rId32"/>
+    <p:sldId id="419" r:id="rId33"/>
+    <p:sldId id="418" r:id="rId34"/>
+    <p:sldId id="391" r:id="rId35"/>
+    <p:sldId id="392" r:id="rId36"/>
+    <p:sldId id="393" r:id="rId37"/>
+    <p:sldId id="394" r:id="rId38"/>
+    <p:sldId id="395" r:id="rId39"/>
+    <p:sldId id="396" r:id="rId40"/>
+    <p:sldId id="397" r:id="rId41"/>
+    <p:sldId id="398" r:id="rId42"/>
+    <p:sldId id="399" r:id="rId43"/>
+    <p:sldId id="400" r:id="rId44"/>
+    <p:sldId id="401" r:id="rId45"/>
+    <p:sldId id="402" r:id="rId46"/>
+    <p:sldId id="403" r:id="rId47"/>
+    <p:sldId id="308" r:id="rId48"/>
   </p:sldIdLst>
   <p:sldSz cx="9144000" cy="6858000" type="screen4x3"/>
   <p:notesSz cx="6858000" cy="9144000"/>
   <p:embeddedFontLst>
     <p:embeddedFont>
-      <p:font typeface="Book Antiqua" panose="02040602050305030304" pitchFamily="18" charset="0"/>
-      <p:regular r:id="rId57"/>
-      <p:bold r:id="rId58"/>
-      <p:italic r:id="rId59"/>
-      <p:boldItalic r:id="rId60"/>
+      <p:font typeface="Monotype Sorts" panose="020B0604020202020204"/>
+      <p:regular r:id="rId51"/>
     </p:embeddedFont>
     <p:embeddedFont>
-      <p:font typeface="Monotype Sorts" panose="020B0604020202020204"/>
-      <p:regular r:id="rId61"/>
+      <p:font typeface="Book Antiqua" panose="02040602050305030304" pitchFamily="18" charset="0"/>
+      <p:regular r:id="rId52"/>
+      <p:bold r:id="rId53"/>
+      <p:italic r:id="rId54"/>
+      <p:boldItalic r:id="rId55"/>
     </p:embeddedFont>
   </p:embeddedFontLst>
   <p:kinsoku lang="ja-JP" invalStChars="、。，．・：；？！゛゜ヽヾゝゞ々ー’”）〕］｝〉》」』】°‰′″℃￠％ぁぃぅぇぉっゃゅょゎァィゥェォッャュョヮヵヶ!%),.:;?]}｡｣､･ｧｨｩｪｫｬｭｮｯｰﾞﾟ" invalEndChars="‘“（〔［｛〈《「『【￥＄$([\{｢￡"/>
@@ -1364,7 +1358,7 @@
       </p:grpSpPr>
       <p:sp>
         <p:nvSpPr>
-          <p:cNvPr id="103426" name="Rectangle 2"/>
+          <p:cNvPr id="47106" name="Rectangle 2"/>
           <p:cNvSpPr>
             <a:spLocks noGrp="1" noRot="1" noChangeAspect="1" noChangeArrowheads="1" noTextEdit="1"/>
           </p:cNvSpPr>
@@ -1382,7 +1376,7 @@
       </p:sp>
       <p:sp>
         <p:nvSpPr>
-          <p:cNvPr id="103427" name="Rectangle 3"/>
+          <p:cNvPr id="47107" name="Rectangle 3"/>
           <p:cNvSpPr>
             <a:spLocks noGrp="1" noChangeArrowheads="1"/>
           </p:cNvSpPr>
@@ -1402,7 +1396,7 @@
     </p:spTree>
     <p:extLst>
       <p:ext uri="{BB962C8B-B14F-4D97-AF65-F5344CB8AC3E}">
-        <p14:creationId xmlns:p14="http://schemas.microsoft.com/office/powerpoint/2010/main" val="460068118"/>
+        <p14:creationId xmlns:p14="http://schemas.microsoft.com/office/powerpoint/2010/main" val="1474518467"/>
       </p:ext>
     </p:extLst>
   </p:cSld>
@@ -1498,408 +1492,6 @@
       </p:grpSpPr>
       <p:sp>
         <p:nvSpPr>
-          <p:cNvPr id="103426" name="Rectangle 2"/>
-          <p:cNvSpPr>
-            <a:spLocks noGrp="1" noRot="1" noChangeAspect="1" noChangeArrowheads="1" noTextEdit="1"/>
-          </p:cNvSpPr>
-          <p:nvPr>
-            <p:ph type="sldImg"/>
-          </p:nvPr>
-        </p:nvSpPr>
-        <p:spPr>
-          <a:xfrm>
-            <a:off x="1150938" y="692150"/>
-            <a:ext cx="4556125" cy="3416300"/>
-          </a:xfrm>
-          <a:ln/>
-        </p:spPr>
-      </p:sp>
-      <p:sp>
-        <p:nvSpPr>
-          <p:cNvPr id="103427" name="Rectangle 3"/>
-          <p:cNvSpPr>
-            <a:spLocks noGrp="1" noChangeArrowheads="1"/>
-          </p:cNvSpPr>
-          <p:nvPr>
-            <p:ph type="body" idx="1"/>
-          </p:nvPr>
-        </p:nvSpPr>
-        <p:spPr/>
-        <p:txBody>
-          <a:bodyPr/>
-          <a:lstStyle/>
-          <a:p>
-            <a:endParaRPr lang="es-CL"/>
-          </a:p>
-        </p:txBody>
-      </p:sp>
-    </p:spTree>
-    <p:extLst>
-      <p:ext uri="{BB962C8B-B14F-4D97-AF65-F5344CB8AC3E}">
-        <p14:creationId xmlns:p14="http://schemas.microsoft.com/office/powerpoint/2010/main" val="3743245084"/>
-      </p:ext>
-    </p:extLst>
-  </p:cSld>
-  <p:clrMapOvr>
-    <a:masterClrMapping/>
-  </p:clrMapOvr>
-</p:notes>
-</file>
-
-<file path=ppt/notesSlides/notesSlide21.xml><?xml version="1.0" encoding="utf-8"?>
-<p:notes xmlns:a="http://schemas.openxmlformats.org/drawingml/2006/main" xmlns:r="http://schemas.openxmlformats.org/officeDocument/2006/relationships" xmlns:p="http://schemas.openxmlformats.org/presentationml/2006/main">
-  <p:cSld>
-    <p:spTree>
-      <p:nvGrpSpPr>
-        <p:cNvPr id="1" name=""/>
-        <p:cNvGrpSpPr/>
-        <p:nvPr/>
-      </p:nvGrpSpPr>
-      <p:grpSpPr>
-        <a:xfrm>
-          <a:off x="0" y="0"/>
-          <a:ext cx="0" cy="0"/>
-          <a:chOff x="0" y="0"/>
-          <a:chExt cx="0" cy="0"/>
-        </a:xfrm>
-      </p:grpSpPr>
-      <p:sp>
-        <p:nvSpPr>
-          <p:cNvPr id="103426" name="Rectangle 2"/>
-          <p:cNvSpPr>
-            <a:spLocks noGrp="1" noRot="1" noChangeAspect="1" noChangeArrowheads="1" noTextEdit="1"/>
-          </p:cNvSpPr>
-          <p:nvPr>
-            <p:ph type="sldImg"/>
-          </p:nvPr>
-        </p:nvSpPr>
-        <p:spPr>
-          <a:xfrm>
-            <a:off x="1150938" y="692150"/>
-            <a:ext cx="4556125" cy="3416300"/>
-          </a:xfrm>
-          <a:ln/>
-        </p:spPr>
-      </p:sp>
-      <p:sp>
-        <p:nvSpPr>
-          <p:cNvPr id="103427" name="Rectangle 3"/>
-          <p:cNvSpPr>
-            <a:spLocks noGrp="1" noChangeArrowheads="1"/>
-          </p:cNvSpPr>
-          <p:nvPr>
-            <p:ph type="body" idx="1"/>
-          </p:nvPr>
-        </p:nvSpPr>
-        <p:spPr/>
-        <p:txBody>
-          <a:bodyPr/>
-          <a:lstStyle/>
-          <a:p>
-            <a:endParaRPr lang="es-CL"/>
-          </a:p>
-        </p:txBody>
-      </p:sp>
-    </p:spTree>
-    <p:extLst>
-      <p:ext uri="{BB962C8B-B14F-4D97-AF65-F5344CB8AC3E}">
-        <p14:creationId xmlns:p14="http://schemas.microsoft.com/office/powerpoint/2010/main" val="3396723318"/>
-      </p:ext>
-    </p:extLst>
-  </p:cSld>
-  <p:clrMapOvr>
-    <a:masterClrMapping/>
-  </p:clrMapOvr>
-</p:notes>
-</file>
-
-<file path=ppt/notesSlides/notesSlide22.xml><?xml version="1.0" encoding="utf-8"?>
-<p:notes xmlns:a="http://schemas.openxmlformats.org/drawingml/2006/main" xmlns:r="http://schemas.openxmlformats.org/officeDocument/2006/relationships" xmlns:p="http://schemas.openxmlformats.org/presentationml/2006/main">
-  <p:cSld>
-    <p:spTree>
-      <p:nvGrpSpPr>
-        <p:cNvPr id="1" name=""/>
-        <p:cNvGrpSpPr/>
-        <p:nvPr/>
-      </p:nvGrpSpPr>
-      <p:grpSpPr>
-        <a:xfrm>
-          <a:off x="0" y="0"/>
-          <a:ext cx="0" cy="0"/>
-          <a:chOff x="0" y="0"/>
-          <a:chExt cx="0" cy="0"/>
-        </a:xfrm>
-      </p:grpSpPr>
-      <p:sp>
-        <p:nvSpPr>
-          <p:cNvPr id="103426" name="Rectangle 2"/>
-          <p:cNvSpPr>
-            <a:spLocks noGrp="1" noRot="1" noChangeAspect="1" noChangeArrowheads="1" noTextEdit="1"/>
-          </p:cNvSpPr>
-          <p:nvPr>
-            <p:ph type="sldImg"/>
-          </p:nvPr>
-        </p:nvSpPr>
-        <p:spPr>
-          <a:xfrm>
-            <a:off x="1150938" y="692150"/>
-            <a:ext cx="4556125" cy="3416300"/>
-          </a:xfrm>
-          <a:ln/>
-        </p:spPr>
-      </p:sp>
-      <p:sp>
-        <p:nvSpPr>
-          <p:cNvPr id="103427" name="Rectangle 3"/>
-          <p:cNvSpPr>
-            <a:spLocks noGrp="1" noChangeArrowheads="1"/>
-          </p:cNvSpPr>
-          <p:nvPr>
-            <p:ph type="body" idx="1"/>
-          </p:nvPr>
-        </p:nvSpPr>
-        <p:spPr/>
-        <p:txBody>
-          <a:bodyPr/>
-          <a:lstStyle/>
-          <a:p>
-            <a:endParaRPr lang="es-CL"/>
-          </a:p>
-        </p:txBody>
-      </p:sp>
-    </p:spTree>
-    <p:extLst>
-      <p:ext uri="{BB962C8B-B14F-4D97-AF65-F5344CB8AC3E}">
-        <p14:creationId xmlns:p14="http://schemas.microsoft.com/office/powerpoint/2010/main" val="2647030923"/>
-      </p:ext>
-    </p:extLst>
-  </p:cSld>
-  <p:clrMapOvr>
-    <a:masterClrMapping/>
-  </p:clrMapOvr>
-</p:notes>
-</file>
-
-<file path=ppt/notesSlides/notesSlide23.xml><?xml version="1.0" encoding="utf-8"?>
-<p:notes xmlns:a="http://schemas.openxmlformats.org/drawingml/2006/main" xmlns:r="http://schemas.openxmlformats.org/officeDocument/2006/relationships" xmlns:p="http://schemas.openxmlformats.org/presentationml/2006/main">
-  <p:cSld>
-    <p:spTree>
-      <p:nvGrpSpPr>
-        <p:cNvPr id="1" name=""/>
-        <p:cNvGrpSpPr/>
-        <p:nvPr/>
-      </p:nvGrpSpPr>
-      <p:grpSpPr>
-        <a:xfrm>
-          <a:off x="0" y="0"/>
-          <a:ext cx="0" cy="0"/>
-          <a:chOff x="0" y="0"/>
-          <a:chExt cx="0" cy="0"/>
-        </a:xfrm>
-      </p:grpSpPr>
-      <p:sp>
-        <p:nvSpPr>
-          <p:cNvPr id="103426" name="Rectangle 2"/>
-          <p:cNvSpPr>
-            <a:spLocks noGrp="1" noRot="1" noChangeAspect="1" noChangeArrowheads="1" noTextEdit="1"/>
-          </p:cNvSpPr>
-          <p:nvPr>
-            <p:ph type="sldImg"/>
-          </p:nvPr>
-        </p:nvSpPr>
-        <p:spPr>
-          <a:xfrm>
-            <a:off x="1150938" y="692150"/>
-            <a:ext cx="4556125" cy="3416300"/>
-          </a:xfrm>
-          <a:ln/>
-        </p:spPr>
-      </p:sp>
-      <p:sp>
-        <p:nvSpPr>
-          <p:cNvPr id="103427" name="Rectangle 3"/>
-          <p:cNvSpPr>
-            <a:spLocks noGrp="1" noChangeArrowheads="1"/>
-          </p:cNvSpPr>
-          <p:nvPr>
-            <p:ph type="body" idx="1"/>
-          </p:nvPr>
-        </p:nvSpPr>
-        <p:spPr/>
-        <p:txBody>
-          <a:bodyPr/>
-          <a:lstStyle/>
-          <a:p>
-            <a:endParaRPr lang="es-CL"/>
-          </a:p>
-        </p:txBody>
-      </p:sp>
-    </p:spTree>
-    <p:extLst>
-      <p:ext uri="{BB962C8B-B14F-4D97-AF65-F5344CB8AC3E}">
-        <p14:creationId xmlns:p14="http://schemas.microsoft.com/office/powerpoint/2010/main" val="995071263"/>
-      </p:ext>
-    </p:extLst>
-  </p:cSld>
-  <p:clrMapOvr>
-    <a:masterClrMapping/>
-  </p:clrMapOvr>
-</p:notes>
-</file>
-
-<file path=ppt/notesSlides/notesSlide24.xml><?xml version="1.0" encoding="utf-8"?>
-<p:notes xmlns:a="http://schemas.openxmlformats.org/drawingml/2006/main" xmlns:r="http://schemas.openxmlformats.org/officeDocument/2006/relationships" xmlns:p="http://schemas.openxmlformats.org/presentationml/2006/main">
-  <p:cSld>
-    <p:spTree>
-      <p:nvGrpSpPr>
-        <p:cNvPr id="1" name=""/>
-        <p:cNvGrpSpPr/>
-        <p:nvPr/>
-      </p:nvGrpSpPr>
-      <p:grpSpPr>
-        <a:xfrm>
-          <a:off x="0" y="0"/>
-          <a:ext cx="0" cy="0"/>
-          <a:chOff x="0" y="0"/>
-          <a:chExt cx="0" cy="0"/>
-        </a:xfrm>
-      </p:grpSpPr>
-      <p:sp>
-        <p:nvSpPr>
-          <p:cNvPr id="103426" name="Rectangle 2"/>
-          <p:cNvSpPr>
-            <a:spLocks noGrp="1" noRot="1" noChangeAspect="1" noChangeArrowheads="1" noTextEdit="1"/>
-          </p:cNvSpPr>
-          <p:nvPr>
-            <p:ph type="sldImg"/>
-          </p:nvPr>
-        </p:nvSpPr>
-        <p:spPr>
-          <a:xfrm>
-            <a:off x="1150938" y="692150"/>
-            <a:ext cx="4556125" cy="3416300"/>
-          </a:xfrm>
-          <a:ln/>
-        </p:spPr>
-      </p:sp>
-      <p:sp>
-        <p:nvSpPr>
-          <p:cNvPr id="103427" name="Rectangle 3"/>
-          <p:cNvSpPr>
-            <a:spLocks noGrp="1" noChangeArrowheads="1"/>
-          </p:cNvSpPr>
-          <p:nvPr>
-            <p:ph type="body" idx="1"/>
-          </p:nvPr>
-        </p:nvSpPr>
-        <p:spPr/>
-        <p:txBody>
-          <a:bodyPr/>
-          <a:lstStyle/>
-          <a:p>
-            <a:endParaRPr lang="es-CL"/>
-          </a:p>
-        </p:txBody>
-      </p:sp>
-    </p:spTree>
-    <p:extLst>
-      <p:ext uri="{BB962C8B-B14F-4D97-AF65-F5344CB8AC3E}">
-        <p14:creationId xmlns:p14="http://schemas.microsoft.com/office/powerpoint/2010/main" val="1961747313"/>
-      </p:ext>
-    </p:extLst>
-  </p:cSld>
-  <p:clrMapOvr>
-    <a:masterClrMapping/>
-  </p:clrMapOvr>
-</p:notes>
-</file>
-
-<file path=ppt/notesSlides/notesSlide25.xml><?xml version="1.0" encoding="utf-8"?>
-<p:notes xmlns:a="http://schemas.openxmlformats.org/drawingml/2006/main" xmlns:r="http://schemas.openxmlformats.org/officeDocument/2006/relationships" xmlns:p="http://schemas.openxmlformats.org/presentationml/2006/main">
-  <p:cSld>
-    <p:spTree>
-      <p:nvGrpSpPr>
-        <p:cNvPr id="1" name=""/>
-        <p:cNvGrpSpPr/>
-        <p:nvPr/>
-      </p:nvGrpSpPr>
-      <p:grpSpPr>
-        <a:xfrm>
-          <a:off x="0" y="0"/>
-          <a:ext cx="0" cy="0"/>
-          <a:chOff x="0" y="0"/>
-          <a:chExt cx="0" cy="0"/>
-        </a:xfrm>
-      </p:grpSpPr>
-      <p:sp>
-        <p:nvSpPr>
-          <p:cNvPr id="47106" name="Rectangle 2"/>
-          <p:cNvSpPr>
-            <a:spLocks noGrp="1" noRot="1" noChangeAspect="1" noChangeArrowheads="1" noTextEdit="1"/>
-          </p:cNvSpPr>
-          <p:nvPr>
-            <p:ph type="sldImg"/>
-          </p:nvPr>
-        </p:nvSpPr>
-        <p:spPr>
-          <a:xfrm>
-            <a:off x="1150938" y="692150"/>
-            <a:ext cx="4556125" cy="3416300"/>
-          </a:xfrm>
-          <a:ln/>
-        </p:spPr>
-      </p:sp>
-      <p:sp>
-        <p:nvSpPr>
-          <p:cNvPr id="47107" name="Rectangle 3"/>
-          <p:cNvSpPr>
-            <a:spLocks noGrp="1" noChangeArrowheads="1"/>
-          </p:cNvSpPr>
-          <p:nvPr>
-            <p:ph type="body" idx="1"/>
-          </p:nvPr>
-        </p:nvSpPr>
-        <p:spPr/>
-        <p:txBody>
-          <a:bodyPr/>
-          <a:lstStyle/>
-          <a:p>
-            <a:endParaRPr lang="es-CL"/>
-          </a:p>
-        </p:txBody>
-      </p:sp>
-    </p:spTree>
-    <p:extLst>
-      <p:ext uri="{BB962C8B-B14F-4D97-AF65-F5344CB8AC3E}">
-        <p14:creationId xmlns:p14="http://schemas.microsoft.com/office/powerpoint/2010/main" val="1474518467"/>
-      </p:ext>
-    </p:extLst>
-  </p:cSld>
-  <p:clrMapOvr>
-    <a:masterClrMapping/>
-  </p:clrMapOvr>
-</p:notes>
-</file>
-
-<file path=ppt/notesSlides/notesSlide26.xml><?xml version="1.0" encoding="utf-8"?>
-<p:notes xmlns:a="http://schemas.openxmlformats.org/drawingml/2006/main" xmlns:r="http://schemas.openxmlformats.org/officeDocument/2006/relationships" xmlns:p="http://schemas.openxmlformats.org/presentationml/2006/main">
-  <p:cSld>
-    <p:spTree>
-      <p:nvGrpSpPr>
-        <p:cNvPr id="1" name=""/>
-        <p:cNvGrpSpPr/>
-        <p:nvPr/>
-      </p:nvGrpSpPr>
-      <p:grpSpPr>
-        <a:xfrm>
-          <a:off x="0" y="0"/>
-          <a:ext cx="0" cy="0"/>
-          <a:chOff x="0" y="0"/>
-          <a:chExt cx="0" cy="0"/>
-        </a:xfrm>
-      </p:grpSpPr>
-      <p:sp>
-        <p:nvSpPr>
           <p:cNvPr id="106498" name="Rectangle 2"/>
           <p:cNvSpPr>
             <a:spLocks noGrp="1" noRot="1" noChangeAspect="1" noChangeArrowheads="1" noTextEdit="1"/>
@@ -1948,7 +1540,7 @@
 </p:notes>
 </file>
 
-<file path=ppt/notesSlides/notesSlide27.xml><?xml version="1.0" encoding="utf-8"?>
+<file path=ppt/notesSlides/notesSlide21.xml><?xml version="1.0" encoding="utf-8"?>
 <p:notes xmlns:a="http://schemas.openxmlformats.org/drawingml/2006/main" xmlns:r="http://schemas.openxmlformats.org/officeDocument/2006/relationships" xmlns:p="http://schemas.openxmlformats.org/presentationml/2006/main">
   <p:cSld>
     <p:spTree>
@@ -2015,7 +1607,7 @@
 </p:notes>
 </file>
 
-<file path=ppt/notesSlides/notesSlide28.xml><?xml version="1.0" encoding="utf-8"?>
+<file path=ppt/notesSlides/notesSlide22.xml><?xml version="1.0" encoding="utf-8"?>
 <p:notes xmlns:a="http://schemas.openxmlformats.org/drawingml/2006/main" xmlns:r="http://schemas.openxmlformats.org/officeDocument/2006/relationships" xmlns:p="http://schemas.openxmlformats.org/presentationml/2006/main">
   <p:cSld>
     <p:spTree>
@@ -2082,7 +1674,7 @@
 </p:notes>
 </file>
 
-<file path=ppt/notesSlides/notesSlide29.xml><?xml version="1.0" encoding="utf-8"?>
+<file path=ppt/notesSlides/notesSlide23.xml><?xml version="1.0" encoding="utf-8"?>
 <p:notes xmlns:a="http://schemas.openxmlformats.org/drawingml/2006/main" xmlns:r="http://schemas.openxmlformats.org/officeDocument/2006/relationships" xmlns:p="http://schemas.openxmlformats.org/presentationml/2006/main">
   <p:cSld>
     <p:spTree>
@@ -2140,6 +1732,408 @@
     <p:extLst>
       <p:ext uri="{BB962C8B-B14F-4D97-AF65-F5344CB8AC3E}">
         <p14:creationId xmlns:p14="http://schemas.microsoft.com/office/powerpoint/2010/main" val="3266485788"/>
+      </p:ext>
+    </p:extLst>
+  </p:cSld>
+  <p:clrMapOvr>
+    <a:masterClrMapping/>
+  </p:clrMapOvr>
+</p:notes>
+</file>
+
+<file path=ppt/notesSlides/notesSlide24.xml><?xml version="1.0" encoding="utf-8"?>
+<p:notes xmlns:a="http://schemas.openxmlformats.org/drawingml/2006/main" xmlns:r="http://schemas.openxmlformats.org/officeDocument/2006/relationships" xmlns:p="http://schemas.openxmlformats.org/presentationml/2006/main">
+  <p:cSld>
+    <p:spTree>
+      <p:nvGrpSpPr>
+        <p:cNvPr id="1" name=""/>
+        <p:cNvGrpSpPr/>
+        <p:nvPr/>
+      </p:nvGrpSpPr>
+      <p:grpSpPr>
+        <a:xfrm>
+          <a:off x="0" y="0"/>
+          <a:ext cx="0" cy="0"/>
+          <a:chOff x="0" y="0"/>
+          <a:chExt cx="0" cy="0"/>
+        </a:xfrm>
+      </p:grpSpPr>
+      <p:sp>
+        <p:nvSpPr>
+          <p:cNvPr id="51202" name="Rectangle 2"/>
+          <p:cNvSpPr>
+            <a:spLocks noGrp="1" noRot="1" noChangeAspect="1" noChangeArrowheads="1" noTextEdit="1"/>
+          </p:cNvSpPr>
+          <p:nvPr>
+            <p:ph type="sldImg"/>
+          </p:nvPr>
+        </p:nvSpPr>
+        <p:spPr>
+          <a:xfrm>
+            <a:off x="1150938" y="692150"/>
+            <a:ext cx="4556125" cy="3416300"/>
+          </a:xfrm>
+          <a:ln/>
+        </p:spPr>
+      </p:sp>
+      <p:sp>
+        <p:nvSpPr>
+          <p:cNvPr id="51203" name="Rectangle 3"/>
+          <p:cNvSpPr>
+            <a:spLocks noGrp="1" noChangeArrowheads="1"/>
+          </p:cNvSpPr>
+          <p:nvPr>
+            <p:ph type="body" idx="1"/>
+          </p:nvPr>
+        </p:nvSpPr>
+        <p:spPr/>
+        <p:txBody>
+          <a:bodyPr/>
+          <a:lstStyle/>
+          <a:p>
+            <a:endParaRPr lang="es-CL"/>
+          </a:p>
+        </p:txBody>
+      </p:sp>
+    </p:spTree>
+    <p:extLst>
+      <p:ext uri="{BB962C8B-B14F-4D97-AF65-F5344CB8AC3E}">
+        <p14:creationId xmlns:p14="http://schemas.microsoft.com/office/powerpoint/2010/main" val="281016615"/>
+      </p:ext>
+    </p:extLst>
+  </p:cSld>
+  <p:clrMapOvr>
+    <a:masterClrMapping/>
+  </p:clrMapOvr>
+</p:notes>
+</file>
+
+<file path=ppt/notesSlides/notesSlide25.xml><?xml version="1.0" encoding="utf-8"?>
+<p:notes xmlns:a="http://schemas.openxmlformats.org/drawingml/2006/main" xmlns:r="http://schemas.openxmlformats.org/officeDocument/2006/relationships" xmlns:p="http://schemas.openxmlformats.org/presentationml/2006/main">
+  <p:cSld>
+    <p:spTree>
+      <p:nvGrpSpPr>
+        <p:cNvPr id="1" name=""/>
+        <p:cNvGrpSpPr/>
+        <p:nvPr/>
+      </p:nvGrpSpPr>
+      <p:grpSpPr>
+        <a:xfrm>
+          <a:off x="0" y="0"/>
+          <a:ext cx="0" cy="0"/>
+          <a:chOff x="0" y="0"/>
+          <a:chExt cx="0" cy="0"/>
+        </a:xfrm>
+      </p:grpSpPr>
+      <p:sp>
+        <p:nvSpPr>
+          <p:cNvPr id="52226" name="Rectangle 2"/>
+          <p:cNvSpPr>
+            <a:spLocks noGrp="1" noRot="1" noChangeAspect="1" noChangeArrowheads="1" noTextEdit="1"/>
+          </p:cNvSpPr>
+          <p:nvPr>
+            <p:ph type="sldImg"/>
+          </p:nvPr>
+        </p:nvSpPr>
+        <p:spPr>
+          <a:xfrm>
+            <a:off x="1150938" y="692150"/>
+            <a:ext cx="4556125" cy="3416300"/>
+          </a:xfrm>
+          <a:ln/>
+        </p:spPr>
+      </p:sp>
+      <p:sp>
+        <p:nvSpPr>
+          <p:cNvPr id="52227" name="Rectangle 3"/>
+          <p:cNvSpPr>
+            <a:spLocks noGrp="1" noChangeArrowheads="1"/>
+          </p:cNvSpPr>
+          <p:nvPr>
+            <p:ph type="body" idx="1"/>
+          </p:nvPr>
+        </p:nvSpPr>
+        <p:spPr/>
+        <p:txBody>
+          <a:bodyPr/>
+          <a:lstStyle/>
+          <a:p>
+            <a:endParaRPr lang="es-CL"/>
+          </a:p>
+        </p:txBody>
+      </p:sp>
+    </p:spTree>
+    <p:extLst>
+      <p:ext uri="{BB962C8B-B14F-4D97-AF65-F5344CB8AC3E}">
+        <p14:creationId xmlns:p14="http://schemas.microsoft.com/office/powerpoint/2010/main" val="1974874943"/>
+      </p:ext>
+    </p:extLst>
+  </p:cSld>
+  <p:clrMapOvr>
+    <a:masterClrMapping/>
+  </p:clrMapOvr>
+</p:notes>
+</file>
+
+<file path=ppt/notesSlides/notesSlide26.xml><?xml version="1.0" encoding="utf-8"?>
+<p:notes xmlns:a="http://schemas.openxmlformats.org/drawingml/2006/main" xmlns:r="http://schemas.openxmlformats.org/officeDocument/2006/relationships" xmlns:p="http://schemas.openxmlformats.org/presentationml/2006/main">
+  <p:cSld>
+    <p:spTree>
+      <p:nvGrpSpPr>
+        <p:cNvPr id="1" name=""/>
+        <p:cNvGrpSpPr/>
+        <p:nvPr/>
+      </p:nvGrpSpPr>
+      <p:grpSpPr>
+        <a:xfrm>
+          <a:off x="0" y="0"/>
+          <a:ext cx="0" cy="0"/>
+          <a:chOff x="0" y="0"/>
+          <a:chExt cx="0" cy="0"/>
+        </a:xfrm>
+      </p:grpSpPr>
+      <p:sp>
+        <p:nvSpPr>
+          <p:cNvPr id="53250" name="Rectangle 2"/>
+          <p:cNvSpPr>
+            <a:spLocks noGrp="1" noRot="1" noChangeAspect="1" noChangeArrowheads="1" noTextEdit="1"/>
+          </p:cNvSpPr>
+          <p:nvPr>
+            <p:ph type="sldImg"/>
+          </p:nvPr>
+        </p:nvSpPr>
+        <p:spPr>
+          <a:xfrm>
+            <a:off x="1150938" y="692150"/>
+            <a:ext cx="4556125" cy="3416300"/>
+          </a:xfrm>
+          <a:ln/>
+        </p:spPr>
+      </p:sp>
+      <p:sp>
+        <p:nvSpPr>
+          <p:cNvPr id="53251" name="Rectangle 3"/>
+          <p:cNvSpPr>
+            <a:spLocks noGrp="1" noChangeArrowheads="1"/>
+          </p:cNvSpPr>
+          <p:nvPr>
+            <p:ph type="body" idx="1"/>
+          </p:nvPr>
+        </p:nvSpPr>
+        <p:spPr/>
+        <p:txBody>
+          <a:bodyPr/>
+          <a:lstStyle/>
+          <a:p>
+            <a:endParaRPr lang="es-CL"/>
+          </a:p>
+        </p:txBody>
+      </p:sp>
+    </p:spTree>
+    <p:extLst>
+      <p:ext uri="{BB962C8B-B14F-4D97-AF65-F5344CB8AC3E}">
+        <p14:creationId xmlns:p14="http://schemas.microsoft.com/office/powerpoint/2010/main" val="3053528829"/>
+      </p:ext>
+    </p:extLst>
+  </p:cSld>
+  <p:clrMapOvr>
+    <a:masterClrMapping/>
+  </p:clrMapOvr>
+</p:notes>
+</file>
+
+<file path=ppt/notesSlides/notesSlide27.xml><?xml version="1.0" encoding="utf-8"?>
+<p:notes xmlns:a="http://schemas.openxmlformats.org/drawingml/2006/main" xmlns:r="http://schemas.openxmlformats.org/officeDocument/2006/relationships" xmlns:p="http://schemas.openxmlformats.org/presentationml/2006/main">
+  <p:cSld>
+    <p:spTree>
+      <p:nvGrpSpPr>
+        <p:cNvPr id="1" name=""/>
+        <p:cNvGrpSpPr/>
+        <p:nvPr/>
+      </p:nvGrpSpPr>
+      <p:grpSpPr>
+        <a:xfrm>
+          <a:off x="0" y="0"/>
+          <a:ext cx="0" cy="0"/>
+          <a:chOff x="0" y="0"/>
+          <a:chExt cx="0" cy="0"/>
+        </a:xfrm>
+      </p:grpSpPr>
+      <p:sp>
+        <p:nvSpPr>
+          <p:cNvPr id="53250" name="Rectangle 2"/>
+          <p:cNvSpPr>
+            <a:spLocks noGrp="1" noRot="1" noChangeAspect="1" noChangeArrowheads="1" noTextEdit="1"/>
+          </p:cNvSpPr>
+          <p:nvPr>
+            <p:ph type="sldImg"/>
+          </p:nvPr>
+        </p:nvSpPr>
+        <p:spPr>
+          <a:xfrm>
+            <a:off x="1150938" y="692150"/>
+            <a:ext cx="4556125" cy="3416300"/>
+          </a:xfrm>
+          <a:ln/>
+        </p:spPr>
+      </p:sp>
+      <p:sp>
+        <p:nvSpPr>
+          <p:cNvPr id="53251" name="Rectangle 3"/>
+          <p:cNvSpPr>
+            <a:spLocks noGrp="1" noChangeArrowheads="1"/>
+          </p:cNvSpPr>
+          <p:nvPr>
+            <p:ph type="body" idx="1"/>
+          </p:nvPr>
+        </p:nvSpPr>
+        <p:spPr/>
+        <p:txBody>
+          <a:bodyPr/>
+          <a:lstStyle/>
+          <a:p>
+            <a:endParaRPr lang="es-CL"/>
+          </a:p>
+        </p:txBody>
+      </p:sp>
+    </p:spTree>
+    <p:extLst>
+      <p:ext uri="{BB962C8B-B14F-4D97-AF65-F5344CB8AC3E}">
+        <p14:creationId xmlns:p14="http://schemas.microsoft.com/office/powerpoint/2010/main" val="3975714027"/>
+      </p:ext>
+    </p:extLst>
+  </p:cSld>
+  <p:clrMapOvr>
+    <a:masterClrMapping/>
+  </p:clrMapOvr>
+</p:notes>
+</file>
+
+<file path=ppt/notesSlides/notesSlide28.xml><?xml version="1.0" encoding="utf-8"?>
+<p:notes xmlns:a="http://schemas.openxmlformats.org/drawingml/2006/main" xmlns:r="http://schemas.openxmlformats.org/officeDocument/2006/relationships" xmlns:p="http://schemas.openxmlformats.org/presentationml/2006/main">
+  <p:cSld>
+    <p:spTree>
+      <p:nvGrpSpPr>
+        <p:cNvPr id="1" name=""/>
+        <p:cNvGrpSpPr/>
+        <p:nvPr/>
+      </p:nvGrpSpPr>
+      <p:grpSpPr>
+        <a:xfrm>
+          <a:off x="0" y="0"/>
+          <a:ext cx="0" cy="0"/>
+          <a:chOff x="0" y="0"/>
+          <a:chExt cx="0" cy="0"/>
+        </a:xfrm>
+      </p:grpSpPr>
+      <p:sp>
+        <p:nvSpPr>
+          <p:cNvPr id="54274" name="Rectangle 2"/>
+          <p:cNvSpPr>
+            <a:spLocks noGrp="1" noRot="1" noChangeAspect="1" noChangeArrowheads="1" noTextEdit="1"/>
+          </p:cNvSpPr>
+          <p:nvPr>
+            <p:ph type="sldImg"/>
+          </p:nvPr>
+        </p:nvSpPr>
+        <p:spPr>
+          <a:xfrm>
+            <a:off x="1150938" y="692150"/>
+            <a:ext cx="4556125" cy="3416300"/>
+          </a:xfrm>
+          <a:ln/>
+        </p:spPr>
+      </p:sp>
+      <p:sp>
+        <p:nvSpPr>
+          <p:cNvPr id="54275" name="Rectangle 3"/>
+          <p:cNvSpPr>
+            <a:spLocks noGrp="1" noChangeArrowheads="1"/>
+          </p:cNvSpPr>
+          <p:nvPr>
+            <p:ph type="body" idx="1"/>
+          </p:nvPr>
+        </p:nvSpPr>
+        <p:spPr/>
+        <p:txBody>
+          <a:bodyPr/>
+          <a:lstStyle/>
+          <a:p>
+            <a:endParaRPr lang="es-CL"/>
+          </a:p>
+        </p:txBody>
+      </p:sp>
+    </p:spTree>
+    <p:extLst>
+      <p:ext uri="{BB962C8B-B14F-4D97-AF65-F5344CB8AC3E}">
+        <p14:creationId xmlns:p14="http://schemas.microsoft.com/office/powerpoint/2010/main" val="1550348041"/>
+      </p:ext>
+    </p:extLst>
+  </p:cSld>
+  <p:clrMapOvr>
+    <a:masterClrMapping/>
+  </p:clrMapOvr>
+</p:notes>
+</file>
+
+<file path=ppt/notesSlides/notesSlide29.xml><?xml version="1.0" encoding="utf-8"?>
+<p:notes xmlns:a="http://schemas.openxmlformats.org/drawingml/2006/main" xmlns:r="http://schemas.openxmlformats.org/officeDocument/2006/relationships" xmlns:p="http://schemas.openxmlformats.org/presentationml/2006/main">
+  <p:cSld>
+    <p:spTree>
+      <p:nvGrpSpPr>
+        <p:cNvPr id="1" name=""/>
+        <p:cNvGrpSpPr/>
+        <p:nvPr/>
+      </p:nvGrpSpPr>
+      <p:grpSpPr>
+        <a:xfrm>
+          <a:off x="0" y="0"/>
+          <a:ext cx="0" cy="0"/>
+          <a:chOff x="0" y="0"/>
+          <a:chExt cx="0" cy="0"/>
+        </a:xfrm>
+      </p:grpSpPr>
+      <p:sp>
+        <p:nvSpPr>
+          <p:cNvPr id="55298" name="Rectangle 2"/>
+          <p:cNvSpPr>
+            <a:spLocks noGrp="1" noRot="1" noChangeAspect="1" noChangeArrowheads="1" noTextEdit="1"/>
+          </p:cNvSpPr>
+          <p:nvPr>
+            <p:ph type="sldImg"/>
+          </p:nvPr>
+        </p:nvSpPr>
+        <p:spPr>
+          <a:xfrm>
+            <a:off x="1150938" y="692150"/>
+            <a:ext cx="4556125" cy="3416300"/>
+          </a:xfrm>
+          <a:ln/>
+        </p:spPr>
+      </p:sp>
+      <p:sp>
+        <p:nvSpPr>
+          <p:cNvPr id="55299" name="Rectangle 3"/>
+          <p:cNvSpPr>
+            <a:spLocks noGrp="1" noChangeArrowheads="1"/>
+          </p:cNvSpPr>
+          <p:nvPr>
+            <p:ph type="body" idx="1"/>
+          </p:nvPr>
+        </p:nvSpPr>
+        <p:spPr/>
+        <p:txBody>
+          <a:bodyPr/>
+          <a:lstStyle/>
+          <a:p>
+            <a:endParaRPr lang="es-CL"/>
+          </a:p>
+        </p:txBody>
+      </p:sp>
+    </p:spTree>
+    <p:extLst>
+      <p:ext uri="{BB962C8B-B14F-4D97-AF65-F5344CB8AC3E}">
+        <p14:creationId xmlns:p14="http://schemas.microsoft.com/office/powerpoint/2010/main" val="2642220452"/>
       </p:ext>
     </p:extLst>
   </p:cSld>
@@ -2235,7 +2229,7 @@
       </p:grpSpPr>
       <p:sp>
         <p:nvSpPr>
-          <p:cNvPr id="51202" name="Rectangle 2"/>
+          <p:cNvPr id="53250" name="Rectangle 2"/>
           <p:cNvSpPr>
             <a:spLocks noGrp="1" noRot="1" noChangeAspect="1" noChangeArrowheads="1" noTextEdit="1"/>
           </p:cNvSpPr>
@@ -2253,7 +2247,7 @@
       </p:sp>
       <p:sp>
         <p:nvSpPr>
-          <p:cNvPr id="51203" name="Rectangle 3"/>
+          <p:cNvPr id="53251" name="Rectangle 3"/>
           <p:cNvSpPr>
             <a:spLocks noGrp="1" noChangeArrowheads="1"/>
           </p:cNvSpPr>
@@ -2273,7 +2267,7 @@
     </p:spTree>
     <p:extLst>
       <p:ext uri="{BB962C8B-B14F-4D97-AF65-F5344CB8AC3E}">
-        <p14:creationId xmlns:p14="http://schemas.microsoft.com/office/powerpoint/2010/main" val="281016615"/>
+        <p14:creationId xmlns:p14="http://schemas.microsoft.com/office/powerpoint/2010/main" val="853039403"/>
       </p:ext>
     </p:extLst>
   </p:cSld>
@@ -2302,7 +2296,7 @@
       </p:grpSpPr>
       <p:sp>
         <p:nvSpPr>
-          <p:cNvPr id="52226" name="Rectangle 2"/>
+          <p:cNvPr id="57346" name="Rectangle 2"/>
           <p:cNvSpPr>
             <a:spLocks noGrp="1" noRot="1" noChangeAspect="1" noChangeArrowheads="1" noTextEdit="1"/>
           </p:cNvSpPr>
@@ -2320,7 +2314,7 @@
       </p:sp>
       <p:sp>
         <p:nvSpPr>
-          <p:cNvPr id="52227" name="Rectangle 3"/>
+          <p:cNvPr id="57347" name="Rectangle 3"/>
           <p:cNvSpPr>
             <a:spLocks noGrp="1" noChangeArrowheads="1"/>
           </p:cNvSpPr>
@@ -2340,7 +2334,7 @@
     </p:spTree>
     <p:extLst>
       <p:ext uri="{BB962C8B-B14F-4D97-AF65-F5344CB8AC3E}">
-        <p14:creationId xmlns:p14="http://schemas.microsoft.com/office/powerpoint/2010/main" val="1974874943"/>
+        <p14:creationId xmlns:p14="http://schemas.microsoft.com/office/powerpoint/2010/main" val="3345575456"/>
       </p:ext>
     </p:extLst>
   </p:cSld>
@@ -2407,7 +2401,7 @@
     </p:spTree>
     <p:extLst>
       <p:ext uri="{BB962C8B-B14F-4D97-AF65-F5344CB8AC3E}">
-        <p14:creationId xmlns:p14="http://schemas.microsoft.com/office/powerpoint/2010/main" val="3053528829"/>
+        <p14:creationId xmlns:p14="http://schemas.microsoft.com/office/powerpoint/2010/main" val="3614016699"/>
       </p:ext>
     </p:extLst>
   </p:cSld>
@@ -2474,7 +2468,7 @@
     </p:spTree>
     <p:extLst>
       <p:ext uri="{BB962C8B-B14F-4D97-AF65-F5344CB8AC3E}">
-        <p14:creationId xmlns:p14="http://schemas.microsoft.com/office/powerpoint/2010/main" val="3975714027"/>
+        <p14:creationId xmlns:p14="http://schemas.microsoft.com/office/powerpoint/2010/main" val="452036969"/>
       </p:ext>
     </p:extLst>
   </p:cSld>
@@ -2503,7 +2497,7 @@
       </p:grpSpPr>
       <p:sp>
         <p:nvSpPr>
-          <p:cNvPr id="54274" name="Rectangle 2"/>
+          <p:cNvPr id="107522" name="Rectangle 2"/>
           <p:cNvSpPr>
             <a:spLocks noGrp="1" noRot="1" noChangeAspect="1" noChangeArrowheads="1" noTextEdit="1"/>
           </p:cNvSpPr>
@@ -2521,7 +2515,7 @@
       </p:sp>
       <p:sp>
         <p:nvSpPr>
-          <p:cNvPr id="54275" name="Rectangle 3"/>
+          <p:cNvPr id="107523" name="Rectangle 3"/>
           <p:cNvSpPr>
             <a:spLocks noGrp="1" noChangeArrowheads="1"/>
           </p:cNvSpPr>
@@ -2541,7 +2535,7 @@
     </p:spTree>
     <p:extLst>
       <p:ext uri="{BB962C8B-B14F-4D97-AF65-F5344CB8AC3E}">
-        <p14:creationId xmlns:p14="http://schemas.microsoft.com/office/powerpoint/2010/main" val="1550348041"/>
+        <p14:creationId xmlns:p14="http://schemas.microsoft.com/office/powerpoint/2010/main" val="2436132892"/>
       </p:ext>
     </p:extLst>
   </p:cSld>
@@ -2570,7 +2564,7 @@
       </p:grpSpPr>
       <p:sp>
         <p:nvSpPr>
-          <p:cNvPr id="55298" name="Rectangle 2"/>
+          <p:cNvPr id="108546" name="Rectangle 2"/>
           <p:cNvSpPr>
             <a:spLocks noGrp="1" noRot="1" noChangeAspect="1" noChangeArrowheads="1" noTextEdit="1"/>
           </p:cNvSpPr>
@@ -2588,7 +2582,7 @@
       </p:sp>
       <p:sp>
         <p:nvSpPr>
-          <p:cNvPr id="55299" name="Rectangle 3"/>
+          <p:cNvPr id="108547" name="Rectangle 3"/>
           <p:cNvSpPr>
             <a:spLocks noGrp="1" noChangeArrowheads="1"/>
           </p:cNvSpPr>
@@ -2608,7 +2602,7 @@
     </p:spTree>
     <p:extLst>
       <p:ext uri="{BB962C8B-B14F-4D97-AF65-F5344CB8AC3E}">
-        <p14:creationId xmlns:p14="http://schemas.microsoft.com/office/powerpoint/2010/main" val="2642220452"/>
+        <p14:creationId xmlns:p14="http://schemas.microsoft.com/office/powerpoint/2010/main" val="2129902066"/>
       </p:ext>
     </p:extLst>
   </p:cSld>
@@ -2637,7 +2631,7 @@
       </p:grpSpPr>
       <p:sp>
         <p:nvSpPr>
-          <p:cNvPr id="53250" name="Rectangle 2"/>
+          <p:cNvPr id="109570" name="Rectangle 2"/>
           <p:cNvSpPr>
             <a:spLocks noGrp="1" noRot="1" noChangeAspect="1" noChangeArrowheads="1" noTextEdit="1"/>
           </p:cNvSpPr>
@@ -2655,7 +2649,7 @@
       </p:sp>
       <p:sp>
         <p:nvSpPr>
-          <p:cNvPr id="53251" name="Rectangle 3"/>
+          <p:cNvPr id="109571" name="Rectangle 3"/>
           <p:cNvSpPr>
             <a:spLocks noGrp="1" noChangeArrowheads="1"/>
           </p:cNvSpPr>
@@ -2675,7 +2669,7 @@
     </p:spTree>
     <p:extLst>
       <p:ext uri="{BB962C8B-B14F-4D97-AF65-F5344CB8AC3E}">
-        <p14:creationId xmlns:p14="http://schemas.microsoft.com/office/powerpoint/2010/main" val="853039403"/>
+        <p14:creationId xmlns:p14="http://schemas.microsoft.com/office/powerpoint/2010/main" val="4066499739"/>
       </p:ext>
     </p:extLst>
   </p:cSld>
@@ -2704,7 +2698,7 @@
       </p:grpSpPr>
       <p:sp>
         <p:nvSpPr>
-          <p:cNvPr id="57346" name="Rectangle 2"/>
+          <p:cNvPr id="110594" name="Rectangle 2"/>
           <p:cNvSpPr>
             <a:spLocks noGrp="1" noRot="1" noChangeAspect="1" noChangeArrowheads="1" noTextEdit="1"/>
           </p:cNvSpPr>
@@ -2722,7 +2716,7 @@
       </p:sp>
       <p:sp>
         <p:nvSpPr>
-          <p:cNvPr id="57347" name="Rectangle 3"/>
+          <p:cNvPr id="110595" name="Rectangle 3"/>
           <p:cNvSpPr>
             <a:spLocks noGrp="1" noChangeArrowheads="1"/>
           </p:cNvSpPr>
@@ -2742,7 +2736,7 @@
     </p:spTree>
     <p:extLst>
       <p:ext uri="{BB962C8B-B14F-4D97-AF65-F5344CB8AC3E}">
-        <p14:creationId xmlns:p14="http://schemas.microsoft.com/office/powerpoint/2010/main" val="3345575456"/>
+        <p14:creationId xmlns:p14="http://schemas.microsoft.com/office/powerpoint/2010/main" val="419261818"/>
       </p:ext>
     </p:extLst>
   </p:cSld>
@@ -2771,7 +2765,7 @@
       </p:grpSpPr>
       <p:sp>
         <p:nvSpPr>
-          <p:cNvPr id="53250" name="Rectangle 2"/>
+          <p:cNvPr id="59394" name="Rectangle 2"/>
           <p:cNvSpPr>
             <a:spLocks noGrp="1" noRot="1" noChangeAspect="1" noChangeArrowheads="1" noTextEdit="1"/>
           </p:cNvSpPr>
@@ -2789,7 +2783,7 @@
       </p:sp>
       <p:sp>
         <p:nvSpPr>
-          <p:cNvPr id="53251" name="Rectangle 3"/>
+          <p:cNvPr id="59395" name="Rectangle 3"/>
           <p:cNvSpPr>
             <a:spLocks noGrp="1" noChangeArrowheads="1"/>
           </p:cNvSpPr>
@@ -2809,7 +2803,7 @@
     </p:spTree>
     <p:extLst>
       <p:ext uri="{BB962C8B-B14F-4D97-AF65-F5344CB8AC3E}">
-        <p14:creationId xmlns:p14="http://schemas.microsoft.com/office/powerpoint/2010/main" val="3614016699"/>
+        <p14:creationId xmlns:p14="http://schemas.microsoft.com/office/powerpoint/2010/main" val="2650640895"/>
       </p:ext>
     </p:extLst>
   </p:cSld>
@@ -2838,7 +2832,7 @@
       </p:grpSpPr>
       <p:sp>
         <p:nvSpPr>
-          <p:cNvPr id="53250" name="Rectangle 2"/>
+          <p:cNvPr id="60418" name="Rectangle 2"/>
           <p:cNvSpPr>
             <a:spLocks noGrp="1" noRot="1" noChangeAspect="1" noChangeArrowheads="1" noTextEdit="1"/>
           </p:cNvSpPr>
@@ -2856,7 +2850,7 @@
       </p:sp>
       <p:sp>
         <p:nvSpPr>
-          <p:cNvPr id="53251" name="Rectangle 3"/>
+          <p:cNvPr id="60419" name="Rectangle 3"/>
           <p:cNvSpPr>
             <a:spLocks noGrp="1" noChangeArrowheads="1"/>
           </p:cNvSpPr>
@@ -2876,7 +2870,7 @@
     </p:spTree>
     <p:extLst>
       <p:ext uri="{BB962C8B-B14F-4D97-AF65-F5344CB8AC3E}">
-        <p14:creationId xmlns:p14="http://schemas.microsoft.com/office/powerpoint/2010/main" val="452036969"/>
+        <p14:creationId xmlns:p14="http://schemas.microsoft.com/office/powerpoint/2010/main" val="711567164"/>
       </p:ext>
     </p:extLst>
   </p:cSld>
@@ -2972,408 +2966,6 @@
       </p:grpSpPr>
       <p:sp>
         <p:nvSpPr>
-          <p:cNvPr id="107522" name="Rectangle 2"/>
-          <p:cNvSpPr>
-            <a:spLocks noGrp="1" noRot="1" noChangeAspect="1" noChangeArrowheads="1" noTextEdit="1"/>
-          </p:cNvSpPr>
-          <p:nvPr>
-            <p:ph type="sldImg"/>
-          </p:nvPr>
-        </p:nvSpPr>
-        <p:spPr>
-          <a:xfrm>
-            <a:off x="1150938" y="692150"/>
-            <a:ext cx="4556125" cy="3416300"/>
-          </a:xfrm>
-          <a:ln/>
-        </p:spPr>
-      </p:sp>
-      <p:sp>
-        <p:nvSpPr>
-          <p:cNvPr id="107523" name="Rectangle 3"/>
-          <p:cNvSpPr>
-            <a:spLocks noGrp="1" noChangeArrowheads="1"/>
-          </p:cNvSpPr>
-          <p:nvPr>
-            <p:ph type="body" idx="1"/>
-          </p:nvPr>
-        </p:nvSpPr>
-        <p:spPr/>
-        <p:txBody>
-          <a:bodyPr/>
-          <a:lstStyle/>
-          <a:p>
-            <a:endParaRPr lang="es-CL"/>
-          </a:p>
-        </p:txBody>
-      </p:sp>
-    </p:spTree>
-    <p:extLst>
-      <p:ext uri="{BB962C8B-B14F-4D97-AF65-F5344CB8AC3E}">
-        <p14:creationId xmlns:p14="http://schemas.microsoft.com/office/powerpoint/2010/main" val="2436132892"/>
-      </p:ext>
-    </p:extLst>
-  </p:cSld>
-  <p:clrMapOvr>
-    <a:masterClrMapping/>
-  </p:clrMapOvr>
-</p:notes>
-</file>
-
-<file path=ppt/notesSlides/notesSlide41.xml><?xml version="1.0" encoding="utf-8"?>
-<p:notes xmlns:a="http://schemas.openxmlformats.org/drawingml/2006/main" xmlns:r="http://schemas.openxmlformats.org/officeDocument/2006/relationships" xmlns:p="http://schemas.openxmlformats.org/presentationml/2006/main">
-  <p:cSld>
-    <p:spTree>
-      <p:nvGrpSpPr>
-        <p:cNvPr id="1" name=""/>
-        <p:cNvGrpSpPr/>
-        <p:nvPr/>
-      </p:nvGrpSpPr>
-      <p:grpSpPr>
-        <a:xfrm>
-          <a:off x="0" y="0"/>
-          <a:ext cx="0" cy="0"/>
-          <a:chOff x="0" y="0"/>
-          <a:chExt cx="0" cy="0"/>
-        </a:xfrm>
-      </p:grpSpPr>
-      <p:sp>
-        <p:nvSpPr>
-          <p:cNvPr id="108546" name="Rectangle 2"/>
-          <p:cNvSpPr>
-            <a:spLocks noGrp="1" noRot="1" noChangeAspect="1" noChangeArrowheads="1" noTextEdit="1"/>
-          </p:cNvSpPr>
-          <p:nvPr>
-            <p:ph type="sldImg"/>
-          </p:nvPr>
-        </p:nvSpPr>
-        <p:spPr>
-          <a:xfrm>
-            <a:off x="1150938" y="692150"/>
-            <a:ext cx="4556125" cy="3416300"/>
-          </a:xfrm>
-          <a:ln/>
-        </p:spPr>
-      </p:sp>
-      <p:sp>
-        <p:nvSpPr>
-          <p:cNvPr id="108547" name="Rectangle 3"/>
-          <p:cNvSpPr>
-            <a:spLocks noGrp="1" noChangeArrowheads="1"/>
-          </p:cNvSpPr>
-          <p:nvPr>
-            <p:ph type="body" idx="1"/>
-          </p:nvPr>
-        </p:nvSpPr>
-        <p:spPr/>
-        <p:txBody>
-          <a:bodyPr/>
-          <a:lstStyle/>
-          <a:p>
-            <a:endParaRPr lang="es-CL"/>
-          </a:p>
-        </p:txBody>
-      </p:sp>
-    </p:spTree>
-    <p:extLst>
-      <p:ext uri="{BB962C8B-B14F-4D97-AF65-F5344CB8AC3E}">
-        <p14:creationId xmlns:p14="http://schemas.microsoft.com/office/powerpoint/2010/main" val="2129902066"/>
-      </p:ext>
-    </p:extLst>
-  </p:cSld>
-  <p:clrMapOvr>
-    <a:masterClrMapping/>
-  </p:clrMapOvr>
-</p:notes>
-</file>
-
-<file path=ppt/notesSlides/notesSlide42.xml><?xml version="1.0" encoding="utf-8"?>
-<p:notes xmlns:a="http://schemas.openxmlformats.org/drawingml/2006/main" xmlns:r="http://schemas.openxmlformats.org/officeDocument/2006/relationships" xmlns:p="http://schemas.openxmlformats.org/presentationml/2006/main">
-  <p:cSld>
-    <p:spTree>
-      <p:nvGrpSpPr>
-        <p:cNvPr id="1" name=""/>
-        <p:cNvGrpSpPr/>
-        <p:nvPr/>
-      </p:nvGrpSpPr>
-      <p:grpSpPr>
-        <a:xfrm>
-          <a:off x="0" y="0"/>
-          <a:ext cx="0" cy="0"/>
-          <a:chOff x="0" y="0"/>
-          <a:chExt cx="0" cy="0"/>
-        </a:xfrm>
-      </p:grpSpPr>
-      <p:sp>
-        <p:nvSpPr>
-          <p:cNvPr id="109570" name="Rectangle 2"/>
-          <p:cNvSpPr>
-            <a:spLocks noGrp="1" noRot="1" noChangeAspect="1" noChangeArrowheads="1" noTextEdit="1"/>
-          </p:cNvSpPr>
-          <p:nvPr>
-            <p:ph type="sldImg"/>
-          </p:nvPr>
-        </p:nvSpPr>
-        <p:spPr>
-          <a:xfrm>
-            <a:off x="1150938" y="692150"/>
-            <a:ext cx="4556125" cy="3416300"/>
-          </a:xfrm>
-          <a:ln/>
-        </p:spPr>
-      </p:sp>
-      <p:sp>
-        <p:nvSpPr>
-          <p:cNvPr id="109571" name="Rectangle 3"/>
-          <p:cNvSpPr>
-            <a:spLocks noGrp="1" noChangeArrowheads="1"/>
-          </p:cNvSpPr>
-          <p:nvPr>
-            <p:ph type="body" idx="1"/>
-          </p:nvPr>
-        </p:nvSpPr>
-        <p:spPr/>
-        <p:txBody>
-          <a:bodyPr/>
-          <a:lstStyle/>
-          <a:p>
-            <a:endParaRPr lang="es-CL"/>
-          </a:p>
-        </p:txBody>
-      </p:sp>
-    </p:spTree>
-    <p:extLst>
-      <p:ext uri="{BB962C8B-B14F-4D97-AF65-F5344CB8AC3E}">
-        <p14:creationId xmlns:p14="http://schemas.microsoft.com/office/powerpoint/2010/main" val="4066499739"/>
-      </p:ext>
-    </p:extLst>
-  </p:cSld>
-  <p:clrMapOvr>
-    <a:masterClrMapping/>
-  </p:clrMapOvr>
-</p:notes>
-</file>
-
-<file path=ppt/notesSlides/notesSlide43.xml><?xml version="1.0" encoding="utf-8"?>
-<p:notes xmlns:a="http://schemas.openxmlformats.org/drawingml/2006/main" xmlns:r="http://schemas.openxmlformats.org/officeDocument/2006/relationships" xmlns:p="http://schemas.openxmlformats.org/presentationml/2006/main">
-  <p:cSld>
-    <p:spTree>
-      <p:nvGrpSpPr>
-        <p:cNvPr id="1" name=""/>
-        <p:cNvGrpSpPr/>
-        <p:nvPr/>
-      </p:nvGrpSpPr>
-      <p:grpSpPr>
-        <a:xfrm>
-          <a:off x="0" y="0"/>
-          <a:ext cx="0" cy="0"/>
-          <a:chOff x="0" y="0"/>
-          <a:chExt cx="0" cy="0"/>
-        </a:xfrm>
-      </p:grpSpPr>
-      <p:sp>
-        <p:nvSpPr>
-          <p:cNvPr id="110594" name="Rectangle 2"/>
-          <p:cNvSpPr>
-            <a:spLocks noGrp="1" noRot="1" noChangeAspect="1" noChangeArrowheads="1" noTextEdit="1"/>
-          </p:cNvSpPr>
-          <p:nvPr>
-            <p:ph type="sldImg"/>
-          </p:nvPr>
-        </p:nvSpPr>
-        <p:spPr>
-          <a:xfrm>
-            <a:off x="1150938" y="692150"/>
-            <a:ext cx="4556125" cy="3416300"/>
-          </a:xfrm>
-          <a:ln/>
-        </p:spPr>
-      </p:sp>
-      <p:sp>
-        <p:nvSpPr>
-          <p:cNvPr id="110595" name="Rectangle 3"/>
-          <p:cNvSpPr>
-            <a:spLocks noGrp="1" noChangeArrowheads="1"/>
-          </p:cNvSpPr>
-          <p:nvPr>
-            <p:ph type="body" idx="1"/>
-          </p:nvPr>
-        </p:nvSpPr>
-        <p:spPr/>
-        <p:txBody>
-          <a:bodyPr/>
-          <a:lstStyle/>
-          <a:p>
-            <a:endParaRPr lang="es-CL"/>
-          </a:p>
-        </p:txBody>
-      </p:sp>
-    </p:spTree>
-    <p:extLst>
-      <p:ext uri="{BB962C8B-B14F-4D97-AF65-F5344CB8AC3E}">
-        <p14:creationId xmlns:p14="http://schemas.microsoft.com/office/powerpoint/2010/main" val="419261818"/>
-      </p:ext>
-    </p:extLst>
-  </p:cSld>
-  <p:clrMapOvr>
-    <a:masterClrMapping/>
-  </p:clrMapOvr>
-</p:notes>
-</file>
-
-<file path=ppt/notesSlides/notesSlide44.xml><?xml version="1.0" encoding="utf-8"?>
-<p:notes xmlns:a="http://schemas.openxmlformats.org/drawingml/2006/main" xmlns:r="http://schemas.openxmlformats.org/officeDocument/2006/relationships" xmlns:p="http://schemas.openxmlformats.org/presentationml/2006/main">
-  <p:cSld>
-    <p:spTree>
-      <p:nvGrpSpPr>
-        <p:cNvPr id="1" name=""/>
-        <p:cNvGrpSpPr/>
-        <p:nvPr/>
-      </p:nvGrpSpPr>
-      <p:grpSpPr>
-        <a:xfrm>
-          <a:off x="0" y="0"/>
-          <a:ext cx="0" cy="0"/>
-          <a:chOff x="0" y="0"/>
-          <a:chExt cx="0" cy="0"/>
-        </a:xfrm>
-      </p:grpSpPr>
-      <p:sp>
-        <p:nvSpPr>
-          <p:cNvPr id="59394" name="Rectangle 2"/>
-          <p:cNvSpPr>
-            <a:spLocks noGrp="1" noRot="1" noChangeAspect="1" noChangeArrowheads="1" noTextEdit="1"/>
-          </p:cNvSpPr>
-          <p:nvPr>
-            <p:ph type="sldImg"/>
-          </p:nvPr>
-        </p:nvSpPr>
-        <p:spPr>
-          <a:xfrm>
-            <a:off x="1150938" y="692150"/>
-            <a:ext cx="4556125" cy="3416300"/>
-          </a:xfrm>
-          <a:ln/>
-        </p:spPr>
-      </p:sp>
-      <p:sp>
-        <p:nvSpPr>
-          <p:cNvPr id="59395" name="Rectangle 3"/>
-          <p:cNvSpPr>
-            <a:spLocks noGrp="1" noChangeArrowheads="1"/>
-          </p:cNvSpPr>
-          <p:nvPr>
-            <p:ph type="body" idx="1"/>
-          </p:nvPr>
-        </p:nvSpPr>
-        <p:spPr/>
-        <p:txBody>
-          <a:bodyPr/>
-          <a:lstStyle/>
-          <a:p>
-            <a:endParaRPr lang="es-CL"/>
-          </a:p>
-        </p:txBody>
-      </p:sp>
-    </p:spTree>
-    <p:extLst>
-      <p:ext uri="{BB962C8B-B14F-4D97-AF65-F5344CB8AC3E}">
-        <p14:creationId xmlns:p14="http://schemas.microsoft.com/office/powerpoint/2010/main" val="2650640895"/>
-      </p:ext>
-    </p:extLst>
-  </p:cSld>
-  <p:clrMapOvr>
-    <a:masterClrMapping/>
-  </p:clrMapOvr>
-</p:notes>
-</file>
-
-<file path=ppt/notesSlides/notesSlide45.xml><?xml version="1.0" encoding="utf-8"?>
-<p:notes xmlns:a="http://schemas.openxmlformats.org/drawingml/2006/main" xmlns:r="http://schemas.openxmlformats.org/officeDocument/2006/relationships" xmlns:p="http://schemas.openxmlformats.org/presentationml/2006/main">
-  <p:cSld>
-    <p:spTree>
-      <p:nvGrpSpPr>
-        <p:cNvPr id="1" name=""/>
-        <p:cNvGrpSpPr/>
-        <p:nvPr/>
-      </p:nvGrpSpPr>
-      <p:grpSpPr>
-        <a:xfrm>
-          <a:off x="0" y="0"/>
-          <a:ext cx="0" cy="0"/>
-          <a:chOff x="0" y="0"/>
-          <a:chExt cx="0" cy="0"/>
-        </a:xfrm>
-      </p:grpSpPr>
-      <p:sp>
-        <p:nvSpPr>
-          <p:cNvPr id="60418" name="Rectangle 2"/>
-          <p:cNvSpPr>
-            <a:spLocks noGrp="1" noRot="1" noChangeAspect="1" noChangeArrowheads="1" noTextEdit="1"/>
-          </p:cNvSpPr>
-          <p:nvPr>
-            <p:ph type="sldImg"/>
-          </p:nvPr>
-        </p:nvSpPr>
-        <p:spPr>
-          <a:xfrm>
-            <a:off x="1150938" y="692150"/>
-            <a:ext cx="4556125" cy="3416300"/>
-          </a:xfrm>
-          <a:ln/>
-        </p:spPr>
-      </p:sp>
-      <p:sp>
-        <p:nvSpPr>
-          <p:cNvPr id="60419" name="Rectangle 3"/>
-          <p:cNvSpPr>
-            <a:spLocks noGrp="1" noChangeArrowheads="1"/>
-          </p:cNvSpPr>
-          <p:nvPr>
-            <p:ph type="body" idx="1"/>
-          </p:nvPr>
-        </p:nvSpPr>
-        <p:spPr/>
-        <p:txBody>
-          <a:bodyPr/>
-          <a:lstStyle/>
-          <a:p>
-            <a:endParaRPr lang="es-CL"/>
-          </a:p>
-        </p:txBody>
-      </p:sp>
-    </p:spTree>
-    <p:extLst>
-      <p:ext uri="{BB962C8B-B14F-4D97-AF65-F5344CB8AC3E}">
-        <p14:creationId xmlns:p14="http://schemas.microsoft.com/office/powerpoint/2010/main" val="711567164"/>
-      </p:ext>
-    </p:extLst>
-  </p:cSld>
-  <p:clrMapOvr>
-    <a:masterClrMapping/>
-  </p:clrMapOvr>
-</p:notes>
-</file>
-
-<file path=ppt/notesSlides/notesSlide46.xml><?xml version="1.0" encoding="utf-8"?>
-<p:notes xmlns:a="http://schemas.openxmlformats.org/drawingml/2006/main" xmlns:r="http://schemas.openxmlformats.org/officeDocument/2006/relationships" xmlns:p="http://schemas.openxmlformats.org/presentationml/2006/main">
-  <p:cSld>
-    <p:spTree>
-      <p:nvGrpSpPr>
-        <p:cNvPr id="1" name=""/>
-        <p:cNvGrpSpPr/>
-        <p:nvPr/>
-      </p:nvGrpSpPr>
-      <p:grpSpPr>
-        <a:xfrm>
-          <a:off x="0" y="0"/>
-          <a:ext cx="0" cy="0"/>
-          <a:chOff x="0" y="0"/>
-          <a:chExt cx="0" cy="0"/>
-        </a:xfrm>
-      </p:grpSpPr>
-      <p:sp>
-        <p:nvSpPr>
           <p:cNvPr id="111618" name="Rectangle 2"/>
           <p:cNvSpPr>
             <a:spLocks noGrp="1" noRot="1" noChangeAspect="1" noChangeArrowheads="1" noTextEdit="1"/>
@@ -3422,7 +3014,7 @@
 </p:notes>
 </file>
 
-<file path=ppt/notesSlides/notesSlide47.xml><?xml version="1.0" encoding="utf-8"?>
+<file path=ppt/notesSlides/notesSlide41.xml><?xml version="1.0" encoding="utf-8"?>
 <p:notes xmlns:a="http://schemas.openxmlformats.org/drawingml/2006/main" xmlns:r="http://schemas.openxmlformats.org/officeDocument/2006/relationships" xmlns:p="http://schemas.openxmlformats.org/presentationml/2006/main">
   <p:cSld>
     <p:spTree>
@@ -3489,7 +3081,7 @@
 </p:notes>
 </file>
 
-<file path=ppt/notesSlides/notesSlide48.xml><?xml version="1.0" encoding="utf-8"?>
+<file path=ppt/notesSlides/notesSlide42.xml><?xml version="1.0" encoding="utf-8"?>
 <p:notes xmlns:a="http://schemas.openxmlformats.org/drawingml/2006/main" xmlns:r="http://schemas.openxmlformats.org/officeDocument/2006/relationships" xmlns:p="http://schemas.openxmlformats.org/presentationml/2006/main">
   <p:cSld>
     <p:spTree>
@@ -3556,7 +3148,7 @@
 </p:notes>
 </file>
 
-<file path=ppt/notesSlides/notesSlide49.xml><?xml version="1.0" encoding="utf-8"?>
+<file path=ppt/notesSlides/notesSlide43.xml><?xml version="1.0" encoding="utf-8"?>
 <p:notes xmlns:a="http://schemas.openxmlformats.org/drawingml/2006/main" xmlns:r="http://schemas.openxmlformats.org/officeDocument/2006/relationships" xmlns:p="http://schemas.openxmlformats.org/presentationml/2006/main">
   <p:cSld>
     <p:spTree>
@@ -3614,6 +3206,274 @@
     <p:extLst>
       <p:ext uri="{BB962C8B-B14F-4D97-AF65-F5344CB8AC3E}">
         <p14:creationId xmlns:p14="http://schemas.microsoft.com/office/powerpoint/2010/main" val="1441852762"/>
+      </p:ext>
+    </p:extLst>
+  </p:cSld>
+  <p:clrMapOvr>
+    <a:masterClrMapping/>
+  </p:clrMapOvr>
+</p:notes>
+</file>
+
+<file path=ppt/notesSlides/notesSlide44.xml><?xml version="1.0" encoding="utf-8"?>
+<p:notes xmlns:a="http://schemas.openxmlformats.org/drawingml/2006/main" xmlns:r="http://schemas.openxmlformats.org/officeDocument/2006/relationships" xmlns:p="http://schemas.openxmlformats.org/presentationml/2006/main">
+  <p:cSld>
+    <p:spTree>
+      <p:nvGrpSpPr>
+        <p:cNvPr id="1" name=""/>
+        <p:cNvGrpSpPr/>
+        <p:nvPr/>
+      </p:nvGrpSpPr>
+      <p:grpSpPr>
+        <a:xfrm>
+          <a:off x="0" y="0"/>
+          <a:ext cx="0" cy="0"/>
+          <a:chOff x="0" y="0"/>
+          <a:chExt cx="0" cy="0"/>
+        </a:xfrm>
+      </p:grpSpPr>
+      <p:sp>
+        <p:nvSpPr>
+          <p:cNvPr id="113666" name="Rectangle 2"/>
+          <p:cNvSpPr>
+            <a:spLocks noGrp="1" noRot="1" noChangeAspect="1" noChangeArrowheads="1" noTextEdit="1"/>
+          </p:cNvSpPr>
+          <p:nvPr>
+            <p:ph type="sldImg"/>
+          </p:nvPr>
+        </p:nvSpPr>
+        <p:spPr>
+          <a:xfrm>
+            <a:off x="1150938" y="692150"/>
+            <a:ext cx="4556125" cy="3416300"/>
+          </a:xfrm>
+          <a:ln/>
+        </p:spPr>
+      </p:sp>
+      <p:sp>
+        <p:nvSpPr>
+          <p:cNvPr id="113667" name="Rectangle 3"/>
+          <p:cNvSpPr>
+            <a:spLocks noGrp="1" noChangeArrowheads="1"/>
+          </p:cNvSpPr>
+          <p:nvPr>
+            <p:ph type="body" idx="1"/>
+          </p:nvPr>
+        </p:nvSpPr>
+        <p:spPr/>
+        <p:txBody>
+          <a:bodyPr/>
+          <a:lstStyle/>
+          <a:p>
+            <a:endParaRPr lang="es-CL"/>
+          </a:p>
+        </p:txBody>
+      </p:sp>
+    </p:spTree>
+    <p:extLst>
+      <p:ext uri="{BB962C8B-B14F-4D97-AF65-F5344CB8AC3E}">
+        <p14:creationId xmlns:p14="http://schemas.microsoft.com/office/powerpoint/2010/main" val="1001423352"/>
+      </p:ext>
+    </p:extLst>
+  </p:cSld>
+  <p:clrMapOvr>
+    <a:masterClrMapping/>
+  </p:clrMapOvr>
+</p:notes>
+</file>
+
+<file path=ppt/notesSlides/notesSlide45.xml><?xml version="1.0" encoding="utf-8"?>
+<p:notes xmlns:a="http://schemas.openxmlformats.org/drawingml/2006/main" xmlns:r="http://schemas.openxmlformats.org/officeDocument/2006/relationships" xmlns:p="http://schemas.openxmlformats.org/presentationml/2006/main">
+  <p:cSld>
+    <p:spTree>
+      <p:nvGrpSpPr>
+        <p:cNvPr id="1" name=""/>
+        <p:cNvGrpSpPr/>
+        <p:nvPr/>
+      </p:nvGrpSpPr>
+      <p:grpSpPr>
+        <a:xfrm>
+          <a:off x="0" y="0"/>
+          <a:ext cx="0" cy="0"/>
+          <a:chOff x="0" y="0"/>
+          <a:chExt cx="0" cy="0"/>
+        </a:xfrm>
+      </p:grpSpPr>
+      <p:sp>
+        <p:nvSpPr>
+          <p:cNvPr id="63490" name="Rectangle 2"/>
+          <p:cNvSpPr>
+            <a:spLocks noGrp="1" noRot="1" noChangeAspect="1" noChangeArrowheads="1" noTextEdit="1"/>
+          </p:cNvSpPr>
+          <p:nvPr>
+            <p:ph type="sldImg"/>
+          </p:nvPr>
+        </p:nvSpPr>
+        <p:spPr>
+          <a:xfrm>
+            <a:off x="1150938" y="692150"/>
+            <a:ext cx="4556125" cy="3416300"/>
+          </a:xfrm>
+          <a:ln/>
+        </p:spPr>
+      </p:sp>
+      <p:sp>
+        <p:nvSpPr>
+          <p:cNvPr id="63491" name="Rectangle 3"/>
+          <p:cNvSpPr>
+            <a:spLocks noGrp="1" noChangeArrowheads="1"/>
+          </p:cNvSpPr>
+          <p:nvPr>
+            <p:ph type="body" idx="1"/>
+          </p:nvPr>
+        </p:nvSpPr>
+        <p:spPr/>
+        <p:txBody>
+          <a:bodyPr/>
+          <a:lstStyle/>
+          <a:p>
+            <a:endParaRPr lang="es-CL"/>
+          </a:p>
+        </p:txBody>
+      </p:sp>
+    </p:spTree>
+    <p:extLst>
+      <p:ext uri="{BB962C8B-B14F-4D97-AF65-F5344CB8AC3E}">
+        <p14:creationId xmlns:p14="http://schemas.microsoft.com/office/powerpoint/2010/main" val="839472854"/>
+      </p:ext>
+    </p:extLst>
+  </p:cSld>
+  <p:clrMapOvr>
+    <a:masterClrMapping/>
+  </p:clrMapOvr>
+</p:notes>
+</file>
+
+<file path=ppt/notesSlides/notesSlide46.xml><?xml version="1.0" encoding="utf-8"?>
+<p:notes xmlns:a="http://schemas.openxmlformats.org/drawingml/2006/main" xmlns:r="http://schemas.openxmlformats.org/officeDocument/2006/relationships" xmlns:p="http://schemas.openxmlformats.org/presentationml/2006/main">
+  <p:cSld>
+    <p:spTree>
+      <p:nvGrpSpPr>
+        <p:cNvPr id="1" name=""/>
+        <p:cNvGrpSpPr/>
+        <p:nvPr/>
+      </p:nvGrpSpPr>
+      <p:grpSpPr>
+        <a:xfrm>
+          <a:off x="0" y="0"/>
+          <a:ext cx="0" cy="0"/>
+          <a:chOff x="0" y="0"/>
+          <a:chExt cx="0" cy="0"/>
+        </a:xfrm>
+      </p:grpSpPr>
+      <p:sp>
+        <p:nvSpPr>
+          <p:cNvPr id="64514" name="Rectangle 2"/>
+          <p:cNvSpPr>
+            <a:spLocks noGrp="1" noRot="1" noChangeAspect="1" noChangeArrowheads="1" noTextEdit="1"/>
+          </p:cNvSpPr>
+          <p:nvPr>
+            <p:ph type="sldImg"/>
+          </p:nvPr>
+        </p:nvSpPr>
+        <p:spPr>
+          <a:xfrm>
+            <a:off x="1150938" y="692150"/>
+            <a:ext cx="4556125" cy="3416300"/>
+          </a:xfrm>
+          <a:ln/>
+        </p:spPr>
+      </p:sp>
+      <p:sp>
+        <p:nvSpPr>
+          <p:cNvPr id="64515" name="Rectangle 3"/>
+          <p:cNvSpPr>
+            <a:spLocks noGrp="1" noChangeArrowheads="1"/>
+          </p:cNvSpPr>
+          <p:nvPr>
+            <p:ph type="body" idx="1"/>
+          </p:nvPr>
+        </p:nvSpPr>
+        <p:spPr/>
+        <p:txBody>
+          <a:bodyPr/>
+          <a:lstStyle/>
+          <a:p>
+            <a:endParaRPr lang="es-CL"/>
+          </a:p>
+        </p:txBody>
+      </p:sp>
+    </p:spTree>
+    <p:extLst>
+      <p:ext uri="{BB962C8B-B14F-4D97-AF65-F5344CB8AC3E}">
+        <p14:creationId xmlns:p14="http://schemas.microsoft.com/office/powerpoint/2010/main" val="3509784983"/>
+      </p:ext>
+    </p:extLst>
+  </p:cSld>
+  <p:clrMapOvr>
+    <a:masterClrMapping/>
+  </p:clrMapOvr>
+</p:notes>
+</file>
+
+<file path=ppt/notesSlides/notesSlide47.xml><?xml version="1.0" encoding="utf-8"?>
+<p:notes xmlns:a="http://schemas.openxmlformats.org/drawingml/2006/main" xmlns:r="http://schemas.openxmlformats.org/officeDocument/2006/relationships" xmlns:p="http://schemas.openxmlformats.org/presentationml/2006/main">
+  <p:cSld>
+    <p:spTree>
+      <p:nvGrpSpPr>
+        <p:cNvPr id="1" name=""/>
+        <p:cNvGrpSpPr/>
+        <p:nvPr/>
+      </p:nvGrpSpPr>
+      <p:grpSpPr>
+        <a:xfrm>
+          <a:off x="0" y="0"/>
+          <a:ext cx="0" cy="0"/>
+          <a:chOff x="0" y="0"/>
+          <a:chExt cx="0" cy="0"/>
+        </a:xfrm>
+      </p:grpSpPr>
+      <p:sp>
+        <p:nvSpPr>
+          <p:cNvPr id="95234" name="Rectangle 2"/>
+          <p:cNvSpPr>
+            <a:spLocks noGrp="1" noRot="1" noChangeAspect="1" noChangeArrowheads="1" noTextEdit="1"/>
+          </p:cNvSpPr>
+          <p:nvPr>
+            <p:ph type="sldImg"/>
+          </p:nvPr>
+        </p:nvSpPr>
+        <p:spPr>
+          <a:xfrm>
+            <a:off x="1150938" y="692150"/>
+            <a:ext cx="4556125" cy="3416300"/>
+          </a:xfrm>
+          <a:ln/>
+        </p:spPr>
+      </p:sp>
+      <p:sp>
+        <p:nvSpPr>
+          <p:cNvPr id="95235" name="Rectangle 3"/>
+          <p:cNvSpPr>
+            <a:spLocks noGrp="1" noChangeArrowheads="1"/>
+          </p:cNvSpPr>
+          <p:nvPr>
+            <p:ph type="body" idx="1"/>
+          </p:nvPr>
+        </p:nvSpPr>
+        <p:spPr/>
+        <p:txBody>
+          <a:bodyPr/>
+          <a:lstStyle/>
+          <a:p>
+            <a:endParaRPr lang="es-CL"/>
+          </a:p>
+        </p:txBody>
+      </p:sp>
+    </p:spTree>
+    <p:extLst>
+      <p:ext uri="{BB962C8B-B14F-4D97-AF65-F5344CB8AC3E}">
+        <p14:creationId xmlns:p14="http://schemas.microsoft.com/office/powerpoint/2010/main" val="2722939874"/>
       </p:ext>
     </p:extLst>
   </p:cSld>
@@ -3681,274 +3541,6 @@
     <p:extLst>
       <p:ext uri="{BB962C8B-B14F-4D97-AF65-F5344CB8AC3E}">
         <p14:creationId xmlns:p14="http://schemas.microsoft.com/office/powerpoint/2010/main" val="465032485"/>
-      </p:ext>
-    </p:extLst>
-  </p:cSld>
-  <p:clrMapOvr>
-    <a:masterClrMapping/>
-  </p:clrMapOvr>
-</p:notes>
-</file>
-
-<file path=ppt/notesSlides/notesSlide50.xml><?xml version="1.0" encoding="utf-8"?>
-<p:notes xmlns:a="http://schemas.openxmlformats.org/drawingml/2006/main" xmlns:r="http://schemas.openxmlformats.org/officeDocument/2006/relationships" xmlns:p="http://schemas.openxmlformats.org/presentationml/2006/main">
-  <p:cSld>
-    <p:spTree>
-      <p:nvGrpSpPr>
-        <p:cNvPr id="1" name=""/>
-        <p:cNvGrpSpPr/>
-        <p:nvPr/>
-      </p:nvGrpSpPr>
-      <p:grpSpPr>
-        <a:xfrm>
-          <a:off x="0" y="0"/>
-          <a:ext cx="0" cy="0"/>
-          <a:chOff x="0" y="0"/>
-          <a:chExt cx="0" cy="0"/>
-        </a:xfrm>
-      </p:grpSpPr>
-      <p:sp>
-        <p:nvSpPr>
-          <p:cNvPr id="113666" name="Rectangle 2"/>
-          <p:cNvSpPr>
-            <a:spLocks noGrp="1" noRot="1" noChangeAspect="1" noChangeArrowheads="1" noTextEdit="1"/>
-          </p:cNvSpPr>
-          <p:nvPr>
-            <p:ph type="sldImg"/>
-          </p:nvPr>
-        </p:nvSpPr>
-        <p:spPr>
-          <a:xfrm>
-            <a:off x="1150938" y="692150"/>
-            <a:ext cx="4556125" cy="3416300"/>
-          </a:xfrm>
-          <a:ln/>
-        </p:spPr>
-      </p:sp>
-      <p:sp>
-        <p:nvSpPr>
-          <p:cNvPr id="113667" name="Rectangle 3"/>
-          <p:cNvSpPr>
-            <a:spLocks noGrp="1" noChangeArrowheads="1"/>
-          </p:cNvSpPr>
-          <p:nvPr>
-            <p:ph type="body" idx="1"/>
-          </p:nvPr>
-        </p:nvSpPr>
-        <p:spPr/>
-        <p:txBody>
-          <a:bodyPr/>
-          <a:lstStyle/>
-          <a:p>
-            <a:endParaRPr lang="es-CL"/>
-          </a:p>
-        </p:txBody>
-      </p:sp>
-    </p:spTree>
-    <p:extLst>
-      <p:ext uri="{BB962C8B-B14F-4D97-AF65-F5344CB8AC3E}">
-        <p14:creationId xmlns:p14="http://schemas.microsoft.com/office/powerpoint/2010/main" val="1001423352"/>
-      </p:ext>
-    </p:extLst>
-  </p:cSld>
-  <p:clrMapOvr>
-    <a:masterClrMapping/>
-  </p:clrMapOvr>
-</p:notes>
-</file>
-
-<file path=ppt/notesSlides/notesSlide51.xml><?xml version="1.0" encoding="utf-8"?>
-<p:notes xmlns:a="http://schemas.openxmlformats.org/drawingml/2006/main" xmlns:r="http://schemas.openxmlformats.org/officeDocument/2006/relationships" xmlns:p="http://schemas.openxmlformats.org/presentationml/2006/main">
-  <p:cSld>
-    <p:spTree>
-      <p:nvGrpSpPr>
-        <p:cNvPr id="1" name=""/>
-        <p:cNvGrpSpPr/>
-        <p:nvPr/>
-      </p:nvGrpSpPr>
-      <p:grpSpPr>
-        <a:xfrm>
-          <a:off x="0" y="0"/>
-          <a:ext cx="0" cy="0"/>
-          <a:chOff x="0" y="0"/>
-          <a:chExt cx="0" cy="0"/>
-        </a:xfrm>
-      </p:grpSpPr>
-      <p:sp>
-        <p:nvSpPr>
-          <p:cNvPr id="63490" name="Rectangle 2"/>
-          <p:cNvSpPr>
-            <a:spLocks noGrp="1" noRot="1" noChangeAspect="1" noChangeArrowheads="1" noTextEdit="1"/>
-          </p:cNvSpPr>
-          <p:nvPr>
-            <p:ph type="sldImg"/>
-          </p:nvPr>
-        </p:nvSpPr>
-        <p:spPr>
-          <a:xfrm>
-            <a:off x="1150938" y="692150"/>
-            <a:ext cx="4556125" cy="3416300"/>
-          </a:xfrm>
-          <a:ln/>
-        </p:spPr>
-      </p:sp>
-      <p:sp>
-        <p:nvSpPr>
-          <p:cNvPr id="63491" name="Rectangle 3"/>
-          <p:cNvSpPr>
-            <a:spLocks noGrp="1" noChangeArrowheads="1"/>
-          </p:cNvSpPr>
-          <p:nvPr>
-            <p:ph type="body" idx="1"/>
-          </p:nvPr>
-        </p:nvSpPr>
-        <p:spPr/>
-        <p:txBody>
-          <a:bodyPr/>
-          <a:lstStyle/>
-          <a:p>
-            <a:endParaRPr lang="es-CL"/>
-          </a:p>
-        </p:txBody>
-      </p:sp>
-    </p:spTree>
-    <p:extLst>
-      <p:ext uri="{BB962C8B-B14F-4D97-AF65-F5344CB8AC3E}">
-        <p14:creationId xmlns:p14="http://schemas.microsoft.com/office/powerpoint/2010/main" val="839472854"/>
-      </p:ext>
-    </p:extLst>
-  </p:cSld>
-  <p:clrMapOvr>
-    <a:masterClrMapping/>
-  </p:clrMapOvr>
-</p:notes>
-</file>
-
-<file path=ppt/notesSlides/notesSlide52.xml><?xml version="1.0" encoding="utf-8"?>
-<p:notes xmlns:a="http://schemas.openxmlformats.org/drawingml/2006/main" xmlns:r="http://schemas.openxmlformats.org/officeDocument/2006/relationships" xmlns:p="http://schemas.openxmlformats.org/presentationml/2006/main">
-  <p:cSld>
-    <p:spTree>
-      <p:nvGrpSpPr>
-        <p:cNvPr id="1" name=""/>
-        <p:cNvGrpSpPr/>
-        <p:nvPr/>
-      </p:nvGrpSpPr>
-      <p:grpSpPr>
-        <a:xfrm>
-          <a:off x="0" y="0"/>
-          <a:ext cx="0" cy="0"/>
-          <a:chOff x="0" y="0"/>
-          <a:chExt cx="0" cy="0"/>
-        </a:xfrm>
-      </p:grpSpPr>
-      <p:sp>
-        <p:nvSpPr>
-          <p:cNvPr id="64514" name="Rectangle 2"/>
-          <p:cNvSpPr>
-            <a:spLocks noGrp="1" noRot="1" noChangeAspect="1" noChangeArrowheads="1" noTextEdit="1"/>
-          </p:cNvSpPr>
-          <p:nvPr>
-            <p:ph type="sldImg"/>
-          </p:nvPr>
-        </p:nvSpPr>
-        <p:spPr>
-          <a:xfrm>
-            <a:off x="1150938" y="692150"/>
-            <a:ext cx="4556125" cy="3416300"/>
-          </a:xfrm>
-          <a:ln/>
-        </p:spPr>
-      </p:sp>
-      <p:sp>
-        <p:nvSpPr>
-          <p:cNvPr id="64515" name="Rectangle 3"/>
-          <p:cNvSpPr>
-            <a:spLocks noGrp="1" noChangeArrowheads="1"/>
-          </p:cNvSpPr>
-          <p:nvPr>
-            <p:ph type="body" idx="1"/>
-          </p:nvPr>
-        </p:nvSpPr>
-        <p:spPr/>
-        <p:txBody>
-          <a:bodyPr/>
-          <a:lstStyle/>
-          <a:p>
-            <a:endParaRPr lang="es-CL"/>
-          </a:p>
-        </p:txBody>
-      </p:sp>
-    </p:spTree>
-    <p:extLst>
-      <p:ext uri="{BB962C8B-B14F-4D97-AF65-F5344CB8AC3E}">
-        <p14:creationId xmlns:p14="http://schemas.microsoft.com/office/powerpoint/2010/main" val="3509784983"/>
-      </p:ext>
-    </p:extLst>
-  </p:cSld>
-  <p:clrMapOvr>
-    <a:masterClrMapping/>
-  </p:clrMapOvr>
-</p:notes>
-</file>
-
-<file path=ppt/notesSlides/notesSlide53.xml><?xml version="1.0" encoding="utf-8"?>
-<p:notes xmlns:a="http://schemas.openxmlformats.org/drawingml/2006/main" xmlns:r="http://schemas.openxmlformats.org/officeDocument/2006/relationships" xmlns:p="http://schemas.openxmlformats.org/presentationml/2006/main">
-  <p:cSld>
-    <p:spTree>
-      <p:nvGrpSpPr>
-        <p:cNvPr id="1" name=""/>
-        <p:cNvGrpSpPr/>
-        <p:nvPr/>
-      </p:nvGrpSpPr>
-      <p:grpSpPr>
-        <a:xfrm>
-          <a:off x="0" y="0"/>
-          <a:ext cx="0" cy="0"/>
-          <a:chOff x="0" y="0"/>
-          <a:chExt cx="0" cy="0"/>
-        </a:xfrm>
-      </p:grpSpPr>
-      <p:sp>
-        <p:nvSpPr>
-          <p:cNvPr id="95234" name="Rectangle 2"/>
-          <p:cNvSpPr>
-            <a:spLocks noGrp="1" noRot="1" noChangeAspect="1" noChangeArrowheads="1" noTextEdit="1"/>
-          </p:cNvSpPr>
-          <p:nvPr>
-            <p:ph type="sldImg"/>
-          </p:nvPr>
-        </p:nvSpPr>
-        <p:spPr>
-          <a:xfrm>
-            <a:off x="1150938" y="692150"/>
-            <a:ext cx="4556125" cy="3416300"/>
-          </a:xfrm>
-          <a:ln/>
-        </p:spPr>
-      </p:sp>
-      <p:sp>
-        <p:nvSpPr>
-          <p:cNvPr id="95235" name="Rectangle 3"/>
-          <p:cNvSpPr>
-            <a:spLocks noGrp="1" noChangeArrowheads="1"/>
-          </p:cNvSpPr>
-          <p:nvPr>
-            <p:ph type="body" idx="1"/>
-          </p:nvPr>
-        </p:nvSpPr>
-        <p:spPr/>
-        <p:txBody>
-          <a:bodyPr/>
-          <a:lstStyle/>
-          <a:p>
-            <a:endParaRPr lang="es-CL"/>
-          </a:p>
-        </p:txBody>
-      </p:sp>
-    </p:spTree>
-    <p:extLst>
-      <p:ext uri="{BB962C8B-B14F-4D97-AF65-F5344CB8AC3E}">
-        <p14:creationId xmlns:p14="http://schemas.microsoft.com/office/powerpoint/2010/main" val="2722939874"/>
       </p:ext>
     </p:extLst>
   </p:cSld>
@@ -7294,7 +6886,7 @@
           <a:graphicData uri="http://schemas.openxmlformats.org/presentationml/2006/ole">
             <mc:AlternateContent xmlns:mc="http://schemas.openxmlformats.org/markup-compatibility/2006">
               <mc:Choice xmlns:v="urn:schemas-microsoft-com:vml" Requires="v">
-                <p:oleObj spid="_x0000_s1205266" name="Ecuación" r:id="rId4" imgW="126780" imgH="215526" progId="Equation.3">
+                <p:oleObj spid="_x0000_s1205268" name="Ecuación" r:id="rId4" imgW="126780" imgH="215526" progId="Equation.3">
                   <p:embed/>
                 </p:oleObj>
               </mc:Choice>
@@ -7364,7 +6956,7 @@
           <a:graphicData uri="http://schemas.openxmlformats.org/presentationml/2006/ole">
             <mc:AlternateContent xmlns:mc="http://schemas.openxmlformats.org/markup-compatibility/2006">
               <mc:Choice xmlns:v="urn:schemas-microsoft-com:vml" Requires="v">
-                <p:oleObj spid="_x0000_s1205267" name="Ecuación" r:id="rId6" imgW="152334" imgH="241195" progId="Equation.3">
+                <p:oleObj spid="_x0000_s1205269" name="Ecuación" r:id="rId6" imgW="152334" imgH="241195" progId="Equation.3">
                   <p:embed/>
                 </p:oleObj>
               </mc:Choice>
@@ -8035,7 +7627,7 @@
           <a:graphicData uri="http://schemas.openxmlformats.org/presentationml/2006/ole">
             <mc:AlternateContent xmlns:mc="http://schemas.openxmlformats.org/markup-compatibility/2006">
               <mc:Choice xmlns:v="urn:schemas-microsoft-com:vml" Requires="v">
-                <p:oleObj spid="_x0000_s1208346" name="Ecuación" r:id="rId4" imgW="1002865" imgH="431613" progId="Equation.3">
+                <p:oleObj spid="_x0000_s1208349" name="Ecuación" r:id="rId4" imgW="1002865" imgH="431613" progId="Equation.3">
                   <p:embed/>
                 </p:oleObj>
               </mc:Choice>
@@ -8105,7 +7697,7 @@
           <a:graphicData uri="http://schemas.openxmlformats.org/presentationml/2006/ole">
             <mc:AlternateContent xmlns:mc="http://schemas.openxmlformats.org/markup-compatibility/2006">
               <mc:Choice xmlns:v="urn:schemas-microsoft-com:vml" Requires="v">
-                <p:oleObj spid="_x0000_s1208347" name="Ecuación" r:id="rId6" imgW="1434477" imgH="495085" progId="Equation.3">
+                <p:oleObj spid="_x0000_s1208350" name="Ecuación" r:id="rId6" imgW="1434477" imgH="495085" progId="Equation.3">
                   <p:embed/>
                 </p:oleObj>
               </mc:Choice>
@@ -8175,7 +7767,7 @@
           <a:graphicData uri="http://schemas.openxmlformats.org/presentationml/2006/ole">
             <mc:AlternateContent xmlns:mc="http://schemas.openxmlformats.org/markup-compatibility/2006">
               <mc:Choice xmlns:v="urn:schemas-microsoft-com:vml" Requires="v">
-                <p:oleObj spid="_x0000_s1208348" name="Ecuación" r:id="rId8" imgW="965200" imgH="393700" progId="Equation.3">
+                <p:oleObj spid="_x0000_s1208351" name="Ecuación" r:id="rId8" imgW="965200" imgH="393700" progId="Equation.3">
                   <p:embed/>
                 </p:oleObj>
               </mc:Choice>
@@ -11179,31 +10771,49 @@
                 </a:solidFill>
                 <a:effectLst/>
               </a:rPr>
-              <a:t>Casi todos los programas para análisis de datos, permiten generar números aleatorios, por ejemplo Excel y SPSS.</a:t>
+              <a:t>Casi todos los programas para análisis de datos, permiten generar números aleatorios, por ejemplo </a:t>
+            </a:r>
+            <a:r>
+              <a:rPr lang="es-CL" dirty="0" smtClean="0">
+                <a:solidFill>
+                  <a:schemeClr val="bg1"/>
+                </a:solidFill>
+                <a:effectLst/>
+              </a:rPr>
+              <a:t>Excel.</a:t>
             </a:r>
           </a:p>
           <a:p>
             <a:pPr lvl="1"/>
             <a:r>
+              <a:rPr lang="es-CL" dirty="0" smtClean="0">
+                <a:solidFill>
+                  <a:schemeClr val="bg1"/>
+                </a:solidFill>
+                <a:effectLst/>
+              </a:rPr>
+              <a:t>Podemos generar 900 número aleatorios, uno para cada postulante de la población</a:t>
+            </a:r>
+          </a:p>
+          <a:p>
+            <a:pPr lvl="1"/>
+            <a:r>
+              <a:rPr lang="es-CL" dirty="0" smtClean="0">
+                <a:solidFill>
+                  <a:schemeClr val="bg1"/>
+                </a:solidFill>
+                <a:effectLst/>
+              </a:rPr>
+              <a:t>Entonces </a:t>
+            </a:r>
+            <a:r>
               <a:rPr lang="es-CL" dirty="0">
                 <a:solidFill>
                   <a:schemeClr val="bg1"/>
                 </a:solidFill>
                 <a:effectLst/>
               </a:rPr>
-              <a:t>Podemos generar 900 número aleatorios, uno para cada postulante de la población</a:t>
-            </a:r>
-          </a:p>
-          <a:p>
-            <a:pPr lvl="1"/>
-            <a:r>
-              <a:rPr lang="es-CL" dirty="0">
-                <a:solidFill>
-                  <a:schemeClr val="bg1"/>
-                </a:solidFill>
-                <a:effectLst/>
-              </a:rPr>
-              <a:t>Entonces escogemos los 30 postulantes con los 30 números aleatorios más pequeños (por ejemplo)</a:t>
+              <a:t>escogemos los 30 postulantes con los 30 números aleatorios más pequeños (por ejemplo)</a:t>
             </a:r>
           </a:p>
           <a:p>
@@ -11581,7 +11191,7 @@
           <a:graphicData uri="http://schemas.openxmlformats.org/presentationml/2006/ole">
             <mc:AlternateContent xmlns:mc="http://schemas.openxmlformats.org/markup-compatibility/2006">
               <mc:Choice xmlns:v="urn:schemas-microsoft-com:vml" Requires="v">
-                <p:oleObj spid="_x0000_s1209353" name="Worksheet" r:id="rId4" imgW="3143880" imgH="1807920" progId="Excel.Sheet.8">
+                <p:oleObj spid="_x0000_s1209354" name="Worksheet" r:id="rId4" imgW="3143880" imgH="1807920" progId="Excel.Sheet.8">
                   <p:embed/>
                 </p:oleObj>
               </mc:Choice>
@@ -11846,7 +11456,7 @@
           <a:graphicData uri="http://schemas.openxmlformats.org/presentationml/2006/ole">
             <mc:AlternateContent xmlns:mc="http://schemas.openxmlformats.org/markup-compatibility/2006">
               <mc:Choice xmlns:v="urn:schemas-microsoft-com:vml" Requires="v">
-                <p:oleObj spid="_x0000_s1284105" name="Worksheet" r:id="rId4" imgW="3143880" imgH="1807920" progId="Excel.Sheet.8">
+                <p:oleObj spid="_x0000_s1284106" name="Worksheet" r:id="rId4" imgW="3143880" imgH="1807920" progId="Excel.Sheet.8">
                   <p:embed/>
                 </p:oleObj>
               </mc:Choice>
@@ -12213,7 +11823,7 @@
           <a:graphicData uri="http://schemas.openxmlformats.org/presentationml/2006/ole">
             <mc:AlternateContent xmlns:mc="http://schemas.openxmlformats.org/markup-compatibility/2006">
               <mc:Choice xmlns:v="urn:schemas-microsoft-com:vml" Requires="v">
-                <p:oleObj spid="_x0000_s1286153" name="Worksheet" r:id="rId4" imgW="3143880" imgH="1807920" progId="Excel.Sheet.8">
+                <p:oleObj spid="_x0000_s1286154" name="Worksheet" r:id="rId4" imgW="3143880" imgH="1807920" progId="Excel.Sheet.8">
                   <p:embed/>
                 </p:oleObj>
               </mc:Choice>
@@ -12371,7 +11981,7 @@
       </p:grpSpPr>
       <p:sp>
         <p:nvSpPr>
-          <p:cNvPr id="74754" name="Rectangle 2"/>
+          <p:cNvPr id="15368" name="Rectangle 8"/>
           <p:cNvSpPr>
             <a:spLocks noGrp="1" noChangeArrowheads="1"/>
           </p:cNvSpPr>
@@ -12381,9 +11991,11 @@
         </p:nvSpPr>
         <p:spPr>
           <a:xfrm>
-            <a:off x="685800" y="147638"/>
-            <a:ext cx="7772400" cy="814387"/>
+            <a:off x="685800" y="133350"/>
+            <a:ext cx="7772400" cy="652463"/>
           </a:xfrm>
+          <a:noFill/>
+          <a:ln/>
         </p:spPr>
         <p:txBody>
           <a:bodyPr/>
@@ -12396,31 +12008,15 @@
                 </a:solidFill>
                 <a:effectLst/>
               </a:rPr>
-              <a:t>Usando SPSS para Seleccionar</a:t>
-            </a:r>
-            <a:br>
-              <a:rPr lang="es-CL" dirty="0">
-                <a:solidFill>
-                  <a:schemeClr val="bg1"/>
-                </a:solidFill>
-                <a:effectLst/>
-              </a:rPr>
-            </a:br>
-            <a:r>
-              <a:rPr lang="es-CL" dirty="0">
-                <a:solidFill>
-                  <a:schemeClr val="bg1"/>
-                </a:solidFill>
-                <a:effectLst/>
-              </a:rPr>
-              <a:t>una Muestra Aleatoria Simple</a:t>
-            </a:r>
+              <a:t>Ejemplo:  Universidad de St. Andrew</a:t>
+            </a:r>
+            <a:endParaRPr lang="en-US" dirty="0"/>
           </a:p>
         </p:txBody>
       </p:sp>
       <p:sp>
         <p:nvSpPr>
-          <p:cNvPr id="74755" name="Rectangle 3"/>
+          <p:cNvPr id="15362" name="Rectangle 2"/>
           <p:cNvSpPr>
             <a:spLocks noGrp="1" noChangeArrowheads="1"/>
           </p:cNvSpPr>
@@ -12430,14 +12026,21 @@
         </p:nvSpPr>
         <p:spPr>
           <a:xfrm>
-            <a:off x="685800" y="1104900"/>
-            <a:ext cx="7772400" cy="4643438"/>
+            <a:off x="690563" y="1100138"/>
+            <a:ext cx="7772400" cy="5329237"/>
           </a:xfrm>
+          <a:noFill/>
+          <a:ln/>
         </p:spPr>
         <p:txBody>
           <a:bodyPr/>
           <a:lstStyle/>
           <a:p>
+            <a:pPr>
+              <a:lnSpc>
+                <a:spcPct val="90000"/>
+              </a:lnSpc>
+            </a:pPr>
             <a:r>
               <a:rPr lang="es-CL" dirty="0">
                 <a:solidFill>
@@ -12445,11 +12048,15 @@
                 </a:solidFill>
                 <a:effectLst/>
               </a:rPr>
-              <a:t>SPSS:</a:t>
-            </a:r>
-          </a:p>
-          <a:p>
-            <a:pPr lvl="1"/>
+              <a:t>Estimadores puntuales:</a:t>
+            </a:r>
+          </a:p>
+          <a:p>
+            <a:pPr lvl="1">
+              <a:lnSpc>
+                <a:spcPct val="90000"/>
+              </a:lnSpc>
+            </a:pPr>
             <a:r>
               <a:rPr lang="es-CL" dirty="0">
                 <a:solidFill>
@@ -12457,236 +12064,85 @@
                 </a:solidFill>
                 <a:effectLst/>
               </a:rPr>
-              <a:t>Para generar una serie de números aleatorios entre [0,1]debemos anotar:</a:t>
-            </a:r>
-          </a:p>
-          <a:p>
-            <a:pPr lvl="2"/>
-            <a:r>
-              <a:rPr lang="es-CL" dirty="0" err="1">
-                <a:solidFill>
-                  <a:schemeClr val="bg1"/>
-                </a:solidFill>
-                <a:effectLst/>
-              </a:rPr>
-              <a:t>Transform</a:t>
-            </a:r>
-            <a:r>
-              <a:rPr lang="es-CL" dirty="0">
-                <a:solidFill>
-                  <a:schemeClr val="bg1"/>
-                </a:solidFill>
-                <a:effectLst/>
-              </a:rPr>
-              <a:t> </a:t>
-            </a:r>
-            <a:r>
-              <a:rPr lang="es-CL" dirty="0">
-                <a:solidFill>
-                  <a:schemeClr val="bg1"/>
-                </a:solidFill>
-                <a:effectLst/>
-                <a:sym typeface="Wingdings" pitchFamily="2" charset="2"/>
-              </a:rPr>
-              <a:t></a:t>
-            </a:r>
-            <a:r>
-              <a:rPr lang="es-CL" dirty="0">
-                <a:solidFill>
-                  <a:schemeClr val="bg1"/>
-                </a:solidFill>
-                <a:effectLst/>
-              </a:rPr>
-              <a:t> Compute Variable</a:t>
-            </a:r>
-          </a:p>
-          <a:p>
-            <a:pPr lvl="2"/>
-            <a:r>
-              <a:rPr lang="es-CL" dirty="0">
-                <a:solidFill>
-                  <a:schemeClr val="bg1"/>
-                </a:solidFill>
-                <a:effectLst/>
-              </a:rPr>
-              <a:t>Target variable [aleatoria]</a:t>
-            </a:r>
-          </a:p>
-          <a:p>
-            <a:pPr lvl="2"/>
-            <a:r>
-              <a:rPr lang="es-CL" dirty="0" err="1">
-                <a:solidFill>
-                  <a:schemeClr val="bg1"/>
-                </a:solidFill>
-                <a:effectLst/>
-              </a:rPr>
-              <a:t>Function</a:t>
-            </a:r>
-            <a:r>
-              <a:rPr lang="es-CL" dirty="0">
-                <a:solidFill>
-                  <a:schemeClr val="bg1"/>
-                </a:solidFill>
-                <a:effectLst/>
-              </a:rPr>
-              <a:t> </a:t>
-            </a:r>
-            <a:r>
-              <a:rPr lang="es-CL" dirty="0" err="1">
-                <a:solidFill>
-                  <a:schemeClr val="bg1"/>
-                </a:solidFill>
-                <a:effectLst/>
-              </a:rPr>
-              <a:t>group</a:t>
-            </a:r>
-            <a:r>
-              <a:rPr lang="es-CL" dirty="0">
-                <a:solidFill>
-                  <a:schemeClr val="bg1"/>
-                </a:solidFill>
-                <a:effectLst/>
-              </a:rPr>
-              <a:t> [</a:t>
-            </a:r>
-            <a:r>
-              <a:rPr lang="es-CL" dirty="0" err="1">
-                <a:solidFill>
-                  <a:schemeClr val="bg1"/>
-                </a:solidFill>
-                <a:effectLst/>
-              </a:rPr>
-              <a:t>Random</a:t>
-            </a:r>
-            <a:r>
-              <a:rPr lang="es-CL" dirty="0">
-                <a:solidFill>
-                  <a:schemeClr val="bg1"/>
-                </a:solidFill>
-                <a:effectLst/>
-              </a:rPr>
-              <a:t> </a:t>
-            </a:r>
-            <a:r>
-              <a:rPr lang="es-CL" dirty="0" err="1">
-                <a:solidFill>
-                  <a:schemeClr val="bg1"/>
-                </a:solidFill>
-                <a:effectLst/>
-              </a:rPr>
-              <a:t>Numbers</a:t>
-            </a:r>
-            <a:r>
-              <a:rPr lang="es-CL" dirty="0">
-                <a:solidFill>
-                  <a:schemeClr val="bg1"/>
-                </a:solidFill>
-                <a:effectLst/>
-              </a:rPr>
-              <a:t>]</a:t>
-            </a:r>
-          </a:p>
-          <a:p>
-            <a:pPr lvl="2"/>
-            <a:r>
-              <a:rPr lang="es-CL" dirty="0" err="1">
-                <a:solidFill>
-                  <a:schemeClr val="bg1"/>
-                </a:solidFill>
-                <a:effectLst/>
-              </a:rPr>
-              <a:t>Functions</a:t>
-            </a:r>
-            <a:r>
-              <a:rPr lang="es-CL" dirty="0">
-                <a:solidFill>
-                  <a:schemeClr val="bg1"/>
-                </a:solidFill>
-                <a:effectLst/>
-              </a:rPr>
-              <a:t> and </a:t>
-            </a:r>
-            <a:r>
-              <a:rPr lang="es-CL" dirty="0" err="1">
-                <a:solidFill>
-                  <a:schemeClr val="bg1"/>
-                </a:solidFill>
-                <a:effectLst/>
-              </a:rPr>
-              <a:t>Special</a:t>
-            </a:r>
-            <a:r>
-              <a:rPr lang="es-CL" dirty="0">
-                <a:solidFill>
-                  <a:schemeClr val="bg1"/>
-                </a:solidFill>
-                <a:effectLst/>
-              </a:rPr>
-              <a:t> Variables [</a:t>
-            </a:r>
-            <a:r>
-              <a:rPr lang="es-CL" dirty="0" err="1">
-                <a:solidFill>
-                  <a:schemeClr val="bg1"/>
-                </a:solidFill>
-                <a:effectLst/>
-              </a:rPr>
-              <a:t>Rv.Uniform</a:t>
-            </a:r>
-            <a:r>
-              <a:rPr lang="es-CL" dirty="0">
-                <a:solidFill>
-                  <a:schemeClr val="bg1"/>
-                </a:solidFill>
-                <a:effectLst/>
-              </a:rPr>
-              <a:t>]</a:t>
-            </a:r>
-          </a:p>
-          <a:p>
-            <a:pPr lvl="2"/>
-            <a:r>
-              <a:rPr lang="es-CL" dirty="0" err="1">
-                <a:solidFill>
-                  <a:schemeClr val="bg1"/>
-                </a:solidFill>
-                <a:effectLst/>
-              </a:rPr>
-              <a:t>Numeric</a:t>
-            </a:r>
-            <a:r>
-              <a:rPr lang="es-CL" dirty="0">
-                <a:solidFill>
-                  <a:schemeClr val="bg1"/>
-                </a:solidFill>
-                <a:effectLst/>
-              </a:rPr>
-              <a:t> </a:t>
-            </a:r>
-            <a:r>
-              <a:rPr lang="es-CL" dirty="0" err="1">
-                <a:solidFill>
-                  <a:schemeClr val="bg1"/>
-                </a:solidFill>
-                <a:effectLst/>
-              </a:rPr>
-              <a:t>Expression</a:t>
-            </a:r>
-            <a:r>
-              <a:rPr lang="es-CL" dirty="0">
-                <a:solidFill>
-                  <a:schemeClr val="bg1"/>
-                </a:solidFill>
-                <a:effectLst/>
-              </a:rPr>
-              <a:t>: [RV.UNIFORM(0,1)]…</a:t>
-            </a:r>
-          </a:p>
-          <a:p>
-            <a:pPr lvl="2">
+              <a:t>    es el estimador puntual de </a:t>
+            </a:r>
+            <a:r>
+              <a:rPr lang="es-CL" i="1" dirty="0">
+                <a:solidFill>
+                  <a:schemeClr val="bg1"/>
+                </a:solidFill>
+                <a:effectLst/>
+                <a:latin typeface="Symbol" pitchFamily="18" charset="2"/>
+              </a:rPr>
+              <a:t></a:t>
+            </a:r>
+            <a:endParaRPr lang="es-CL" dirty="0">
+              <a:solidFill>
+                <a:schemeClr val="bg1"/>
+              </a:solidFill>
+              <a:effectLst/>
+            </a:endParaRPr>
+          </a:p>
+          <a:p>
+            <a:pPr lvl="1">
+              <a:lnSpc>
+                <a:spcPct val="90000"/>
+              </a:lnSpc>
+              <a:buFontTx/>
               <a:buNone/>
             </a:pPr>
+            <a:endParaRPr lang="es-CL" sz="2000" dirty="0">
+              <a:solidFill>
+                <a:schemeClr val="bg1"/>
+              </a:solidFill>
+              <a:effectLst/>
+            </a:endParaRPr>
+          </a:p>
+          <a:p>
+            <a:pPr lvl="1">
+              <a:lnSpc>
+                <a:spcPct val="90000"/>
+              </a:lnSpc>
+              <a:buFontTx/>
+              <a:buNone/>
+            </a:pPr>
+            <a:endParaRPr lang="es-CL" sz="2000" dirty="0">
+              <a:solidFill>
+                <a:schemeClr val="bg1"/>
+              </a:solidFill>
+              <a:effectLst/>
+            </a:endParaRPr>
+          </a:p>
+          <a:p>
+            <a:pPr lvl="1">
+              <a:lnSpc>
+                <a:spcPct val="90000"/>
+              </a:lnSpc>
+              <a:buFontTx/>
+              <a:buNone/>
+            </a:pPr>
+            <a:endParaRPr lang="es-CL" sz="2000" dirty="0">
+              <a:solidFill>
+                <a:schemeClr val="bg1"/>
+              </a:solidFill>
+              <a:effectLst/>
+            </a:endParaRPr>
+          </a:p>
+          <a:p>
+            <a:pPr lvl="1">
+              <a:lnSpc>
+                <a:spcPct val="90000"/>
+              </a:lnSpc>
+            </a:pPr>
+            <a:r>
+              <a:rPr lang="es-CL" i="1" dirty="0">
+                <a:solidFill>
+                  <a:schemeClr val="bg1"/>
+                </a:solidFill>
+                <a:effectLst/>
+              </a:rPr>
+              <a:t>s</a:t>
+            </a:r>
             <a:r>
               <a:rPr lang="es-CL" dirty="0">
                 <a:solidFill>
@@ -12694,68 +12150,527 @@
                 </a:solidFill>
                 <a:effectLst/>
               </a:rPr>
-              <a:t>	</a:t>
-            </a:r>
+              <a:t> es el estimador puntual de </a:t>
+            </a:r>
+            <a:r>
+              <a:rPr lang="es-CL" i="1" dirty="0">
+                <a:solidFill>
+                  <a:schemeClr val="bg1"/>
+                </a:solidFill>
+                <a:effectLst/>
+                <a:latin typeface="Symbol" pitchFamily="18" charset="2"/>
+              </a:rPr>
+              <a:t></a:t>
+            </a:r>
+            <a:endParaRPr lang="es-CL" dirty="0">
+              <a:solidFill>
+                <a:schemeClr val="bg1"/>
+              </a:solidFill>
+              <a:effectLst/>
+            </a:endParaRPr>
+          </a:p>
+          <a:p>
+            <a:pPr lvl="1">
+              <a:lnSpc>
+                <a:spcPct val="90000"/>
+              </a:lnSpc>
+              <a:buFontTx/>
+              <a:buNone/>
+            </a:pPr>
+            <a:endParaRPr lang="es-CL" dirty="0">
+              <a:solidFill>
+                <a:schemeClr val="bg1"/>
+              </a:solidFill>
+              <a:effectLst/>
+            </a:endParaRPr>
+          </a:p>
+          <a:p>
+            <a:pPr lvl="1">
+              <a:lnSpc>
+                <a:spcPct val="90000"/>
+              </a:lnSpc>
+              <a:buFontTx/>
+              <a:buNone/>
+            </a:pPr>
+            <a:endParaRPr lang="es-CL" dirty="0">
+              <a:solidFill>
+                <a:schemeClr val="bg1"/>
+              </a:solidFill>
+              <a:effectLst/>
+            </a:endParaRPr>
+          </a:p>
+          <a:p>
+            <a:pPr lvl="1">
+              <a:lnSpc>
+                <a:spcPct val="90000"/>
+              </a:lnSpc>
+              <a:buFontTx/>
+              <a:buNone/>
+            </a:pPr>
+            <a:endParaRPr lang="es-CL" dirty="0">
+              <a:solidFill>
+                <a:schemeClr val="bg1"/>
+              </a:solidFill>
+              <a:effectLst/>
+            </a:endParaRPr>
+          </a:p>
+          <a:p>
+            <a:pPr lvl="1">
+              <a:lnSpc>
+                <a:spcPct val="90000"/>
+              </a:lnSpc>
+            </a:pPr>
             <a:r>
               <a:rPr lang="es-CL" dirty="0">
                 <a:solidFill>
-                  <a:srgbClr val="580298"/>
-                </a:solidFill>
-                <a:effectLst/>
-              </a:rPr>
-              <a:t>arrastramos “RV.UNIFORM” a “</a:t>
+                  <a:schemeClr val="bg1"/>
+                </a:solidFill>
+                <a:effectLst/>
+              </a:rPr>
+              <a:t>    es el estimador puntual </a:t>
+            </a:r>
+            <a:r>
+              <a:rPr lang="es-CL" i="1" dirty="0">
+                <a:solidFill>
+                  <a:schemeClr val="bg1"/>
+                </a:solidFill>
+                <a:effectLst/>
+              </a:rPr>
+              <a:t>p</a:t>
+            </a:r>
+            <a:endParaRPr lang="es-CL" dirty="0">
+              <a:solidFill>
+                <a:schemeClr val="bg1"/>
+              </a:solidFill>
+              <a:effectLst/>
+            </a:endParaRPr>
+          </a:p>
+          <a:p>
+            <a:pPr lvl="1">
+              <a:lnSpc>
+                <a:spcPct val="90000"/>
+              </a:lnSpc>
+              <a:buFontTx/>
+              <a:buNone/>
+            </a:pPr>
+            <a:endParaRPr lang="es-CL" sz="3000" dirty="0">
+              <a:solidFill>
+                <a:schemeClr val="bg1"/>
+              </a:solidFill>
+              <a:effectLst/>
+            </a:endParaRPr>
+          </a:p>
+          <a:p>
+            <a:pPr lvl="1">
+              <a:lnSpc>
+                <a:spcPct val="90000"/>
+              </a:lnSpc>
+              <a:buFontTx/>
+              <a:buNone/>
+            </a:pPr>
+            <a:endParaRPr lang="es-CL" sz="3000" dirty="0">
+              <a:solidFill>
+                <a:schemeClr val="bg1"/>
+              </a:solidFill>
+              <a:effectLst/>
+            </a:endParaRPr>
+          </a:p>
+          <a:p>
+            <a:pPr>
+              <a:lnSpc>
+                <a:spcPct val="90000"/>
+              </a:lnSpc>
+            </a:pPr>
+            <a:r>
+              <a:rPr lang="es-CL" u="sng" dirty="0">
+                <a:solidFill>
+                  <a:schemeClr val="bg1"/>
+                </a:solidFill>
+                <a:effectLst/>
+              </a:rPr>
+              <a:t>Nota</a:t>
+            </a:r>
+            <a:r>
+              <a:rPr lang="es-CL" dirty="0">
+                <a:solidFill>
+                  <a:schemeClr val="bg1"/>
+                </a:solidFill>
+                <a:effectLst/>
+              </a:rPr>
+              <a:t>: otros </a:t>
             </a:r>
             <a:r>
               <a:rPr lang="es-CL" dirty="0" err="1">
                 <a:solidFill>
-                  <a:srgbClr val="580298"/>
-                </a:solidFill>
-                <a:effectLst/>
-              </a:rPr>
-              <a:t>Numeric</a:t>
+                  <a:schemeClr val="bg1"/>
+                </a:solidFill>
+                <a:effectLst/>
+              </a:rPr>
+              <a:t>n°s</a:t>
             </a:r>
             <a:r>
               <a:rPr lang="es-CL" dirty="0">
                 <a:solidFill>
-                  <a:srgbClr val="580298"/>
-                </a:solidFill>
-                <a:effectLst/>
-              </a:rPr>
-              <a:t> </a:t>
-            </a:r>
-            <a:r>
-              <a:rPr lang="es-CL" dirty="0" err="1">
-                <a:solidFill>
-                  <a:srgbClr val="580298"/>
-                </a:solidFill>
-                <a:effectLst/>
-              </a:rPr>
-              <a:t>Expression</a:t>
-            </a:r>
-            <a:r>
-              <a:rPr lang="es-CL" dirty="0">
-                <a:solidFill>
-                  <a:srgbClr val="580298"/>
-                </a:solidFill>
-                <a:effectLst/>
-              </a:rPr>
-              <a:t>” y escribimos los números 0 y 1.</a:t>
-            </a:r>
-          </a:p>
-          <a:p>
-            <a:pPr lvl="2"/>
-            <a:r>
-              <a:rPr lang="es-CL" dirty="0">
-                <a:solidFill>
-                  <a:schemeClr val="bg1"/>
-                </a:solidFill>
-                <a:effectLst/>
-              </a:rPr>
-              <a:t>Ok</a:t>
-            </a:r>
+                  <a:schemeClr val="bg1"/>
+                </a:solidFill>
+                <a:effectLst/>
+              </a:rPr>
+              <a:t> aleatorios hubieran dado otra muestra que hubiera dado otros estimadores…</a:t>
+            </a:r>
+            <a:endParaRPr lang="en-US" dirty="0"/>
           </a:p>
         </p:txBody>
       </p:sp>
+      <p:graphicFrame>
+        <p:nvGraphicFramePr>
+          <p:cNvPr id="1212423" name="Object 7"/>
+          <p:cNvGraphicFramePr>
+            <a:graphicFrameLocks noChangeAspect="1"/>
+          </p:cNvGraphicFramePr>
+          <p:nvPr/>
+        </p:nvGraphicFramePr>
+        <p:xfrm>
+          <a:off x="3207470" y="1935452"/>
+          <a:ext cx="3143250" cy="863600"/>
+        </p:xfrm>
+        <a:graphic>
+          <a:graphicData uri="http://schemas.openxmlformats.org/presentationml/2006/ole">
+            <mc:AlternateContent xmlns:mc="http://schemas.openxmlformats.org/markup-compatibility/2006">
+              <mc:Choice xmlns:v="urn:schemas-microsoft-com:vml" Requires="v">
+                <p:oleObj spid="_x0000_s1212463" name="Ecuación" r:id="rId4" imgW="1574800" imgH="431800" progId="Equation.3">
+                  <p:embed/>
+                </p:oleObj>
+              </mc:Choice>
+              <mc:Fallback>
+                <p:oleObj name="Ecuación" r:id="rId4" imgW="1574800" imgH="431800" progId="Equation.3">
+                  <p:embed/>
+                  <p:pic>
+                    <p:nvPicPr>
+                      <p:cNvPr id="0" name="Picture 12"/>
+                      <p:cNvPicPr>
+                        <a:picLocks noChangeAspect="1" noChangeArrowheads="1"/>
+                      </p:cNvPicPr>
+                      <p:nvPr/>
+                    </p:nvPicPr>
+                    <p:blipFill>
+                      <a:blip r:embed="rId5">
+                        <a:extLst>
+                          <a:ext uri="{28A0092B-C50C-407E-A947-70E740481C1C}">
+                            <a14:useLocalDpi xmlns:a14="http://schemas.microsoft.com/office/drawing/2010/main" val="0"/>
+                          </a:ext>
+                        </a:extLst>
+                      </a:blip>
+                      <a:srcRect/>
+                      <a:stretch>
+                        <a:fillRect/>
+                      </a:stretch>
+                    </p:blipFill>
+                    <p:spPr bwMode="auto">
+                      <a:xfrm>
+                        <a:off x="3207470" y="1935452"/>
+                        <a:ext cx="3143250" cy="863600"/>
+                      </a:xfrm>
+                      <a:prstGeom prst="rect">
+                        <a:avLst/>
+                      </a:prstGeom>
+                      <a:noFill/>
+                      <a:extLst>
+                        <a:ext uri="{909E8E84-426E-40DD-AFC4-6F175D3DCCD1}">
+                          <a14:hiddenFill xmlns:a14="http://schemas.microsoft.com/office/drawing/2010/main">
+                            <a:solidFill>
+                              <a:srgbClr val="FFFFFF"/>
+                            </a:solidFill>
+                          </a14:hiddenFill>
+                        </a:ext>
+                      </a:extLst>
+                    </p:spPr>
+                  </p:pic>
+                </p:oleObj>
+              </mc:Fallback>
+            </mc:AlternateContent>
+          </a:graphicData>
+        </a:graphic>
+      </p:graphicFrame>
+      <p:graphicFrame>
+        <p:nvGraphicFramePr>
+          <p:cNvPr id="1212424" name="Object 8"/>
+          <p:cNvGraphicFramePr>
+            <a:graphicFrameLocks noChangeAspect="1"/>
+          </p:cNvGraphicFramePr>
+          <p:nvPr/>
+        </p:nvGraphicFramePr>
+        <p:xfrm>
+          <a:off x="2749261" y="3353089"/>
+          <a:ext cx="4491038" cy="1041400"/>
+        </p:xfrm>
+        <a:graphic>
+          <a:graphicData uri="http://schemas.openxmlformats.org/presentationml/2006/ole">
+            <mc:AlternateContent xmlns:mc="http://schemas.openxmlformats.org/markup-compatibility/2006">
+              <mc:Choice xmlns:v="urn:schemas-microsoft-com:vml" Requires="v">
+                <p:oleObj spid="_x0000_s1212464" name="Ecuación" r:id="rId6" imgW="2247900" imgH="520700" progId="Equation.3">
+                  <p:embed/>
+                </p:oleObj>
+              </mc:Choice>
+              <mc:Fallback>
+                <p:oleObj name="Ecuación" r:id="rId6" imgW="2247900" imgH="520700" progId="Equation.3">
+                  <p:embed/>
+                  <p:pic>
+                    <p:nvPicPr>
+                      <p:cNvPr id="0" name="Picture 13"/>
+                      <p:cNvPicPr>
+                        <a:picLocks noChangeAspect="1" noChangeArrowheads="1"/>
+                      </p:cNvPicPr>
+                      <p:nvPr/>
+                    </p:nvPicPr>
+                    <p:blipFill>
+                      <a:blip r:embed="rId7">
+                        <a:extLst>
+                          <a:ext uri="{28A0092B-C50C-407E-A947-70E740481C1C}">
+                            <a14:useLocalDpi xmlns:a14="http://schemas.microsoft.com/office/drawing/2010/main" val="0"/>
+                          </a:ext>
+                        </a:extLst>
+                      </a:blip>
+                      <a:srcRect/>
+                      <a:stretch>
+                        <a:fillRect/>
+                      </a:stretch>
+                    </p:blipFill>
+                    <p:spPr bwMode="auto">
+                      <a:xfrm>
+                        <a:off x="2749261" y="3353089"/>
+                        <a:ext cx="4491038" cy="1041400"/>
+                      </a:xfrm>
+                      <a:prstGeom prst="rect">
+                        <a:avLst/>
+                      </a:prstGeom>
+                      <a:noFill/>
+                      <a:extLst>
+                        <a:ext uri="{909E8E84-426E-40DD-AFC4-6F175D3DCCD1}">
+                          <a14:hiddenFill xmlns:a14="http://schemas.microsoft.com/office/drawing/2010/main">
+                            <a:solidFill>
+                              <a:srgbClr val="FFFFFF"/>
+                            </a:solidFill>
+                          </a14:hiddenFill>
+                        </a:ext>
+                      </a:extLst>
+                    </p:spPr>
+                  </p:pic>
+                </p:oleObj>
+              </mc:Fallback>
+            </mc:AlternateContent>
+          </a:graphicData>
+        </a:graphic>
+      </p:graphicFrame>
+      <p:graphicFrame>
+        <p:nvGraphicFramePr>
+          <p:cNvPr id="1212425" name="Object 9"/>
+          <p:cNvGraphicFramePr>
+            <a:graphicFrameLocks noChangeAspect="1"/>
+          </p:cNvGraphicFramePr>
+          <p:nvPr/>
+        </p:nvGraphicFramePr>
+        <p:xfrm>
+          <a:off x="3519301" y="5007443"/>
+          <a:ext cx="2206625" cy="482600"/>
+        </p:xfrm>
+        <a:graphic>
+          <a:graphicData uri="http://schemas.openxmlformats.org/presentationml/2006/ole">
+            <mc:AlternateContent xmlns:mc="http://schemas.openxmlformats.org/markup-compatibility/2006">
+              <mc:Choice xmlns:v="urn:schemas-microsoft-com:vml" Requires="v">
+                <p:oleObj spid="_x0000_s1212465" name="Ecuación" r:id="rId8" imgW="1104900" imgH="241300" progId="Equation.3">
+                  <p:embed/>
+                </p:oleObj>
+              </mc:Choice>
+              <mc:Fallback>
+                <p:oleObj name="Ecuación" r:id="rId8" imgW="1104900" imgH="241300" progId="Equation.3">
+                  <p:embed/>
+                  <p:pic>
+                    <p:nvPicPr>
+                      <p:cNvPr id="0" name="Picture 14"/>
+                      <p:cNvPicPr>
+                        <a:picLocks noChangeAspect="1" noChangeArrowheads="1"/>
+                      </p:cNvPicPr>
+                      <p:nvPr/>
+                    </p:nvPicPr>
+                    <p:blipFill>
+                      <a:blip r:embed="rId9">
+                        <a:extLst>
+                          <a:ext uri="{28A0092B-C50C-407E-A947-70E740481C1C}">
+                            <a14:useLocalDpi xmlns:a14="http://schemas.microsoft.com/office/drawing/2010/main" val="0"/>
+                          </a:ext>
+                        </a:extLst>
+                      </a:blip>
+                      <a:srcRect/>
+                      <a:stretch>
+                        <a:fillRect/>
+                      </a:stretch>
+                    </p:blipFill>
+                    <p:spPr bwMode="auto">
+                      <a:xfrm>
+                        <a:off x="3519301" y="5007443"/>
+                        <a:ext cx="2206625" cy="482600"/>
+                      </a:xfrm>
+                      <a:prstGeom prst="rect">
+                        <a:avLst/>
+                      </a:prstGeom>
+                      <a:noFill/>
+                      <a:extLst>
+                        <a:ext uri="{909E8E84-426E-40DD-AFC4-6F175D3DCCD1}">
+                          <a14:hiddenFill xmlns:a14="http://schemas.microsoft.com/office/drawing/2010/main">
+                            <a:solidFill>
+                              <a:srgbClr val="FFFFFF"/>
+                            </a:solidFill>
+                          </a14:hiddenFill>
+                        </a:ext>
+                      </a:extLst>
+                    </p:spPr>
+                  </p:pic>
+                </p:oleObj>
+              </mc:Fallback>
+            </mc:AlternateContent>
+          </a:graphicData>
+        </a:graphic>
+      </p:graphicFrame>
+      <p:graphicFrame>
+        <p:nvGraphicFramePr>
+          <p:cNvPr id="1212426" name="Object 10"/>
+          <p:cNvGraphicFramePr>
+            <a:graphicFrameLocks noChangeAspect="1"/>
+          </p:cNvGraphicFramePr>
+          <p:nvPr/>
+        </p:nvGraphicFramePr>
+        <p:xfrm>
+          <a:off x="1510145" y="1466706"/>
+          <a:ext cx="252412" cy="431800"/>
+        </p:xfrm>
+        <a:graphic>
+          <a:graphicData uri="http://schemas.openxmlformats.org/presentationml/2006/ole">
+            <mc:AlternateContent xmlns:mc="http://schemas.openxmlformats.org/markup-compatibility/2006">
+              <mc:Choice xmlns:v="urn:schemas-microsoft-com:vml" Requires="v">
+                <p:oleObj spid="_x0000_s1212466" name="Ecuación" r:id="rId10" imgW="126780" imgH="215526" progId="Equation.3">
+                  <p:embed/>
+                </p:oleObj>
+              </mc:Choice>
+              <mc:Fallback>
+                <p:oleObj name="Ecuación" r:id="rId10" imgW="126780" imgH="215526" progId="Equation.3">
+                  <p:embed/>
+                  <p:pic>
+                    <p:nvPicPr>
+                      <p:cNvPr id="0" name="Picture 15"/>
+                      <p:cNvPicPr>
+                        <a:picLocks noChangeAspect="1" noChangeArrowheads="1"/>
+                      </p:cNvPicPr>
+                      <p:nvPr/>
+                    </p:nvPicPr>
+                    <p:blipFill>
+                      <a:blip r:embed="rId11">
+                        <a:extLst>
+                          <a:ext uri="{28A0092B-C50C-407E-A947-70E740481C1C}">
+                            <a14:useLocalDpi xmlns:a14="http://schemas.microsoft.com/office/drawing/2010/main" val="0"/>
+                          </a:ext>
+                        </a:extLst>
+                      </a:blip>
+                      <a:srcRect/>
+                      <a:stretch>
+                        <a:fillRect/>
+                      </a:stretch>
+                    </p:blipFill>
+                    <p:spPr bwMode="auto">
+                      <a:xfrm>
+                        <a:off x="1510145" y="1466706"/>
+                        <a:ext cx="252412" cy="431800"/>
+                      </a:xfrm>
+                      <a:prstGeom prst="rect">
+                        <a:avLst/>
+                      </a:prstGeom>
+                      <a:noFill/>
+                      <a:extLst>
+                        <a:ext uri="{909E8E84-426E-40DD-AFC4-6F175D3DCCD1}">
+                          <a14:hiddenFill xmlns:a14="http://schemas.microsoft.com/office/drawing/2010/main">
+                            <a:solidFill>
+                              <a:srgbClr val="FFFFFF"/>
+                            </a:solidFill>
+                          </a14:hiddenFill>
+                        </a:ext>
+                      </a:extLst>
+                    </p:spPr>
+                  </p:pic>
+                </p:oleObj>
+              </mc:Fallback>
+            </mc:AlternateContent>
+          </a:graphicData>
+        </a:graphic>
+      </p:graphicFrame>
+      <p:graphicFrame>
+        <p:nvGraphicFramePr>
+          <p:cNvPr id="1212427" name="Object 11"/>
+          <p:cNvGraphicFramePr>
+            <a:graphicFrameLocks noChangeAspect="1"/>
+          </p:cNvGraphicFramePr>
+          <p:nvPr/>
+        </p:nvGraphicFramePr>
+        <p:xfrm>
+          <a:off x="1469305" y="4455967"/>
+          <a:ext cx="304800" cy="482600"/>
+        </p:xfrm>
+        <a:graphic>
+          <a:graphicData uri="http://schemas.openxmlformats.org/presentationml/2006/ole">
+            <mc:AlternateContent xmlns:mc="http://schemas.openxmlformats.org/markup-compatibility/2006">
+              <mc:Choice xmlns:v="urn:schemas-microsoft-com:vml" Requires="v">
+                <p:oleObj spid="_x0000_s1212467" name="Ecuación" r:id="rId12" imgW="152334" imgH="241195" progId="Equation.3">
+                  <p:embed/>
+                </p:oleObj>
+              </mc:Choice>
+              <mc:Fallback>
+                <p:oleObj name="Ecuación" r:id="rId12" imgW="152334" imgH="241195" progId="Equation.3">
+                  <p:embed/>
+                  <p:pic>
+                    <p:nvPicPr>
+                      <p:cNvPr id="0" name="Picture 16"/>
+                      <p:cNvPicPr>
+                        <a:picLocks noChangeAspect="1" noChangeArrowheads="1"/>
+                      </p:cNvPicPr>
+                      <p:nvPr/>
+                    </p:nvPicPr>
+                    <p:blipFill>
+                      <a:blip r:embed="rId13">
+                        <a:extLst>
+                          <a:ext uri="{28A0092B-C50C-407E-A947-70E740481C1C}">
+                            <a14:useLocalDpi xmlns:a14="http://schemas.microsoft.com/office/drawing/2010/main" val="0"/>
+                          </a:ext>
+                        </a:extLst>
+                      </a:blip>
+                      <a:srcRect/>
+                      <a:stretch>
+                        <a:fillRect/>
+                      </a:stretch>
+                    </p:blipFill>
+                    <p:spPr bwMode="auto">
+                      <a:xfrm>
+                        <a:off x="1469305" y="4455967"/>
+                        <a:ext cx="304800" cy="482600"/>
+                      </a:xfrm>
+                      <a:prstGeom prst="rect">
+                        <a:avLst/>
+                      </a:prstGeom>
+                      <a:noFill/>
+                      <a:extLst>
+                        <a:ext uri="{909E8E84-426E-40DD-AFC4-6F175D3DCCD1}">
+                          <a14:hiddenFill xmlns:a14="http://schemas.microsoft.com/office/drawing/2010/main">
+                            <a:solidFill>
+                              <a:srgbClr val="FFFFFF"/>
+                            </a:solidFill>
+                          </a14:hiddenFill>
+                        </a:ext>
+                      </a:extLst>
+                    </p:spPr>
+                  </p:pic>
+                </p:oleObj>
+              </mc:Fallback>
+            </mc:AlternateContent>
+          </a:graphicData>
+        </a:graphic>
+      </p:graphicFrame>
     </p:spTree>
   </p:cSld>
   <p:clrMapOvr>
@@ -12796,11 +12711,38 @@
                                           </p:stCondLst>
                                         </p:cTn>
                                         <p:tgtEl>
-                                          <p:spTgt spid="74755">
+                                          <p:spTgt spid="15362">
                                             <p:txEl>
-                                              <p:pRg st="2" end="2"/>
+                                              <p:pRg st="5" end="5"/>
                                             </p:txEl>
                                           </p:spTgt>
+                                        </p:tgtEl>
+                                        <p:attrNameLst>
+                                          <p:attrName>style.visibility</p:attrName>
+                                        </p:attrNameLst>
+                                      </p:cBhvr>
+                                      <p:to>
+                                        <p:strVal val="visible"/>
+                                      </p:to>
+                                    </p:set>
+                                  </p:childTnLst>
+                                </p:cTn>
+                              </p:par>
+                              <p:par>
+                                <p:cTn id="7" presetID="1" presetClass="entr" presetSubtype="0" fill="hold" nodeType="withEffect">
+                                  <p:stCondLst>
+                                    <p:cond delay="0"/>
+                                  </p:stCondLst>
+                                  <p:childTnLst>
+                                    <p:set>
+                                      <p:cBhvr>
+                                        <p:cTn id="8" dur="1" fill="hold">
+                                          <p:stCondLst>
+                                            <p:cond delay="0"/>
+                                          </p:stCondLst>
+                                        </p:cTn>
+                                        <p:tgtEl>
+                                          <p:spTgt spid="1212424"/>
                                         </p:tgtEl>
                                         <p:attrNameLst>
                                           <p:attrName>style.visibility</p:attrName>
@@ -12820,34 +12762,34 @@
                     </p:cTn>
                   </p:par>
                   <p:par>
-                    <p:cTn id="7" fill="hold">
+                    <p:cTn id="9" fill="hold">
                       <p:stCondLst>
                         <p:cond delay="indefinite"/>
                       </p:stCondLst>
                       <p:childTnLst>
                         <p:par>
-                          <p:cTn id="8" fill="hold">
+                          <p:cTn id="10" fill="hold">
                             <p:stCondLst>
                               <p:cond delay="0"/>
                             </p:stCondLst>
                             <p:childTnLst>
                               <p:par>
-                                <p:cTn id="9" presetID="1" presetClass="entr" presetSubtype="0" fill="hold" nodeType="clickEffect">
+                                <p:cTn id="11" presetID="1" presetClass="entr" presetSubtype="0" fill="hold" nodeType="clickEffect">
                                   <p:stCondLst>
                                     <p:cond delay="0"/>
                                   </p:stCondLst>
                                   <p:childTnLst>
                                     <p:set>
                                       <p:cBhvr>
-                                        <p:cTn id="10" dur="1" fill="hold">
+                                        <p:cTn id="12" dur="1" fill="hold">
                                           <p:stCondLst>
                                             <p:cond delay="0"/>
                                           </p:stCondLst>
                                         </p:cTn>
                                         <p:tgtEl>
-                                          <p:spTgt spid="74755">
+                                          <p:spTgt spid="15362">
                                             <p:txEl>
-                                              <p:pRg st="3" end="3"/>
+                                              <p:pRg st="9" end="9"/>
                                             </p:txEl>
                                           </p:spTgt>
                                         </p:tgtEl>
@@ -12862,26 +12804,8 @@
                                   </p:childTnLst>
                                 </p:cTn>
                               </p:par>
-                            </p:childTnLst>
-                          </p:cTn>
-                        </p:par>
-                      </p:childTnLst>
-                    </p:cTn>
-                  </p:par>
-                  <p:par>
-                    <p:cTn id="11" fill="hold">
-                      <p:stCondLst>
-                        <p:cond delay="indefinite"/>
-                      </p:stCondLst>
-                      <p:childTnLst>
-                        <p:par>
-                          <p:cTn id="12" fill="hold">
-                            <p:stCondLst>
-                              <p:cond delay="0"/>
-                            </p:stCondLst>
-                            <p:childTnLst>
                               <p:par>
-                                <p:cTn id="13" presetID="1" presetClass="entr" presetSubtype="0" fill="hold" nodeType="clickEffect">
+                                <p:cTn id="13" presetID="1" presetClass="entr" presetSubtype="0" fill="hold" nodeType="withEffect">
                                   <p:stCondLst>
                                     <p:cond delay="0"/>
                                   </p:stCondLst>
@@ -12894,11 +12818,7 @@
                                           </p:stCondLst>
                                         </p:cTn>
                                         <p:tgtEl>
-                                          <p:spTgt spid="74755">
-                                            <p:txEl>
-                                              <p:pRg st="4" end="4"/>
-                                            </p:txEl>
-                                          </p:spTgt>
+                                          <p:spTgt spid="1212427"/>
                                         </p:tgtEl>
                                         <p:attrNameLst>
                                           <p:attrName>style.visibility</p:attrName>
@@ -12911,190 +12831,21 @@
                                   </p:childTnLst>
                                 </p:cTn>
                               </p:par>
-                            </p:childTnLst>
-                          </p:cTn>
-                        </p:par>
-                      </p:childTnLst>
-                    </p:cTn>
-                  </p:par>
-                  <p:par>
-                    <p:cTn id="15" fill="hold">
-                      <p:stCondLst>
-                        <p:cond delay="indefinite"/>
-                      </p:stCondLst>
-                      <p:childTnLst>
-                        <p:par>
-                          <p:cTn id="16" fill="hold">
-                            <p:stCondLst>
-                              <p:cond delay="0"/>
-                            </p:stCondLst>
-                            <p:childTnLst>
                               <p:par>
-                                <p:cTn id="17" presetID="1" presetClass="entr" presetSubtype="0" fill="hold" nodeType="clickEffect">
+                                <p:cTn id="15" presetID="1" presetClass="entr" presetSubtype="0" fill="hold" nodeType="withEffect">
                                   <p:stCondLst>
                                     <p:cond delay="0"/>
                                   </p:stCondLst>
                                   <p:childTnLst>
                                     <p:set>
                                       <p:cBhvr>
-                                        <p:cTn id="18" dur="1" fill="hold">
+                                        <p:cTn id="16" dur="1" fill="hold">
                                           <p:stCondLst>
                                             <p:cond delay="0"/>
                                           </p:stCondLst>
                                         </p:cTn>
                                         <p:tgtEl>
-                                          <p:spTgt spid="74755">
-                                            <p:txEl>
-                                              <p:pRg st="5" end="5"/>
-                                            </p:txEl>
-                                          </p:spTgt>
-                                        </p:tgtEl>
-                                        <p:attrNameLst>
-                                          <p:attrName>style.visibility</p:attrName>
-                                        </p:attrNameLst>
-                                      </p:cBhvr>
-                                      <p:to>
-                                        <p:strVal val="visible"/>
-                                      </p:to>
-                                    </p:set>
-                                  </p:childTnLst>
-                                </p:cTn>
-                              </p:par>
-                            </p:childTnLst>
-                          </p:cTn>
-                        </p:par>
-                      </p:childTnLst>
-                    </p:cTn>
-                  </p:par>
-                  <p:par>
-                    <p:cTn id="19" fill="hold">
-                      <p:stCondLst>
-                        <p:cond delay="indefinite"/>
-                      </p:stCondLst>
-                      <p:childTnLst>
-                        <p:par>
-                          <p:cTn id="20" fill="hold">
-                            <p:stCondLst>
-                              <p:cond delay="0"/>
-                            </p:stCondLst>
-                            <p:childTnLst>
-                              <p:par>
-                                <p:cTn id="21" presetID="1" presetClass="entr" presetSubtype="0" fill="hold" nodeType="clickEffect">
-                                  <p:stCondLst>
-                                    <p:cond delay="0"/>
-                                  </p:stCondLst>
-                                  <p:childTnLst>
-                                    <p:set>
-                                      <p:cBhvr>
-                                        <p:cTn id="22" dur="1" fill="hold">
-                                          <p:stCondLst>
-                                            <p:cond delay="0"/>
-                                          </p:stCondLst>
-                                        </p:cTn>
-                                        <p:tgtEl>
-                                          <p:spTgt spid="74755">
-                                            <p:txEl>
-                                              <p:pRg st="6" end="6"/>
-                                            </p:txEl>
-                                          </p:spTgt>
-                                        </p:tgtEl>
-                                        <p:attrNameLst>
-                                          <p:attrName>style.visibility</p:attrName>
-                                        </p:attrNameLst>
-                                      </p:cBhvr>
-                                      <p:to>
-                                        <p:strVal val="visible"/>
-                                      </p:to>
-                                    </p:set>
-                                  </p:childTnLst>
-                                </p:cTn>
-                              </p:par>
-                            </p:childTnLst>
-                          </p:cTn>
-                        </p:par>
-                      </p:childTnLst>
-                    </p:cTn>
-                  </p:par>
-                  <p:par>
-                    <p:cTn id="23" fill="hold">
-                      <p:stCondLst>
-                        <p:cond delay="indefinite"/>
-                      </p:stCondLst>
-                      <p:childTnLst>
-                        <p:par>
-                          <p:cTn id="24" fill="hold">
-                            <p:stCondLst>
-                              <p:cond delay="0"/>
-                            </p:stCondLst>
-                            <p:childTnLst>
-                              <p:par>
-                                <p:cTn id="25" presetID="1" presetClass="entr" presetSubtype="0" fill="hold" nodeType="clickEffect">
-                                  <p:stCondLst>
-                                    <p:cond delay="0"/>
-                                  </p:stCondLst>
-                                  <p:childTnLst>
-                                    <p:set>
-                                      <p:cBhvr>
-                                        <p:cTn id="26" dur="1" fill="hold">
-                                          <p:stCondLst>
-                                            <p:cond delay="0"/>
-                                          </p:stCondLst>
-                                        </p:cTn>
-                                        <p:tgtEl>
-                                          <p:spTgt spid="74755">
-                                            <p:txEl>
-                                              <p:pRg st="7" end="7"/>
-                                            </p:txEl>
-                                          </p:spTgt>
-                                        </p:tgtEl>
-                                        <p:attrNameLst>
-                                          <p:attrName>style.visibility</p:attrName>
-                                        </p:attrNameLst>
-                                      </p:cBhvr>
-                                      <p:to>
-                                        <p:strVal val="visible"/>
-                                      </p:to>
-                                    </p:set>
-                                  </p:childTnLst>
-                                </p:cTn>
-                              </p:par>
-                            </p:childTnLst>
-                          </p:cTn>
-                        </p:par>
-                      </p:childTnLst>
-                    </p:cTn>
-                  </p:par>
-                  <p:par>
-                    <p:cTn id="27" fill="hold">
-                      <p:stCondLst>
-                        <p:cond delay="indefinite"/>
-                      </p:stCondLst>
-                      <p:childTnLst>
-                        <p:par>
-                          <p:cTn id="28" fill="hold">
-                            <p:stCondLst>
-                              <p:cond delay="0"/>
-                            </p:stCondLst>
-                            <p:childTnLst>
-                              <p:par>
-                                <p:cTn id="29" presetID="1" presetClass="entr" presetSubtype="0" fill="hold" nodeType="clickEffect">
-                                  <p:stCondLst>
-                                    <p:cond delay="0"/>
-                                  </p:stCondLst>
-                                  <p:childTnLst>
-                                    <p:set>
-                                      <p:cBhvr>
-                                        <p:cTn id="30" dur="1" fill="hold">
-                                          <p:stCondLst>
-                                            <p:cond delay="0"/>
-                                          </p:stCondLst>
-                                        </p:cTn>
-                                        <p:tgtEl>
-                                          <p:spTgt spid="74755">
-                                            <p:txEl>
-                                              <p:pRg st="8" end="8"/>
-                                            </p:txEl>
-                                          </p:spTgt>
+                                          <p:spTgt spid="1212425"/>
                                         </p:tgtEl>
                                         <p:attrNameLst>
                                           <p:attrName>style.visibility</p:attrName>
@@ -13719,3262 +13470,6 @@
 </file>
 
 <file path=ppt/slides/slide20.xml><?xml version="1.0" encoding="utf-8"?>
-<p:sld xmlns:a="http://schemas.openxmlformats.org/drawingml/2006/main" xmlns:r="http://schemas.openxmlformats.org/officeDocument/2006/relationships" xmlns:p="http://schemas.openxmlformats.org/presentationml/2006/main">
-  <p:cSld>
-    <p:spTree>
-      <p:nvGrpSpPr>
-        <p:cNvPr id="1" name=""/>
-        <p:cNvGrpSpPr/>
-        <p:nvPr/>
-      </p:nvGrpSpPr>
-      <p:grpSpPr>
-        <a:xfrm>
-          <a:off x="0" y="0"/>
-          <a:ext cx="0" cy="0"/>
-          <a:chOff x="0" y="0"/>
-          <a:chExt cx="0" cy="0"/>
-        </a:xfrm>
-      </p:grpSpPr>
-      <p:sp>
-        <p:nvSpPr>
-          <p:cNvPr id="74754" name="Rectangle 2"/>
-          <p:cNvSpPr>
-            <a:spLocks noGrp="1" noChangeArrowheads="1"/>
-          </p:cNvSpPr>
-          <p:nvPr>
-            <p:ph type="title"/>
-          </p:nvPr>
-        </p:nvSpPr>
-        <p:spPr>
-          <a:xfrm>
-            <a:off x="685800" y="147638"/>
-            <a:ext cx="7772400" cy="814387"/>
-          </a:xfrm>
-        </p:spPr>
-        <p:txBody>
-          <a:bodyPr/>
-          <a:lstStyle/>
-          <a:p>
-            <a:r>
-              <a:rPr lang="es-CL" dirty="0">
-                <a:solidFill>
-                  <a:schemeClr val="bg1"/>
-                </a:solidFill>
-                <a:effectLst/>
-              </a:rPr>
-              <a:t>Usando SPSS para Seleccionar</a:t>
-            </a:r>
-            <a:br>
-              <a:rPr lang="es-CL" dirty="0">
-                <a:solidFill>
-                  <a:schemeClr val="bg1"/>
-                </a:solidFill>
-                <a:effectLst/>
-              </a:rPr>
-            </a:br>
-            <a:r>
-              <a:rPr lang="es-CL" dirty="0">
-                <a:solidFill>
-                  <a:schemeClr val="bg1"/>
-                </a:solidFill>
-                <a:effectLst/>
-              </a:rPr>
-              <a:t>una Muestra Aleatoria Simple</a:t>
-            </a:r>
-          </a:p>
-        </p:txBody>
-      </p:sp>
-      <p:sp>
-        <p:nvSpPr>
-          <p:cNvPr id="74755" name="Rectangle 3"/>
-          <p:cNvSpPr>
-            <a:spLocks noGrp="1" noChangeArrowheads="1"/>
-          </p:cNvSpPr>
-          <p:nvPr>
-            <p:ph idx="1"/>
-          </p:nvPr>
-        </p:nvSpPr>
-        <p:spPr>
-          <a:xfrm>
-            <a:off x="685800" y="1104900"/>
-            <a:ext cx="7772400" cy="4643438"/>
-          </a:xfrm>
-        </p:spPr>
-        <p:txBody>
-          <a:bodyPr/>
-          <a:lstStyle/>
-          <a:p>
-            <a:r>
-              <a:rPr lang="es-CL" dirty="0">
-                <a:solidFill>
-                  <a:schemeClr val="bg1"/>
-                </a:solidFill>
-                <a:effectLst/>
-              </a:rPr>
-              <a:t>SPSS:</a:t>
-            </a:r>
-          </a:p>
-          <a:p>
-            <a:pPr lvl="1"/>
-            <a:r>
-              <a:rPr lang="es-CL" dirty="0">
-                <a:solidFill>
-                  <a:schemeClr val="bg1"/>
-                </a:solidFill>
-                <a:effectLst/>
-              </a:rPr>
-              <a:t>Luego debemos ordenar la base de datos según la variable que hemos creado:</a:t>
-            </a:r>
-          </a:p>
-          <a:p>
-            <a:pPr lvl="2"/>
-            <a:r>
-              <a:rPr lang="es-CL" dirty="0">
-                <a:solidFill>
-                  <a:schemeClr val="bg1"/>
-                </a:solidFill>
-                <a:effectLst/>
-              </a:rPr>
-              <a:t>Data </a:t>
-            </a:r>
-            <a:r>
-              <a:rPr lang="es-CL" dirty="0">
-                <a:solidFill>
-                  <a:schemeClr val="bg1"/>
-                </a:solidFill>
-                <a:effectLst/>
-                <a:sym typeface="Wingdings" pitchFamily="2" charset="2"/>
-              </a:rPr>
-              <a:t> </a:t>
-            </a:r>
-            <a:r>
-              <a:rPr lang="es-CL" dirty="0" err="1">
-                <a:solidFill>
-                  <a:schemeClr val="bg1"/>
-                </a:solidFill>
-                <a:effectLst/>
-                <a:sym typeface="Wingdings" pitchFamily="2" charset="2"/>
-              </a:rPr>
-              <a:t>Sort</a:t>
-            </a:r>
-            <a:r>
-              <a:rPr lang="es-CL" dirty="0">
-                <a:solidFill>
-                  <a:schemeClr val="bg1"/>
-                </a:solidFill>
-                <a:effectLst/>
-                <a:sym typeface="Wingdings" pitchFamily="2" charset="2"/>
-              </a:rPr>
-              <a:t> Cases</a:t>
-            </a:r>
-          </a:p>
-          <a:p>
-            <a:pPr lvl="2"/>
-            <a:r>
-              <a:rPr lang="es-CL" dirty="0">
-                <a:solidFill>
-                  <a:schemeClr val="bg1"/>
-                </a:solidFill>
-                <a:effectLst/>
-                <a:sym typeface="Wingdings" pitchFamily="2" charset="2"/>
-              </a:rPr>
-              <a:t>Seleccionamos la variable, en este caso [aleatoria]</a:t>
-            </a:r>
-          </a:p>
-          <a:p>
-            <a:pPr lvl="2"/>
-            <a:r>
-              <a:rPr lang="es-CL" dirty="0">
-                <a:solidFill>
-                  <a:schemeClr val="bg1"/>
-                </a:solidFill>
-                <a:effectLst/>
-                <a:sym typeface="Wingdings" pitchFamily="2" charset="2"/>
-              </a:rPr>
-              <a:t>Marcamos “ascendente” o “descendente”.</a:t>
-            </a:r>
-            <a:endParaRPr lang="es-CL" dirty="0">
-              <a:solidFill>
-                <a:schemeClr val="bg1"/>
-              </a:solidFill>
-              <a:effectLst/>
-            </a:endParaRPr>
-          </a:p>
-        </p:txBody>
-      </p:sp>
-    </p:spTree>
-  </p:cSld>
-  <p:clrMapOvr>
-    <a:masterClrMapping/>
-  </p:clrMapOvr>
-  <p:transition/>
-  <p:timing>
-    <p:tnLst>
-      <p:par>
-        <p:cTn id="1" dur="indefinite" restart="never" nodeType="tmRoot">
-          <p:childTnLst>
-            <p:seq concurrent="1" nextAc="seek">
-              <p:cTn id="2" dur="indefinite" nodeType="mainSeq">
-                <p:childTnLst>
-                  <p:par>
-                    <p:cTn id="3" fill="hold">
-                      <p:stCondLst>
-                        <p:cond delay="indefinite"/>
-                      </p:stCondLst>
-                      <p:childTnLst>
-                        <p:par>
-                          <p:cTn id="4" fill="hold">
-                            <p:stCondLst>
-                              <p:cond delay="0"/>
-                            </p:stCondLst>
-                            <p:childTnLst>
-                              <p:par>
-                                <p:cTn id="5" presetID="1" presetClass="entr" presetSubtype="0" fill="hold" nodeType="clickEffect">
-                                  <p:stCondLst>
-                                    <p:cond delay="0"/>
-                                  </p:stCondLst>
-                                  <p:childTnLst>
-                                    <p:set>
-                                      <p:cBhvr>
-                                        <p:cTn id="6" dur="1" fill="hold">
-                                          <p:stCondLst>
-                                            <p:cond delay="0"/>
-                                          </p:stCondLst>
-                                        </p:cTn>
-                                        <p:tgtEl>
-                                          <p:spTgt spid="74755">
-                                            <p:txEl>
-                                              <p:pRg st="2" end="2"/>
-                                            </p:txEl>
-                                          </p:spTgt>
-                                        </p:tgtEl>
-                                        <p:attrNameLst>
-                                          <p:attrName>style.visibility</p:attrName>
-                                        </p:attrNameLst>
-                                      </p:cBhvr>
-                                      <p:to>
-                                        <p:strVal val="visible"/>
-                                      </p:to>
-                                    </p:set>
-                                  </p:childTnLst>
-                                </p:cTn>
-                              </p:par>
-                            </p:childTnLst>
-                          </p:cTn>
-                        </p:par>
-                      </p:childTnLst>
-                    </p:cTn>
-                  </p:par>
-                  <p:par>
-                    <p:cTn id="7" fill="hold">
-                      <p:stCondLst>
-                        <p:cond delay="indefinite"/>
-                      </p:stCondLst>
-                      <p:childTnLst>
-                        <p:par>
-                          <p:cTn id="8" fill="hold">
-                            <p:stCondLst>
-                              <p:cond delay="0"/>
-                            </p:stCondLst>
-                            <p:childTnLst>
-                              <p:par>
-                                <p:cTn id="9" presetID="1" presetClass="entr" presetSubtype="0" fill="hold" nodeType="clickEffect">
-                                  <p:stCondLst>
-                                    <p:cond delay="0"/>
-                                  </p:stCondLst>
-                                  <p:childTnLst>
-                                    <p:set>
-                                      <p:cBhvr>
-                                        <p:cTn id="10" dur="1" fill="hold">
-                                          <p:stCondLst>
-                                            <p:cond delay="0"/>
-                                          </p:stCondLst>
-                                        </p:cTn>
-                                        <p:tgtEl>
-                                          <p:spTgt spid="74755">
-                                            <p:txEl>
-                                              <p:pRg st="3" end="3"/>
-                                            </p:txEl>
-                                          </p:spTgt>
-                                        </p:tgtEl>
-                                        <p:attrNameLst>
-                                          <p:attrName>style.visibility</p:attrName>
-                                        </p:attrNameLst>
-                                      </p:cBhvr>
-                                      <p:to>
-                                        <p:strVal val="visible"/>
-                                      </p:to>
-                                    </p:set>
-                                  </p:childTnLst>
-                                </p:cTn>
-                              </p:par>
-                            </p:childTnLst>
-                          </p:cTn>
-                        </p:par>
-                      </p:childTnLst>
-                    </p:cTn>
-                  </p:par>
-                  <p:par>
-                    <p:cTn id="11" fill="hold">
-                      <p:stCondLst>
-                        <p:cond delay="indefinite"/>
-                      </p:stCondLst>
-                      <p:childTnLst>
-                        <p:par>
-                          <p:cTn id="12" fill="hold">
-                            <p:stCondLst>
-                              <p:cond delay="0"/>
-                            </p:stCondLst>
-                            <p:childTnLst>
-                              <p:par>
-                                <p:cTn id="13" presetID="1" presetClass="entr" presetSubtype="0" fill="hold" nodeType="clickEffect">
-                                  <p:stCondLst>
-                                    <p:cond delay="0"/>
-                                  </p:stCondLst>
-                                  <p:childTnLst>
-                                    <p:set>
-                                      <p:cBhvr>
-                                        <p:cTn id="14" dur="1" fill="hold">
-                                          <p:stCondLst>
-                                            <p:cond delay="0"/>
-                                          </p:stCondLst>
-                                        </p:cTn>
-                                        <p:tgtEl>
-                                          <p:spTgt spid="74755">
-                                            <p:txEl>
-                                              <p:pRg st="4" end="4"/>
-                                            </p:txEl>
-                                          </p:spTgt>
-                                        </p:tgtEl>
-                                        <p:attrNameLst>
-                                          <p:attrName>style.visibility</p:attrName>
-                                        </p:attrNameLst>
-                                      </p:cBhvr>
-                                      <p:to>
-                                        <p:strVal val="visible"/>
-                                      </p:to>
-                                    </p:set>
-                                  </p:childTnLst>
-                                </p:cTn>
-                              </p:par>
-                            </p:childTnLst>
-                          </p:cTn>
-                        </p:par>
-                      </p:childTnLst>
-                    </p:cTn>
-                  </p:par>
-                </p:childTnLst>
-              </p:cTn>
-              <p:prevCondLst>
-                <p:cond evt="onPrev" delay="0">
-                  <p:tgtEl>
-                    <p:sldTgt/>
-                  </p:tgtEl>
-                </p:cond>
-              </p:prevCondLst>
-              <p:nextCondLst>
-                <p:cond evt="onNext" delay="0">
-                  <p:tgtEl>
-                    <p:sldTgt/>
-                  </p:tgtEl>
-                </p:cond>
-              </p:nextCondLst>
-            </p:seq>
-          </p:childTnLst>
-        </p:cTn>
-      </p:par>
-    </p:tnLst>
-  </p:timing>
-</p:sld>
-</file>
-
-<file path=ppt/slides/slide21.xml><?xml version="1.0" encoding="utf-8"?>
-<p:sld xmlns:a="http://schemas.openxmlformats.org/drawingml/2006/main" xmlns:r="http://schemas.openxmlformats.org/officeDocument/2006/relationships" xmlns:p="http://schemas.openxmlformats.org/presentationml/2006/main">
-  <p:cSld>
-    <p:spTree>
-      <p:nvGrpSpPr>
-        <p:cNvPr id="1" name=""/>
-        <p:cNvGrpSpPr/>
-        <p:nvPr/>
-      </p:nvGrpSpPr>
-      <p:grpSpPr>
-        <a:xfrm>
-          <a:off x="0" y="0"/>
-          <a:ext cx="0" cy="0"/>
-          <a:chOff x="0" y="0"/>
-          <a:chExt cx="0" cy="0"/>
-        </a:xfrm>
-      </p:grpSpPr>
-      <p:sp>
-        <p:nvSpPr>
-          <p:cNvPr id="74754" name="Rectangle 2"/>
-          <p:cNvSpPr>
-            <a:spLocks noGrp="1" noChangeArrowheads="1"/>
-          </p:cNvSpPr>
-          <p:nvPr>
-            <p:ph type="title"/>
-          </p:nvPr>
-        </p:nvSpPr>
-        <p:spPr>
-          <a:xfrm>
-            <a:off x="685800" y="147638"/>
-            <a:ext cx="7772400" cy="814387"/>
-          </a:xfrm>
-        </p:spPr>
-        <p:txBody>
-          <a:bodyPr/>
-          <a:lstStyle/>
-          <a:p>
-            <a:r>
-              <a:rPr lang="es-CL" dirty="0">
-                <a:solidFill>
-                  <a:schemeClr val="bg1"/>
-                </a:solidFill>
-                <a:effectLst/>
-              </a:rPr>
-              <a:t>Usando SPSS para Seleccionar</a:t>
-            </a:r>
-            <a:br>
-              <a:rPr lang="es-CL" dirty="0">
-                <a:solidFill>
-                  <a:schemeClr val="bg1"/>
-                </a:solidFill>
-                <a:effectLst/>
-              </a:rPr>
-            </a:br>
-            <a:r>
-              <a:rPr lang="es-CL" dirty="0">
-                <a:solidFill>
-                  <a:schemeClr val="bg1"/>
-                </a:solidFill>
-                <a:effectLst/>
-              </a:rPr>
-              <a:t>una Muestra Aleatoria Simple</a:t>
-            </a:r>
-          </a:p>
-        </p:txBody>
-      </p:sp>
-      <p:sp>
-        <p:nvSpPr>
-          <p:cNvPr id="74755" name="Rectangle 3"/>
-          <p:cNvSpPr>
-            <a:spLocks noGrp="1" noChangeArrowheads="1"/>
-          </p:cNvSpPr>
-          <p:nvPr>
-            <p:ph idx="1"/>
-          </p:nvPr>
-        </p:nvSpPr>
-        <p:spPr>
-          <a:xfrm>
-            <a:off x="685800" y="1104900"/>
-            <a:ext cx="7772400" cy="4643438"/>
-          </a:xfrm>
-        </p:spPr>
-        <p:txBody>
-          <a:bodyPr/>
-          <a:lstStyle/>
-          <a:p>
-            <a:r>
-              <a:rPr lang="es-CL" dirty="0">
-                <a:solidFill>
-                  <a:schemeClr val="bg1"/>
-                </a:solidFill>
-                <a:effectLst/>
-              </a:rPr>
-              <a:t>SPSS:</a:t>
-            </a:r>
-          </a:p>
-          <a:p>
-            <a:pPr lvl="1"/>
-            <a:r>
-              <a:rPr lang="es-CL" dirty="0">
-                <a:solidFill>
-                  <a:schemeClr val="bg1"/>
-                </a:solidFill>
-                <a:effectLst/>
-              </a:rPr>
-              <a:t>Luego generamos una variable que cuente a las personas “ordenadas” aleatoriamente:</a:t>
-            </a:r>
-          </a:p>
-          <a:p>
-            <a:pPr lvl="2"/>
-            <a:r>
-              <a:rPr lang="es-CL" dirty="0" err="1">
-                <a:solidFill>
-                  <a:schemeClr val="bg1"/>
-                </a:solidFill>
-                <a:effectLst/>
-              </a:rPr>
-              <a:t>Transform</a:t>
-            </a:r>
-            <a:r>
-              <a:rPr lang="es-CL" dirty="0">
-                <a:solidFill>
-                  <a:schemeClr val="bg1"/>
-                </a:solidFill>
-                <a:effectLst/>
-              </a:rPr>
-              <a:t> </a:t>
-            </a:r>
-            <a:r>
-              <a:rPr lang="es-CL" dirty="0">
-                <a:solidFill>
-                  <a:schemeClr val="bg1"/>
-                </a:solidFill>
-                <a:effectLst/>
-                <a:sym typeface="Wingdings" pitchFamily="2" charset="2"/>
-              </a:rPr>
-              <a:t></a:t>
-            </a:r>
-            <a:r>
-              <a:rPr lang="es-CL" dirty="0">
-                <a:solidFill>
-                  <a:schemeClr val="bg1"/>
-                </a:solidFill>
-                <a:effectLst/>
-              </a:rPr>
-              <a:t> Compute Variable</a:t>
-            </a:r>
-          </a:p>
-          <a:p>
-            <a:pPr lvl="2"/>
-            <a:r>
-              <a:rPr lang="es-CL" dirty="0">
-                <a:solidFill>
-                  <a:schemeClr val="bg1"/>
-                </a:solidFill>
-                <a:effectLst/>
-              </a:rPr>
-              <a:t>Target variable [contar]</a:t>
-            </a:r>
-          </a:p>
-          <a:p>
-            <a:pPr lvl="2"/>
-            <a:r>
-              <a:rPr lang="es-CL" dirty="0" err="1">
-                <a:solidFill>
-                  <a:schemeClr val="bg1"/>
-                </a:solidFill>
-                <a:effectLst/>
-              </a:rPr>
-              <a:t>Numeric</a:t>
-            </a:r>
-            <a:r>
-              <a:rPr lang="es-CL" dirty="0">
-                <a:solidFill>
-                  <a:schemeClr val="bg1"/>
-                </a:solidFill>
-                <a:effectLst/>
-              </a:rPr>
-              <a:t> </a:t>
-            </a:r>
-            <a:r>
-              <a:rPr lang="es-CL" dirty="0" err="1">
-                <a:solidFill>
-                  <a:schemeClr val="bg1"/>
-                </a:solidFill>
-                <a:effectLst/>
-              </a:rPr>
-              <a:t>Expression</a:t>
-            </a:r>
-            <a:r>
-              <a:rPr lang="es-CL" dirty="0">
-                <a:solidFill>
-                  <a:schemeClr val="bg1"/>
-                </a:solidFill>
-                <a:effectLst/>
-              </a:rPr>
-              <a:t>: [$</a:t>
-            </a:r>
-            <a:r>
-              <a:rPr lang="es-CL" dirty="0" err="1">
-                <a:solidFill>
-                  <a:schemeClr val="bg1"/>
-                </a:solidFill>
-                <a:effectLst/>
-              </a:rPr>
-              <a:t>casenum</a:t>
-            </a:r>
-            <a:r>
-              <a:rPr lang="es-CL" dirty="0">
-                <a:solidFill>
-                  <a:schemeClr val="bg1"/>
-                </a:solidFill>
-                <a:effectLst/>
-              </a:rPr>
-              <a:t>]</a:t>
-            </a:r>
-          </a:p>
-          <a:p>
-            <a:pPr lvl="2"/>
-            <a:endParaRPr lang="es-CL" dirty="0">
-              <a:solidFill>
-                <a:schemeClr val="bg1"/>
-              </a:solidFill>
-              <a:effectLst/>
-            </a:endParaRPr>
-          </a:p>
-        </p:txBody>
-      </p:sp>
-    </p:spTree>
-  </p:cSld>
-  <p:clrMapOvr>
-    <a:masterClrMapping/>
-  </p:clrMapOvr>
-  <p:transition/>
-  <p:timing>
-    <p:tnLst>
-      <p:par>
-        <p:cTn id="1" dur="indefinite" restart="never" nodeType="tmRoot">
-          <p:childTnLst>
-            <p:seq concurrent="1" nextAc="seek">
-              <p:cTn id="2" dur="indefinite" nodeType="mainSeq">
-                <p:childTnLst>
-                  <p:par>
-                    <p:cTn id="3" fill="hold">
-                      <p:stCondLst>
-                        <p:cond delay="indefinite"/>
-                      </p:stCondLst>
-                      <p:childTnLst>
-                        <p:par>
-                          <p:cTn id="4" fill="hold">
-                            <p:stCondLst>
-                              <p:cond delay="0"/>
-                            </p:stCondLst>
-                            <p:childTnLst>
-                              <p:par>
-                                <p:cTn id="5" presetID="1" presetClass="entr" presetSubtype="0" fill="hold" nodeType="clickEffect">
-                                  <p:stCondLst>
-                                    <p:cond delay="0"/>
-                                  </p:stCondLst>
-                                  <p:childTnLst>
-                                    <p:set>
-                                      <p:cBhvr>
-                                        <p:cTn id="6" dur="1" fill="hold">
-                                          <p:stCondLst>
-                                            <p:cond delay="0"/>
-                                          </p:stCondLst>
-                                        </p:cTn>
-                                        <p:tgtEl>
-                                          <p:spTgt spid="74755">
-                                            <p:txEl>
-                                              <p:pRg st="2" end="2"/>
-                                            </p:txEl>
-                                          </p:spTgt>
-                                        </p:tgtEl>
-                                        <p:attrNameLst>
-                                          <p:attrName>style.visibility</p:attrName>
-                                        </p:attrNameLst>
-                                      </p:cBhvr>
-                                      <p:to>
-                                        <p:strVal val="visible"/>
-                                      </p:to>
-                                    </p:set>
-                                  </p:childTnLst>
-                                </p:cTn>
-                              </p:par>
-                            </p:childTnLst>
-                          </p:cTn>
-                        </p:par>
-                      </p:childTnLst>
-                    </p:cTn>
-                  </p:par>
-                  <p:par>
-                    <p:cTn id="7" fill="hold">
-                      <p:stCondLst>
-                        <p:cond delay="indefinite"/>
-                      </p:stCondLst>
-                      <p:childTnLst>
-                        <p:par>
-                          <p:cTn id="8" fill="hold">
-                            <p:stCondLst>
-                              <p:cond delay="0"/>
-                            </p:stCondLst>
-                            <p:childTnLst>
-                              <p:par>
-                                <p:cTn id="9" presetID="1" presetClass="entr" presetSubtype="0" fill="hold" nodeType="clickEffect">
-                                  <p:stCondLst>
-                                    <p:cond delay="0"/>
-                                  </p:stCondLst>
-                                  <p:childTnLst>
-                                    <p:set>
-                                      <p:cBhvr>
-                                        <p:cTn id="10" dur="1" fill="hold">
-                                          <p:stCondLst>
-                                            <p:cond delay="0"/>
-                                          </p:stCondLst>
-                                        </p:cTn>
-                                        <p:tgtEl>
-                                          <p:spTgt spid="74755">
-                                            <p:txEl>
-                                              <p:pRg st="3" end="3"/>
-                                            </p:txEl>
-                                          </p:spTgt>
-                                        </p:tgtEl>
-                                        <p:attrNameLst>
-                                          <p:attrName>style.visibility</p:attrName>
-                                        </p:attrNameLst>
-                                      </p:cBhvr>
-                                      <p:to>
-                                        <p:strVal val="visible"/>
-                                      </p:to>
-                                    </p:set>
-                                  </p:childTnLst>
-                                </p:cTn>
-                              </p:par>
-                            </p:childTnLst>
-                          </p:cTn>
-                        </p:par>
-                      </p:childTnLst>
-                    </p:cTn>
-                  </p:par>
-                  <p:par>
-                    <p:cTn id="11" fill="hold">
-                      <p:stCondLst>
-                        <p:cond delay="indefinite"/>
-                      </p:stCondLst>
-                      <p:childTnLst>
-                        <p:par>
-                          <p:cTn id="12" fill="hold">
-                            <p:stCondLst>
-                              <p:cond delay="0"/>
-                            </p:stCondLst>
-                            <p:childTnLst>
-                              <p:par>
-                                <p:cTn id="13" presetID="1" presetClass="entr" presetSubtype="0" fill="hold" nodeType="clickEffect">
-                                  <p:stCondLst>
-                                    <p:cond delay="0"/>
-                                  </p:stCondLst>
-                                  <p:childTnLst>
-                                    <p:set>
-                                      <p:cBhvr>
-                                        <p:cTn id="14" dur="1" fill="hold">
-                                          <p:stCondLst>
-                                            <p:cond delay="0"/>
-                                          </p:stCondLst>
-                                        </p:cTn>
-                                        <p:tgtEl>
-                                          <p:spTgt spid="74755">
-                                            <p:txEl>
-                                              <p:pRg st="4" end="4"/>
-                                            </p:txEl>
-                                          </p:spTgt>
-                                        </p:tgtEl>
-                                        <p:attrNameLst>
-                                          <p:attrName>style.visibility</p:attrName>
-                                        </p:attrNameLst>
-                                      </p:cBhvr>
-                                      <p:to>
-                                        <p:strVal val="visible"/>
-                                      </p:to>
-                                    </p:set>
-                                  </p:childTnLst>
-                                </p:cTn>
-                              </p:par>
-                            </p:childTnLst>
-                          </p:cTn>
-                        </p:par>
-                      </p:childTnLst>
-                    </p:cTn>
-                  </p:par>
-                </p:childTnLst>
-              </p:cTn>
-              <p:prevCondLst>
-                <p:cond evt="onPrev" delay="0">
-                  <p:tgtEl>
-                    <p:sldTgt/>
-                  </p:tgtEl>
-                </p:cond>
-              </p:prevCondLst>
-              <p:nextCondLst>
-                <p:cond evt="onNext" delay="0">
-                  <p:tgtEl>
-                    <p:sldTgt/>
-                  </p:tgtEl>
-                </p:cond>
-              </p:nextCondLst>
-            </p:seq>
-          </p:childTnLst>
-        </p:cTn>
-      </p:par>
-    </p:tnLst>
-  </p:timing>
-</p:sld>
-</file>
-
-<file path=ppt/slides/slide22.xml><?xml version="1.0" encoding="utf-8"?>
-<p:sld xmlns:a="http://schemas.openxmlformats.org/drawingml/2006/main" xmlns:r="http://schemas.openxmlformats.org/officeDocument/2006/relationships" xmlns:p="http://schemas.openxmlformats.org/presentationml/2006/main">
-  <p:cSld>
-    <p:spTree>
-      <p:nvGrpSpPr>
-        <p:cNvPr id="1" name=""/>
-        <p:cNvGrpSpPr/>
-        <p:nvPr/>
-      </p:nvGrpSpPr>
-      <p:grpSpPr>
-        <a:xfrm>
-          <a:off x="0" y="0"/>
-          <a:ext cx="0" cy="0"/>
-          <a:chOff x="0" y="0"/>
-          <a:chExt cx="0" cy="0"/>
-        </a:xfrm>
-      </p:grpSpPr>
-      <p:sp>
-        <p:nvSpPr>
-          <p:cNvPr id="74754" name="Rectangle 2"/>
-          <p:cNvSpPr>
-            <a:spLocks noGrp="1" noChangeArrowheads="1"/>
-          </p:cNvSpPr>
-          <p:nvPr>
-            <p:ph type="title"/>
-          </p:nvPr>
-        </p:nvSpPr>
-        <p:spPr>
-          <a:xfrm>
-            <a:off x="685800" y="147638"/>
-            <a:ext cx="7772400" cy="814387"/>
-          </a:xfrm>
-        </p:spPr>
-        <p:txBody>
-          <a:bodyPr/>
-          <a:lstStyle/>
-          <a:p>
-            <a:r>
-              <a:rPr lang="es-CL" dirty="0">
-                <a:solidFill>
-                  <a:schemeClr val="bg1"/>
-                </a:solidFill>
-                <a:effectLst/>
-              </a:rPr>
-              <a:t>Usando SPSS para Seleccionar</a:t>
-            </a:r>
-            <a:br>
-              <a:rPr lang="es-CL" dirty="0">
-                <a:solidFill>
-                  <a:schemeClr val="bg1"/>
-                </a:solidFill>
-                <a:effectLst/>
-              </a:rPr>
-            </a:br>
-            <a:r>
-              <a:rPr lang="es-CL" dirty="0">
-                <a:solidFill>
-                  <a:schemeClr val="bg1"/>
-                </a:solidFill>
-                <a:effectLst/>
-              </a:rPr>
-              <a:t>una Muestra Aleatoria Simple</a:t>
-            </a:r>
-          </a:p>
-        </p:txBody>
-      </p:sp>
-      <p:sp>
-        <p:nvSpPr>
-          <p:cNvPr id="74755" name="Rectangle 3"/>
-          <p:cNvSpPr>
-            <a:spLocks noGrp="1" noChangeArrowheads="1"/>
-          </p:cNvSpPr>
-          <p:nvPr>
-            <p:ph idx="1"/>
-          </p:nvPr>
-        </p:nvSpPr>
-        <p:spPr>
-          <a:xfrm>
-            <a:off x="685800" y="1104900"/>
-            <a:ext cx="7772400" cy="4643438"/>
-          </a:xfrm>
-        </p:spPr>
-        <p:txBody>
-          <a:bodyPr/>
-          <a:lstStyle/>
-          <a:p>
-            <a:r>
-              <a:rPr lang="es-CL" dirty="0">
-                <a:solidFill>
-                  <a:schemeClr val="bg1"/>
-                </a:solidFill>
-                <a:effectLst/>
-              </a:rPr>
-              <a:t>SPSS:</a:t>
-            </a:r>
-          </a:p>
-          <a:p>
-            <a:pPr lvl="1"/>
-            <a:r>
-              <a:rPr lang="es-CL" dirty="0">
-                <a:solidFill>
-                  <a:schemeClr val="bg1"/>
-                </a:solidFill>
-                <a:effectLst/>
-              </a:rPr>
-              <a:t>Finalmente generamos un grupo de 30 personas, y digamos que el resto de las 870 personas serán el otro grupo que no será de interés:</a:t>
-            </a:r>
-          </a:p>
-          <a:p>
-            <a:pPr lvl="2"/>
-            <a:r>
-              <a:rPr lang="es-CL" dirty="0" err="1">
-                <a:solidFill>
-                  <a:schemeClr val="bg1"/>
-                </a:solidFill>
-                <a:effectLst/>
-              </a:rPr>
-              <a:t>Transform</a:t>
-            </a:r>
-            <a:r>
-              <a:rPr lang="es-CL" dirty="0">
-                <a:solidFill>
-                  <a:schemeClr val="bg1"/>
-                </a:solidFill>
-                <a:effectLst/>
-              </a:rPr>
-              <a:t> </a:t>
-            </a:r>
-            <a:r>
-              <a:rPr lang="es-CL" dirty="0">
-                <a:solidFill>
-                  <a:schemeClr val="bg1"/>
-                </a:solidFill>
-                <a:effectLst/>
-                <a:sym typeface="Wingdings" pitchFamily="2" charset="2"/>
-              </a:rPr>
-              <a:t></a:t>
-            </a:r>
-            <a:r>
-              <a:rPr lang="es-CL" dirty="0">
-                <a:solidFill>
-                  <a:schemeClr val="bg1"/>
-                </a:solidFill>
-                <a:effectLst/>
-              </a:rPr>
-              <a:t> Compute Variable</a:t>
-            </a:r>
-          </a:p>
-          <a:p>
-            <a:pPr lvl="2"/>
-            <a:r>
-              <a:rPr lang="es-CL" dirty="0">
-                <a:solidFill>
-                  <a:schemeClr val="bg1"/>
-                </a:solidFill>
-                <a:effectLst/>
-              </a:rPr>
-              <a:t>Target variable [grupo]</a:t>
-            </a:r>
-          </a:p>
-          <a:p>
-            <a:pPr lvl="2"/>
-            <a:r>
-              <a:rPr lang="es-CL" dirty="0" err="1">
-                <a:solidFill>
-                  <a:schemeClr val="bg1"/>
-                </a:solidFill>
-                <a:effectLst/>
-              </a:rPr>
-              <a:t>Numeric</a:t>
-            </a:r>
-            <a:r>
-              <a:rPr lang="es-CL" dirty="0">
-                <a:solidFill>
-                  <a:schemeClr val="bg1"/>
-                </a:solidFill>
-                <a:effectLst/>
-              </a:rPr>
-              <a:t> </a:t>
-            </a:r>
-            <a:r>
-              <a:rPr lang="es-CL" dirty="0" err="1">
-                <a:solidFill>
-                  <a:schemeClr val="bg1"/>
-                </a:solidFill>
-                <a:effectLst/>
-              </a:rPr>
-              <a:t>Expression</a:t>
-            </a:r>
-            <a:r>
-              <a:rPr lang="es-CL" dirty="0">
-                <a:solidFill>
-                  <a:schemeClr val="bg1"/>
-                </a:solidFill>
-                <a:effectLst/>
-              </a:rPr>
-              <a:t>: 2</a:t>
-            </a:r>
-          </a:p>
-          <a:p>
-            <a:pPr lvl="2"/>
-            <a:r>
-              <a:rPr lang="es-CL" dirty="0">
-                <a:solidFill>
-                  <a:schemeClr val="bg1"/>
-                </a:solidFill>
-                <a:effectLst/>
-              </a:rPr>
-              <a:t>Ok</a:t>
-            </a:r>
-          </a:p>
-        </p:txBody>
-      </p:sp>
-    </p:spTree>
-  </p:cSld>
-  <p:clrMapOvr>
-    <a:masterClrMapping/>
-  </p:clrMapOvr>
-  <p:transition/>
-  <p:timing>
-    <p:tnLst>
-      <p:par>
-        <p:cTn id="1" dur="indefinite" restart="never" nodeType="tmRoot">
-          <p:childTnLst>
-            <p:seq concurrent="1" nextAc="seek">
-              <p:cTn id="2" dur="indefinite" nodeType="mainSeq">
-                <p:childTnLst>
-                  <p:par>
-                    <p:cTn id="3" fill="hold">
-                      <p:stCondLst>
-                        <p:cond delay="indefinite"/>
-                      </p:stCondLst>
-                      <p:childTnLst>
-                        <p:par>
-                          <p:cTn id="4" fill="hold">
-                            <p:stCondLst>
-                              <p:cond delay="0"/>
-                            </p:stCondLst>
-                            <p:childTnLst>
-                              <p:par>
-                                <p:cTn id="5" presetID="1" presetClass="entr" presetSubtype="0" fill="hold" nodeType="clickEffect">
-                                  <p:stCondLst>
-                                    <p:cond delay="0"/>
-                                  </p:stCondLst>
-                                  <p:childTnLst>
-                                    <p:set>
-                                      <p:cBhvr>
-                                        <p:cTn id="6" dur="1" fill="hold">
-                                          <p:stCondLst>
-                                            <p:cond delay="0"/>
-                                          </p:stCondLst>
-                                        </p:cTn>
-                                        <p:tgtEl>
-                                          <p:spTgt spid="74755">
-                                            <p:txEl>
-                                              <p:pRg st="2" end="2"/>
-                                            </p:txEl>
-                                          </p:spTgt>
-                                        </p:tgtEl>
-                                        <p:attrNameLst>
-                                          <p:attrName>style.visibility</p:attrName>
-                                        </p:attrNameLst>
-                                      </p:cBhvr>
-                                      <p:to>
-                                        <p:strVal val="visible"/>
-                                      </p:to>
-                                    </p:set>
-                                  </p:childTnLst>
-                                </p:cTn>
-                              </p:par>
-                            </p:childTnLst>
-                          </p:cTn>
-                        </p:par>
-                      </p:childTnLst>
-                    </p:cTn>
-                  </p:par>
-                  <p:par>
-                    <p:cTn id="7" fill="hold">
-                      <p:stCondLst>
-                        <p:cond delay="indefinite"/>
-                      </p:stCondLst>
-                      <p:childTnLst>
-                        <p:par>
-                          <p:cTn id="8" fill="hold">
-                            <p:stCondLst>
-                              <p:cond delay="0"/>
-                            </p:stCondLst>
-                            <p:childTnLst>
-                              <p:par>
-                                <p:cTn id="9" presetID="1" presetClass="entr" presetSubtype="0" fill="hold" nodeType="clickEffect">
-                                  <p:stCondLst>
-                                    <p:cond delay="0"/>
-                                  </p:stCondLst>
-                                  <p:childTnLst>
-                                    <p:set>
-                                      <p:cBhvr>
-                                        <p:cTn id="10" dur="1" fill="hold">
-                                          <p:stCondLst>
-                                            <p:cond delay="0"/>
-                                          </p:stCondLst>
-                                        </p:cTn>
-                                        <p:tgtEl>
-                                          <p:spTgt spid="74755">
-                                            <p:txEl>
-                                              <p:pRg st="3" end="3"/>
-                                            </p:txEl>
-                                          </p:spTgt>
-                                        </p:tgtEl>
-                                        <p:attrNameLst>
-                                          <p:attrName>style.visibility</p:attrName>
-                                        </p:attrNameLst>
-                                      </p:cBhvr>
-                                      <p:to>
-                                        <p:strVal val="visible"/>
-                                      </p:to>
-                                    </p:set>
-                                  </p:childTnLst>
-                                </p:cTn>
-                              </p:par>
-                            </p:childTnLst>
-                          </p:cTn>
-                        </p:par>
-                      </p:childTnLst>
-                    </p:cTn>
-                  </p:par>
-                  <p:par>
-                    <p:cTn id="11" fill="hold">
-                      <p:stCondLst>
-                        <p:cond delay="indefinite"/>
-                      </p:stCondLst>
-                      <p:childTnLst>
-                        <p:par>
-                          <p:cTn id="12" fill="hold">
-                            <p:stCondLst>
-                              <p:cond delay="0"/>
-                            </p:stCondLst>
-                            <p:childTnLst>
-                              <p:par>
-                                <p:cTn id="13" presetID="1" presetClass="entr" presetSubtype="0" fill="hold" nodeType="clickEffect">
-                                  <p:stCondLst>
-                                    <p:cond delay="0"/>
-                                  </p:stCondLst>
-                                  <p:childTnLst>
-                                    <p:set>
-                                      <p:cBhvr>
-                                        <p:cTn id="14" dur="1" fill="hold">
-                                          <p:stCondLst>
-                                            <p:cond delay="0"/>
-                                          </p:stCondLst>
-                                        </p:cTn>
-                                        <p:tgtEl>
-                                          <p:spTgt spid="74755">
-                                            <p:txEl>
-                                              <p:pRg st="4" end="4"/>
-                                            </p:txEl>
-                                          </p:spTgt>
-                                        </p:tgtEl>
-                                        <p:attrNameLst>
-                                          <p:attrName>style.visibility</p:attrName>
-                                        </p:attrNameLst>
-                                      </p:cBhvr>
-                                      <p:to>
-                                        <p:strVal val="visible"/>
-                                      </p:to>
-                                    </p:set>
-                                  </p:childTnLst>
-                                </p:cTn>
-                              </p:par>
-                            </p:childTnLst>
-                          </p:cTn>
-                        </p:par>
-                      </p:childTnLst>
-                    </p:cTn>
-                  </p:par>
-                  <p:par>
-                    <p:cTn id="15" fill="hold">
-                      <p:stCondLst>
-                        <p:cond delay="indefinite"/>
-                      </p:stCondLst>
-                      <p:childTnLst>
-                        <p:par>
-                          <p:cTn id="16" fill="hold">
-                            <p:stCondLst>
-                              <p:cond delay="0"/>
-                            </p:stCondLst>
-                            <p:childTnLst>
-                              <p:par>
-                                <p:cTn id="17" presetID="1" presetClass="entr" presetSubtype="0" fill="hold" nodeType="clickEffect">
-                                  <p:stCondLst>
-                                    <p:cond delay="0"/>
-                                  </p:stCondLst>
-                                  <p:childTnLst>
-                                    <p:set>
-                                      <p:cBhvr>
-                                        <p:cTn id="18" dur="1" fill="hold">
-                                          <p:stCondLst>
-                                            <p:cond delay="0"/>
-                                          </p:stCondLst>
-                                        </p:cTn>
-                                        <p:tgtEl>
-                                          <p:spTgt spid="74755">
-                                            <p:txEl>
-                                              <p:pRg st="5" end="5"/>
-                                            </p:txEl>
-                                          </p:spTgt>
-                                        </p:tgtEl>
-                                        <p:attrNameLst>
-                                          <p:attrName>style.visibility</p:attrName>
-                                        </p:attrNameLst>
-                                      </p:cBhvr>
-                                      <p:to>
-                                        <p:strVal val="visible"/>
-                                      </p:to>
-                                    </p:set>
-                                  </p:childTnLst>
-                                </p:cTn>
-                              </p:par>
-                            </p:childTnLst>
-                          </p:cTn>
-                        </p:par>
-                      </p:childTnLst>
-                    </p:cTn>
-                  </p:par>
-                </p:childTnLst>
-              </p:cTn>
-              <p:prevCondLst>
-                <p:cond evt="onPrev" delay="0">
-                  <p:tgtEl>
-                    <p:sldTgt/>
-                  </p:tgtEl>
-                </p:cond>
-              </p:prevCondLst>
-              <p:nextCondLst>
-                <p:cond evt="onNext" delay="0">
-                  <p:tgtEl>
-                    <p:sldTgt/>
-                  </p:tgtEl>
-                </p:cond>
-              </p:nextCondLst>
-            </p:seq>
-          </p:childTnLst>
-        </p:cTn>
-      </p:par>
-    </p:tnLst>
-  </p:timing>
-</p:sld>
-</file>
-
-<file path=ppt/slides/slide23.xml><?xml version="1.0" encoding="utf-8"?>
-<p:sld xmlns:a="http://schemas.openxmlformats.org/drawingml/2006/main" xmlns:r="http://schemas.openxmlformats.org/officeDocument/2006/relationships" xmlns:p="http://schemas.openxmlformats.org/presentationml/2006/main">
-  <p:cSld>
-    <p:spTree>
-      <p:nvGrpSpPr>
-        <p:cNvPr id="1" name=""/>
-        <p:cNvGrpSpPr/>
-        <p:nvPr/>
-      </p:nvGrpSpPr>
-      <p:grpSpPr>
-        <a:xfrm>
-          <a:off x="0" y="0"/>
-          <a:ext cx="0" cy="0"/>
-          <a:chOff x="0" y="0"/>
-          <a:chExt cx="0" cy="0"/>
-        </a:xfrm>
-      </p:grpSpPr>
-      <p:sp>
-        <p:nvSpPr>
-          <p:cNvPr id="74754" name="Rectangle 2"/>
-          <p:cNvSpPr>
-            <a:spLocks noGrp="1" noChangeArrowheads="1"/>
-          </p:cNvSpPr>
-          <p:nvPr>
-            <p:ph type="title"/>
-          </p:nvPr>
-        </p:nvSpPr>
-        <p:spPr>
-          <a:xfrm>
-            <a:off x="685800" y="147638"/>
-            <a:ext cx="7772400" cy="814387"/>
-          </a:xfrm>
-        </p:spPr>
-        <p:txBody>
-          <a:bodyPr/>
-          <a:lstStyle/>
-          <a:p>
-            <a:r>
-              <a:rPr lang="es-CL" dirty="0">
-                <a:solidFill>
-                  <a:schemeClr val="bg1"/>
-                </a:solidFill>
-                <a:effectLst/>
-              </a:rPr>
-              <a:t>Usando SPSS para Seleccionar</a:t>
-            </a:r>
-            <a:br>
-              <a:rPr lang="es-CL" dirty="0">
-                <a:solidFill>
-                  <a:schemeClr val="bg1"/>
-                </a:solidFill>
-                <a:effectLst/>
-              </a:rPr>
-            </a:br>
-            <a:r>
-              <a:rPr lang="es-CL" dirty="0">
-                <a:solidFill>
-                  <a:schemeClr val="bg1"/>
-                </a:solidFill>
-                <a:effectLst/>
-              </a:rPr>
-              <a:t>una Muestra Aleatoria Simple</a:t>
-            </a:r>
-          </a:p>
-        </p:txBody>
-      </p:sp>
-      <p:sp>
-        <p:nvSpPr>
-          <p:cNvPr id="74755" name="Rectangle 3"/>
-          <p:cNvSpPr>
-            <a:spLocks noGrp="1" noChangeArrowheads="1"/>
-          </p:cNvSpPr>
-          <p:nvPr>
-            <p:ph idx="1"/>
-          </p:nvPr>
-        </p:nvSpPr>
-        <p:spPr>
-          <a:xfrm>
-            <a:off x="685800" y="1104900"/>
-            <a:ext cx="7772400" cy="4643438"/>
-          </a:xfrm>
-        </p:spPr>
-        <p:txBody>
-          <a:bodyPr/>
-          <a:lstStyle/>
-          <a:p>
-            <a:r>
-              <a:rPr lang="es-CL" dirty="0">
-                <a:solidFill>
-                  <a:schemeClr val="bg1"/>
-                </a:solidFill>
-                <a:effectLst/>
-              </a:rPr>
-              <a:t>SPSS:</a:t>
-            </a:r>
-          </a:p>
-          <a:p>
-            <a:pPr lvl="1"/>
-            <a:r>
-              <a:rPr lang="es-CL" dirty="0">
-                <a:solidFill>
-                  <a:schemeClr val="bg1"/>
-                </a:solidFill>
-                <a:effectLst/>
-              </a:rPr>
-              <a:t>Volvemos nuevamente a la variable:</a:t>
-            </a:r>
-          </a:p>
-          <a:p>
-            <a:pPr lvl="2"/>
-            <a:r>
-              <a:rPr lang="es-CL" dirty="0" err="1">
-                <a:solidFill>
-                  <a:schemeClr val="bg1"/>
-                </a:solidFill>
-                <a:effectLst/>
-              </a:rPr>
-              <a:t>Transform</a:t>
-            </a:r>
-            <a:r>
-              <a:rPr lang="es-CL" dirty="0">
-                <a:solidFill>
-                  <a:schemeClr val="bg1"/>
-                </a:solidFill>
-                <a:effectLst/>
-              </a:rPr>
-              <a:t> </a:t>
-            </a:r>
-            <a:r>
-              <a:rPr lang="es-CL" dirty="0">
-                <a:solidFill>
-                  <a:schemeClr val="bg1"/>
-                </a:solidFill>
-                <a:effectLst/>
-                <a:sym typeface="Wingdings" pitchFamily="2" charset="2"/>
-              </a:rPr>
-              <a:t></a:t>
-            </a:r>
-            <a:r>
-              <a:rPr lang="es-CL" dirty="0">
-                <a:solidFill>
-                  <a:schemeClr val="bg1"/>
-                </a:solidFill>
-                <a:effectLst/>
-              </a:rPr>
-              <a:t> Compute Variable</a:t>
-            </a:r>
-          </a:p>
-          <a:p>
-            <a:pPr lvl="2"/>
-            <a:r>
-              <a:rPr lang="es-CL" dirty="0">
-                <a:solidFill>
-                  <a:schemeClr val="bg1"/>
-                </a:solidFill>
-                <a:effectLst/>
-              </a:rPr>
-              <a:t>Target variable [grupo]</a:t>
-            </a:r>
-          </a:p>
-          <a:p>
-            <a:pPr lvl="2"/>
-            <a:r>
-              <a:rPr lang="es-CL" dirty="0" err="1">
-                <a:solidFill>
-                  <a:schemeClr val="bg1"/>
-                </a:solidFill>
-                <a:effectLst/>
-              </a:rPr>
-              <a:t>Numeric</a:t>
-            </a:r>
-            <a:r>
-              <a:rPr lang="es-CL" dirty="0">
-                <a:solidFill>
-                  <a:schemeClr val="bg1"/>
-                </a:solidFill>
-                <a:effectLst/>
-              </a:rPr>
-              <a:t> </a:t>
-            </a:r>
-            <a:r>
-              <a:rPr lang="es-CL" dirty="0" err="1">
-                <a:solidFill>
-                  <a:schemeClr val="bg1"/>
-                </a:solidFill>
-                <a:effectLst/>
-              </a:rPr>
-              <a:t>Expression</a:t>
-            </a:r>
-            <a:r>
-              <a:rPr lang="es-CL" dirty="0">
-                <a:solidFill>
-                  <a:schemeClr val="bg1"/>
-                </a:solidFill>
-                <a:effectLst/>
-              </a:rPr>
-              <a:t>: 1</a:t>
-            </a:r>
-          </a:p>
-          <a:p>
-            <a:pPr lvl="3"/>
-            <a:r>
-              <a:rPr lang="es-CL" dirty="0">
-                <a:solidFill>
-                  <a:schemeClr val="bg1"/>
-                </a:solidFill>
-                <a:effectLst/>
-              </a:rPr>
-              <a:t>“</a:t>
-            </a:r>
-            <a:r>
-              <a:rPr lang="es-CL" dirty="0" err="1">
-                <a:solidFill>
-                  <a:schemeClr val="bg1"/>
-                </a:solidFill>
-                <a:effectLst/>
-              </a:rPr>
-              <a:t>if</a:t>
-            </a:r>
-            <a:r>
-              <a:rPr lang="es-CL" dirty="0">
-                <a:solidFill>
-                  <a:schemeClr val="bg1"/>
-                </a:solidFill>
-                <a:effectLst/>
-              </a:rPr>
-              <a:t>”:</a:t>
-            </a:r>
-          </a:p>
-          <a:p>
-            <a:pPr lvl="4"/>
-            <a:r>
-              <a:rPr lang="es-CL" dirty="0" err="1">
-                <a:solidFill>
-                  <a:schemeClr val="bg1"/>
-                </a:solidFill>
-              </a:rPr>
-              <a:t>Include</a:t>
-            </a:r>
-            <a:r>
-              <a:rPr lang="es-CL" dirty="0">
-                <a:solidFill>
-                  <a:schemeClr val="bg1"/>
-                </a:solidFill>
-              </a:rPr>
-              <a:t> </a:t>
-            </a:r>
-            <a:r>
-              <a:rPr lang="es-CL" dirty="0" err="1">
-                <a:solidFill>
-                  <a:schemeClr val="bg1"/>
-                </a:solidFill>
-              </a:rPr>
-              <a:t>if</a:t>
-            </a:r>
-            <a:r>
-              <a:rPr lang="es-CL" dirty="0">
-                <a:solidFill>
-                  <a:schemeClr val="bg1"/>
-                </a:solidFill>
-              </a:rPr>
-              <a:t> case satisfaces </a:t>
-            </a:r>
-            <a:r>
-              <a:rPr lang="es-CL" dirty="0" err="1">
-                <a:solidFill>
-                  <a:schemeClr val="bg1"/>
-                </a:solidFill>
-              </a:rPr>
-              <a:t>condition</a:t>
-            </a:r>
-            <a:r>
-              <a:rPr lang="es-CL" dirty="0">
-                <a:solidFill>
-                  <a:schemeClr val="bg1"/>
-                </a:solidFill>
-              </a:rPr>
-              <a:t>:</a:t>
-            </a:r>
-          </a:p>
-          <a:p>
-            <a:pPr lvl="4"/>
-            <a:r>
-              <a:rPr lang="es-CL" dirty="0">
-                <a:solidFill>
-                  <a:schemeClr val="bg1"/>
-                </a:solidFill>
-              </a:rPr>
-              <a:t>contar &lt;=30</a:t>
-            </a:r>
-            <a:endParaRPr lang="es-CL" dirty="0">
-              <a:solidFill>
-                <a:schemeClr val="bg1"/>
-              </a:solidFill>
-              <a:effectLst/>
-            </a:endParaRPr>
-          </a:p>
-          <a:p>
-            <a:pPr lvl="2"/>
-            <a:endParaRPr lang="es-CL" dirty="0">
-              <a:solidFill>
-                <a:schemeClr val="bg1"/>
-              </a:solidFill>
-              <a:effectLst/>
-            </a:endParaRPr>
-          </a:p>
-        </p:txBody>
-      </p:sp>
-    </p:spTree>
-  </p:cSld>
-  <p:clrMapOvr>
-    <a:masterClrMapping/>
-  </p:clrMapOvr>
-  <p:transition/>
-  <p:timing>
-    <p:tnLst>
-      <p:par>
-        <p:cTn id="1" dur="indefinite" restart="never" nodeType="tmRoot">
-          <p:childTnLst>
-            <p:seq concurrent="1" nextAc="seek">
-              <p:cTn id="2" dur="indefinite" nodeType="mainSeq">
-                <p:childTnLst>
-                  <p:par>
-                    <p:cTn id="3" fill="hold">
-                      <p:stCondLst>
-                        <p:cond delay="indefinite"/>
-                      </p:stCondLst>
-                      <p:childTnLst>
-                        <p:par>
-                          <p:cTn id="4" fill="hold">
-                            <p:stCondLst>
-                              <p:cond delay="0"/>
-                            </p:stCondLst>
-                            <p:childTnLst>
-                              <p:par>
-                                <p:cTn id="5" presetID="1" presetClass="entr" presetSubtype="0" fill="hold" nodeType="clickEffect">
-                                  <p:stCondLst>
-                                    <p:cond delay="0"/>
-                                  </p:stCondLst>
-                                  <p:childTnLst>
-                                    <p:set>
-                                      <p:cBhvr>
-                                        <p:cTn id="6" dur="1" fill="hold">
-                                          <p:stCondLst>
-                                            <p:cond delay="0"/>
-                                          </p:stCondLst>
-                                        </p:cTn>
-                                        <p:tgtEl>
-                                          <p:spTgt spid="74755">
-                                            <p:txEl>
-                                              <p:pRg st="2" end="2"/>
-                                            </p:txEl>
-                                          </p:spTgt>
-                                        </p:tgtEl>
-                                        <p:attrNameLst>
-                                          <p:attrName>style.visibility</p:attrName>
-                                        </p:attrNameLst>
-                                      </p:cBhvr>
-                                      <p:to>
-                                        <p:strVal val="visible"/>
-                                      </p:to>
-                                    </p:set>
-                                  </p:childTnLst>
-                                </p:cTn>
-                              </p:par>
-                            </p:childTnLst>
-                          </p:cTn>
-                        </p:par>
-                      </p:childTnLst>
-                    </p:cTn>
-                  </p:par>
-                  <p:par>
-                    <p:cTn id="7" fill="hold">
-                      <p:stCondLst>
-                        <p:cond delay="indefinite"/>
-                      </p:stCondLst>
-                      <p:childTnLst>
-                        <p:par>
-                          <p:cTn id="8" fill="hold">
-                            <p:stCondLst>
-                              <p:cond delay="0"/>
-                            </p:stCondLst>
-                            <p:childTnLst>
-                              <p:par>
-                                <p:cTn id="9" presetID="1" presetClass="entr" presetSubtype="0" fill="hold" nodeType="clickEffect">
-                                  <p:stCondLst>
-                                    <p:cond delay="0"/>
-                                  </p:stCondLst>
-                                  <p:childTnLst>
-                                    <p:set>
-                                      <p:cBhvr>
-                                        <p:cTn id="10" dur="1" fill="hold">
-                                          <p:stCondLst>
-                                            <p:cond delay="0"/>
-                                          </p:stCondLst>
-                                        </p:cTn>
-                                        <p:tgtEl>
-                                          <p:spTgt spid="74755">
-                                            <p:txEl>
-                                              <p:pRg st="3" end="3"/>
-                                            </p:txEl>
-                                          </p:spTgt>
-                                        </p:tgtEl>
-                                        <p:attrNameLst>
-                                          <p:attrName>style.visibility</p:attrName>
-                                        </p:attrNameLst>
-                                      </p:cBhvr>
-                                      <p:to>
-                                        <p:strVal val="visible"/>
-                                      </p:to>
-                                    </p:set>
-                                  </p:childTnLst>
-                                </p:cTn>
-                              </p:par>
-                            </p:childTnLst>
-                          </p:cTn>
-                        </p:par>
-                      </p:childTnLst>
-                    </p:cTn>
-                  </p:par>
-                  <p:par>
-                    <p:cTn id="11" fill="hold">
-                      <p:stCondLst>
-                        <p:cond delay="indefinite"/>
-                      </p:stCondLst>
-                      <p:childTnLst>
-                        <p:par>
-                          <p:cTn id="12" fill="hold">
-                            <p:stCondLst>
-                              <p:cond delay="0"/>
-                            </p:stCondLst>
-                            <p:childTnLst>
-                              <p:par>
-                                <p:cTn id="13" presetID="1" presetClass="entr" presetSubtype="0" fill="hold" nodeType="clickEffect">
-                                  <p:stCondLst>
-                                    <p:cond delay="0"/>
-                                  </p:stCondLst>
-                                  <p:childTnLst>
-                                    <p:set>
-                                      <p:cBhvr>
-                                        <p:cTn id="14" dur="1" fill="hold">
-                                          <p:stCondLst>
-                                            <p:cond delay="0"/>
-                                          </p:stCondLst>
-                                        </p:cTn>
-                                        <p:tgtEl>
-                                          <p:spTgt spid="74755">
-                                            <p:txEl>
-                                              <p:pRg st="4" end="4"/>
-                                            </p:txEl>
-                                          </p:spTgt>
-                                        </p:tgtEl>
-                                        <p:attrNameLst>
-                                          <p:attrName>style.visibility</p:attrName>
-                                        </p:attrNameLst>
-                                      </p:cBhvr>
-                                      <p:to>
-                                        <p:strVal val="visible"/>
-                                      </p:to>
-                                    </p:set>
-                                  </p:childTnLst>
-                                </p:cTn>
-                              </p:par>
-                            </p:childTnLst>
-                          </p:cTn>
-                        </p:par>
-                      </p:childTnLst>
-                    </p:cTn>
-                  </p:par>
-                  <p:par>
-                    <p:cTn id="15" fill="hold">
-                      <p:stCondLst>
-                        <p:cond delay="indefinite"/>
-                      </p:stCondLst>
-                      <p:childTnLst>
-                        <p:par>
-                          <p:cTn id="16" fill="hold">
-                            <p:stCondLst>
-                              <p:cond delay="0"/>
-                            </p:stCondLst>
-                            <p:childTnLst>
-                              <p:par>
-                                <p:cTn id="17" presetID="1" presetClass="entr" presetSubtype="0" fill="hold" nodeType="clickEffect">
-                                  <p:stCondLst>
-                                    <p:cond delay="0"/>
-                                  </p:stCondLst>
-                                  <p:childTnLst>
-                                    <p:set>
-                                      <p:cBhvr>
-                                        <p:cTn id="18" dur="1" fill="hold">
-                                          <p:stCondLst>
-                                            <p:cond delay="0"/>
-                                          </p:stCondLst>
-                                        </p:cTn>
-                                        <p:tgtEl>
-                                          <p:spTgt spid="74755">
-                                            <p:txEl>
-                                              <p:pRg st="5" end="5"/>
-                                            </p:txEl>
-                                          </p:spTgt>
-                                        </p:tgtEl>
-                                        <p:attrNameLst>
-                                          <p:attrName>style.visibility</p:attrName>
-                                        </p:attrNameLst>
-                                      </p:cBhvr>
-                                      <p:to>
-                                        <p:strVal val="visible"/>
-                                      </p:to>
-                                    </p:set>
-                                  </p:childTnLst>
-                                </p:cTn>
-                              </p:par>
-                            </p:childTnLst>
-                          </p:cTn>
-                        </p:par>
-                      </p:childTnLst>
-                    </p:cTn>
-                  </p:par>
-                  <p:par>
-                    <p:cTn id="19" fill="hold">
-                      <p:stCondLst>
-                        <p:cond delay="indefinite"/>
-                      </p:stCondLst>
-                      <p:childTnLst>
-                        <p:par>
-                          <p:cTn id="20" fill="hold">
-                            <p:stCondLst>
-                              <p:cond delay="0"/>
-                            </p:stCondLst>
-                            <p:childTnLst>
-                              <p:par>
-                                <p:cTn id="21" presetID="1" presetClass="entr" presetSubtype="0" fill="hold" nodeType="clickEffect">
-                                  <p:stCondLst>
-                                    <p:cond delay="0"/>
-                                  </p:stCondLst>
-                                  <p:childTnLst>
-                                    <p:set>
-                                      <p:cBhvr>
-                                        <p:cTn id="22" dur="1" fill="hold">
-                                          <p:stCondLst>
-                                            <p:cond delay="0"/>
-                                          </p:stCondLst>
-                                        </p:cTn>
-                                        <p:tgtEl>
-                                          <p:spTgt spid="74755">
-                                            <p:txEl>
-                                              <p:pRg st="6" end="6"/>
-                                            </p:txEl>
-                                          </p:spTgt>
-                                        </p:tgtEl>
-                                        <p:attrNameLst>
-                                          <p:attrName>style.visibility</p:attrName>
-                                        </p:attrNameLst>
-                                      </p:cBhvr>
-                                      <p:to>
-                                        <p:strVal val="visible"/>
-                                      </p:to>
-                                    </p:set>
-                                  </p:childTnLst>
-                                </p:cTn>
-                              </p:par>
-                            </p:childTnLst>
-                          </p:cTn>
-                        </p:par>
-                      </p:childTnLst>
-                    </p:cTn>
-                  </p:par>
-                  <p:par>
-                    <p:cTn id="23" fill="hold">
-                      <p:stCondLst>
-                        <p:cond delay="indefinite"/>
-                      </p:stCondLst>
-                      <p:childTnLst>
-                        <p:par>
-                          <p:cTn id="24" fill="hold">
-                            <p:stCondLst>
-                              <p:cond delay="0"/>
-                            </p:stCondLst>
-                            <p:childTnLst>
-                              <p:par>
-                                <p:cTn id="25" presetID="1" presetClass="entr" presetSubtype="0" fill="hold" nodeType="clickEffect">
-                                  <p:stCondLst>
-                                    <p:cond delay="0"/>
-                                  </p:stCondLst>
-                                  <p:childTnLst>
-                                    <p:set>
-                                      <p:cBhvr>
-                                        <p:cTn id="26" dur="1" fill="hold">
-                                          <p:stCondLst>
-                                            <p:cond delay="0"/>
-                                          </p:stCondLst>
-                                        </p:cTn>
-                                        <p:tgtEl>
-                                          <p:spTgt spid="74755">
-                                            <p:txEl>
-                                              <p:pRg st="7" end="7"/>
-                                            </p:txEl>
-                                          </p:spTgt>
-                                        </p:tgtEl>
-                                        <p:attrNameLst>
-                                          <p:attrName>style.visibility</p:attrName>
-                                        </p:attrNameLst>
-                                      </p:cBhvr>
-                                      <p:to>
-                                        <p:strVal val="visible"/>
-                                      </p:to>
-                                    </p:set>
-                                  </p:childTnLst>
-                                </p:cTn>
-                              </p:par>
-                            </p:childTnLst>
-                          </p:cTn>
-                        </p:par>
-                      </p:childTnLst>
-                    </p:cTn>
-                  </p:par>
-                </p:childTnLst>
-              </p:cTn>
-              <p:prevCondLst>
-                <p:cond evt="onPrev" delay="0">
-                  <p:tgtEl>
-                    <p:sldTgt/>
-                  </p:tgtEl>
-                </p:cond>
-              </p:prevCondLst>
-              <p:nextCondLst>
-                <p:cond evt="onNext" delay="0">
-                  <p:tgtEl>
-                    <p:sldTgt/>
-                  </p:tgtEl>
-                </p:cond>
-              </p:nextCondLst>
-            </p:seq>
-          </p:childTnLst>
-        </p:cTn>
-      </p:par>
-    </p:tnLst>
-  </p:timing>
-</p:sld>
-</file>
-
-<file path=ppt/slides/slide24.xml><?xml version="1.0" encoding="utf-8"?>
-<p:sld xmlns:a="http://schemas.openxmlformats.org/drawingml/2006/main" xmlns:r="http://schemas.openxmlformats.org/officeDocument/2006/relationships" xmlns:p="http://schemas.openxmlformats.org/presentationml/2006/main">
-  <p:cSld>
-    <p:spTree>
-      <p:nvGrpSpPr>
-        <p:cNvPr id="1" name=""/>
-        <p:cNvGrpSpPr/>
-        <p:nvPr/>
-      </p:nvGrpSpPr>
-      <p:grpSpPr>
-        <a:xfrm>
-          <a:off x="0" y="0"/>
-          <a:ext cx="0" cy="0"/>
-          <a:chOff x="0" y="0"/>
-          <a:chExt cx="0" cy="0"/>
-        </a:xfrm>
-      </p:grpSpPr>
-      <p:sp>
-        <p:nvSpPr>
-          <p:cNvPr id="74754" name="Rectangle 2"/>
-          <p:cNvSpPr>
-            <a:spLocks noGrp="1" noChangeArrowheads="1"/>
-          </p:cNvSpPr>
-          <p:nvPr>
-            <p:ph type="title"/>
-          </p:nvPr>
-        </p:nvSpPr>
-        <p:spPr>
-          <a:xfrm>
-            <a:off x="685800" y="147638"/>
-            <a:ext cx="7772400" cy="814387"/>
-          </a:xfrm>
-        </p:spPr>
-        <p:txBody>
-          <a:bodyPr/>
-          <a:lstStyle/>
-          <a:p>
-            <a:r>
-              <a:rPr lang="es-CL" dirty="0">
-                <a:solidFill>
-                  <a:schemeClr val="bg1"/>
-                </a:solidFill>
-                <a:effectLst/>
-              </a:rPr>
-              <a:t>Usando SPSS para Seleccionar</a:t>
-            </a:r>
-            <a:br>
-              <a:rPr lang="es-CL" dirty="0">
-                <a:solidFill>
-                  <a:schemeClr val="bg1"/>
-                </a:solidFill>
-                <a:effectLst/>
-              </a:rPr>
-            </a:br>
-            <a:r>
-              <a:rPr lang="es-CL" dirty="0">
-                <a:solidFill>
-                  <a:schemeClr val="bg1"/>
-                </a:solidFill>
-                <a:effectLst/>
-              </a:rPr>
-              <a:t>una Muestra Aleatoria Simple</a:t>
-            </a:r>
-          </a:p>
-        </p:txBody>
-      </p:sp>
-      <p:sp>
-        <p:nvSpPr>
-          <p:cNvPr id="74755" name="Rectangle 3"/>
-          <p:cNvSpPr>
-            <a:spLocks noGrp="1" noChangeArrowheads="1"/>
-          </p:cNvSpPr>
-          <p:nvPr>
-            <p:ph idx="1"/>
-          </p:nvPr>
-        </p:nvSpPr>
-        <p:spPr>
-          <a:xfrm>
-            <a:off x="685800" y="1104900"/>
-            <a:ext cx="7772400" cy="4643438"/>
-          </a:xfrm>
-        </p:spPr>
-        <p:txBody>
-          <a:bodyPr/>
-          <a:lstStyle/>
-          <a:p>
-            <a:r>
-              <a:rPr lang="es-CL" dirty="0">
-                <a:solidFill>
-                  <a:schemeClr val="bg1"/>
-                </a:solidFill>
-                <a:effectLst/>
-              </a:rPr>
-              <a:t>SPSS:</a:t>
-            </a:r>
-          </a:p>
-          <a:p>
-            <a:pPr lvl="1"/>
-            <a:r>
-              <a:rPr lang="es-CL" dirty="0">
-                <a:solidFill>
-                  <a:schemeClr val="bg1"/>
-                </a:solidFill>
-                <a:effectLst/>
-              </a:rPr>
-              <a:t>Con esto, podemos calcular para el grupo 1, que es el grupo de interés:</a:t>
-            </a:r>
-          </a:p>
-          <a:p>
-            <a:pPr lvl="2"/>
-            <a:r>
-              <a:rPr lang="es-CL" dirty="0" err="1">
-                <a:solidFill>
-                  <a:schemeClr val="bg1"/>
-                </a:solidFill>
-                <a:effectLst/>
-              </a:rPr>
-              <a:t>Analyze</a:t>
-            </a:r>
-            <a:r>
-              <a:rPr lang="es-CL" dirty="0">
-                <a:solidFill>
-                  <a:schemeClr val="bg1"/>
-                </a:solidFill>
-                <a:effectLst/>
-              </a:rPr>
-              <a:t> </a:t>
-            </a:r>
-            <a:r>
-              <a:rPr lang="es-CL" dirty="0">
-                <a:solidFill>
-                  <a:schemeClr val="bg1"/>
-                </a:solidFill>
-                <a:effectLst/>
-                <a:sym typeface="Wingdings" pitchFamily="2" charset="2"/>
-              </a:rPr>
-              <a:t> Compare </a:t>
-            </a:r>
-            <a:r>
-              <a:rPr lang="es-CL" dirty="0" err="1">
-                <a:solidFill>
-                  <a:schemeClr val="bg1"/>
-                </a:solidFill>
-                <a:effectLst/>
-                <a:sym typeface="Wingdings" pitchFamily="2" charset="2"/>
-              </a:rPr>
-              <a:t>Means</a:t>
-            </a:r>
-            <a:r>
-              <a:rPr lang="es-CL" dirty="0">
-                <a:solidFill>
-                  <a:schemeClr val="bg1"/>
-                </a:solidFill>
-                <a:effectLst/>
-                <a:sym typeface="Wingdings" pitchFamily="2" charset="2"/>
-              </a:rPr>
-              <a:t>  </a:t>
-            </a:r>
-            <a:r>
-              <a:rPr lang="es-CL" dirty="0" err="1">
-                <a:solidFill>
-                  <a:schemeClr val="bg1"/>
-                </a:solidFill>
-                <a:effectLst/>
-                <a:sym typeface="Wingdings" pitchFamily="2" charset="2"/>
-              </a:rPr>
-              <a:t>Means</a:t>
-            </a:r>
-            <a:endParaRPr lang="es-CL" dirty="0">
-              <a:solidFill>
-                <a:schemeClr val="bg1"/>
-              </a:solidFill>
-              <a:effectLst/>
-              <a:sym typeface="Wingdings" pitchFamily="2" charset="2"/>
-            </a:endParaRPr>
-          </a:p>
-          <a:p>
-            <a:pPr lvl="2"/>
-            <a:r>
-              <a:rPr lang="es-CL" dirty="0" err="1">
-                <a:solidFill>
-                  <a:schemeClr val="bg1"/>
-                </a:solidFill>
-                <a:effectLst/>
-                <a:sym typeface="Wingdings" pitchFamily="2" charset="2"/>
-              </a:rPr>
-              <a:t>Dependent</a:t>
-            </a:r>
-            <a:r>
-              <a:rPr lang="es-CL" dirty="0">
-                <a:solidFill>
-                  <a:schemeClr val="bg1"/>
-                </a:solidFill>
-                <a:effectLst/>
-                <a:sym typeface="Wingdings" pitchFamily="2" charset="2"/>
-              </a:rPr>
-              <a:t> </a:t>
-            </a:r>
-            <a:r>
-              <a:rPr lang="es-CL" dirty="0" err="1">
-                <a:solidFill>
-                  <a:schemeClr val="bg1"/>
-                </a:solidFill>
-                <a:effectLst/>
-                <a:sym typeface="Wingdings" pitchFamily="2" charset="2"/>
-              </a:rPr>
-              <a:t>List</a:t>
-            </a:r>
-            <a:r>
-              <a:rPr lang="es-CL" dirty="0">
-                <a:solidFill>
-                  <a:schemeClr val="bg1"/>
-                </a:solidFill>
-                <a:effectLst/>
-                <a:sym typeface="Wingdings" pitchFamily="2" charset="2"/>
-              </a:rPr>
-              <a:t>: [SAT]</a:t>
-            </a:r>
-          </a:p>
-          <a:p>
-            <a:pPr lvl="2"/>
-            <a:r>
-              <a:rPr lang="es-CL" dirty="0" err="1">
-                <a:solidFill>
-                  <a:schemeClr val="bg1"/>
-                </a:solidFill>
-                <a:effectLst/>
-                <a:sym typeface="Wingdings" pitchFamily="2" charset="2"/>
-              </a:rPr>
-              <a:t>Independent</a:t>
-            </a:r>
-            <a:r>
-              <a:rPr lang="es-CL" dirty="0">
-                <a:solidFill>
-                  <a:schemeClr val="bg1"/>
-                </a:solidFill>
-                <a:effectLst/>
-                <a:sym typeface="Wingdings" pitchFamily="2" charset="2"/>
-              </a:rPr>
-              <a:t> </a:t>
-            </a:r>
-            <a:r>
-              <a:rPr lang="es-CL" dirty="0" err="1">
-                <a:solidFill>
-                  <a:schemeClr val="bg1"/>
-                </a:solidFill>
-                <a:effectLst/>
-                <a:sym typeface="Wingdings" pitchFamily="2" charset="2"/>
-              </a:rPr>
-              <a:t>List</a:t>
-            </a:r>
-            <a:r>
-              <a:rPr lang="es-CL" dirty="0">
-                <a:solidFill>
-                  <a:schemeClr val="bg1"/>
-                </a:solidFill>
-                <a:effectLst/>
-                <a:sym typeface="Wingdings" pitchFamily="2" charset="2"/>
-              </a:rPr>
-              <a:t>: [grupo]</a:t>
-            </a:r>
-            <a:endParaRPr lang="es-CL" dirty="0">
-              <a:solidFill>
-                <a:schemeClr val="bg1"/>
-              </a:solidFill>
-              <a:effectLst/>
-            </a:endParaRPr>
-          </a:p>
-        </p:txBody>
-      </p:sp>
-    </p:spTree>
-  </p:cSld>
-  <p:clrMapOvr>
-    <a:masterClrMapping/>
-  </p:clrMapOvr>
-  <p:transition/>
-  <p:timing>
-    <p:tnLst>
-      <p:par>
-        <p:cTn id="1" dur="indefinite" restart="never" nodeType="tmRoot">
-          <p:childTnLst>
-            <p:seq concurrent="1" nextAc="seek">
-              <p:cTn id="2" dur="indefinite" nodeType="mainSeq">
-                <p:childTnLst>
-                  <p:par>
-                    <p:cTn id="3" fill="hold">
-                      <p:stCondLst>
-                        <p:cond delay="indefinite"/>
-                      </p:stCondLst>
-                      <p:childTnLst>
-                        <p:par>
-                          <p:cTn id="4" fill="hold">
-                            <p:stCondLst>
-                              <p:cond delay="0"/>
-                            </p:stCondLst>
-                            <p:childTnLst>
-                              <p:par>
-                                <p:cTn id="5" presetID="1" presetClass="entr" presetSubtype="0" fill="hold" nodeType="clickEffect">
-                                  <p:stCondLst>
-                                    <p:cond delay="0"/>
-                                  </p:stCondLst>
-                                  <p:childTnLst>
-                                    <p:set>
-                                      <p:cBhvr>
-                                        <p:cTn id="6" dur="1" fill="hold">
-                                          <p:stCondLst>
-                                            <p:cond delay="0"/>
-                                          </p:stCondLst>
-                                        </p:cTn>
-                                        <p:tgtEl>
-                                          <p:spTgt spid="74755">
-                                            <p:txEl>
-                                              <p:pRg st="2" end="2"/>
-                                            </p:txEl>
-                                          </p:spTgt>
-                                        </p:tgtEl>
-                                        <p:attrNameLst>
-                                          <p:attrName>style.visibility</p:attrName>
-                                        </p:attrNameLst>
-                                      </p:cBhvr>
-                                      <p:to>
-                                        <p:strVal val="visible"/>
-                                      </p:to>
-                                    </p:set>
-                                  </p:childTnLst>
-                                </p:cTn>
-                              </p:par>
-                            </p:childTnLst>
-                          </p:cTn>
-                        </p:par>
-                      </p:childTnLst>
-                    </p:cTn>
-                  </p:par>
-                  <p:par>
-                    <p:cTn id="7" fill="hold">
-                      <p:stCondLst>
-                        <p:cond delay="indefinite"/>
-                      </p:stCondLst>
-                      <p:childTnLst>
-                        <p:par>
-                          <p:cTn id="8" fill="hold">
-                            <p:stCondLst>
-                              <p:cond delay="0"/>
-                            </p:stCondLst>
-                            <p:childTnLst>
-                              <p:par>
-                                <p:cTn id="9" presetID="1" presetClass="entr" presetSubtype="0" fill="hold" nodeType="clickEffect">
-                                  <p:stCondLst>
-                                    <p:cond delay="0"/>
-                                  </p:stCondLst>
-                                  <p:childTnLst>
-                                    <p:set>
-                                      <p:cBhvr>
-                                        <p:cTn id="10" dur="1" fill="hold">
-                                          <p:stCondLst>
-                                            <p:cond delay="0"/>
-                                          </p:stCondLst>
-                                        </p:cTn>
-                                        <p:tgtEl>
-                                          <p:spTgt spid="74755">
-                                            <p:txEl>
-                                              <p:pRg st="3" end="3"/>
-                                            </p:txEl>
-                                          </p:spTgt>
-                                        </p:tgtEl>
-                                        <p:attrNameLst>
-                                          <p:attrName>style.visibility</p:attrName>
-                                        </p:attrNameLst>
-                                      </p:cBhvr>
-                                      <p:to>
-                                        <p:strVal val="visible"/>
-                                      </p:to>
-                                    </p:set>
-                                  </p:childTnLst>
-                                </p:cTn>
-                              </p:par>
-                            </p:childTnLst>
-                          </p:cTn>
-                        </p:par>
-                      </p:childTnLst>
-                    </p:cTn>
-                  </p:par>
-                  <p:par>
-                    <p:cTn id="11" fill="hold">
-                      <p:stCondLst>
-                        <p:cond delay="indefinite"/>
-                      </p:stCondLst>
-                      <p:childTnLst>
-                        <p:par>
-                          <p:cTn id="12" fill="hold">
-                            <p:stCondLst>
-                              <p:cond delay="0"/>
-                            </p:stCondLst>
-                            <p:childTnLst>
-                              <p:par>
-                                <p:cTn id="13" presetID="1" presetClass="entr" presetSubtype="0" fill="hold" nodeType="clickEffect">
-                                  <p:stCondLst>
-                                    <p:cond delay="0"/>
-                                  </p:stCondLst>
-                                  <p:childTnLst>
-                                    <p:set>
-                                      <p:cBhvr>
-                                        <p:cTn id="14" dur="1" fill="hold">
-                                          <p:stCondLst>
-                                            <p:cond delay="0"/>
-                                          </p:stCondLst>
-                                        </p:cTn>
-                                        <p:tgtEl>
-                                          <p:spTgt spid="74755">
-                                            <p:txEl>
-                                              <p:pRg st="4" end="4"/>
-                                            </p:txEl>
-                                          </p:spTgt>
-                                        </p:tgtEl>
-                                        <p:attrNameLst>
-                                          <p:attrName>style.visibility</p:attrName>
-                                        </p:attrNameLst>
-                                      </p:cBhvr>
-                                      <p:to>
-                                        <p:strVal val="visible"/>
-                                      </p:to>
-                                    </p:set>
-                                  </p:childTnLst>
-                                </p:cTn>
-                              </p:par>
-                            </p:childTnLst>
-                          </p:cTn>
-                        </p:par>
-                      </p:childTnLst>
-                    </p:cTn>
-                  </p:par>
-                </p:childTnLst>
-              </p:cTn>
-              <p:prevCondLst>
-                <p:cond evt="onPrev" delay="0">
-                  <p:tgtEl>
-                    <p:sldTgt/>
-                  </p:tgtEl>
-                </p:cond>
-              </p:prevCondLst>
-              <p:nextCondLst>
-                <p:cond evt="onNext" delay="0">
-                  <p:tgtEl>
-                    <p:sldTgt/>
-                  </p:tgtEl>
-                </p:cond>
-              </p:nextCondLst>
-            </p:seq>
-          </p:childTnLst>
-        </p:cTn>
-      </p:par>
-    </p:tnLst>
-  </p:timing>
-</p:sld>
-</file>
-
-<file path=ppt/slides/slide25.xml><?xml version="1.0" encoding="utf-8"?>
-<p:sld xmlns:a="http://schemas.openxmlformats.org/drawingml/2006/main" xmlns:r="http://schemas.openxmlformats.org/officeDocument/2006/relationships" xmlns:p="http://schemas.openxmlformats.org/presentationml/2006/main">
-  <p:cSld>
-    <p:spTree>
-      <p:nvGrpSpPr>
-        <p:cNvPr id="1" name=""/>
-        <p:cNvGrpSpPr/>
-        <p:nvPr/>
-      </p:nvGrpSpPr>
-      <p:grpSpPr>
-        <a:xfrm>
-          <a:off x="0" y="0"/>
-          <a:ext cx="0" cy="0"/>
-          <a:chOff x="0" y="0"/>
-          <a:chExt cx="0" cy="0"/>
-        </a:xfrm>
-      </p:grpSpPr>
-      <p:sp>
-        <p:nvSpPr>
-          <p:cNvPr id="15368" name="Rectangle 8"/>
-          <p:cNvSpPr>
-            <a:spLocks noGrp="1" noChangeArrowheads="1"/>
-          </p:cNvSpPr>
-          <p:nvPr>
-            <p:ph type="title"/>
-          </p:nvPr>
-        </p:nvSpPr>
-        <p:spPr>
-          <a:xfrm>
-            <a:off x="685800" y="133350"/>
-            <a:ext cx="7772400" cy="652463"/>
-          </a:xfrm>
-          <a:noFill/>
-          <a:ln/>
-        </p:spPr>
-        <p:txBody>
-          <a:bodyPr/>
-          <a:lstStyle/>
-          <a:p>
-            <a:r>
-              <a:rPr lang="es-CL" dirty="0">
-                <a:solidFill>
-                  <a:schemeClr val="bg1"/>
-                </a:solidFill>
-                <a:effectLst/>
-              </a:rPr>
-              <a:t>Ejemplo:  Universidad de St. Andrew</a:t>
-            </a:r>
-            <a:endParaRPr lang="en-US" dirty="0"/>
-          </a:p>
-        </p:txBody>
-      </p:sp>
-      <p:sp>
-        <p:nvSpPr>
-          <p:cNvPr id="15362" name="Rectangle 2"/>
-          <p:cNvSpPr>
-            <a:spLocks noGrp="1" noChangeArrowheads="1"/>
-          </p:cNvSpPr>
-          <p:nvPr>
-            <p:ph idx="1"/>
-          </p:nvPr>
-        </p:nvSpPr>
-        <p:spPr>
-          <a:xfrm>
-            <a:off x="690563" y="1100138"/>
-            <a:ext cx="7772400" cy="5329237"/>
-          </a:xfrm>
-          <a:noFill/>
-          <a:ln/>
-        </p:spPr>
-        <p:txBody>
-          <a:bodyPr/>
-          <a:lstStyle/>
-          <a:p>
-            <a:pPr>
-              <a:lnSpc>
-                <a:spcPct val="90000"/>
-              </a:lnSpc>
-            </a:pPr>
-            <a:r>
-              <a:rPr lang="es-CL" dirty="0">
-                <a:solidFill>
-                  <a:schemeClr val="bg1"/>
-                </a:solidFill>
-                <a:effectLst/>
-              </a:rPr>
-              <a:t>Estimadores puntuales:</a:t>
-            </a:r>
-          </a:p>
-          <a:p>
-            <a:pPr lvl="1">
-              <a:lnSpc>
-                <a:spcPct val="90000"/>
-              </a:lnSpc>
-            </a:pPr>
-            <a:r>
-              <a:rPr lang="es-CL" dirty="0">
-                <a:solidFill>
-                  <a:schemeClr val="bg1"/>
-                </a:solidFill>
-                <a:effectLst/>
-              </a:rPr>
-              <a:t>    es el estimador puntual de </a:t>
-            </a:r>
-            <a:r>
-              <a:rPr lang="es-CL" i="1" dirty="0">
-                <a:solidFill>
-                  <a:schemeClr val="bg1"/>
-                </a:solidFill>
-                <a:effectLst/>
-                <a:latin typeface="Symbol" pitchFamily="18" charset="2"/>
-              </a:rPr>
-              <a:t></a:t>
-            </a:r>
-            <a:endParaRPr lang="es-CL" dirty="0">
-              <a:solidFill>
-                <a:schemeClr val="bg1"/>
-              </a:solidFill>
-              <a:effectLst/>
-            </a:endParaRPr>
-          </a:p>
-          <a:p>
-            <a:pPr lvl="1">
-              <a:lnSpc>
-                <a:spcPct val="90000"/>
-              </a:lnSpc>
-              <a:buFontTx/>
-              <a:buNone/>
-            </a:pPr>
-            <a:endParaRPr lang="es-CL" sz="2000" dirty="0">
-              <a:solidFill>
-                <a:schemeClr val="bg1"/>
-              </a:solidFill>
-              <a:effectLst/>
-            </a:endParaRPr>
-          </a:p>
-          <a:p>
-            <a:pPr lvl="1">
-              <a:lnSpc>
-                <a:spcPct val="90000"/>
-              </a:lnSpc>
-              <a:buFontTx/>
-              <a:buNone/>
-            </a:pPr>
-            <a:endParaRPr lang="es-CL" sz="2000" dirty="0">
-              <a:solidFill>
-                <a:schemeClr val="bg1"/>
-              </a:solidFill>
-              <a:effectLst/>
-            </a:endParaRPr>
-          </a:p>
-          <a:p>
-            <a:pPr lvl="1">
-              <a:lnSpc>
-                <a:spcPct val="90000"/>
-              </a:lnSpc>
-              <a:buFontTx/>
-              <a:buNone/>
-            </a:pPr>
-            <a:endParaRPr lang="es-CL" sz="2000" dirty="0">
-              <a:solidFill>
-                <a:schemeClr val="bg1"/>
-              </a:solidFill>
-              <a:effectLst/>
-            </a:endParaRPr>
-          </a:p>
-          <a:p>
-            <a:pPr lvl="1">
-              <a:lnSpc>
-                <a:spcPct val="90000"/>
-              </a:lnSpc>
-            </a:pPr>
-            <a:r>
-              <a:rPr lang="es-CL" i="1" dirty="0">
-                <a:solidFill>
-                  <a:schemeClr val="bg1"/>
-                </a:solidFill>
-                <a:effectLst/>
-              </a:rPr>
-              <a:t>s</a:t>
-            </a:r>
-            <a:r>
-              <a:rPr lang="es-CL" dirty="0">
-                <a:solidFill>
-                  <a:schemeClr val="bg1"/>
-                </a:solidFill>
-                <a:effectLst/>
-              </a:rPr>
-              <a:t> es el estimador puntual de </a:t>
-            </a:r>
-            <a:r>
-              <a:rPr lang="es-CL" i="1" dirty="0">
-                <a:solidFill>
-                  <a:schemeClr val="bg1"/>
-                </a:solidFill>
-                <a:effectLst/>
-                <a:latin typeface="Symbol" pitchFamily="18" charset="2"/>
-              </a:rPr>
-              <a:t></a:t>
-            </a:r>
-            <a:endParaRPr lang="es-CL" dirty="0">
-              <a:solidFill>
-                <a:schemeClr val="bg1"/>
-              </a:solidFill>
-              <a:effectLst/>
-            </a:endParaRPr>
-          </a:p>
-          <a:p>
-            <a:pPr lvl="1">
-              <a:lnSpc>
-                <a:spcPct val="90000"/>
-              </a:lnSpc>
-              <a:buFontTx/>
-              <a:buNone/>
-            </a:pPr>
-            <a:endParaRPr lang="es-CL" dirty="0">
-              <a:solidFill>
-                <a:schemeClr val="bg1"/>
-              </a:solidFill>
-              <a:effectLst/>
-            </a:endParaRPr>
-          </a:p>
-          <a:p>
-            <a:pPr lvl="1">
-              <a:lnSpc>
-                <a:spcPct val="90000"/>
-              </a:lnSpc>
-              <a:buFontTx/>
-              <a:buNone/>
-            </a:pPr>
-            <a:endParaRPr lang="es-CL" dirty="0">
-              <a:solidFill>
-                <a:schemeClr val="bg1"/>
-              </a:solidFill>
-              <a:effectLst/>
-            </a:endParaRPr>
-          </a:p>
-          <a:p>
-            <a:pPr lvl="1">
-              <a:lnSpc>
-                <a:spcPct val="90000"/>
-              </a:lnSpc>
-              <a:buFontTx/>
-              <a:buNone/>
-            </a:pPr>
-            <a:endParaRPr lang="es-CL" dirty="0">
-              <a:solidFill>
-                <a:schemeClr val="bg1"/>
-              </a:solidFill>
-              <a:effectLst/>
-            </a:endParaRPr>
-          </a:p>
-          <a:p>
-            <a:pPr lvl="1">
-              <a:lnSpc>
-                <a:spcPct val="90000"/>
-              </a:lnSpc>
-            </a:pPr>
-            <a:r>
-              <a:rPr lang="es-CL" dirty="0">
-                <a:solidFill>
-                  <a:schemeClr val="bg1"/>
-                </a:solidFill>
-                <a:effectLst/>
-              </a:rPr>
-              <a:t>    es el estimador puntual </a:t>
-            </a:r>
-            <a:r>
-              <a:rPr lang="es-CL" i="1" dirty="0">
-                <a:solidFill>
-                  <a:schemeClr val="bg1"/>
-                </a:solidFill>
-                <a:effectLst/>
-              </a:rPr>
-              <a:t>p</a:t>
-            </a:r>
-            <a:endParaRPr lang="es-CL" dirty="0">
-              <a:solidFill>
-                <a:schemeClr val="bg1"/>
-              </a:solidFill>
-              <a:effectLst/>
-            </a:endParaRPr>
-          </a:p>
-          <a:p>
-            <a:pPr lvl="1">
-              <a:lnSpc>
-                <a:spcPct val="90000"/>
-              </a:lnSpc>
-              <a:buFontTx/>
-              <a:buNone/>
-            </a:pPr>
-            <a:endParaRPr lang="es-CL" sz="3000" dirty="0">
-              <a:solidFill>
-                <a:schemeClr val="bg1"/>
-              </a:solidFill>
-              <a:effectLst/>
-            </a:endParaRPr>
-          </a:p>
-          <a:p>
-            <a:pPr lvl="1">
-              <a:lnSpc>
-                <a:spcPct val="90000"/>
-              </a:lnSpc>
-              <a:buFontTx/>
-              <a:buNone/>
-            </a:pPr>
-            <a:endParaRPr lang="es-CL" sz="3000" dirty="0">
-              <a:solidFill>
-                <a:schemeClr val="bg1"/>
-              </a:solidFill>
-              <a:effectLst/>
-            </a:endParaRPr>
-          </a:p>
-          <a:p>
-            <a:pPr>
-              <a:lnSpc>
-                <a:spcPct val="90000"/>
-              </a:lnSpc>
-            </a:pPr>
-            <a:r>
-              <a:rPr lang="es-CL" u="sng" dirty="0">
-                <a:solidFill>
-                  <a:schemeClr val="bg1"/>
-                </a:solidFill>
-                <a:effectLst/>
-              </a:rPr>
-              <a:t>Nota</a:t>
-            </a:r>
-            <a:r>
-              <a:rPr lang="es-CL" dirty="0">
-                <a:solidFill>
-                  <a:schemeClr val="bg1"/>
-                </a:solidFill>
-                <a:effectLst/>
-              </a:rPr>
-              <a:t>: otros </a:t>
-            </a:r>
-            <a:r>
-              <a:rPr lang="es-CL" dirty="0" err="1">
-                <a:solidFill>
-                  <a:schemeClr val="bg1"/>
-                </a:solidFill>
-                <a:effectLst/>
-              </a:rPr>
-              <a:t>n°s</a:t>
-            </a:r>
-            <a:r>
-              <a:rPr lang="es-CL" dirty="0">
-                <a:solidFill>
-                  <a:schemeClr val="bg1"/>
-                </a:solidFill>
-                <a:effectLst/>
-              </a:rPr>
-              <a:t> aleatorios hubieran dado otra muestra que hubiera dado otros estimadores…</a:t>
-            </a:r>
-            <a:endParaRPr lang="en-US" dirty="0"/>
-          </a:p>
-        </p:txBody>
-      </p:sp>
-      <p:graphicFrame>
-        <p:nvGraphicFramePr>
-          <p:cNvPr id="1212423" name="Object 7"/>
-          <p:cNvGraphicFramePr>
-            <a:graphicFrameLocks noChangeAspect="1"/>
-          </p:cNvGraphicFramePr>
-          <p:nvPr/>
-        </p:nvGraphicFramePr>
-        <p:xfrm>
-          <a:off x="3207470" y="1935452"/>
-          <a:ext cx="3143250" cy="863600"/>
-        </p:xfrm>
-        <a:graphic>
-          <a:graphicData uri="http://schemas.openxmlformats.org/presentationml/2006/ole">
-            <mc:AlternateContent xmlns:mc="http://schemas.openxmlformats.org/markup-compatibility/2006">
-              <mc:Choice xmlns:v="urn:schemas-microsoft-com:vml" Requires="v">
-                <p:oleObj spid="_x0000_s1212458" name="Ecuación" r:id="rId4" imgW="1574800" imgH="431800" progId="Equation.3">
-                  <p:embed/>
-                </p:oleObj>
-              </mc:Choice>
-              <mc:Fallback>
-                <p:oleObj name="Ecuación" r:id="rId4" imgW="1574800" imgH="431800" progId="Equation.3">
-                  <p:embed/>
-                  <p:pic>
-                    <p:nvPicPr>
-                      <p:cNvPr id="0" name="Picture 12"/>
-                      <p:cNvPicPr>
-                        <a:picLocks noChangeAspect="1" noChangeArrowheads="1"/>
-                      </p:cNvPicPr>
-                      <p:nvPr/>
-                    </p:nvPicPr>
-                    <p:blipFill>
-                      <a:blip r:embed="rId5">
-                        <a:extLst>
-                          <a:ext uri="{28A0092B-C50C-407E-A947-70E740481C1C}">
-                            <a14:useLocalDpi xmlns:a14="http://schemas.microsoft.com/office/drawing/2010/main" val="0"/>
-                          </a:ext>
-                        </a:extLst>
-                      </a:blip>
-                      <a:srcRect/>
-                      <a:stretch>
-                        <a:fillRect/>
-                      </a:stretch>
-                    </p:blipFill>
-                    <p:spPr bwMode="auto">
-                      <a:xfrm>
-                        <a:off x="3207470" y="1935452"/>
-                        <a:ext cx="3143250" cy="863600"/>
-                      </a:xfrm>
-                      <a:prstGeom prst="rect">
-                        <a:avLst/>
-                      </a:prstGeom>
-                      <a:noFill/>
-                      <a:extLst>
-                        <a:ext uri="{909E8E84-426E-40DD-AFC4-6F175D3DCCD1}">
-                          <a14:hiddenFill xmlns:a14="http://schemas.microsoft.com/office/drawing/2010/main">
-                            <a:solidFill>
-                              <a:srgbClr val="FFFFFF"/>
-                            </a:solidFill>
-                          </a14:hiddenFill>
-                        </a:ext>
-                      </a:extLst>
-                    </p:spPr>
-                  </p:pic>
-                </p:oleObj>
-              </mc:Fallback>
-            </mc:AlternateContent>
-          </a:graphicData>
-        </a:graphic>
-      </p:graphicFrame>
-      <p:graphicFrame>
-        <p:nvGraphicFramePr>
-          <p:cNvPr id="1212424" name="Object 8"/>
-          <p:cNvGraphicFramePr>
-            <a:graphicFrameLocks noChangeAspect="1"/>
-          </p:cNvGraphicFramePr>
-          <p:nvPr/>
-        </p:nvGraphicFramePr>
-        <p:xfrm>
-          <a:off x="2749261" y="3353089"/>
-          <a:ext cx="4491038" cy="1041400"/>
-        </p:xfrm>
-        <a:graphic>
-          <a:graphicData uri="http://schemas.openxmlformats.org/presentationml/2006/ole">
-            <mc:AlternateContent xmlns:mc="http://schemas.openxmlformats.org/markup-compatibility/2006">
-              <mc:Choice xmlns:v="urn:schemas-microsoft-com:vml" Requires="v">
-                <p:oleObj spid="_x0000_s1212459" name="Ecuación" r:id="rId6" imgW="2247900" imgH="520700" progId="Equation.3">
-                  <p:embed/>
-                </p:oleObj>
-              </mc:Choice>
-              <mc:Fallback>
-                <p:oleObj name="Ecuación" r:id="rId6" imgW="2247900" imgH="520700" progId="Equation.3">
-                  <p:embed/>
-                  <p:pic>
-                    <p:nvPicPr>
-                      <p:cNvPr id="0" name="Picture 13"/>
-                      <p:cNvPicPr>
-                        <a:picLocks noChangeAspect="1" noChangeArrowheads="1"/>
-                      </p:cNvPicPr>
-                      <p:nvPr/>
-                    </p:nvPicPr>
-                    <p:blipFill>
-                      <a:blip r:embed="rId7">
-                        <a:extLst>
-                          <a:ext uri="{28A0092B-C50C-407E-A947-70E740481C1C}">
-                            <a14:useLocalDpi xmlns:a14="http://schemas.microsoft.com/office/drawing/2010/main" val="0"/>
-                          </a:ext>
-                        </a:extLst>
-                      </a:blip>
-                      <a:srcRect/>
-                      <a:stretch>
-                        <a:fillRect/>
-                      </a:stretch>
-                    </p:blipFill>
-                    <p:spPr bwMode="auto">
-                      <a:xfrm>
-                        <a:off x="2749261" y="3353089"/>
-                        <a:ext cx="4491038" cy="1041400"/>
-                      </a:xfrm>
-                      <a:prstGeom prst="rect">
-                        <a:avLst/>
-                      </a:prstGeom>
-                      <a:noFill/>
-                      <a:extLst>
-                        <a:ext uri="{909E8E84-426E-40DD-AFC4-6F175D3DCCD1}">
-                          <a14:hiddenFill xmlns:a14="http://schemas.microsoft.com/office/drawing/2010/main">
-                            <a:solidFill>
-                              <a:srgbClr val="FFFFFF"/>
-                            </a:solidFill>
-                          </a14:hiddenFill>
-                        </a:ext>
-                      </a:extLst>
-                    </p:spPr>
-                  </p:pic>
-                </p:oleObj>
-              </mc:Fallback>
-            </mc:AlternateContent>
-          </a:graphicData>
-        </a:graphic>
-      </p:graphicFrame>
-      <p:graphicFrame>
-        <p:nvGraphicFramePr>
-          <p:cNvPr id="1212425" name="Object 9"/>
-          <p:cNvGraphicFramePr>
-            <a:graphicFrameLocks noChangeAspect="1"/>
-          </p:cNvGraphicFramePr>
-          <p:nvPr/>
-        </p:nvGraphicFramePr>
-        <p:xfrm>
-          <a:off x="3519301" y="5007443"/>
-          <a:ext cx="2206625" cy="482600"/>
-        </p:xfrm>
-        <a:graphic>
-          <a:graphicData uri="http://schemas.openxmlformats.org/presentationml/2006/ole">
-            <mc:AlternateContent xmlns:mc="http://schemas.openxmlformats.org/markup-compatibility/2006">
-              <mc:Choice xmlns:v="urn:schemas-microsoft-com:vml" Requires="v">
-                <p:oleObj spid="_x0000_s1212460" name="Ecuación" r:id="rId8" imgW="1104900" imgH="241300" progId="Equation.3">
-                  <p:embed/>
-                </p:oleObj>
-              </mc:Choice>
-              <mc:Fallback>
-                <p:oleObj name="Ecuación" r:id="rId8" imgW="1104900" imgH="241300" progId="Equation.3">
-                  <p:embed/>
-                  <p:pic>
-                    <p:nvPicPr>
-                      <p:cNvPr id="0" name="Picture 14"/>
-                      <p:cNvPicPr>
-                        <a:picLocks noChangeAspect="1" noChangeArrowheads="1"/>
-                      </p:cNvPicPr>
-                      <p:nvPr/>
-                    </p:nvPicPr>
-                    <p:blipFill>
-                      <a:blip r:embed="rId9">
-                        <a:extLst>
-                          <a:ext uri="{28A0092B-C50C-407E-A947-70E740481C1C}">
-                            <a14:useLocalDpi xmlns:a14="http://schemas.microsoft.com/office/drawing/2010/main" val="0"/>
-                          </a:ext>
-                        </a:extLst>
-                      </a:blip>
-                      <a:srcRect/>
-                      <a:stretch>
-                        <a:fillRect/>
-                      </a:stretch>
-                    </p:blipFill>
-                    <p:spPr bwMode="auto">
-                      <a:xfrm>
-                        <a:off x="3519301" y="5007443"/>
-                        <a:ext cx="2206625" cy="482600"/>
-                      </a:xfrm>
-                      <a:prstGeom prst="rect">
-                        <a:avLst/>
-                      </a:prstGeom>
-                      <a:noFill/>
-                      <a:extLst>
-                        <a:ext uri="{909E8E84-426E-40DD-AFC4-6F175D3DCCD1}">
-                          <a14:hiddenFill xmlns:a14="http://schemas.microsoft.com/office/drawing/2010/main">
-                            <a:solidFill>
-                              <a:srgbClr val="FFFFFF"/>
-                            </a:solidFill>
-                          </a14:hiddenFill>
-                        </a:ext>
-                      </a:extLst>
-                    </p:spPr>
-                  </p:pic>
-                </p:oleObj>
-              </mc:Fallback>
-            </mc:AlternateContent>
-          </a:graphicData>
-        </a:graphic>
-      </p:graphicFrame>
-      <p:graphicFrame>
-        <p:nvGraphicFramePr>
-          <p:cNvPr id="1212426" name="Object 10"/>
-          <p:cNvGraphicFramePr>
-            <a:graphicFrameLocks noChangeAspect="1"/>
-          </p:cNvGraphicFramePr>
-          <p:nvPr/>
-        </p:nvGraphicFramePr>
-        <p:xfrm>
-          <a:off x="1510145" y="1466706"/>
-          <a:ext cx="252412" cy="431800"/>
-        </p:xfrm>
-        <a:graphic>
-          <a:graphicData uri="http://schemas.openxmlformats.org/presentationml/2006/ole">
-            <mc:AlternateContent xmlns:mc="http://schemas.openxmlformats.org/markup-compatibility/2006">
-              <mc:Choice xmlns:v="urn:schemas-microsoft-com:vml" Requires="v">
-                <p:oleObj spid="_x0000_s1212461" name="Ecuación" r:id="rId10" imgW="126780" imgH="215526" progId="Equation.3">
-                  <p:embed/>
-                </p:oleObj>
-              </mc:Choice>
-              <mc:Fallback>
-                <p:oleObj name="Ecuación" r:id="rId10" imgW="126780" imgH="215526" progId="Equation.3">
-                  <p:embed/>
-                  <p:pic>
-                    <p:nvPicPr>
-                      <p:cNvPr id="0" name="Picture 15"/>
-                      <p:cNvPicPr>
-                        <a:picLocks noChangeAspect="1" noChangeArrowheads="1"/>
-                      </p:cNvPicPr>
-                      <p:nvPr/>
-                    </p:nvPicPr>
-                    <p:blipFill>
-                      <a:blip r:embed="rId11">
-                        <a:extLst>
-                          <a:ext uri="{28A0092B-C50C-407E-A947-70E740481C1C}">
-                            <a14:useLocalDpi xmlns:a14="http://schemas.microsoft.com/office/drawing/2010/main" val="0"/>
-                          </a:ext>
-                        </a:extLst>
-                      </a:blip>
-                      <a:srcRect/>
-                      <a:stretch>
-                        <a:fillRect/>
-                      </a:stretch>
-                    </p:blipFill>
-                    <p:spPr bwMode="auto">
-                      <a:xfrm>
-                        <a:off x="1510145" y="1466706"/>
-                        <a:ext cx="252412" cy="431800"/>
-                      </a:xfrm>
-                      <a:prstGeom prst="rect">
-                        <a:avLst/>
-                      </a:prstGeom>
-                      <a:noFill/>
-                      <a:extLst>
-                        <a:ext uri="{909E8E84-426E-40DD-AFC4-6F175D3DCCD1}">
-                          <a14:hiddenFill xmlns:a14="http://schemas.microsoft.com/office/drawing/2010/main">
-                            <a:solidFill>
-                              <a:srgbClr val="FFFFFF"/>
-                            </a:solidFill>
-                          </a14:hiddenFill>
-                        </a:ext>
-                      </a:extLst>
-                    </p:spPr>
-                  </p:pic>
-                </p:oleObj>
-              </mc:Fallback>
-            </mc:AlternateContent>
-          </a:graphicData>
-        </a:graphic>
-      </p:graphicFrame>
-      <p:graphicFrame>
-        <p:nvGraphicFramePr>
-          <p:cNvPr id="1212427" name="Object 11"/>
-          <p:cNvGraphicFramePr>
-            <a:graphicFrameLocks noChangeAspect="1"/>
-          </p:cNvGraphicFramePr>
-          <p:nvPr/>
-        </p:nvGraphicFramePr>
-        <p:xfrm>
-          <a:off x="1469305" y="4455967"/>
-          <a:ext cx="304800" cy="482600"/>
-        </p:xfrm>
-        <a:graphic>
-          <a:graphicData uri="http://schemas.openxmlformats.org/presentationml/2006/ole">
-            <mc:AlternateContent xmlns:mc="http://schemas.openxmlformats.org/markup-compatibility/2006">
-              <mc:Choice xmlns:v="urn:schemas-microsoft-com:vml" Requires="v">
-                <p:oleObj spid="_x0000_s1212462" name="Ecuación" r:id="rId12" imgW="152334" imgH="241195" progId="Equation.3">
-                  <p:embed/>
-                </p:oleObj>
-              </mc:Choice>
-              <mc:Fallback>
-                <p:oleObj name="Ecuación" r:id="rId12" imgW="152334" imgH="241195" progId="Equation.3">
-                  <p:embed/>
-                  <p:pic>
-                    <p:nvPicPr>
-                      <p:cNvPr id="0" name="Picture 16"/>
-                      <p:cNvPicPr>
-                        <a:picLocks noChangeAspect="1" noChangeArrowheads="1"/>
-                      </p:cNvPicPr>
-                      <p:nvPr/>
-                    </p:nvPicPr>
-                    <p:blipFill>
-                      <a:blip r:embed="rId13">
-                        <a:extLst>
-                          <a:ext uri="{28A0092B-C50C-407E-A947-70E740481C1C}">
-                            <a14:useLocalDpi xmlns:a14="http://schemas.microsoft.com/office/drawing/2010/main" val="0"/>
-                          </a:ext>
-                        </a:extLst>
-                      </a:blip>
-                      <a:srcRect/>
-                      <a:stretch>
-                        <a:fillRect/>
-                      </a:stretch>
-                    </p:blipFill>
-                    <p:spPr bwMode="auto">
-                      <a:xfrm>
-                        <a:off x="1469305" y="4455967"/>
-                        <a:ext cx="304800" cy="482600"/>
-                      </a:xfrm>
-                      <a:prstGeom prst="rect">
-                        <a:avLst/>
-                      </a:prstGeom>
-                      <a:noFill/>
-                      <a:extLst>
-                        <a:ext uri="{909E8E84-426E-40DD-AFC4-6F175D3DCCD1}">
-                          <a14:hiddenFill xmlns:a14="http://schemas.microsoft.com/office/drawing/2010/main">
-                            <a:solidFill>
-                              <a:srgbClr val="FFFFFF"/>
-                            </a:solidFill>
-                          </a14:hiddenFill>
-                        </a:ext>
-                      </a:extLst>
-                    </p:spPr>
-                  </p:pic>
-                </p:oleObj>
-              </mc:Fallback>
-            </mc:AlternateContent>
-          </a:graphicData>
-        </a:graphic>
-      </p:graphicFrame>
-    </p:spTree>
-  </p:cSld>
-  <p:clrMapOvr>
-    <a:masterClrMapping/>
-  </p:clrMapOvr>
-  <p:transition/>
-  <p:timing>
-    <p:tnLst>
-      <p:par>
-        <p:cTn id="1" dur="indefinite" restart="never" nodeType="tmRoot">
-          <p:childTnLst>
-            <p:seq concurrent="1" nextAc="seek">
-              <p:cTn id="2" dur="indefinite" nodeType="mainSeq">
-                <p:childTnLst>
-                  <p:par>
-                    <p:cTn id="3" fill="hold">
-                      <p:stCondLst>
-                        <p:cond delay="indefinite"/>
-                      </p:stCondLst>
-                      <p:childTnLst>
-                        <p:par>
-                          <p:cTn id="4" fill="hold">
-                            <p:stCondLst>
-                              <p:cond delay="0"/>
-                            </p:stCondLst>
-                            <p:childTnLst>
-                              <p:par>
-                                <p:cTn id="5" presetID="1" presetClass="entr" presetSubtype="0" fill="hold" nodeType="clickEffect">
-                                  <p:stCondLst>
-                                    <p:cond delay="0"/>
-                                  </p:stCondLst>
-                                  <p:childTnLst>
-                                    <p:set>
-                                      <p:cBhvr>
-                                        <p:cTn id="6" dur="1" fill="hold">
-                                          <p:stCondLst>
-                                            <p:cond delay="0"/>
-                                          </p:stCondLst>
-                                        </p:cTn>
-                                        <p:tgtEl>
-                                          <p:spTgt spid="15362">
-                                            <p:txEl>
-                                              <p:pRg st="5" end="5"/>
-                                            </p:txEl>
-                                          </p:spTgt>
-                                        </p:tgtEl>
-                                        <p:attrNameLst>
-                                          <p:attrName>style.visibility</p:attrName>
-                                        </p:attrNameLst>
-                                      </p:cBhvr>
-                                      <p:to>
-                                        <p:strVal val="visible"/>
-                                      </p:to>
-                                    </p:set>
-                                  </p:childTnLst>
-                                </p:cTn>
-                              </p:par>
-                              <p:par>
-                                <p:cTn id="7" presetID="1" presetClass="entr" presetSubtype="0" fill="hold" nodeType="withEffect">
-                                  <p:stCondLst>
-                                    <p:cond delay="0"/>
-                                  </p:stCondLst>
-                                  <p:childTnLst>
-                                    <p:set>
-                                      <p:cBhvr>
-                                        <p:cTn id="8" dur="1" fill="hold">
-                                          <p:stCondLst>
-                                            <p:cond delay="0"/>
-                                          </p:stCondLst>
-                                        </p:cTn>
-                                        <p:tgtEl>
-                                          <p:spTgt spid="1212424"/>
-                                        </p:tgtEl>
-                                        <p:attrNameLst>
-                                          <p:attrName>style.visibility</p:attrName>
-                                        </p:attrNameLst>
-                                      </p:cBhvr>
-                                      <p:to>
-                                        <p:strVal val="visible"/>
-                                      </p:to>
-                                    </p:set>
-                                  </p:childTnLst>
-                                </p:cTn>
-                              </p:par>
-                            </p:childTnLst>
-                          </p:cTn>
-                        </p:par>
-                      </p:childTnLst>
-                    </p:cTn>
-                  </p:par>
-                  <p:par>
-                    <p:cTn id="9" fill="hold">
-                      <p:stCondLst>
-                        <p:cond delay="indefinite"/>
-                      </p:stCondLst>
-                      <p:childTnLst>
-                        <p:par>
-                          <p:cTn id="10" fill="hold">
-                            <p:stCondLst>
-                              <p:cond delay="0"/>
-                            </p:stCondLst>
-                            <p:childTnLst>
-                              <p:par>
-                                <p:cTn id="11" presetID="1" presetClass="entr" presetSubtype="0" fill="hold" nodeType="clickEffect">
-                                  <p:stCondLst>
-                                    <p:cond delay="0"/>
-                                  </p:stCondLst>
-                                  <p:childTnLst>
-                                    <p:set>
-                                      <p:cBhvr>
-                                        <p:cTn id="12" dur="1" fill="hold">
-                                          <p:stCondLst>
-                                            <p:cond delay="0"/>
-                                          </p:stCondLst>
-                                        </p:cTn>
-                                        <p:tgtEl>
-                                          <p:spTgt spid="15362">
-                                            <p:txEl>
-                                              <p:pRg st="9" end="9"/>
-                                            </p:txEl>
-                                          </p:spTgt>
-                                        </p:tgtEl>
-                                        <p:attrNameLst>
-                                          <p:attrName>style.visibility</p:attrName>
-                                        </p:attrNameLst>
-                                      </p:cBhvr>
-                                      <p:to>
-                                        <p:strVal val="visible"/>
-                                      </p:to>
-                                    </p:set>
-                                  </p:childTnLst>
-                                </p:cTn>
-                              </p:par>
-                              <p:par>
-                                <p:cTn id="13" presetID="1" presetClass="entr" presetSubtype="0" fill="hold" nodeType="withEffect">
-                                  <p:stCondLst>
-                                    <p:cond delay="0"/>
-                                  </p:stCondLst>
-                                  <p:childTnLst>
-                                    <p:set>
-                                      <p:cBhvr>
-                                        <p:cTn id="14" dur="1" fill="hold">
-                                          <p:stCondLst>
-                                            <p:cond delay="0"/>
-                                          </p:stCondLst>
-                                        </p:cTn>
-                                        <p:tgtEl>
-                                          <p:spTgt spid="1212427"/>
-                                        </p:tgtEl>
-                                        <p:attrNameLst>
-                                          <p:attrName>style.visibility</p:attrName>
-                                        </p:attrNameLst>
-                                      </p:cBhvr>
-                                      <p:to>
-                                        <p:strVal val="visible"/>
-                                      </p:to>
-                                    </p:set>
-                                  </p:childTnLst>
-                                </p:cTn>
-                              </p:par>
-                              <p:par>
-                                <p:cTn id="15" presetID="1" presetClass="entr" presetSubtype="0" fill="hold" nodeType="withEffect">
-                                  <p:stCondLst>
-                                    <p:cond delay="0"/>
-                                  </p:stCondLst>
-                                  <p:childTnLst>
-                                    <p:set>
-                                      <p:cBhvr>
-                                        <p:cTn id="16" dur="1" fill="hold">
-                                          <p:stCondLst>
-                                            <p:cond delay="0"/>
-                                          </p:stCondLst>
-                                        </p:cTn>
-                                        <p:tgtEl>
-                                          <p:spTgt spid="1212425"/>
-                                        </p:tgtEl>
-                                        <p:attrNameLst>
-                                          <p:attrName>style.visibility</p:attrName>
-                                        </p:attrNameLst>
-                                      </p:cBhvr>
-                                      <p:to>
-                                        <p:strVal val="visible"/>
-                                      </p:to>
-                                    </p:set>
-                                  </p:childTnLst>
-                                </p:cTn>
-                              </p:par>
-                            </p:childTnLst>
-                          </p:cTn>
-                        </p:par>
-                      </p:childTnLst>
-                    </p:cTn>
-                  </p:par>
-                </p:childTnLst>
-              </p:cTn>
-              <p:prevCondLst>
-                <p:cond evt="onPrev" delay="0">
-                  <p:tgtEl>
-                    <p:sldTgt/>
-                  </p:tgtEl>
-                </p:cond>
-              </p:prevCondLst>
-              <p:nextCondLst>
-                <p:cond evt="onNext" delay="0">
-                  <p:tgtEl>
-                    <p:sldTgt/>
-                  </p:tgtEl>
-                </p:cond>
-              </p:nextCondLst>
-            </p:seq>
-          </p:childTnLst>
-        </p:cTn>
-      </p:par>
-    </p:tnLst>
-  </p:timing>
-</p:sld>
-</file>
-
-<file path=ppt/slides/slide26.xml><?xml version="1.0" encoding="utf-8"?>
 <p:sld xmlns:a="http://schemas.openxmlformats.org/drawingml/2006/main" xmlns:r="http://schemas.openxmlformats.org/officeDocument/2006/relationships" xmlns:p="http://schemas.openxmlformats.org/presentationml/2006/main">
   <p:cSld>
     <p:spTree>
@@ -18024,7 +14519,7 @@
 </p:sld>
 </file>
 
-<file path=ppt/slides/slide27.xml><?xml version="1.0" encoding="utf-8"?>
+<file path=ppt/slides/slide21.xml><?xml version="1.0" encoding="utf-8"?>
 <p:sld xmlns:a="http://schemas.openxmlformats.org/drawingml/2006/main" xmlns:r="http://schemas.openxmlformats.org/officeDocument/2006/relationships" xmlns:p="http://schemas.openxmlformats.org/presentationml/2006/main">
   <p:cSld>
     <p:spTree>
@@ -18450,7 +14945,7 @@
           <a:graphicData uri="http://schemas.openxmlformats.org/presentationml/2006/ole">
             <mc:AlternateContent xmlns:mc="http://schemas.openxmlformats.org/markup-compatibility/2006">
               <mc:Choice xmlns:v="urn:schemas-microsoft-com:vml" Requires="v">
-                <p:oleObj spid="_x0000_s1214478" name="Ecuación" r:id="rId4" imgW="558558" imgH="241195" progId="Equation.3">
+                <p:oleObj spid="_x0000_s1214479" name="Ecuación" r:id="rId4" imgW="558558" imgH="241195" progId="Equation.3">
                   <p:embed/>
                 </p:oleObj>
               </mc:Choice>
@@ -18726,7 +15221,7 @@
 </p:sld>
 </file>
 
-<file path=ppt/slides/slide28.xml><?xml version="1.0" encoding="utf-8"?>
+<file path=ppt/slides/slide22.xml><?xml version="1.0" encoding="utf-8"?>
 <p:sld xmlns:a="http://schemas.openxmlformats.org/drawingml/2006/main" xmlns:r="http://schemas.openxmlformats.org/officeDocument/2006/relationships" xmlns:p="http://schemas.openxmlformats.org/presentationml/2006/main">
   <p:cSld>
     <p:spTree>
@@ -19182,7 +15677,7 @@
           <a:graphicData uri="http://schemas.openxmlformats.org/presentationml/2006/ole">
             <mc:AlternateContent xmlns:mc="http://schemas.openxmlformats.org/markup-compatibility/2006">
               <mc:Choice xmlns:v="urn:schemas-microsoft-com:vml" Requires="v">
-                <p:oleObj spid="_x0000_s1215524" name="Ecuación" r:id="rId4" imgW="583947" imgH="418918" progId="Equation.3">
+                <p:oleObj spid="_x0000_s1215528" name="Ecuación" r:id="rId4" imgW="583947" imgH="418918" progId="Equation.3">
                   <p:embed/>
                 </p:oleObj>
               </mc:Choice>
@@ -19252,7 +15747,7 @@
           <a:graphicData uri="http://schemas.openxmlformats.org/presentationml/2006/ole">
             <mc:AlternateContent xmlns:mc="http://schemas.openxmlformats.org/markup-compatibility/2006">
               <mc:Choice xmlns:v="urn:schemas-microsoft-com:vml" Requires="v">
-                <p:oleObj spid="_x0000_s1215525" name="Ecuación" r:id="rId6" imgW="1206500" imgH="469900" progId="Equation.3">
+                <p:oleObj spid="_x0000_s1215529" name="Ecuación" r:id="rId6" imgW="1206500" imgH="469900" progId="Equation.3">
                   <p:embed/>
                 </p:oleObj>
               </mc:Choice>
@@ -19322,7 +15817,7 @@
           <a:graphicData uri="http://schemas.openxmlformats.org/presentationml/2006/ole">
             <mc:AlternateContent xmlns:mc="http://schemas.openxmlformats.org/markup-compatibility/2006">
               <mc:Choice xmlns:v="urn:schemas-microsoft-com:vml" Requires="v">
-                <p:oleObj spid="_x0000_s1215526" name="Ecuación" r:id="rId8" imgW="190417" imgH="241195" progId="Equation.3">
+                <p:oleObj spid="_x0000_s1215530" name="Ecuación" r:id="rId8" imgW="190417" imgH="241195" progId="Equation.3">
                   <p:embed/>
                 </p:oleObj>
               </mc:Choice>
@@ -19392,7 +15887,7 @@
           <a:graphicData uri="http://schemas.openxmlformats.org/presentationml/2006/ole">
             <mc:AlternateContent xmlns:mc="http://schemas.openxmlformats.org/markup-compatibility/2006">
               <mc:Choice xmlns:v="urn:schemas-microsoft-com:vml" Requires="v">
-                <p:oleObj spid="_x0000_s1215527" name="Ecuación" r:id="rId10" imgW="1066337" imgH="253890" progId="Equation.3">
+                <p:oleObj spid="_x0000_s1215531" name="Ecuación" r:id="rId10" imgW="1066337" imgH="253890" progId="Equation.3">
                   <p:embed/>
                 </p:oleObj>
               </mc:Choice>
@@ -19871,7 +16366,7 @@
 </p:sld>
 </file>
 
-<file path=ppt/slides/slide29.xml><?xml version="1.0" encoding="utf-8"?>
+<file path=ppt/slides/slide23.xml><?xml version="1.0" encoding="utf-8"?>
 <p:sld xmlns:a="http://schemas.openxmlformats.org/drawingml/2006/main" xmlns:r="http://schemas.openxmlformats.org/officeDocument/2006/relationships" xmlns:p="http://schemas.openxmlformats.org/presentationml/2006/main">
   <p:cSld>
     <p:spTree>
@@ -20282,395 +16777,7 @@
 </p:sld>
 </file>
 
-<file path=ppt/slides/slide3.xml><?xml version="1.0" encoding="utf-8"?>
-<p:sld xmlns:a="http://schemas.openxmlformats.org/drawingml/2006/main" xmlns:r="http://schemas.openxmlformats.org/officeDocument/2006/relationships" xmlns:p="http://schemas.openxmlformats.org/presentationml/2006/main">
-  <p:cSld>
-    <p:spTree>
-      <p:nvGrpSpPr>
-        <p:cNvPr id="1" name=""/>
-        <p:cNvGrpSpPr/>
-        <p:nvPr/>
-      </p:nvGrpSpPr>
-      <p:grpSpPr>
-        <a:xfrm>
-          <a:off x="0" y="0"/>
-          <a:ext cx="0" cy="0"/>
-          <a:chOff x="0" y="0"/>
-          <a:chExt cx="0" cy="0"/>
-        </a:xfrm>
-      </p:grpSpPr>
-      <p:sp>
-        <p:nvSpPr>
-          <p:cNvPr id="7170" name="Rectangle 2"/>
-          <p:cNvSpPr>
-            <a:spLocks noGrp="1" noChangeArrowheads="1"/>
-          </p:cNvSpPr>
-          <p:nvPr>
-            <p:ph type="title"/>
-          </p:nvPr>
-        </p:nvSpPr>
-        <p:spPr>
-          <a:xfrm>
-            <a:off x="684213" y="169863"/>
-            <a:ext cx="7772400" cy="566737"/>
-          </a:xfrm>
-          <a:noFill/>
-          <a:ln/>
-        </p:spPr>
-        <p:txBody>
-          <a:bodyPr/>
-          <a:lstStyle/>
-          <a:p>
-            <a:r>
-              <a:rPr lang="es-CL" dirty="0">
-                <a:solidFill>
-                  <a:schemeClr val="bg1"/>
-                </a:solidFill>
-                <a:effectLst/>
-              </a:rPr>
-              <a:t>Muestreo Aleatorio Simple</a:t>
-            </a:r>
-          </a:p>
-        </p:txBody>
-      </p:sp>
-      <p:sp>
-        <p:nvSpPr>
-          <p:cNvPr id="7171" name="Rectangle 3"/>
-          <p:cNvSpPr>
-            <a:spLocks noGrp="1" noChangeArrowheads="1"/>
-          </p:cNvSpPr>
-          <p:nvPr>
-            <p:ph idx="1"/>
-          </p:nvPr>
-        </p:nvSpPr>
-        <p:spPr>
-          <a:xfrm>
-            <a:off x="690563" y="1106488"/>
-            <a:ext cx="7772400" cy="5157787"/>
-          </a:xfrm>
-          <a:noFill/>
-          <a:ln/>
-        </p:spPr>
-        <p:txBody>
-          <a:bodyPr/>
-          <a:lstStyle/>
-          <a:p>
-            <a:r>
-              <a:rPr lang="es-CL" dirty="0">
-                <a:solidFill>
-                  <a:schemeClr val="bg1"/>
-                </a:solidFill>
-                <a:effectLst/>
-              </a:rPr>
-              <a:t>Población Finita</a:t>
-            </a:r>
-          </a:p>
-          <a:p>
-            <a:pPr lvl="1"/>
-            <a:r>
-              <a:rPr lang="es-CL" dirty="0">
-                <a:solidFill>
-                  <a:schemeClr val="bg1"/>
-                </a:solidFill>
-                <a:effectLst/>
-              </a:rPr>
-              <a:t>Un </a:t>
-            </a:r>
-            <a:r>
-              <a:rPr lang="es-CL" u="sng" dirty="0">
-                <a:solidFill>
-                  <a:schemeClr val="bg1"/>
-                </a:solidFill>
-                <a:effectLst/>
-              </a:rPr>
-              <a:t>muestreo aleatorio simple de una población finita </a:t>
-            </a:r>
-            <a:r>
-              <a:rPr lang="es-CL" dirty="0">
-                <a:solidFill>
-                  <a:schemeClr val="bg1"/>
-                </a:solidFill>
-                <a:effectLst/>
-              </a:rPr>
-              <a:t>de tamaño </a:t>
-            </a:r>
-            <a:r>
-              <a:rPr lang="es-CL" i="1" dirty="0">
-                <a:solidFill>
-                  <a:schemeClr val="bg1"/>
-                </a:solidFill>
-                <a:effectLst/>
-              </a:rPr>
-              <a:t>N</a:t>
-            </a:r>
-            <a:r>
-              <a:rPr lang="es-CL" dirty="0">
-                <a:solidFill>
-                  <a:schemeClr val="bg1"/>
-                </a:solidFill>
-                <a:effectLst/>
-              </a:rPr>
-              <a:t> es una muestra seleccionada tal que cada posible muestra de tamaño </a:t>
-            </a:r>
-            <a:r>
-              <a:rPr lang="es-CL" i="1" dirty="0">
-                <a:solidFill>
-                  <a:schemeClr val="bg1"/>
-                </a:solidFill>
-                <a:effectLst/>
-              </a:rPr>
-              <a:t>n</a:t>
-            </a:r>
-            <a:r>
-              <a:rPr lang="es-CL" dirty="0">
-                <a:solidFill>
-                  <a:schemeClr val="bg1"/>
-                </a:solidFill>
-                <a:effectLst/>
-              </a:rPr>
-              <a:t> tenga la misma probabilidad de ser escogida.</a:t>
-            </a:r>
-          </a:p>
-          <a:p>
-            <a:pPr lvl="1"/>
-            <a:r>
-              <a:rPr lang="es-CL" dirty="0">
-                <a:solidFill>
-                  <a:schemeClr val="bg1"/>
-                </a:solidFill>
-                <a:effectLst/>
-              </a:rPr>
-              <a:t>Cuando se selecciona una muestra en la que se acepten elementos ya usados, es decir, algún elemento sean incluidos dos o más veces, se llama </a:t>
-            </a:r>
-            <a:r>
-              <a:rPr lang="es-CL" u="sng" dirty="0">
-                <a:solidFill>
-                  <a:schemeClr val="bg1"/>
-                </a:solidFill>
-                <a:effectLst/>
-              </a:rPr>
-              <a:t>muestreo con reemplazo</a:t>
-            </a:r>
-            <a:r>
-              <a:rPr lang="es-CL" dirty="0">
-                <a:solidFill>
-                  <a:schemeClr val="bg1"/>
-                </a:solidFill>
-                <a:effectLst/>
-              </a:rPr>
-              <a:t>.</a:t>
-            </a:r>
-          </a:p>
-          <a:p>
-            <a:pPr lvl="1"/>
-            <a:r>
-              <a:rPr lang="es-CL" u="sng" dirty="0">
-                <a:solidFill>
-                  <a:schemeClr val="bg1"/>
-                </a:solidFill>
-                <a:effectLst/>
-              </a:rPr>
-              <a:t>El muestreo sin reemplazo</a:t>
-            </a:r>
-            <a:r>
-              <a:rPr lang="es-CL" dirty="0">
-                <a:solidFill>
-                  <a:schemeClr val="bg1"/>
-                </a:solidFill>
-                <a:effectLst/>
-              </a:rPr>
-              <a:t> es el procedimiento usado más frecuentemente.</a:t>
-            </a:r>
-          </a:p>
-        </p:txBody>
-      </p:sp>
-    </p:spTree>
-  </p:cSld>
-  <p:clrMapOvr>
-    <a:masterClrMapping/>
-  </p:clrMapOvr>
-  <p:transition/>
-  <p:timing>
-    <p:tnLst>
-      <p:par>
-        <p:cTn id="1" dur="indefinite" restart="never" nodeType="tmRoot">
-          <p:childTnLst>
-            <p:seq concurrent="1" nextAc="seek">
-              <p:cTn id="2" dur="indefinite" nodeType="mainSeq">
-                <p:childTnLst>
-                  <p:par>
-                    <p:cTn id="3" fill="hold">
-                      <p:stCondLst>
-                        <p:cond delay="indefinite"/>
-                      </p:stCondLst>
-                      <p:childTnLst>
-                        <p:par>
-                          <p:cTn id="4" fill="hold">
-                            <p:stCondLst>
-                              <p:cond delay="0"/>
-                            </p:stCondLst>
-                            <p:childTnLst>
-                              <p:par>
-                                <p:cTn id="5" presetID="1" presetClass="entr" presetSubtype="0" fill="hold" nodeType="clickEffect">
-                                  <p:stCondLst>
-                                    <p:cond delay="0"/>
-                                  </p:stCondLst>
-                                  <p:childTnLst>
-                                    <p:set>
-                                      <p:cBhvr>
-                                        <p:cTn id="6" dur="1" fill="hold">
-                                          <p:stCondLst>
-                                            <p:cond delay="0"/>
-                                          </p:stCondLst>
-                                        </p:cTn>
-                                        <p:tgtEl>
-                                          <p:spTgt spid="7171">
-                                            <p:txEl>
-                                              <p:pRg st="1" end="1"/>
-                                            </p:txEl>
-                                          </p:spTgt>
-                                        </p:tgtEl>
-                                        <p:attrNameLst>
-                                          <p:attrName>style.visibility</p:attrName>
-                                        </p:attrNameLst>
-                                      </p:cBhvr>
-                                      <p:to>
-                                        <p:strVal val="visible"/>
-                                      </p:to>
-                                    </p:set>
-                                  </p:childTnLst>
-                                </p:cTn>
-                              </p:par>
-                            </p:childTnLst>
-                          </p:cTn>
-                        </p:par>
-                      </p:childTnLst>
-                    </p:cTn>
-                  </p:par>
-                  <p:par>
-                    <p:cTn id="7" fill="hold">
-                      <p:stCondLst>
-                        <p:cond delay="indefinite"/>
-                      </p:stCondLst>
-                      <p:childTnLst>
-                        <p:par>
-                          <p:cTn id="8" fill="hold">
-                            <p:stCondLst>
-                              <p:cond delay="0"/>
-                            </p:stCondLst>
-                            <p:childTnLst>
-                              <p:par>
-                                <p:cTn id="9" presetID="1" presetClass="entr" presetSubtype="0" fill="hold" nodeType="clickEffect">
-                                  <p:stCondLst>
-                                    <p:cond delay="0"/>
-                                  </p:stCondLst>
-                                  <p:childTnLst>
-                                    <p:set>
-                                      <p:cBhvr>
-                                        <p:cTn id="10" dur="1" fill="hold">
-                                          <p:stCondLst>
-                                            <p:cond delay="0"/>
-                                          </p:stCondLst>
-                                        </p:cTn>
-                                        <p:tgtEl>
-                                          <p:spTgt spid="7171">
-                                            <p:txEl>
-                                              <p:pRg st="2" end="2"/>
-                                            </p:txEl>
-                                          </p:spTgt>
-                                        </p:tgtEl>
-                                        <p:attrNameLst>
-                                          <p:attrName>style.visibility</p:attrName>
-                                        </p:attrNameLst>
-                                      </p:cBhvr>
-                                      <p:to>
-                                        <p:strVal val="visible"/>
-                                      </p:to>
-                                    </p:set>
-                                  </p:childTnLst>
-                                </p:cTn>
-                              </p:par>
-                            </p:childTnLst>
-                          </p:cTn>
-                        </p:par>
-                      </p:childTnLst>
-                    </p:cTn>
-                  </p:par>
-                  <p:par>
-                    <p:cTn id="11" fill="hold">
-                      <p:stCondLst>
-                        <p:cond delay="indefinite"/>
-                      </p:stCondLst>
-                      <p:childTnLst>
-                        <p:par>
-                          <p:cTn id="12" fill="hold">
-                            <p:stCondLst>
-                              <p:cond delay="0"/>
-                            </p:stCondLst>
-                            <p:childTnLst>
-                              <p:par>
-                                <p:cTn id="13" presetID="1" presetClass="entr" presetSubtype="0" fill="hold" nodeType="clickEffect">
-                                  <p:stCondLst>
-                                    <p:cond delay="0"/>
-                                  </p:stCondLst>
-                                  <p:childTnLst>
-                                    <p:set>
-                                      <p:cBhvr>
-                                        <p:cTn id="14" dur="1" fill="hold">
-                                          <p:stCondLst>
-                                            <p:cond delay="0"/>
-                                          </p:stCondLst>
-                                        </p:cTn>
-                                        <p:tgtEl>
-                                          <p:spTgt spid="7171">
-                                            <p:txEl>
-                                              <p:pRg st="3" end="3"/>
-                                            </p:txEl>
-                                          </p:spTgt>
-                                        </p:tgtEl>
-                                        <p:attrNameLst>
-                                          <p:attrName>style.visibility</p:attrName>
-                                        </p:attrNameLst>
-                                      </p:cBhvr>
-                                      <p:to>
-                                        <p:strVal val="visible"/>
-                                      </p:to>
-                                    </p:set>
-                                  </p:childTnLst>
-                                </p:cTn>
-                              </p:par>
-                            </p:childTnLst>
-                          </p:cTn>
-                        </p:par>
-                      </p:childTnLst>
-                    </p:cTn>
-                  </p:par>
-                </p:childTnLst>
-              </p:cTn>
-              <p:prevCondLst>
-                <p:cond evt="onPrev" delay="0">
-                  <p:tgtEl>
-                    <p:sldTgt/>
-                  </p:tgtEl>
-                </p:cond>
-              </p:prevCondLst>
-              <p:nextCondLst>
-                <p:cond evt="onNext" delay="0">
-                  <p:tgtEl>
-                    <p:sldTgt/>
-                  </p:tgtEl>
-                </p:cond>
-              </p:nextCondLst>
-            </p:seq>
-          </p:childTnLst>
-        </p:cTn>
-      </p:par>
-    </p:tnLst>
-  </p:timing>
-</p:sld>
-</file>
-
-<file path=ppt/slides/slide30.xml><?xml version="1.0" encoding="utf-8"?>
+<file path=ppt/slides/slide24.xml><?xml version="1.0" encoding="utf-8"?>
 <p:sld xmlns:a="http://schemas.openxmlformats.org/drawingml/2006/main" xmlns:r="http://schemas.openxmlformats.org/officeDocument/2006/relationships" xmlns:p="http://schemas.openxmlformats.org/presentationml/2006/main">
   <p:cSld>
     <p:spTree>
@@ -21547,7 +17654,7 @@
           <a:graphicData uri="http://schemas.openxmlformats.org/presentationml/2006/ole">
             <mc:AlternateContent xmlns:mc="http://schemas.openxmlformats.org/markup-compatibility/2006">
               <mc:Choice xmlns:v="urn:schemas-microsoft-com:vml" Requires="v">
-                <p:oleObj spid="_x0000_s1217564" name="Ecuación" r:id="rId4" imgW="952087" imgH="215806" progId="Equation.3">
+                <p:oleObj spid="_x0000_s1217567" name="Ecuación" r:id="rId4" imgW="952087" imgH="215806" progId="Equation.3">
                   <p:embed/>
                 </p:oleObj>
               </mc:Choice>
@@ -21617,7 +17724,7 @@
           <a:graphicData uri="http://schemas.openxmlformats.org/presentationml/2006/ole">
             <mc:AlternateContent xmlns:mc="http://schemas.openxmlformats.org/markup-compatibility/2006">
               <mc:Choice xmlns:v="urn:schemas-microsoft-com:vml" Requires="v">
-                <p:oleObj spid="_x0000_s1217565" name="Ecuación" r:id="rId6" imgW="126780" imgH="215526" progId="Equation.3">
+                <p:oleObj spid="_x0000_s1217568" name="Ecuación" r:id="rId6" imgW="126780" imgH="215526" progId="Equation.3">
                   <p:embed/>
                 </p:oleObj>
               </mc:Choice>
@@ -21687,7 +17794,7 @@
           <a:graphicData uri="http://schemas.openxmlformats.org/presentationml/2006/ole">
             <mc:AlternateContent xmlns:mc="http://schemas.openxmlformats.org/markup-compatibility/2006">
               <mc:Choice xmlns:v="urn:schemas-microsoft-com:vml" Requires="v">
-                <p:oleObj spid="_x0000_s1217566" name="Ecuación" r:id="rId8" imgW="1422400" imgH="419100" progId="Equation.3">
+                <p:oleObj spid="_x0000_s1217569" name="Ecuación" r:id="rId8" imgW="1422400" imgH="419100" progId="Equation.3">
                   <p:embed/>
                 </p:oleObj>
               </mc:Choice>
@@ -21854,7 +17961,7 @@
 </p:sld>
 </file>
 
-<file path=ppt/slides/slide31.xml><?xml version="1.0" encoding="utf-8"?>
+<file path=ppt/slides/slide25.xml><?xml version="1.0" encoding="utf-8"?>
 <p:sld xmlns:a="http://schemas.openxmlformats.org/drawingml/2006/main" xmlns:r="http://schemas.openxmlformats.org/officeDocument/2006/relationships" xmlns:p="http://schemas.openxmlformats.org/presentationml/2006/main">
   <p:cSld>
     <p:spTree>
@@ -22147,7 +18254,7 @@
 </p:sld>
 </file>
 
-<file path=ppt/slides/slide32.xml><?xml version="1.0" encoding="utf-8"?>
+<file path=ppt/slides/slide26.xml><?xml version="1.0" encoding="utf-8"?>
 <p:sld xmlns:a="http://schemas.openxmlformats.org/drawingml/2006/main" xmlns:r="http://schemas.openxmlformats.org/officeDocument/2006/relationships" xmlns:p="http://schemas.openxmlformats.org/presentationml/2006/main">
   <p:cSld>
     <p:spTree>
@@ -23343,7 +19450,7 @@
           <a:graphicData uri="http://schemas.openxmlformats.org/presentationml/2006/ole">
             <mc:AlternateContent xmlns:mc="http://schemas.openxmlformats.org/markup-compatibility/2006">
               <mc:Choice xmlns:v="urn:schemas-microsoft-com:vml" Requires="v">
-                <p:oleObj spid="_x0000_s1219619" name="Ecuación" r:id="rId4" imgW="126780" imgH="215526" progId="Equation.3">
+                <p:oleObj spid="_x0000_s1219623" name="Ecuación" r:id="rId4" imgW="126780" imgH="215526" progId="Equation.3">
                   <p:embed/>
                 </p:oleObj>
               </mc:Choice>
@@ -23613,7 +19720,7 @@
           <a:graphicData uri="http://schemas.openxmlformats.org/presentationml/2006/ole">
             <mc:AlternateContent xmlns:mc="http://schemas.openxmlformats.org/markup-compatibility/2006">
               <mc:Choice xmlns:v="urn:schemas-microsoft-com:vml" Requires="v">
-                <p:oleObj spid="_x0000_s1219620" name="Ecuación" r:id="rId6" imgW="266353" imgH="177569" progId="Equation.3">
+                <p:oleObj spid="_x0000_s1219624" name="Ecuación" r:id="rId6" imgW="266353" imgH="177569" progId="Equation.3">
                   <p:embed/>
                 </p:oleObj>
               </mc:Choice>
@@ -23689,7 +19796,7 @@
           <a:graphicData uri="http://schemas.openxmlformats.org/presentationml/2006/ole">
             <mc:AlternateContent xmlns:mc="http://schemas.openxmlformats.org/markup-compatibility/2006">
               <mc:Choice xmlns:v="urn:schemas-microsoft-com:vml" Requires="v">
-                <p:oleObj spid="_x0000_s1219621" name="Ecuación" r:id="rId8" imgW="329914" imgH="177646" progId="Equation.3">
+                <p:oleObj spid="_x0000_s1219625" name="Ecuación" r:id="rId8" imgW="329914" imgH="177646" progId="Equation.3">
                   <p:embed/>
                 </p:oleObj>
               </mc:Choice>
@@ -23866,7 +19973,7 @@
           <a:graphicData uri="http://schemas.openxmlformats.org/presentationml/2006/ole">
             <mc:AlternateContent xmlns:mc="http://schemas.openxmlformats.org/markup-compatibility/2006">
               <mc:Choice xmlns:v="urn:schemas-microsoft-com:vml" Requires="v">
-                <p:oleObj spid="_x0000_s1219622" name="Ecuación" r:id="rId10" imgW="266353" imgH="177569" progId="Equation.3">
+                <p:oleObj spid="_x0000_s1219626" name="Ecuación" r:id="rId10" imgW="266353" imgH="177569" progId="Equation.3">
                   <p:embed/>
                 </p:oleObj>
               </mc:Choice>
@@ -24200,7 +20307,7 @@
 </p:sld>
 </file>
 
-<file path=ppt/slides/slide33.xml><?xml version="1.0" encoding="utf-8"?>
+<file path=ppt/slides/slide27.xml><?xml version="1.0" encoding="utf-8"?>
 <p:sld xmlns:a="http://schemas.openxmlformats.org/drawingml/2006/main" xmlns:r="http://schemas.openxmlformats.org/officeDocument/2006/relationships" xmlns:p="http://schemas.openxmlformats.org/presentationml/2006/main">
   <p:cSld>
     <p:spTree>
@@ -24239,7 +20346,7 @@
           <a:graphicData uri="http://schemas.openxmlformats.org/presentationml/2006/ole">
             <mc:AlternateContent xmlns:mc="http://schemas.openxmlformats.org/markup-compatibility/2006">
               <mc:Choice xmlns:v="urn:schemas-microsoft-com:vml" Requires="v">
-                <p:oleObj spid="_x0000_s1328159" name="Ecuación" r:id="rId4" imgW="126725" imgH="177415" progId="Equation.3">
+                <p:oleObj spid="_x0000_s1328163" name="Ecuación" r:id="rId4" imgW="126725" imgH="177415" progId="Equation.3">
                   <p:embed/>
                 </p:oleObj>
               </mc:Choice>
@@ -25502,7 +21609,7 @@
           <a:graphicData uri="http://schemas.openxmlformats.org/presentationml/2006/ole">
             <mc:AlternateContent xmlns:mc="http://schemas.openxmlformats.org/markup-compatibility/2006">
               <mc:Choice xmlns:v="urn:schemas-microsoft-com:vml" Requires="v">
-                <p:oleObj spid="_x0000_s1328160" name="Ecuación" r:id="rId6" imgW="126725" imgH="126725" progId="Equation.3">
+                <p:oleObj spid="_x0000_s1328164" name="Ecuación" r:id="rId6" imgW="126725" imgH="126725" progId="Equation.3">
                   <p:embed/>
                 </p:oleObj>
               </mc:Choice>
@@ -25772,7 +21879,7 @@
           <a:graphicData uri="http://schemas.openxmlformats.org/presentationml/2006/ole">
             <mc:AlternateContent xmlns:mc="http://schemas.openxmlformats.org/markup-compatibility/2006">
               <mc:Choice xmlns:v="urn:schemas-microsoft-com:vml" Requires="v">
-                <p:oleObj spid="_x0000_s1328161" name="Ecuación" r:id="rId8" imgW="418918" imgH="203112" progId="Equation.3">
+                <p:oleObj spid="_x0000_s1328165" name="Ecuación" r:id="rId8" imgW="418918" imgH="203112" progId="Equation.3">
                   <p:embed/>
                 </p:oleObj>
               </mc:Choice>
@@ -25848,7 +21955,7 @@
           <a:graphicData uri="http://schemas.openxmlformats.org/presentationml/2006/ole">
             <mc:AlternateContent xmlns:mc="http://schemas.openxmlformats.org/markup-compatibility/2006">
               <mc:Choice xmlns:v="urn:schemas-microsoft-com:vml" Requires="v">
-                <p:oleObj spid="_x0000_s1328162" name="Ecuación" r:id="rId10" imgW="304536" imgH="203024" progId="Equation.3">
+                <p:oleObj spid="_x0000_s1328166" name="Ecuación" r:id="rId10" imgW="304536" imgH="203024" progId="Equation.3">
                   <p:embed/>
                 </p:oleObj>
               </mc:Choice>
@@ -26220,7 +22327,7 @@
 </p:sld>
 </file>
 
-<file path=ppt/slides/slide34.xml><?xml version="1.0" encoding="utf-8"?>
+<file path=ppt/slides/slide28.xml><?xml version="1.0" encoding="utf-8"?>
 <p:sld xmlns:a="http://schemas.openxmlformats.org/drawingml/2006/main" xmlns:r="http://schemas.openxmlformats.org/officeDocument/2006/relationships" xmlns:p="http://schemas.openxmlformats.org/presentationml/2006/main">
   <p:cSld>
     <p:spTree>
@@ -26633,7 +22740,7 @@
           <a:graphicData uri="http://schemas.openxmlformats.org/presentationml/2006/ole">
             <mc:AlternateContent xmlns:mc="http://schemas.openxmlformats.org/markup-compatibility/2006">
               <mc:Choice xmlns:v="urn:schemas-microsoft-com:vml" Requires="v">
-                <p:oleObj spid="_x0000_s1220622" name="Ecuación" r:id="rId4" imgW="583947" imgH="241195" progId="Equation.3">
+                <p:oleObj spid="_x0000_s1220623" name="Ecuación" r:id="rId4" imgW="583947" imgH="241195" progId="Equation.3">
                   <p:embed/>
                 </p:oleObj>
               </mc:Choice>
@@ -26882,7 +22989,7 @@
 </p:sld>
 </file>
 
-<file path=ppt/slides/slide35.xml><?xml version="1.0" encoding="utf-8"?>
+<file path=ppt/slides/slide29.xml><?xml version="1.0" encoding="utf-8"?>
 <p:sld xmlns:a="http://schemas.openxmlformats.org/drawingml/2006/main" xmlns:r="http://schemas.openxmlformats.org/officeDocument/2006/relationships" xmlns:p="http://schemas.openxmlformats.org/presentationml/2006/main">
   <p:cSld>
     <p:spTree>
@@ -27137,7 +23244,7 @@
           <a:graphicData uri="http://schemas.openxmlformats.org/presentationml/2006/ole">
             <mc:AlternateContent xmlns:mc="http://schemas.openxmlformats.org/markup-compatibility/2006">
               <mc:Choice xmlns:v="urn:schemas-microsoft-com:vml" Requires="v">
-                <p:oleObj spid="_x0000_s1221660" name="Ecuación" r:id="rId4" imgW="1054100" imgH="444500" progId="Equation.3">
+                <p:oleObj spid="_x0000_s1221663" name="Ecuación" r:id="rId4" imgW="1054100" imgH="444500" progId="Equation.3">
                   <p:embed/>
                 </p:oleObj>
               </mc:Choice>
@@ -27207,7 +23314,7 @@
           <a:graphicData uri="http://schemas.openxmlformats.org/presentationml/2006/ole">
             <mc:AlternateContent xmlns:mc="http://schemas.openxmlformats.org/markup-compatibility/2006">
               <mc:Choice xmlns:v="urn:schemas-microsoft-com:vml" Requires="v">
-                <p:oleObj spid="_x0000_s1221661" name="Ecuación" r:id="rId6" imgW="1612900" imgH="444500" progId="Equation.3">
+                <p:oleObj spid="_x0000_s1221664" name="Ecuación" r:id="rId6" imgW="1612900" imgH="444500" progId="Equation.3">
                   <p:embed/>
                 </p:oleObj>
               </mc:Choice>
@@ -27277,7 +23384,7 @@
           <a:graphicData uri="http://schemas.openxmlformats.org/presentationml/2006/ole">
             <mc:AlternateContent xmlns:mc="http://schemas.openxmlformats.org/markup-compatibility/2006">
               <mc:Choice xmlns:v="urn:schemas-microsoft-com:vml" Requires="v">
-                <p:oleObj spid="_x0000_s1221662" name="Ecuación" r:id="rId8" imgW="203024" imgH="253780" progId="Equation.3">
+                <p:oleObj spid="_x0000_s1221665" name="Ecuación" r:id="rId8" imgW="203024" imgH="253780" progId="Equation.3">
                   <p:embed/>
                 </p:oleObj>
               </mc:Choice>
@@ -27660,7 +23767,395 @@
 </p:sld>
 </file>
 
-<file path=ppt/slides/slide36.xml><?xml version="1.0" encoding="utf-8"?>
+<file path=ppt/slides/slide3.xml><?xml version="1.0" encoding="utf-8"?>
+<p:sld xmlns:a="http://schemas.openxmlformats.org/drawingml/2006/main" xmlns:r="http://schemas.openxmlformats.org/officeDocument/2006/relationships" xmlns:p="http://schemas.openxmlformats.org/presentationml/2006/main">
+  <p:cSld>
+    <p:spTree>
+      <p:nvGrpSpPr>
+        <p:cNvPr id="1" name=""/>
+        <p:cNvGrpSpPr/>
+        <p:nvPr/>
+      </p:nvGrpSpPr>
+      <p:grpSpPr>
+        <a:xfrm>
+          <a:off x="0" y="0"/>
+          <a:ext cx="0" cy="0"/>
+          <a:chOff x="0" y="0"/>
+          <a:chExt cx="0" cy="0"/>
+        </a:xfrm>
+      </p:grpSpPr>
+      <p:sp>
+        <p:nvSpPr>
+          <p:cNvPr id="7170" name="Rectangle 2"/>
+          <p:cNvSpPr>
+            <a:spLocks noGrp="1" noChangeArrowheads="1"/>
+          </p:cNvSpPr>
+          <p:nvPr>
+            <p:ph type="title"/>
+          </p:nvPr>
+        </p:nvSpPr>
+        <p:spPr>
+          <a:xfrm>
+            <a:off x="684213" y="169863"/>
+            <a:ext cx="7772400" cy="566737"/>
+          </a:xfrm>
+          <a:noFill/>
+          <a:ln/>
+        </p:spPr>
+        <p:txBody>
+          <a:bodyPr/>
+          <a:lstStyle/>
+          <a:p>
+            <a:r>
+              <a:rPr lang="es-CL" dirty="0">
+                <a:solidFill>
+                  <a:schemeClr val="bg1"/>
+                </a:solidFill>
+                <a:effectLst/>
+              </a:rPr>
+              <a:t>Muestreo Aleatorio Simple</a:t>
+            </a:r>
+          </a:p>
+        </p:txBody>
+      </p:sp>
+      <p:sp>
+        <p:nvSpPr>
+          <p:cNvPr id="7171" name="Rectangle 3"/>
+          <p:cNvSpPr>
+            <a:spLocks noGrp="1" noChangeArrowheads="1"/>
+          </p:cNvSpPr>
+          <p:nvPr>
+            <p:ph idx="1"/>
+          </p:nvPr>
+        </p:nvSpPr>
+        <p:spPr>
+          <a:xfrm>
+            <a:off x="690563" y="1106488"/>
+            <a:ext cx="7772400" cy="5157787"/>
+          </a:xfrm>
+          <a:noFill/>
+          <a:ln/>
+        </p:spPr>
+        <p:txBody>
+          <a:bodyPr/>
+          <a:lstStyle/>
+          <a:p>
+            <a:r>
+              <a:rPr lang="es-CL" dirty="0">
+                <a:solidFill>
+                  <a:schemeClr val="bg1"/>
+                </a:solidFill>
+                <a:effectLst/>
+              </a:rPr>
+              <a:t>Población Finita</a:t>
+            </a:r>
+          </a:p>
+          <a:p>
+            <a:pPr lvl="1"/>
+            <a:r>
+              <a:rPr lang="es-CL" dirty="0">
+                <a:solidFill>
+                  <a:schemeClr val="bg1"/>
+                </a:solidFill>
+                <a:effectLst/>
+              </a:rPr>
+              <a:t>Un </a:t>
+            </a:r>
+            <a:r>
+              <a:rPr lang="es-CL" u="sng" dirty="0">
+                <a:solidFill>
+                  <a:schemeClr val="bg1"/>
+                </a:solidFill>
+                <a:effectLst/>
+              </a:rPr>
+              <a:t>muestreo aleatorio simple de una población finita </a:t>
+            </a:r>
+            <a:r>
+              <a:rPr lang="es-CL" dirty="0">
+                <a:solidFill>
+                  <a:schemeClr val="bg1"/>
+                </a:solidFill>
+                <a:effectLst/>
+              </a:rPr>
+              <a:t>de tamaño </a:t>
+            </a:r>
+            <a:r>
+              <a:rPr lang="es-CL" i="1" dirty="0">
+                <a:solidFill>
+                  <a:schemeClr val="bg1"/>
+                </a:solidFill>
+                <a:effectLst/>
+              </a:rPr>
+              <a:t>N</a:t>
+            </a:r>
+            <a:r>
+              <a:rPr lang="es-CL" dirty="0">
+                <a:solidFill>
+                  <a:schemeClr val="bg1"/>
+                </a:solidFill>
+                <a:effectLst/>
+              </a:rPr>
+              <a:t> es una muestra seleccionada tal que cada posible muestra de tamaño </a:t>
+            </a:r>
+            <a:r>
+              <a:rPr lang="es-CL" i="1" dirty="0">
+                <a:solidFill>
+                  <a:schemeClr val="bg1"/>
+                </a:solidFill>
+                <a:effectLst/>
+              </a:rPr>
+              <a:t>n</a:t>
+            </a:r>
+            <a:r>
+              <a:rPr lang="es-CL" dirty="0">
+                <a:solidFill>
+                  <a:schemeClr val="bg1"/>
+                </a:solidFill>
+                <a:effectLst/>
+              </a:rPr>
+              <a:t> tenga la misma probabilidad de ser escogida.</a:t>
+            </a:r>
+          </a:p>
+          <a:p>
+            <a:pPr lvl="1"/>
+            <a:r>
+              <a:rPr lang="es-CL" dirty="0">
+                <a:solidFill>
+                  <a:schemeClr val="bg1"/>
+                </a:solidFill>
+                <a:effectLst/>
+              </a:rPr>
+              <a:t>Cuando se selecciona una muestra en la que se acepten elementos ya usados, es decir, algún elemento sean incluidos dos o más veces, se llama </a:t>
+            </a:r>
+            <a:r>
+              <a:rPr lang="es-CL" u="sng" dirty="0">
+                <a:solidFill>
+                  <a:schemeClr val="bg1"/>
+                </a:solidFill>
+                <a:effectLst/>
+              </a:rPr>
+              <a:t>muestreo con reemplazo</a:t>
+            </a:r>
+            <a:r>
+              <a:rPr lang="es-CL" dirty="0">
+                <a:solidFill>
+                  <a:schemeClr val="bg1"/>
+                </a:solidFill>
+                <a:effectLst/>
+              </a:rPr>
+              <a:t>.</a:t>
+            </a:r>
+          </a:p>
+          <a:p>
+            <a:pPr lvl="1"/>
+            <a:r>
+              <a:rPr lang="es-CL" u="sng" dirty="0">
+                <a:solidFill>
+                  <a:schemeClr val="bg1"/>
+                </a:solidFill>
+                <a:effectLst/>
+              </a:rPr>
+              <a:t>El muestreo sin reemplazo</a:t>
+            </a:r>
+            <a:r>
+              <a:rPr lang="es-CL" dirty="0">
+                <a:solidFill>
+                  <a:schemeClr val="bg1"/>
+                </a:solidFill>
+                <a:effectLst/>
+              </a:rPr>
+              <a:t> es el procedimiento usado más frecuentemente.</a:t>
+            </a:r>
+          </a:p>
+        </p:txBody>
+      </p:sp>
+    </p:spTree>
+  </p:cSld>
+  <p:clrMapOvr>
+    <a:masterClrMapping/>
+  </p:clrMapOvr>
+  <p:transition/>
+  <p:timing>
+    <p:tnLst>
+      <p:par>
+        <p:cTn id="1" dur="indefinite" restart="never" nodeType="tmRoot">
+          <p:childTnLst>
+            <p:seq concurrent="1" nextAc="seek">
+              <p:cTn id="2" dur="indefinite" nodeType="mainSeq">
+                <p:childTnLst>
+                  <p:par>
+                    <p:cTn id="3" fill="hold">
+                      <p:stCondLst>
+                        <p:cond delay="indefinite"/>
+                      </p:stCondLst>
+                      <p:childTnLst>
+                        <p:par>
+                          <p:cTn id="4" fill="hold">
+                            <p:stCondLst>
+                              <p:cond delay="0"/>
+                            </p:stCondLst>
+                            <p:childTnLst>
+                              <p:par>
+                                <p:cTn id="5" presetID="1" presetClass="entr" presetSubtype="0" fill="hold" nodeType="clickEffect">
+                                  <p:stCondLst>
+                                    <p:cond delay="0"/>
+                                  </p:stCondLst>
+                                  <p:childTnLst>
+                                    <p:set>
+                                      <p:cBhvr>
+                                        <p:cTn id="6" dur="1" fill="hold">
+                                          <p:stCondLst>
+                                            <p:cond delay="0"/>
+                                          </p:stCondLst>
+                                        </p:cTn>
+                                        <p:tgtEl>
+                                          <p:spTgt spid="7171">
+                                            <p:txEl>
+                                              <p:pRg st="1" end="1"/>
+                                            </p:txEl>
+                                          </p:spTgt>
+                                        </p:tgtEl>
+                                        <p:attrNameLst>
+                                          <p:attrName>style.visibility</p:attrName>
+                                        </p:attrNameLst>
+                                      </p:cBhvr>
+                                      <p:to>
+                                        <p:strVal val="visible"/>
+                                      </p:to>
+                                    </p:set>
+                                  </p:childTnLst>
+                                </p:cTn>
+                              </p:par>
+                            </p:childTnLst>
+                          </p:cTn>
+                        </p:par>
+                      </p:childTnLst>
+                    </p:cTn>
+                  </p:par>
+                  <p:par>
+                    <p:cTn id="7" fill="hold">
+                      <p:stCondLst>
+                        <p:cond delay="indefinite"/>
+                      </p:stCondLst>
+                      <p:childTnLst>
+                        <p:par>
+                          <p:cTn id="8" fill="hold">
+                            <p:stCondLst>
+                              <p:cond delay="0"/>
+                            </p:stCondLst>
+                            <p:childTnLst>
+                              <p:par>
+                                <p:cTn id="9" presetID="1" presetClass="entr" presetSubtype="0" fill="hold" nodeType="clickEffect">
+                                  <p:stCondLst>
+                                    <p:cond delay="0"/>
+                                  </p:stCondLst>
+                                  <p:childTnLst>
+                                    <p:set>
+                                      <p:cBhvr>
+                                        <p:cTn id="10" dur="1" fill="hold">
+                                          <p:stCondLst>
+                                            <p:cond delay="0"/>
+                                          </p:stCondLst>
+                                        </p:cTn>
+                                        <p:tgtEl>
+                                          <p:spTgt spid="7171">
+                                            <p:txEl>
+                                              <p:pRg st="2" end="2"/>
+                                            </p:txEl>
+                                          </p:spTgt>
+                                        </p:tgtEl>
+                                        <p:attrNameLst>
+                                          <p:attrName>style.visibility</p:attrName>
+                                        </p:attrNameLst>
+                                      </p:cBhvr>
+                                      <p:to>
+                                        <p:strVal val="visible"/>
+                                      </p:to>
+                                    </p:set>
+                                  </p:childTnLst>
+                                </p:cTn>
+                              </p:par>
+                            </p:childTnLst>
+                          </p:cTn>
+                        </p:par>
+                      </p:childTnLst>
+                    </p:cTn>
+                  </p:par>
+                  <p:par>
+                    <p:cTn id="11" fill="hold">
+                      <p:stCondLst>
+                        <p:cond delay="indefinite"/>
+                      </p:stCondLst>
+                      <p:childTnLst>
+                        <p:par>
+                          <p:cTn id="12" fill="hold">
+                            <p:stCondLst>
+                              <p:cond delay="0"/>
+                            </p:stCondLst>
+                            <p:childTnLst>
+                              <p:par>
+                                <p:cTn id="13" presetID="1" presetClass="entr" presetSubtype="0" fill="hold" nodeType="clickEffect">
+                                  <p:stCondLst>
+                                    <p:cond delay="0"/>
+                                  </p:stCondLst>
+                                  <p:childTnLst>
+                                    <p:set>
+                                      <p:cBhvr>
+                                        <p:cTn id="14" dur="1" fill="hold">
+                                          <p:stCondLst>
+                                            <p:cond delay="0"/>
+                                          </p:stCondLst>
+                                        </p:cTn>
+                                        <p:tgtEl>
+                                          <p:spTgt spid="7171">
+                                            <p:txEl>
+                                              <p:pRg st="3" end="3"/>
+                                            </p:txEl>
+                                          </p:spTgt>
+                                        </p:tgtEl>
+                                        <p:attrNameLst>
+                                          <p:attrName>style.visibility</p:attrName>
+                                        </p:attrNameLst>
+                                      </p:cBhvr>
+                                      <p:to>
+                                        <p:strVal val="visible"/>
+                                      </p:to>
+                                    </p:set>
+                                  </p:childTnLst>
+                                </p:cTn>
+                              </p:par>
+                            </p:childTnLst>
+                          </p:cTn>
+                        </p:par>
+                      </p:childTnLst>
+                    </p:cTn>
+                  </p:par>
+                </p:childTnLst>
+              </p:cTn>
+              <p:prevCondLst>
+                <p:cond evt="onPrev" delay="0">
+                  <p:tgtEl>
+                    <p:sldTgt/>
+                  </p:tgtEl>
+                </p:cond>
+              </p:prevCondLst>
+              <p:nextCondLst>
+                <p:cond evt="onNext" delay="0">
+                  <p:tgtEl>
+                    <p:sldTgt/>
+                  </p:tgtEl>
+                </p:cond>
+              </p:nextCondLst>
+            </p:seq>
+          </p:childTnLst>
+        </p:cTn>
+      </p:par>
+    </p:tnLst>
+  </p:timing>
+</p:sld>
+</file>
+
+<file path=ppt/slides/slide30.xml><?xml version="1.0" encoding="utf-8"?>
 <p:sld xmlns:a="http://schemas.openxmlformats.org/drawingml/2006/main" xmlns:r="http://schemas.openxmlformats.org/officeDocument/2006/relationships" xmlns:p="http://schemas.openxmlformats.org/presentationml/2006/main">
   <p:cSld>
     <p:spTree>
@@ -28698,7 +25193,7 @@
           <a:graphicData uri="http://schemas.openxmlformats.org/presentationml/2006/ole">
             <mc:AlternateContent xmlns:mc="http://schemas.openxmlformats.org/markup-compatibility/2006">
               <mc:Choice xmlns:v="urn:schemas-microsoft-com:vml" Requires="v">
-                <p:oleObj spid="_x0000_s1329177" name="Ecuación" r:id="rId4" imgW="152334" imgH="241195" progId="Equation.3">
+                <p:oleObj spid="_x0000_s1329180" name="Ecuación" r:id="rId4" imgW="152334" imgH="241195" progId="Equation.3">
                   <p:embed/>
                 </p:oleObj>
               </mc:Choice>
@@ -28900,7 +25395,7 @@
           <a:graphicData uri="http://schemas.openxmlformats.org/presentationml/2006/ole">
             <mc:AlternateContent xmlns:mc="http://schemas.openxmlformats.org/markup-compatibility/2006">
               <mc:Choice xmlns:v="urn:schemas-microsoft-com:vml" Requires="v">
-                <p:oleObj spid="_x0000_s1329178" name="Ecuación" r:id="rId6" imgW="748975" imgH="241195" progId="Equation.3">
+                <p:oleObj spid="_x0000_s1329181" name="Ecuación" r:id="rId6" imgW="748975" imgH="241195" progId="Equation.3">
                   <p:embed/>
                 </p:oleObj>
               </mc:Choice>
@@ -28970,7 +25465,7 @@
           <a:graphicData uri="http://schemas.openxmlformats.org/presentationml/2006/ole">
             <mc:AlternateContent xmlns:mc="http://schemas.openxmlformats.org/markup-compatibility/2006">
               <mc:Choice xmlns:v="urn:schemas-microsoft-com:vml" Requires="v">
-                <p:oleObj spid="_x0000_s1329179" name="Ecuación" r:id="rId8" imgW="1879600" imgH="444500" progId="Equation.3">
+                <p:oleObj spid="_x0000_s1329182" name="Ecuación" r:id="rId8" imgW="1879600" imgH="444500" progId="Equation.3">
                   <p:embed/>
                 </p:oleObj>
               </mc:Choice>
@@ -29441,7 +25936,7 @@
 </p:sld>
 </file>
 
-<file path=ppt/slides/slide37.xml><?xml version="1.0" encoding="utf-8"?>
+<file path=ppt/slides/slide31.xml><?xml version="1.0" encoding="utf-8"?>
 <p:sld xmlns:a="http://schemas.openxmlformats.org/drawingml/2006/main" xmlns:r="http://schemas.openxmlformats.org/officeDocument/2006/relationships" xmlns:p="http://schemas.openxmlformats.org/presentationml/2006/main">
   <p:cSld>
     <p:spTree>
@@ -29760,7 +26255,7 @@
 </p:sld>
 </file>
 
-<file path=ppt/slides/slide38.xml><?xml version="1.0" encoding="utf-8"?>
+<file path=ppt/slides/slide32.xml><?xml version="1.0" encoding="utf-8"?>
 <p:sld xmlns:a="http://schemas.openxmlformats.org/drawingml/2006/main" xmlns:r="http://schemas.openxmlformats.org/officeDocument/2006/relationships" xmlns:p="http://schemas.openxmlformats.org/presentationml/2006/main">
   <p:cSld>
     <p:spTree>
@@ -29793,7 +26288,7 @@
           <a:graphicData uri="http://schemas.openxmlformats.org/presentationml/2006/ole">
             <mc:AlternateContent xmlns:mc="http://schemas.openxmlformats.org/markup-compatibility/2006">
               <mc:Choice xmlns:v="urn:schemas-microsoft-com:vml" Requires="v">
-                <p:oleObj spid="_x0000_s1331233" name="Ecuación" r:id="rId4" imgW="317225" imgH="203024" progId="Equation.3">
+                <p:oleObj spid="_x0000_s1331237" name="Ecuación" r:id="rId4" imgW="317225" imgH="203024" progId="Equation.3">
                   <p:embed/>
                 </p:oleObj>
               </mc:Choice>
@@ -29863,7 +26358,7 @@
           <a:graphicData uri="http://schemas.openxmlformats.org/presentationml/2006/ole">
             <mc:AlternateContent xmlns:mc="http://schemas.openxmlformats.org/markup-compatibility/2006">
               <mc:Choice xmlns:v="urn:schemas-microsoft-com:vml" Requires="v">
-                <p:oleObj spid="_x0000_s1331234" name="Ecuación" r:id="rId6" imgW="317225" imgH="203024" progId="Equation.3">
+                <p:oleObj spid="_x0000_s1331238" name="Ecuación" r:id="rId6" imgW="317225" imgH="203024" progId="Equation.3">
                   <p:embed/>
                 </p:oleObj>
               </mc:Choice>
@@ -29933,7 +26428,7 @@
           <a:graphicData uri="http://schemas.openxmlformats.org/presentationml/2006/ole">
             <mc:AlternateContent xmlns:mc="http://schemas.openxmlformats.org/markup-compatibility/2006">
               <mc:Choice xmlns:v="urn:schemas-microsoft-com:vml" Requires="v">
-                <p:oleObj spid="_x0000_s1331235" name="Ecuación" r:id="rId8" imgW="304536" imgH="203024" progId="Equation.3">
+                <p:oleObj spid="_x0000_s1331239" name="Ecuación" r:id="rId8" imgW="304536" imgH="203024" progId="Equation.3">
                   <p:embed/>
                 </p:oleObj>
               </mc:Choice>
@@ -31246,7 +27741,7 @@
           <a:graphicData uri="http://schemas.openxmlformats.org/presentationml/2006/ole">
             <mc:AlternateContent xmlns:mc="http://schemas.openxmlformats.org/markup-compatibility/2006">
               <mc:Choice xmlns:v="urn:schemas-microsoft-com:vml" Requires="v">
-                <p:oleObj spid="_x0000_s1331236" name="Ecuación" r:id="rId10" imgW="152334" imgH="241195" progId="Equation.3">
+                <p:oleObj spid="_x0000_s1331240" name="Ecuación" r:id="rId10" imgW="152334" imgH="241195" progId="Equation.3">
                   <p:embed/>
                 </p:oleObj>
               </mc:Choice>
@@ -31673,7 +28168,7 @@
 </p:sld>
 </file>
 
-<file path=ppt/slides/slide39.xml><?xml version="1.0" encoding="utf-8"?>
+<file path=ppt/slides/slide33.xml><?xml version="1.0" encoding="utf-8"?>
 <p:sld xmlns:a="http://schemas.openxmlformats.org/drawingml/2006/main" xmlns:r="http://schemas.openxmlformats.org/officeDocument/2006/relationships" xmlns:p="http://schemas.openxmlformats.org/presentationml/2006/main">
   <p:cSld>
     <p:spTree>
@@ -32972,7 +29467,7 @@
           <a:graphicData uri="http://schemas.openxmlformats.org/presentationml/2006/ole">
             <mc:AlternateContent xmlns:mc="http://schemas.openxmlformats.org/markup-compatibility/2006">
               <mc:Choice xmlns:v="urn:schemas-microsoft-com:vml" Requires="v">
-                <p:oleObj spid="_x0000_s1330209" name="Ecuación" r:id="rId4" imgW="152334" imgH="241195" progId="Equation.3">
+                <p:oleObj spid="_x0000_s1330213" name="Ecuación" r:id="rId4" imgW="152334" imgH="241195" progId="Equation.3">
                   <p:embed/>
                 </p:oleObj>
               </mc:Choice>
@@ -33338,7 +29833,7 @@
           <a:graphicData uri="http://schemas.openxmlformats.org/presentationml/2006/ole">
             <mc:AlternateContent xmlns:mc="http://schemas.openxmlformats.org/markup-compatibility/2006">
               <mc:Choice xmlns:v="urn:schemas-microsoft-com:vml" Requires="v">
-                <p:oleObj spid="_x0000_s1330210" name="Ecuación" r:id="rId6" imgW="406048" imgH="203024" progId="Equation.3">
+                <p:oleObj spid="_x0000_s1330214" name="Ecuación" r:id="rId6" imgW="406048" imgH="203024" progId="Equation.3">
                   <p:embed/>
                 </p:oleObj>
               </mc:Choice>
@@ -33408,7 +29903,7 @@
           <a:graphicData uri="http://schemas.openxmlformats.org/presentationml/2006/ole">
             <mc:AlternateContent xmlns:mc="http://schemas.openxmlformats.org/markup-compatibility/2006">
               <mc:Choice xmlns:v="urn:schemas-microsoft-com:vml" Requires="v">
-                <p:oleObj spid="_x0000_s1330211" name="Ecuación" r:id="rId8" imgW="291973" imgH="203112" progId="Equation.3">
+                <p:oleObj spid="_x0000_s1330215" name="Ecuación" r:id="rId8" imgW="291973" imgH="203112" progId="Equation.3">
                   <p:embed/>
                 </p:oleObj>
               </mc:Choice>
@@ -33478,7 +29973,7 @@
           <a:graphicData uri="http://schemas.openxmlformats.org/presentationml/2006/ole">
             <mc:AlternateContent xmlns:mc="http://schemas.openxmlformats.org/markup-compatibility/2006">
               <mc:Choice xmlns:v="urn:schemas-microsoft-com:vml" Requires="v">
-                <p:oleObj spid="_x0000_s1330212" name="Ecuación" r:id="rId10" imgW="126725" imgH="177415" progId="Equation.3">
+                <p:oleObj spid="_x0000_s1330216" name="Ecuación" r:id="rId10" imgW="126725" imgH="177415" progId="Equation.3">
                   <p:embed/>
                 </p:oleObj>
               </mc:Choice>
@@ -33775,113 +30270,7 @@
 </p:sld>
 </file>
 
-<file path=ppt/slides/slide4.xml><?xml version="1.0" encoding="utf-8"?>
-<p:sld xmlns:a="http://schemas.openxmlformats.org/drawingml/2006/main" xmlns:r="http://schemas.openxmlformats.org/officeDocument/2006/relationships" xmlns:p="http://schemas.openxmlformats.org/presentationml/2006/main">
-  <p:cSld>
-    <p:spTree>
-      <p:nvGrpSpPr>
-        <p:cNvPr id="1" name=""/>
-        <p:cNvGrpSpPr/>
-        <p:nvPr/>
-      </p:nvGrpSpPr>
-      <p:grpSpPr>
-        <a:xfrm>
-          <a:off x="0" y="0"/>
-          <a:ext cx="0" cy="0"/>
-          <a:chOff x="0" y="0"/>
-          <a:chExt cx="0" cy="0"/>
-        </a:xfrm>
-      </p:grpSpPr>
-      <p:sp>
-        <p:nvSpPr>
-          <p:cNvPr id="7170" name="Rectangle 2"/>
-          <p:cNvSpPr>
-            <a:spLocks noGrp="1" noChangeArrowheads="1"/>
-          </p:cNvSpPr>
-          <p:nvPr>
-            <p:ph type="title"/>
-          </p:nvPr>
-        </p:nvSpPr>
-        <p:spPr>
-          <a:xfrm>
-            <a:off x="684213" y="169863"/>
-            <a:ext cx="7772400" cy="566737"/>
-          </a:xfrm>
-          <a:noFill/>
-          <a:ln/>
-        </p:spPr>
-        <p:txBody>
-          <a:bodyPr/>
-          <a:lstStyle/>
-          <a:p>
-            <a:r>
-              <a:rPr lang="es-CL" dirty="0">
-                <a:solidFill>
-                  <a:schemeClr val="bg1"/>
-                </a:solidFill>
-                <a:effectLst/>
-              </a:rPr>
-              <a:t>Muestreo Aleatorio Simple</a:t>
-            </a:r>
-          </a:p>
-        </p:txBody>
-      </p:sp>
-      <p:sp>
-        <p:nvSpPr>
-          <p:cNvPr id="7171" name="Rectangle 3"/>
-          <p:cNvSpPr>
-            <a:spLocks noGrp="1" noChangeArrowheads="1"/>
-          </p:cNvSpPr>
-          <p:nvPr>
-            <p:ph idx="1"/>
-          </p:nvPr>
-        </p:nvSpPr>
-        <p:spPr>
-          <a:xfrm>
-            <a:off x="690563" y="1106488"/>
-            <a:ext cx="7772400" cy="5157787"/>
-          </a:xfrm>
-          <a:noFill/>
-          <a:ln/>
-        </p:spPr>
-        <p:txBody>
-          <a:bodyPr/>
-          <a:lstStyle/>
-          <a:p>
-            <a:r>
-              <a:rPr lang="es-CL" dirty="0">
-                <a:solidFill>
-                  <a:schemeClr val="bg1"/>
-                </a:solidFill>
-                <a:effectLst/>
-              </a:rPr>
-              <a:t>Población Finita</a:t>
-            </a:r>
-          </a:p>
-          <a:p>
-            <a:pPr lvl="1"/>
-            <a:r>
-              <a:rPr lang="es-CL" dirty="0">
-                <a:solidFill>
-                  <a:schemeClr val="bg1"/>
-                </a:solidFill>
-                <a:effectLst/>
-              </a:rPr>
-              <a:t>En proyectos de muestreo con gran número de observaciones, es común utilizar números aleatorios generados computacionalmente para automatizar el proceso de selección.</a:t>
-            </a:r>
-          </a:p>
-        </p:txBody>
-      </p:sp>
-    </p:spTree>
-  </p:cSld>
-  <p:clrMapOvr>
-    <a:masterClrMapping/>
-  </p:clrMapOvr>
-  <p:transition/>
-</p:sld>
-</file>
-
-<file path=ppt/slides/slide40.xml><?xml version="1.0" encoding="utf-8"?>
+<file path=ppt/slides/slide34.xml><?xml version="1.0" encoding="utf-8"?>
 <p:sld xmlns:a="http://schemas.openxmlformats.org/drawingml/2006/main" xmlns:r="http://schemas.openxmlformats.org/officeDocument/2006/relationships" xmlns:p="http://schemas.openxmlformats.org/presentationml/2006/main">
   <p:cSld>
     <p:spTree>
@@ -34247,7 +30636,7 @@
 </p:sld>
 </file>
 
-<file path=ppt/slides/slide41.xml><?xml version="1.0" encoding="utf-8"?>
+<file path=ppt/slides/slide35.xml><?xml version="1.0" encoding="utf-8"?>
 <p:sld xmlns:a="http://schemas.openxmlformats.org/drawingml/2006/main" xmlns:r="http://schemas.openxmlformats.org/officeDocument/2006/relationships" xmlns:p="http://schemas.openxmlformats.org/presentationml/2006/main">
   <p:cSld>
     <p:spTree>
@@ -34357,7 +30746,7 @@
 </p:sld>
 </file>
 
-<file path=ppt/slides/slide42.xml><?xml version="1.0" encoding="utf-8"?>
+<file path=ppt/slides/slide36.xml><?xml version="1.0" encoding="utf-8"?>
 <p:sld xmlns:a="http://schemas.openxmlformats.org/drawingml/2006/main" xmlns:r="http://schemas.openxmlformats.org/officeDocument/2006/relationships" xmlns:p="http://schemas.openxmlformats.org/presentationml/2006/main">
   <p:cSld>
     <p:spTree>
@@ -34576,7 +30965,7 @@
 </p:sld>
 </file>
 
-<file path=ppt/slides/slide43.xml><?xml version="1.0" encoding="utf-8"?>
+<file path=ppt/slides/slide37.xml><?xml version="1.0" encoding="utf-8"?>
 <p:sld xmlns:a="http://schemas.openxmlformats.org/drawingml/2006/main" xmlns:r="http://schemas.openxmlformats.org/officeDocument/2006/relationships" xmlns:p="http://schemas.openxmlformats.org/presentationml/2006/main">
   <p:cSld>
     <p:spTree>
@@ -34668,7 +31057,7 @@
 </p:sld>
 </file>
 
-<file path=ppt/slides/slide44.xml><?xml version="1.0" encoding="utf-8"?>
+<file path=ppt/slides/slide38.xml><?xml version="1.0" encoding="utf-8"?>
 <p:sld xmlns:a="http://schemas.openxmlformats.org/drawingml/2006/main" xmlns:r="http://schemas.openxmlformats.org/officeDocument/2006/relationships" xmlns:p="http://schemas.openxmlformats.org/presentationml/2006/main">
   <p:cSld>
     <p:spTree>
@@ -35091,7 +31480,7 @@
 </p:sld>
 </file>
 
-<file path=ppt/slides/slide45.xml><?xml version="1.0" encoding="utf-8"?>
+<file path=ppt/slides/slide39.xml><?xml version="1.0" encoding="utf-8"?>
 <p:sld xmlns:a="http://schemas.openxmlformats.org/drawingml/2006/main" xmlns:r="http://schemas.openxmlformats.org/officeDocument/2006/relationships" xmlns:p="http://schemas.openxmlformats.org/presentationml/2006/main">
   <p:cSld>
     <p:spTree>
@@ -35569,7 +31958,113 @@
 </p:sld>
 </file>
 
-<file path=ppt/slides/slide46.xml><?xml version="1.0" encoding="utf-8"?>
+<file path=ppt/slides/slide4.xml><?xml version="1.0" encoding="utf-8"?>
+<p:sld xmlns:a="http://schemas.openxmlformats.org/drawingml/2006/main" xmlns:r="http://schemas.openxmlformats.org/officeDocument/2006/relationships" xmlns:p="http://schemas.openxmlformats.org/presentationml/2006/main">
+  <p:cSld>
+    <p:spTree>
+      <p:nvGrpSpPr>
+        <p:cNvPr id="1" name=""/>
+        <p:cNvGrpSpPr/>
+        <p:nvPr/>
+      </p:nvGrpSpPr>
+      <p:grpSpPr>
+        <a:xfrm>
+          <a:off x="0" y="0"/>
+          <a:ext cx="0" cy="0"/>
+          <a:chOff x="0" y="0"/>
+          <a:chExt cx="0" cy="0"/>
+        </a:xfrm>
+      </p:grpSpPr>
+      <p:sp>
+        <p:nvSpPr>
+          <p:cNvPr id="7170" name="Rectangle 2"/>
+          <p:cNvSpPr>
+            <a:spLocks noGrp="1" noChangeArrowheads="1"/>
+          </p:cNvSpPr>
+          <p:nvPr>
+            <p:ph type="title"/>
+          </p:nvPr>
+        </p:nvSpPr>
+        <p:spPr>
+          <a:xfrm>
+            <a:off x="684213" y="169863"/>
+            <a:ext cx="7772400" cy="566737"/>
+          </a:xfrm>
+          <a:noFill/>
+          <a:ln/>
+        </p:spPr>
+        <p:txBody>
+          <a:bodyPr/>
+          <a:lstStyle/>
+          <a:p>
+            <a:r>
+              <a:rPr lang="es-CL" dirty="0">
+                <a:solidFill>
+                  <a:schemeClr val="bg1"/>
+                </a:solidFill>
+                <a:effectLst/>
+              </a:rPr>
+              <a:t>Muestreo Aleatorio Simple</a:t>
+            </a:r>
+          </a:p>
+        </p:txBody>
+      </p:sp>
+      <p:sp>
+        <p:nvSpPr>
+          <p:cNvPr id="7171" name="Rectangle 3"/>
+          <p:cNvSpPr>
+            <a:spLocks noGrp="1" noChangeArrowheads="1"/>
+          </p:cNvSpPr>
+          <p:nvPr>
+            <p:ph idx="1"/>
+          </p:nvPr>
+        </p:nvSpPr>
+        <p:spPr>
+          <a:xfrm>
+            <a:off x="690563" y="1106488"/>
+            <a:ext cx="7772400" cy="5157787"/>
+          </a:xfrm>
+          <a:noFill/>
+          <a:ln/>
+        </p:spPr>
+        <p:txBody>
+          <a:bodyPr/>
+          <a:lstStyle/>
+          <a:p>
+            <a:r>
+              <a:rPr lang="es-CL" dirty="0">
+                <a:solidFill>
+                  <a:schemeClr val="bg1"/>
+                </a:solidFill>
+                <a:effectLst/>
+              </a:rPr>
+              <a:t>Población Finita</a:t>
+            </a:r>
+          </a:p>
+          <a:p>
+            <a:pPr lvl="1"/>
+            <a:r>
+              <a:rPr lang="es-CL" dirty="0">
+                <a:solidFill>
+                  <a:schemeClr val="bg1"/>
+                </a:solidFill>
+                <a:effectLst/>
+              </a:rPr>
+              <a:t>En proyectos de muestreo con gran número de observaciones, es común utilizar números aleatorios generados computacionalmente para automatizar el proceso de selección.</a:t>
+            </a:r>
+          </a:p>
+        </p:txBody>
+      </p:sp>
+    </p:spTree>
+  </p:cSld>
+  <p:clrMapOvr>
+    <a:masterClrMapping/>
+  </p:clrMapOvr>
+  <p:transition/>
+</p:sld>
+</file>
+
+<file path=ppt/slides/slide40.xml><?xml version="1.0" encoding="utf-8"?>
 <p:sld xmlns:a="http://schemas.openxmlformats.org/drawingml/2006/main" xmlns:r="http://schemas.openxmlformats.org/officeDocument/2006/relationships" xmlns:p="http://schemas.openxmlformats.org/presentationml/2006/main">
   <p:cSld>
     <p:spTree>
@@ -35758,7 +32253,7 @@
 </p:sld>
 </file>
 
-<file path=ppt/slides/slide47.xml><?xml version="1.0" encoding="utf-8"?>
+<file path=ppt/slides/slide41.xml><?xml version="1.0" encoding="utf-8"?>
 <p:sld xmlns:a="http://schemas.openxmlformats.org/drawingml/2006/main" xmlns:r="http://schemas.openxmlformats.org/officeDocument/2006/relationships" xmlns:p="http://schemas.openxmlformats.org/presentationml/2006/main">
   <p:cSld>
     <p:spTree>
@@ -36212,7 +32707,7 @@
 </p:sld>
 </file>
 
-<file path=ppt/slides/slide48.xml><?xml version="1.0" encoding="utf-8"?>
+<file path=ppt/slides/slide42.xml><?xml version="1.0" encoding="utf-8"?>
 <p:sld xmlns:a="http://schemas.openxmlformats.org/drawingml/2006/main" xmlns:r="http://schemas.openxmlformats.org/officeDocument/2006/relationships" xmlns:p="http://schemas.openxmlformats.org/presentationml/2006/main">
   <p:cSld>
     <p:spTree>
@@ -36520,7 +33015,7 @@
 </p:sld>
 </file>
 
-<file path=ppt/slides/slide49.xml><?xml version="1.0" encoding="utf-8"?>
+<file path=ppt/slides/slide43.xml><?xml version="1.0" encoding="utf-8"?>
 <p:sld xmlns:a="http://schemas.openxmlformats.org/drawingml/2006/main" xmlns:r="http://schemas.openxmlformats.org/officeDocument/2006/relationships" xmlns:p="http://schemas.openxmlformats.org/presentationml/2006/main">
   <p:cSld>
     <p:spTree>
@@ -36997,387 +33492,7 @@
 </p:sld>
 </file>
 
-<file path=ppt/slides/slide5.xml><?xml version="1.0" encoding="utf-8"?>
-<p:sld xmlns:a="http://schemas.openxmlformats.org/drawingml/2006/main" xmlns:r="http://schemas.openxmlformats.org/officeDocument/2006/relationships" xmlns:p="http://schemas.openxmlformats.org/presentationml/2006/main">
-  <p:cSld>
-    <p:spTree>
-      <p:nvGrpSpPr>
-        <p:cNvPr id="1" name=""/>
-        <p:cNvGrpSpPr/>
-        <p:nvPr/>
-      </p:nvGrpSpPr>
-      <p:grpSpPr>
-        <a:xfrm>
-          <a:off x="0" y="0"/>
-          <a:ext cx="0" cy="0"/>
-          <a:chOff x="0" y="0"/>
-          <a:chExt cx="0" cy="0"/>
-        </a:xfrm>
-      </p:grpSpPr>
-      <p:sp>
-        <p:nvSpPr>
-          <p:cNvPr id="8195" name="Rectangle 3"/>
-          <p:cNvSpPr>
-            <a:spLocks noGrp="1" noChangeArrowheads="1"/>
-          </p:cNvSpPr>
-          <p:nvPr>
-            <p:ph type="title"/>
-          </p:nvPr>
-        </p:nvSpPr>
-        <p:spPr>
-          <a:xfrm>
-            <a:off x="684213" y="169863"/>
-            <a:ext cx="7772400" cy="566737"/>
-          </a:xfrm>
-          <a:noFill/>
-          <a:ln/>
-        </p:spPr>
-        <p:txBody>
-          <a:bodyPr/>
-          <a:lstStyle/>
-          <a:p>
-            <a:r>
-              <a:rPr lang="es-CL">
-                <a:solidFill>
-                  <a:schemeClr val="bg1"/>
-                </a:solidFill>
-                <a:effectLst/>
-              </a:rPr>
-              <a:t>Muestreo Aleatorio Simple</a:t>
-            </a:r>
-          </a:p>
-        </p:txBody>
-      </p:sp>
-      <p:sp>
-        <p:nvSpPr>
-          <p:cNvPr id="8194" name="Rectangle 2"/>
-          <p:cNvSpPr>
-            <a:spLocks noGrp="1" noChangeArrowheads="1"/>
-          </p:cNvSpPr>
-          <p:nvPr>
-            <p:ph idx="1"/>
-          </p:nvPr>
-        </p:nvSpPr>
-        <p:spPr>
-          <a:xfrm>
-            <a:off x="690563" y="1103313"/>
-            <a:ext cx="7772400" cy="5348287"/>
-          </a:xfrm>
-          <a:noFill/>
-          <a:ln/>
-        </p:spPr>
-        <p:txBody>
-          <a:bodyPr/>
-          <a:lstStyle/>
-          <a:p>
-            <a:r>
-              <a:rPr lang="es-CL" dirty="0">
-                <a:solidFill>
-                  <a:schemeClr val="bg1"/>
-                </a:solidFill>
-                <a:effectLst/>
-              </a:rPr>
-              <a:t>Población Infinita</a:t>
-            </a:r>
-          </a:p>
-          <a:p>
-            <a:pPr lvl="1"/>
-            <a:r>
-              <a:rPr lang="es-CL" dirty="0">
-                <a:solidFill>
-                  <a:schemeClr val="bg1"/>
-                </a:solidFill>
-                <a:effectLst/>
-              </a:rPr>
-              <a:t>Un muestreo aleatorio simple de una población infinita es una muestra seleccionada cuando cumple con las siguientes condiciones</a:t>
-            </a:r>
-          </a:p>
-          <a:p>
-            <a:pPr lvl="2"/>
-            <a:r>
-              <a:rPr lang="es-CL" dirty="0">
-                <a:solidFill>
-                  <a:schemeClr val="bg1"/>
-                </a:solidFill>
-                <a:effectLst/>
-              </a:rPr>
-              <a:t>Cada elemento seleccionado viene de la misma población.</a:t>
-            </a:r>
-          </a:p>
-          <a:p>
-            <a:pPr lvl="2"/>
-            <a:r>
-              <a:rPr lang="es-CL" dirty="0">
-                <a:solidFill>
-                  <a:schemeClr val="bg1"/>
-                </a:solidFill>
-                <a:effectLst/>
-              </a:rPr>
-              <a:t>Cada elemento es seleccionado de forma independiente</a:t>
-            </a:r>
-          </a:p>
-          <a:p>
-            <a:pPr lvl="1"/>
-            <a:r>
-              <a:rPr lang="es-CL" dirty="0">
-                <a:solidFill>
-                  <a:schemeClr val="bg1"/>
-                </a:solidFill>
-                <a:effectLst/>
-              </a:rPr>
-              <a:t>La población es típicamente considerada infinita si involucra un proceso continuo que hace que “contar” cada elemento sea imposible.</a:t>
-            </a:r>
-          </a:p>
-          <a:p>
-            <a:pPr lvl="1"/>
-            <a:r>
-              <a:rPr lang="es-CL" dirty="0">
-                <a:solidFill>
-                  <a:schemeClr val="bg1"/>
-                </a:solidFill>
-                <a:effectLst/>
-              </a:rPr>
-              <a:t>Un procedimiento de selección con números aleatorios no puede ser usado en poblaciones infinitas.</a:t>
-            </a:r>
-          </a:p>
-        </p:txBody>
-      </p:sp>
-    </p:spTree>
-  </p:cSld>
-  <p:clrMapOvr>
-    <a:masterClrMapping/>
-  </p:clrMapOvr>
-  <p:transition/>
-  <p:timing>
-    <p:tnLst>
-      <p:par>
-        <p:cTn id="1" dur="indefinite" restart="never" nodeType="tmRoot">
-          <p:childTnLst>
-            <p:seq concurrent="1" nextAc="seek">
-              <p:cTn id="2" dur="indefinite" nodeType="mainSeq">
-                <p:childTnLst>
-                  <p:par>
-                    <p:cTn id="3" fill="hold">
-                      <p:stCondLst>
-                        <p:cond delay="indefinite"/>
-                      </p:stCondLst>
-                      <p:childTnLst>
-                        <p:par>
-                          <p:cTn id="4" fill="hold">
-                            <p:stCondLst>
-                              <p:cond delay="0"/>
-                            </p:stCondLst>
-                            <p:childTnLst>
-                              <p:par>
-                                <p:cTn id="5" presetID="1" presetClass="entr" presetSubtype="0" fill="hold" nodeType="clickEffect">
-                                  <p:stCondLst>
-                                    <p:cond delay="0"/>
-                                  </p:stCondLst>
-                                  <p:childTnLst>
-                                    <p:set>
-                                      <p:cBhvr>
-                                        <p:cTn id="6" dur="1" fill="hold">
-                                          <p:stCondLst>
-                                            <p:cond delay="0"/>
-                                          </p:stCondLst>
-                                        </p:cTn>
-                                        <p:tgtEl>
-                                          <p:spTgt spid="8194">
-                                            <p:txEl>
-                                              <p:pRg st="2" end="2"/>
-                                            </p:txEl>
-                                          </p:spTgt>
-                                        </p:tgtEl>
-                                        <p:attrNameLst>
-                                          <p:attrName>style.visibility</p:attrName>
-                                        </p:attrNameLst>
-                                      </p:cBhvr>
-                                      <p:to>
-                                        <p:strVal val="visible"/>
-                                      </p:to>
-                                    </p:set>
-                                  </p:childTnLst>
-                                </p:cTn>
-                              </p:par>
-                            </p:childTnLst>
-                          </p:cTn>
-                        </p:par>
-                      </p:childTnLst>
-                    </p:cTn>
-                  </p:par>
-                  <p:par>
-                    <p:cTn id="7" fill="hold">
-                      <p:stCondLst>
-                        <p:cond delay="indefinite"/>
-                      </p:stCondLst>
-                      <p:childTnLst>
-                        <p:par>
-                          <p:cTn id="8" fill="hold">
-                            <p:stCondLst>
-                              <p:cond delay="0"/>
-                            </p:stCondLst>
-                            <p:childTnLst>
-                              <p:par>
-                                <p:cTn id="9" presetID="1" presetClass="entr" presetSubtype="0" fill="hold" nodeType="clickEffect">
-                                  <p:stCondLst>
-                                    <p:cond delay="0"/>
-                                  </p:stCondLst>
-                                  <p:childTnLst>
-                                    <p:set>
-                                      <p:cBhvr>
-                                        <p:cTn id="10" dur="1" fill="hold">
-                                          <p:stCondLst>
-                                            <p:cond delay="0"/>
-                                          </p:stCondLst>
-                                        </p:cTn>
-                                        <p:tgtEl>
-                                          <p:spTgt spid="8194">
-                                            <p:txEl>
-                                              <p:pRg st="3" end="3"/>
-                                            </p:txEl>
-                                          </p:spTgt>
-                                        </p:tgtEl>
-                                        <p:attrNameLst>
-                                          <p:attrName>style.visibility</p:attrName>
-                                        </p:attrNameLst>
-                                      </p:cBhvr>
-                                      <p:to>
-                                        <p:strVal val="visible"/>
-                                      </p:to>
-                                    </p:set>
-                                  </p:childTnLst>
-                                </p:cTn>
-                              </p:par>
-                            </p:childTnLst>
-                          </p:cTn>
-                        </p:par>
-                      </p:childTnLst>
-                    </p:cTn>
-                  </p:par>
-                  <p:par>
-                    <p:cTn id="11" fill="hold">
-                      <p:stCondLst>
-                        <p:cond delay="indefinite"/>
-                      </p:stCondLst>
-                      <p:childTnLst>
-                        <p:par>
-                          <p:cTn id="12" fill="hold">
-                            <p:stCondLst>
-                              <p:cond delay="0"/>
-                            </p:stCondLst>
-                            <p:childTnLst>
-                              <p:par>
-                                <p:cTn id="13" presetID="1" presetClass="entr" presetSubtype="0" fill="hold" nodeType="clickEffect">
-                                  <p:stCondLst>
-                                    <p:cond delay="0"/>
-                                  </p:stCondLst>
-                                  <p:childTnLst>
-                                    <p:set>
-                                      <p:cBhvr>
-                                        <p:cTn id="14" dur="1" fill="hold">
-                                          <p:stCondLst>
-                                            <p:cond delay="0"/>
-                                          </p:stCondLst>
-                                        </p:cTn>
-                                        <p:tgtEl>
-                                          <p:spTgt spid="8194">
-                                            <p:txEl>
-                                              <p:pRg st="4" end="4"/>
-                                            </p:txEl>
-                                          </p:spTgt>
-                                        </p:tgtEl>
-                                        <p:attrNameLst>
-                                          <p:attrName>style.visibility</p:attrName>
-                                        </p:attrNameLst>
-                                      </p:cBhvr>
-                                      <p:to>
-                                        <p:strVal val="visible"/>
-                                      </p:to>
-                                    </p:set>
-                                  </p:childTnLst>
-                                </p:cTn>
-                              </p:par>
-                            </p:childTnLst>
-                          </p:cTn>
-                        </p:par>
-                      </p:childTnLst>
-                    </p:cTn>
-                  </p:par>
-                  <p:par>
-                    <p:cTn id="15" fill="hold">
-                      <p:stCondLst>
-                        <p:cond delay="indefinite"/>
-                      </p:stCondLst>
-                      <p:childTnLst>
-                        <p:par>
-                          <p:cTn id="16" fill="hold">
-                            <p:stCondLst>
-                              <p:cond delay="0"/>
-                            </p:stCondLst>
-                            <p:childTnLst>
-                              <p:par>
-                                <p:cTn id="17" presetID="1" presetClass="entr" presetSubtype="0" fill="hold" nodeType="clickEffect">
-                                  <p:stCondLst>
-                                    <p:cond delay="0"/>
-                                  </p:stCondLst>
-                                  <p:childTnLst>
-                                    <p:set>
-                                      <p:cBhvr>
-                                        <p:cTn id="18" dur="1" fill="hold">
-                                          <p:stCondLst>
-                                            <p:cond delay="0"/>
-                                          </p:stCondLst>
-                                        </p:cTn>
-                                        <p:tgtEl>
-                                          <p:spTgt spid="8194">
-                                            <p:txEl>
-                                              <p:pRg st="5" end="5"/>
-                                            </p:txEl>
-                                          </p:spTgt>
-                                        </p:tgtEl>
-                                        <p:attrNameLst>
-                                          <p:attrName>style.visibility</p:attrName>
-                                        </p:attrNameLst>
-                                      </p:cBhvr>
-                                      <p:to>
-                                        <p:strVal val="visible"/>
-                                      </p:to>
-                                    </p:set>
-                                  </p:childTnLst>
-                                </p:cTn>
-                              </p:par>
-                            </p:childTnLst>
-                          </p:cTn>
-                        </p:par>
-                      </p:childTnLst>
-                    </p:cTn>
-                  </p:par>
-                </p:childTnLst>
-              </p:cTn>
-              <p:prevCondLst>
-                <p:cond evt="onPrev" delay="0">
-                  <p:tgtEl>
-                    <p:sldTgt/>
-                  </p:tgtEl>
-                </p:cond>
-              </p:prevCondLst>
-              <p:nextCondLst>
-                <p:cond evt="onNext" delay="0">
-                  <p:tgtEl>
-                    <p:sldTgt/>
-                  </p:tgtEl>
-                </p:cond>
-              </p:nextCondLst>
-            </p:seq>
-          </p:childTnLst>
-        </p:cTn>
-      </p:par>
-    </p:tnLst>
-  </p:timing>
-</p:sld>
-</file>
-
-<file path=ppt/slides/slide50.xml><?xml version="1.0" encoding="utf-8"?>
+<file path=ppt/slides/slide44.xml><?xml version="1.0" encoding="utf-8"?>
 <p:sld xmlns:a="http://schemas.openxmlformats.org/drawingml/2006/main" xmlns:r="http://schemas.openxmlformats.org/officeDocument/2006/relationships" xmlns:p="http://schemas.openxmlformats.org/presentationml/2006/main">
   <p:cSld>
     <p:spTree>
@@ -37584,7 +33699,7 @@
 </p:sld>
 </file>
 
-<file path=ppt/slides/slide51.xml><?xml version="1.0" encoding="utf-8"?>
+<file path=ppt/slides/slide45.xml><?xml version="1.0" encoding="utf-8"?>
 <p:sld xmlns:a="http://schemas.openxmlformats.org/drawingml/2006/main" xmlns:r="http://schemas.openxmlformats.org/officeDocument/2006/relationships" xmlns:p="http://schemas.openxmlformats.org/presentationml/2006/main">
   <p:cSld>
     <p:spTree>
@@ -38041,7 +34156,7 @@
 </p:sld>
 </file>
 
-<file path=ppt/slides/slide52.xml><?xml version="1.0" encoding="utf-8"?>
+<file path=ppt/slides/slide46.xml><?xml version="1.0" encoding="utf-8"?>
 <p:sld xmlns:a="http://schemas.openxmlformats.org/drawingml/2006/main" xmlns:r="http://schemas.openxmlformats.org/officeDocument/2006/relationships" xmlns:p="http://schemas.openxmlformats.org/presentationml/2006/main">
   <p:cSld>
     <p:spTree>
@@ -38502,7 +34617,7 @@
 </p:sld>
 </file>
 
-<file path=ppt/slides/slide53.xml><?xml version="1.0" encoding="utf-8"?>
+<file path=ppt/slides/slide47.xml><?xml version="1.0" encoding="utf-8"?>
 <p:sld xmlns:a="http://schemas.openxmlformats.org/drawingml/2006/main" xmlns:r="http://schemas.openxmlformats.org/officeDocument/2006/relationships" xmlns:p="http://schemas.openxmlformats.org/presentationml/2006/main">
   <p:cSld>
     <p:spTree>
@@ -38663,6 +34778,386 @@
     <a:masterClrMapping/>
   </p:clrMapOvr>
   <p:transition/>
+</p:sld>
+</file>
+
+<file path=ppt/slides/slide5.xml><?xml version="1.0" encoding="utf-8"?>
+<p:sld xmlns:a="http://schemas.openxmlformats.org/drawingml/2006/main" xmlns:r="http://schemas.openxmlformats.org/officeDocument/2006/relationships" xmlns:p="http://schemas.openxmlformats.org/presentationml/2006/main">
+  <p:cSld>
+    <p:spTree>
+      <p:nvGrpSpPr>
+        <p:cNvPr id="1" name=""/>
+        <p:cNvGrpSpPr/>
+        <p:nvPr/>
+      </p:nvGrpSpPr>
+      <p:grpSpPr>
+        <a:xfrm>
+          <a:off x="0" y="0"/>
+          <a:ext cx="0" cy="0"/>
+          <a:chOff x="0" y="0"/>
+          <a:chExt cx="0" cy="0"/>
+        </a:xfrm>
+      </p:grpSpPr>
+      <p:sp>
+        <p:nvSpPr>
+          <p:cNvPr id="8195" name="Rectangle 3"/>
+          <p:cNvSpPr>
+            <a:spLocks noGrp="1" noChangeArrowheads="1"/>
+          </p:cNvSpPr>
+          <p:nvPr>
+            <p:ph type="title"/>
+          </p:nvPr>
+        </p:nvSpPr>
+        <p:spPr>
+          <a:xfrm>
+            <a:off x="684213" y="169863"/>
+            <a:ext cx="7772400" cy="566737"/>
+          </a:xfrm>
+          <a:noFill/>
+          <a:ln/>
+        </p:spPr>
+        <p:txBody>
+          <a:bodyPr/>
+          <a:lstStyle/>
+          <a:p>
+            <a:r>
+              <a:rPr lang="es-CL">
+                <a:solidFill>
+                  <a:schemeClr val="bg1"/>
+                </a:solidFill>
+                <a:effectLst/>
+              </a:rPr>
+              <a:t>Muestreo Aleatorio Simple</a:t>
+            </a:r>
+          </a:p>
+        </p:txBody>
+      </p:sp>
+      <p:sp>
+        <p:nvSpPr>
+          <p:cNvPr id="8194" name="Rectangle 2"/>
+          <p:cNvSpPr>
+            <a:spLocks noGrp="1" noChangeArrowheads="1"/>
+          </p:cNvSpPr>
+          <p:nvPr>
+            <p:ph idx="1"/>
+          </p:nvPr>
+        </p:nvSpPr>
+        <p:spPr>
+          <a:xfrm>
+            <a:off x="690563" y="1103313"/>
+            <a:ext cx="7772400" cy="5348287"/>
+          </a:xfrm>
+          <a:noFill/>
+          <a:ln/>
+        </p:spPr>
+        <p:txBody>
+          <a:bodyPr/>
+          <a:lstStyle/>
+          <a:p>
+            <a:r>
+              <a:rPr lang="es-CL" dirty="0">
+                <a:solidFill>
+                  <a:schemeClr val="bg1"/>
+                </a:solidFill>
+                <a:effectLst/>
+              </a:rPr>
+              <a:t>Población Infinita</a:t>
+            </a:r>
+          </a:p>
+          <a:p>
+            <a:pPr lvl="1"/>
+            <a:r>
+              <a:rPr lang="es-CL" dirty="0">
+                <a:solidFill>
+                  <a:schemeClr val="bg1"/>
+                </a:solidFill>
+                <a:effectLst/>
+              </a:rPr>
+              <a:t>Un muestreo aleatorio simple de una población infinita es una muestra seleccionada cuando cumple con las siguientes condiciones</a:t>
+            </a:r>
+          </a:p>
+          <a:p>
+            <a:pPr lvl="2"/>
+            <a:r>
+              <a:rPr lang="es-CL" dirty="0">
+                <a:solidFill>
+                  <a:schemeClr val="bg1"/>
+                </a:solidFill>
+                <a:effectLst/>
+              </a:rPr>
+              <a:t>Cada elemento seleccionado viene de la misma población.</a:t>
+            </a:r>
+          </a:p>
+          <a:p>
+            <a:pPr lvl="2"/>
+            <a:r>
+              <a:rPr lang="es-CL" dirty="0">
+                <a:solidFill>
+                  <a:schemeClr val="bg1"/>
+                </a:solidFill>
+                <a:effectLst/>
+              </a:rPr>
+              <a:t>Cada elemento es seleccionado de forma independiente</a:t>
+            </a:r>
+          </a:p>
+          <a:p>
+            <a:pPr lvl="1"/>
+            <a:r>
+              <a:rPr lang="es-CL" dirty="0">
+                <a:solidFill>
+                  <a:schemeClr val="bg1"/>
+                </a:solidFill>
+                <a:effectLst/>
+              </a:rPr>
+              <a:t>La población es típicamente considerada infinita si involucra un proceso continuo que hace que “contar” cada elemento sea imposible.</a:t>
+            </a:r>
+          </a:p>
+          <a:p>
+            <a:pPr lvl="1"/>
+            <a:r>
+              <a:rPr lang="es-CL" dirty="0">
+                <a:solidFill>
+                  <a:schemeClr val="bg1"/>
+                </a:solidFill>
+                <a:effectLst/>
+              </a:rPr>
+              <a:t>Un procedimiento de selección con números aleatorios no puede ser usado en poblaciones infinitas.</a:t>
+            </a:r>
+          </a:p>
+        </p:txBody>
+      </p:sp>
+    </p:spTree>
+  </p:cSld>
+  <p:clrMapOvr>
+    <a:masterClrMapping/>
+  </p:clrMapOvr>
+  <p:transition/>
+  <p:timing>
+    <p:tnLst>
+      <p:par>
+        <p:cTn id="1" dur="indefinite" restart="never" nodeType="tmRoot">
+          <p:childTnLst>
+            <p:seq concurrent="1" nextAc="seek">
+              <p:cTn id="2" dur="indefinite" nodeType="mainSeq">
+                <p:childTnLst>
+                  <p:par>
+                    <p:cTn id="3" fill="hold">
+                      <p:stCondLst>
+                        <p:cond delay="indefinite"/>
+                      </p:stCondLst>
+                      <p:childTnLst>
+                        <p:par>
+                          <p:cTn id="4" fill="hold">
+                            <p:stCondLst>
+                              <p:cond delay="0"/>
+                            </p:stCondLst>
+                            <p:childTnLst>
+                              <p:par>
+                                <p:cTn id="5" presetID="1" presetClass="entr" presetSubtype="0" fill="hold" nodeType="clickEffect">
+                                  <p:stCondLst>
+                                    <p:cond delay="0"/>
+                                  </p:stCondLst>
+                                  <p:childTnLst>
+                                    <p:set>
+                                      <p:cBhvr>
+                                        <p:cTn id="6" dur="1" fill="hold">
+                                          <p:stCondLst>
+                                            <p:cond delay="0"/>
+                                          </p:stCondLst>
+                                        </p:cTn>
+                                        <p:tgtEl>
+                                          <p:spTgt spid="8194">
+                                            <p:txEl>
+                                              <p:pRg st="2" end="2"/>
+                                            </p:txEl>
+                                          </p:spTgt>
+                                        </p:tgtEl>
+                                        <p:attrNameLst>
+                                          <p:attrName>style.visibility</p:attrName>
+                                        </p:attrNameLst>
+                                      </p:cBhvr>
+                                      <p:to>
+                                        <p:strVal val="visible"/>
+                                      </p:to>
+                                    </p:set>
+                                  </p:childTnLst>
+                                </p:cTn>
+                              </p:par>
+                            </p:childTnLst>
+                          </p:cTn>
+                        </p:par>
+                      </p:childTnLst>
+                    </p:cTn>
+                  </p:par>
+                  <p:par>
+                    <p:cTn id="7" fill="hold">
+                      <p:stCondLst>
+                        <p:cond delay="indefinite"/>
+                      </p:stCondLst>
+                      <p:childTnLst>
+                        <p:par>
+                          <p:cTn id="8" fill="hold">
+                            <p:stCondLst>
+                              <p:cond delay="0"/>
+                            </p:stCondLst>
+                            <p:childTnLst>
+                              <p:par>
+                                <p:cTn id="9" presetID="1" presetClass="entr" presetSubtype="0" fill="hold" nodeType="clickEffect">
+                                  <p:stCondLst>
+                                    <p:cond delay="0"/>
+                                  </p:stCondLst>
+                                  <p:childTnLst>
+                                    <p:set>
+                                      <p:cBhvr>
+                                        <p:cTn id="10" dur="1" fill="hold">
+                                          <p:stCondLst>
+                                            <p:cond delay="0"/>
+                                          </p:stCondLst>
+                                        </p:cTn>
+                                        <p:tgtEl>
+                                          <p:spTgt spid="8194">
+                                            <p:txEl>
+                                              <p:pRg st="3" end="3"/>
+                                            </p:txEl>
+                                          </p:spTgt>
+                                        </p:tgtEl>
+                                        <p:attrNameLst>
+                                          <p:attrName>style.visibility</p:attrName>
+                                        </p:attrNameLst>
+                                      </p:cBhvr>
+                                      <p:to>
+                                        <p:strVal val="visible"/>
+                                      </p:to>
+                                    </p:set>
+                                  </p:childTnLst>
+                                </p:cTn>
+                              </p:par>
+                            </p:childTnLst>
+                          </p:cTn>
+                        </p:par>
+                      </p:childTnLst>
+                    </p:cTn>
+                  </p:par>
+                  <p:par>
+                    <p:cTn id="11" fill="hold">
+                      <p:stCondLst>
+                        <p:cond delay="indefinite"/>
+                      </p:stCondLst>
+                      <p:childTnLst>
+                        <p:par>
+                          <p:cTn id="12" fill="hold">
+                            <p:stCondLst>
+                              <p:cond delay="0"/>
+                            </p:stCondLst>
+                            <p:childTnLst>
+                              <p:par>
+                                <p:cTn id="13" presetID="1" presetClass="entr" presetSubtype="0" fill="hold" nodeType="clickEffect">
+                                  <p:stCondLst>
+                                    <p:cond delay="0"/>
+                                  </p:stCondLst>
+                                  <p:childTnLst>
+                                    <p:set>
+                                      <p:cBhvr>
+                                        <p:cTn id="14" dur="1" fill="hold">
+                                          <p:stCondLst>
+                                            <p:cond delay="0"/>
+                                          </p:stCondLst>
+                                        </p:cTn>
+                                        <p:tgtEl>
+                                          <p:spTgt spid="8194">
+                                            <p:txEl>
+                                              <p:pRg st="4" end="4"/>
+                                            </p:txEl>
+                                          </p:spTgt>
+                                        </p:tgtEl>
+                                        <p:attrNameLst>
+                                          <p:attrName>style.visibility</p:attrName>
+                                        </p:attrNameLst>
+                                      </p:cBhvr>
+                                      <p:to>
+                                        <p:strVal val="visible"/>
+                                      </p:to>
+                                    </p:set>
+                                  </p:childTnLst>
+                                </p:cTn>
+                              </p:par>
+                            </p:childTnLst>
+                          </p:cTn>
+                        </p:par>
+                      </p:childTnLst>
+                    </p:cTn>
+                  </p:par>
+                  <p:par>
+                    <p:cTn id="15" fill="hold">
+                      <p:stCondLst>
+                        <p:cond delay="indefinite"/>
+                      </p:stCondLst>
+                      <p:childTnLst>
+                        <p:par>
+                          <p:cTn id="16" fill="hold">
+                            <p:stCondLst>
+                              <p:cond delay="0"/>
+                            </p:stCondLst>
+                            <p:childTnLst>
+                              <p:par>
+                                <p:cTn id="17" presetID="1" presetClass="entr" presetSubtype="0" fill="hold" nodeType="clickEffect">
+                                  <p:stCondLst>
+                                    <p:cond delay="0"/>
+                                  </p:stCondLst>
+                                  <p:childTnLst>
+                                    <p:set>
+                                      <p:cBhvr>
+                                        <p:cTn id="18" dur="1" fill="hold">
+                                          <p:stCondLst>
+                                            <p:cond delay="0"/>
+                                          </p:stCondLst>
+                                        </p:cTn>
+                                        <p:tgtEl>
+                                          <p:spTgt spid="8194">
+                                            <p:txEl>
+                                              <p:pRg st="5" end="5"/>
+                                            </p:txEl>
+                                          </p:spTgt>
+                                        </p:tgtEl>
+                                        <p:attrNameLst>
+                                          <p:attrName>style.visibility</p:attrName>
+                                        </p:attrNameLst>
+                                      </p:cBhvr>
+                                      <p:to>
+                                        <p:strVal val="visible"/>
+                                      </p:to>
+                                    </p:set>
+                                  </p:childTnLst>
+                                </p:cTn>
+                              </p:par>
+                            </p:childTnLst>
+                          </p:cTn>
+                        </p:par>
+                      </p:childTnLst>
+                    </p:cTn>
+                  </p:par>
+                </p:childTnLst>
+              </p:cTn>
+              <p:prevCondLst>
+                <p:cond evt="onPrev" delay="0">
+                  <p:tgtEl>
+                    <p:sldTgt/>
+                  </p:tgtEl>
+                </p:cond>
+              </p:prevCondLst>
+              <p:nextCondLst>
+                <p:cond evt="onNext" delay="0">
+                  <p:tgtEl>
+                    <p:sldTgt/>
+                  </p:tgtEl>
+                </p:cond>
+              </p:nextCondLst>
+            </p:seq>
+          </p:childTnLst>
+        </p:cTn>
+      </p:par>
+    </p:tnLst>
+  </p:timing>
 </p:sld>
 </file>
 
@@ -39514,7 +36009,7 @@
           <a:graphicData uri="http://schemas.openxmlformats.org/presentationml/2006/ole">
             <mc:AlternateContent xmlns:mc="http://schemas.openxmlformats.org/markup-compatibility/2006">
               <mc:Choice xmlns:v="urn:schemas-microsoft-com:vml" Requires="v">
-                <p:oleObj spid="_x0000_s1207322" name="Ecuación" r:id="rId4" imgW="520474" imgH="304668" progId="Equation.3">
+                <p:oleObj spid="_x0000_s1207325" name="Ecuación" r:id="rId4" imgW="520474" imgH="304668" progId="Equation.3">
                   <p:embed/>
                 </p:oleObj>
               </mc:Choice>
@@ -39584,7 +36079,7 @@
           <a:graphicData uri="http://schemas.openxmlformats.org/presentationml/2006/ole">
             <mc:AlternateContent xmlns:mc="http://schemas.openxmlformats.org/markup-compatibility/2006">
               <mc:Choice xmlns:v="urn:schemas-microsoft-com:vml" Requires="v">
-                <p:oleObj spid="_x0000_s1207323" name="Ecuación" r:id="rId6" imgW="507780" imgH="253890" progId="Equation.3">
+                <p:oleObj spid="_x0000_s1207326" name="Ecuación" r:id="rId6" imgW="507780" imgH="253890" progId="Equation.3">
                   <p:embed/>
                 </p:oleObj>
               </mc:Choice>
@@ -39654,7 +36149,7 @@
           <a:graphicData uri="http://schemas.openxmlformats.org/presentationml/2006/ole">
             <mc:AlternateContent xmlns:mc="http://schemas.openxmlformats.org/markup-compatibility/2006">
               <mc:Choice xmlns:v="urn:schemas-microsoft-com:vml" Requires="v">
-                <p:oleObj spid="_x0000_s1207324" name="Ecuación" r:id="rId8" imgW="533169" imgH="304668" progId="Equation.3">
+                <p:oleObj spid="_x0000_s1207327" name="Ecuación" r:id="rId8" imgW="533169" imgH="304668" progId="Equation.3">
                   <p:embed/>
                 </p:oleObj>
               </mc:Choice>

--- a/Estadistica cap 7 rm.pptx
+++ b/Estadistica cap 7 rm.pptx
@@ -63,15 +63,15 @@
   <p:notesSz cx="6858000" cy="9144000"/>
   <p:embeddedFontLst>
     <p:embeddedFont>
-      <p:font typeface="Monotype Sorts" panose="020B0604020202020204"/>
+      <p:font typeface="Book Antiqua" panose="02040602050305030304" pitchFamily="18" charset="0"/>
       <p:regular r:id="rId51"/>
+      <p:bold r:id="rId52"/>
+      <p:italic r:id="rId53"/>
+      <p:boldItalic r:id="rId54"/>
     </p:embeddedFont>
     <p:embeddedFont>
-      <p:font typeface="Book Antiqua" panose="02040602050305030304" pitchFamily="18" charset="0"/>
-      <p:regular r:id="rId52"/>
-      <p:bold r:id="rId53"/>
-      <p:italic r:id="rId54"/>
-      <p:boldItalic r:id="rId55"/>
+      <p:font typeface="Monotype Sorts" panose="020B0604020202020204"/>
+      <p:regular r:id="rId55"/>
     </p:embeddedFont>
   </p:embeddedFontLst>
   <p:kinsoku lang="ja-JP" invalStChars="、。，．・：；？！゛゜ヽヾゝゞ々ー’”）〕］｝〉》」』】°‰′″℃￠％ぁぃぅぇぉっゃゅょゎァィゥェォッャュョヮヵヶ!%),.:;?]}｡｣､･ｧｨｩｪｫｬｭｮｯｰﾞﾟ" invalEndChars="‘“（〔［｛〈《「『【￥＄$([\{｢￡"/>
@@ -6886,7 +6886,7 @@
           <a:graphicData uri="http://schemas.openxmlformats.org/presentationml/2006/ole">
             <mc:AlternateContent xmlns:mc="http://schemas.openxmlformats.org/markup-compatibility/2006">
               <mc:Choice xmlns:v="urn:schemas-microsoft-com:vml" Requires="v">
-                <p:oleObj spid="_x0000_s1205268" name="Ecuación" r:id="rId4" imgW="126780" imgH="215526" progId="Equation.3">
+                <p:oleObj spid="_x0000_s1205270" name="Ecuación" r:id="rId4" imgW="126780" imgH="215526" progId="Equation.3">
                   <p:embed/>
                 </p:oleObj>
               </mc:Choice>
@@ -6956,7 +6956,7 @@
           <a:graphicData uri="http://schemas.openxmlformats.org/presentationml/2006/ole">
             <mc:AlternateContent xmlns:mc="http://schemas.openxmlformats.org/markup-compatibility/2006">
               <mc:Choice xmlns:v="urn:schemas-microsoft-com:vml" Requires="v">
-                <p:oleObj spid="_x0000_s1205269" name="Ecuación" r:id="rId6" imgW="152334" imgH="241195" progId="Equation.3">
+                <p:oleObj spid="_x0000_s1205271" name="Ecuación" r:id="rId6" imgW="152334" imgH="241195" progId="Equation.3">
                   <p:embed/>
                 </p:oleObj>
               </mc:Choice>
@@ -7627,7 +7627,7 @@
           <a:graphicData uri="http://schemas.openxmlformats.org/presentationml/2006/ole">
             <mc:AlternateContent xmlns:mc="http://schemas.openxmlformats.org/markup-compatibility/2006">
               <mc:Choice xmlns:v="urn:schemas-microsoft-com:vml" Requires="v">
-                <p:oleObj spid="_x0000_s1208349" name="Ecuación" r:id="rId4" imgW="1002865" imgH="431613" progId="Equation.3">
+                <p:oleObj spid="_x0000_s1208352" name="Ecuación" r:id="rId4" imgW="1002865" imgH="431613" progId="Equation.3">
                   <p:embed/>
                 </p:oleObj>
               </mc:Choice>
@@ -7697,7 +7697,7 @@
           <a:graphicData uri="http://schemas.openxmlformats.org/presentationml/2006/ole">
             <mc:AlternateContent xmlns:mc="http://schemas.openxmlformats.org/markup-compatibility/2006">
               <mc:Choice xmlns:v="urn:schemas-microsoft-com:vml" Requires="v">
-                <p:oleObj spid="_x0000_s1208350" name="Ecuación" r:id="rId6" imgW="1434477" imgH="495085" progId="Equation.3">
+                <p:oleObj spid="_x0000_s1208353" name="Ecuación" r:id="rId6" imgW="1434477" imgH="495085" progId="Equation.3">
                   <p:embed/>
                 </p:oleObj>
               </mc:Choice>
@@ -7767,7 +7767,7 @@
           <a:graphicData uri="http://schemas.openxmlformats.org/presentationml/2006/ole">
             <mc:AlternateContent xmlns:mc="http://schemas.openxmlformats.org/markup-compatibility/2006">
               <mc:Choice xmlns:v="urn:schemas-microsoft-com:vml" Requires="v">
-                <p:oleObj spid="_x0000_s1208351" name="Ecuación" r:id="rId8" imgW="965200" imgH="393700" progId="Equation.3">
+                <p:oleObj spid="_x0000_s1208354" name="Ecuación" r:id="rId8" imgW="965200" imgH="393700" progId="Equation.3">
                   <p:embed/>
                 </p:oleObj>
               </mc:Choice>
@@ -10771,22 +10771,13 @@
                 </a:solidFill>
                 <a:effectLst/>
               </a:rPr>
-              <a:t>Casi todos los programas para análisis de datos, permiten generar números aleatorios, por ejemplo </a:t>
-            </a:r>
-            <a:r>
-              <a:rPr lang="es-CL" dirty="0" smtClean="0">
-                <a:solidFill>
-                  <a:schemeClr val="bg1"/>
-                </a:solidFill>
-                <a:effectLst/>
-              </a:rPr>
-              <a:t>Excel.</a:t>
+              <a:t>Casi todos los programas para análisis de datos, permiten generar números aleatorios, por ejemplo Excel.</a:t>
             </a:r>
           </a:p>
           <a:p>
             <a:pPr lvl="1"/>
             <a:r>
-              <a:rPr lang="es-CL" dirty="0" smtClean="0">
+              <a:rPr lang="es-CL" dirty="0">
                 <a:solidFill>
                   <a:schemeClr val="bg1"/>
                 </a:solidFill>
@@ -10798,22 +10789,13 @@
           <a:p>
             <a:pPr lvl="1"/>
             <a:r>
-              <a:rPr lang="es-CL" dirty="0" smtClean="0">
-                <a:solidFill>
-                  <a:schemeClr val="bg1"/>
-                </a:solidFill>
-                <a:effectLst/>
-              </a:rPr>
-              <a:t>Entonces </a:t>
-            </a:r>
-            <a:r>
               <a:rPr lang="es-CL" dirty="0">
                 <a:solidFill>
                   <a:schemeClr val="bg1"/>
                 </a:solidFill>
                 <a:effectLst/>
               </a:rPr>
-              <a:t>escogemos los 30 postulantes con los 30 números aleatorios más pequeños (por ejemplo)</a:t>
+              <a:t>Entonces escogemos los 30 postulantes con los 30 números aleatorios más pequeños (por ejemplo)</a:t>
             </a:r>
           </a:p>
           <a:p>
@@ -11191,7 +11173,7 @@
           <a:graphicData uri="http://schemas.openxmlformats.org/presentationml/2006/ole">
             <mc:AlternateContent xmlns:mc="http://schemas.openxmlformats.org/markup-compatibility/2006">
               <mc:Choice xmlns:v="urn:schemas-microsoft-com:vml" Requires="v">
-                <p:oleObj spid="_x0000_s1209354" name="Worksheet" r:id="rId4" imgW="3143880" imgH="1807920" progId="Excel.Sheet.8">
+                <p:oleObj spid="_x0000_s1209355" name="Worksheet" r:id="rId4" imgW="3143880" imgH="1807920" progId="Excel.Sheet.8">
                   <p:embed/>
                 </p:oleObj>
               </mc:Choice>
@@ -11456,7 +11438,7 @@
           <a:graphicData uri="http://schemas.openxmlformats.org/presentationml/2006/ole">
             <mc:AlternateContent xmlns:mc="http://schemas.openxmlformats.org/markup-compatibility/2006">
               <mc:Choice xmlns:v="urn:schemas-microsoft-com:vml" Requires="v">
-                <p:oleObj spid="_x0000_s1284106" name="Worksheet" r:id="rId4" imgW="3143880" imgH="1807920" progId="Excel.Sheet.8">
+                <p:oleObj spid="_x0000_s1284107" name="Worksheet" r:id="rId4" imgW="3143880" imgH="1807920" progId="Excel.Sheet.8">
                   <p:embed/>
                 </p:oleObj>
               </mc:Choice>
@@ -11823,7 +11805,7 @@
           <a:graphicData uri="http://schemas.openxmlformats.org/presentationml/2006/ole">
             <mc:AlternateContent xmlns:mc="http://schemas.openxmlformats.org/markup-compatibility/2006">
               <mc:Choice xmlns:v="urn:schemas-microsoft-com:vml" Requires="v">
-                <p:oleObj spid="_x0000_s1286154" name="Worksheet" r:id="rId4" imgW="3143880" imgH="1807920" progId="Excel.Sheet.8">
+                <p:oleObj spid="_x0000_s1286155" name="Worksheet" r:id="rId4" imgW="3143880" imgH="1807920" progId="Excel.Sheet.8">
                   <p:embed/>
                 </p:oleObj>
               </mc:Choice>
@@ -12337,7 +12319,7 @@
           <a:graphicData uri="http://schemas.openxmlformats.org/presentationml/2006/ole">
             <mc:AlternateContent xmlns:mc="http://schemas.openxmlformats.org/markup-compatibility/2006">
               <mc:Choice xmlns:v="urn:schemas-microsoft-com:vml" Requires="v">
-                <p:oleObj spid="_x0000_s1212463" name="Ecuación" r:id="rId4" imgW="1574800" imgH="431800" progId="Equation.3">
+                <p:oleObj spid="_x0000_s1212468" name="Ecuación" r:id="rId4" imgW="1574800" imgH="431800" progId="Equation.3">
                   <p:embed/>
                 </p:oleObj>
               </mc:Choice>
@@ -12407,7 +12389,7 @@
           <a:graphicData uri="http://schemas.openxmlformats.org/presentationml/2006/ole">
             <mc:AlternateContent xmlns:mc="http://schemas.openxmlformats.org/markup-compatibility/2006">
               <mc:Choice xmlns:v="urn:schemas-microsoft-com:vml" Requires="v">
-                <p:oleObj spid="_x0000_s1212464" name="Ecuación" r:id="rId6" imgW="2247900" imgH="520700" progId="Equation.3">
+                <p:oleObj spid="_x0000_s1212469" name="Ecuación" r:id="rId6" imgW="2247900" imgH="520700" progId="Equation.3">
                   <p:embed/>
                 </p:oleObj>
               </mc:Choice>
@@ -12477,7 +12459,7 @@
           <a:graphicData uri="http://schemas.openxmlformats.org/presentationml/2006/ole">
             <mc:AlternateContent xmlns:mc="http://schemas.openxmlformats.org/markup-compatibility/2006">
               <mc:Choice xmlns:v="urn:schemas-microsoft-com:vml" Requires="v">
-                <p:oleObj spid="_x0000_s1212465" name="Ecuación" r:id="rId8" imgW="1104900" imgH="241300" progId="Equation.3">
+                <p:oleObj spid="_x0000_s1212470" name="Ecuación" r:id="rId8" imgW="1104900" imgH="241300" progId="Equation.3">
                   <p:embed/>
                 </p:oleObj>
               </mc:Choice>
@@ -12547,7 +12529,7 @@
           <a:graphicData uri="http://schemas.openxmlformats.org/presentationml/2006/ole">
             <mc:AlternateContent xmlns:mc="http://schemas.openxmlformats.org/markup-compatibility/2006">
               <mc:Choice xmlns:v="urn:schemas-microsoft-com:vml" Requires="v">
-                <p:oleObj spid="_x0000_s1212466" name="Ecuación" r:id="rId10" imgW="126780" imgH="215526" progId="Equation.3">
+                <p:oleObj spid="_x0000_s1212471" name="Ecuación" r:id="rId10" imgW="126780" imgH="215526" progId="Equation.3">
                   <p:embed/>
                 </p:oleObj>
               </mc:Choice>
@@ -12617,7 +12599,7 @@
           <a:graphicData uri="http://schemas.openxmlformats.org/presentationml/2006/ole">
             <mc:AlternateContent xmlns:mc="http://schemas.openxmlformats.org/markup-compatibility/2006">
               <mc:Choice xmlns:v="urn:schemas-microsoft-com:vml" Requires="v">
-                <p:oleObj spid="_x0000_s1212467" name="Ecuación" r:id="rId12" imgW="152334" imgH="241195" progId="Equation.3">
+                <p:oleObj spid="_x0000_s1212472" name="Ecuación" r:id="rId12" imgW="152334" imgH="241195" progId="Equation.3">
                   <p:embed/>
                 </p:oleObj>
               </mc:Choice>
@@ -14945,7 +14927,7 @@
           <a:graphicData uri="http://schemas.openxmlformats.org/presentationml/2006/ole">
             <mc:AlternateContent xmlns:mc="http://schemas.openxmlformats.org/markup-compatibility/2006">
               <mc:Choice xmlns:v="urn:schemas-microsoft-com:vml" Requires="v">
-                <p:oleObj spid="_x0000_s1214479" name="Ecuación" r:id="rId4" imgW="558558" imgH="241195" progId="Equation.3">
+                <p:oleObj spid="_x0000_s1214480" name="Ecuación" r:id="rId4" imgW="558558" imgH="241195" progId="Equation.3">
                   <p:embed/>
                 </p:oleObj>
               </mc:Choice>
@@ -15677,7 +15659,7 @@
           <a:graphicData uri="http://schemas.openxmlformats.org/presentationml/2006/ole">
             <mc:AlternateContent xmlns:mc="http://schemas.openxmlformats.org/markup-compatibility/2006">
               <mc:Choice xmlns:v="urn:schemas-microsoft-com:vml" Requires="v">
-                <p:oleObj spid="_x0000_s1215528" name="Ecuación" r:id="rId4" imgW="583947" imgH="418918" progId="Equation.3">
+                <p:oleObj spid="_x0000_s1215532" name="Ecuación" r:id="rId4" imgW="583947" imgH="418918" progId="Equation.3">
                   <p:embed/>
                 </p:oleObj>
               </mc:Choice>
@@ -15747,7 +15729,7 @@
           <a:graphicData uri="http://schemas.openxmlformats.org/presentationml/2006/ole">
             <mc:AlternateContent xmlns:mc="http://schemas.openxmlformats.org/markup-compatibility/2006">
               <mc:Choice xmlns:v="urn:schemas-microsoft-com:vml" Requires="v">
-                <p:oleObj spid="_x0000_s1215529" name="Ecuación" r:id="rId6" imgW="1206500" imgH="469900" progId="Equation.3">
+                <p:oleObj spid="_x0000_s1215533" name="Ecuación" r:id="rId6" imgW="1206500" imgH="469900" progId="Equation.3">
                   <p:embed/>
                 </p:oleObj>
               </mc:Choice>
@@ -15817,7 +15799,7 @@
           <a:graphicData uri="http://schemas.openxmlformats.org/presentationml/2006/ole">
             <mc:AlternateContent xmlns:mc="http://schemas.openxmlformats.org/markup-compatibility/2006">
               <mc:Choice xmlns:v="urn:schemas-microsoft-com:vml" Requires="v">
-                <p:oleObj spid="_x0000_s1215530" name="Ecuación" r:id="rId8" imgW="190417" imgH="241195" progId="Equation.3">
+                <p:oleObj spid="_x0000_s1215534" name="Ecuación" r:id="rId8" imgW="190417" imgH="241195" progId="Equation.3">
                   <p:embed/>
                 </p:oleObj>
               </mc:Choice>
@@ -15887,7 +15869,7 @@
           <a:graphicData uri="http://schemas.openxmlformats.org/presentationml/2006/ole">
             <mc:AlternateContent xmlns:mc="http://schemas.openxmlformats.org/markup-compatibility/2006">
               <mc:Choice xmlns:v="urn:schemas-microsoft-com:vml" Requires="v">
-                <p:oleObj spid="_x0000_s1215531" name="Ecuación" r:id="rId10" imgW="1066337" imgH="253890" progId="Equation.3">
+                <p:oleObj spid="_x0000_s1215535" name="Ecuación" r:id="rId10" imgW="1066337" imgH="253890" progId="Equation.3">
                   <p:embed/>
                 </p:oleObj>
               </mc:Choice>
@@ -17654,7 +17636,7 @@
           <a:graphicData uri="http://schemas.openxmlformats.org/presentationml/2006/ole">
             <mc:AlternateContent xmlns:mc="http://schemas.openxmlformats.org/markup-compatibility/2006">
               <mc:Choice xmlns:v="urn:schemas-microsoft-com:vml" Requires="v">
-                <p:oleObj spid="_x0000_s1217567" name="Ecuación" r:id="rId4" imgW="952087" imgH="215806" progId="Equation.3">
+                <p:oleObj spid="_x0000_s1217570" name="Ecuación" r:id="rId4" imgW="952087" imgH="215806" progId="Equation.3">
                   <p:embed/>
                 </p:oleObj>
               </mc:Choice>
@@ -17724,7 +17706,7 @@
           <a:graphicData uri="http://schemas.openxmlformats.org/presentationml/2006/ole">
             <mc:AlternateContent xmlns:mc="http://schemas.openxmlformats.org/markup-compatibility/2006">
               <mc:Choice xmlns:v="urn:schemas-microsoft-com:vml" Requires="v">
-                <p:oleObj spid="_x0000_s1217568" name="Ecuación" r:id="rId6" imgW="126780" imgH="215526" progId="Equation.3">
+                <p:oleObj spid="_x0000_s1217571" name="Ecuación" r:id="rId6" imgW="126780" imgH="215526" progId="Equation.3">
                   <p:embed/>
                 </p:oleObj>
               </mc:Choice>
@@ -17794,7 +17776,7 @@
           <a:graphicData uri="http://schemas.openxmlformats.org/presentationml/2006/ole">
             <mc:AlternateContent xmlns:mc="http://schemas.openxmlformats.org/markup-compatibility/2006">
               <mc:Choice xmlns:v="urn:schemas-microsoft-com:vml" Requires="v">
-                <p:oleObj spid="_x0000_s1217569" name="Ecuación" r:id="rId8" imgW="1422400" imgH="419100" progId="Equation.3">
+                <p:oleObj spid="_x0000_s1217572" name="Ecuación" r:id="rId8" imgW="1422400" imgH="419100" progId="Equation.3">
                   <p:embed/>
                 </p:oleObj>
               </mc:Choice>
@@ -19450,7 +19432,7 @@
           <a:graphicData uri="http://schemas.openxmlformats.org/presentationml/2006/ole">
             <mc:AlternateContent xmlns:mc="http://schemas.openxmlformats.org/markup-compatibility/2006">
               <mc:Choice xmlns:v="urn:schemas-microsoft-com:vml" Requires="v">
-                <p:oleObj spid="_x0000_s1219623" name="Ecuación" r:id="rId4" imgW="126780" imgH="215526" progId="Equation.3">
+                <p:oleObj spid="_x0000_s1219627" name="Ecuación" r:id="rId4" imgW="126780" imgH="215526" progId="Equation.3">
                   <p:embed/>
                 </p:oleObj>
               </mc:Choice>
@@ -19720,7 +19702,7 @@
           <a:graphicData uri="http://schemas.openxmlformats.org/presentationml/2006/ole">
             <mc:AlternateContent xmlns:mc="http://schemas.openxmlformats.org/markup-compatibility/2006">
               <mc:Choice xmlns:v="urn:schemas-microsoft-com:vml" Requires="v">
-                <p:oleObj spid="_x0000_s1219624" name="Ecuación" r:id="rId6" imgW="266353" imgH="177569" progId="Equation.3">
+                <p:oleObj spid="_x0000_s1219628" name="Ecuación" r:id="rId6" imgW="266353" imgH="177569" progId="Equation.3">
                   <p:embed/>
                 </p:oleObj>
               </mc:Choice>
@@ -19796,7 +19778,7 @@
           <a:graphicData uri="http://schemas.openxmlformats.org/presentationml/2006/ole">
             <mc:AlternateContent xmlns:mc="http://schemas.openxmlformats.org/markup-compatibility/2006">
               <mc:Choice xmlns:v="urn:schemas-microsoft-com:vml" Requires="v">
-                <p:oleObj spid="_x0000_s1219625" name="Ecuación" r:id="rId8" imgW="329914" imgH="177646" progId="Equation.3">
+                <p:oleObj spid="_x0000_s1219629" name="Ecuación" r:id="rId8" imgW="329914" imgH="177646" progId="Equation.3">
                   <p:embed/>
                 </p:oleObj>
               </mc:Choice>
@@ -19973,7 +19955,7 @@
           <a:graphicData uri="http://schemas.openxmlformats.org/presentationml/2006/ole">
             <mc:AlternateContent xmlns:mc="http://schemas.openxmlformats.org/markup-compatibility/2006">
               <mc:Choice xmlns:v="urn:schemas-microsoft-com:vml" Requires="v">
-                <p:oleObj spid="_x0000_s1219626" name="Ecuación" r:id="rId10" imgW="266353" imgH="177569" progId="Equation.3">
+                <p:oleObj spid="_x0000_s1219630" name="Ecuación" r:id="rId10" imgW="266353" imgH="177569" progId="Equation.3">
                   <p:embed/>
                 </p:oleObj>
               </mc:Choice>
@@ -20346,7 +20328,7 @@
           <a:graphicData uri="http://schemas.openxmlformats.org/presentationml/2006/ole">
             <mc:AlternateContent xmlns:mc="http://schemas.openxmlformats.org/markup-compatibility/2006">
               <mc:Choice xmlns:v="urn:schemas-microsoft-com:vml" Requires="v">
-                <p:oleObj spid="_x0000_s1328163" name="Ecuación" r:id="rId4" imgW="126725" imgH="177415" progId="Equation.3">
+                <p:oleObj spid="_x0000_s1328167" name="Ecuación" r:id="rId4" imgW="126725" imgH="177415" progId="Equation.3">
                   <p:embed/>
                 </p:oleObj>
               </mc:Choice>
@@ -21609,7 +21591,7 @@
           <a:graphicData uri="http://schemas.openxmlformats.org/presentationml/2006/ole">
             <mc:AlternateContent xmlns:mc="http://schemas.openxmlformats.org/markup-compatibility/2006">
               <mc:Choice xmlns:v="urn:schemas-microsoft-com:vml" Requires="v">
-                <p:oleObj spid="_x0000_s1328164" name="Ecuación" r:id="rId6" imgW="126725" imgH="126725" progId="Equation.3">
+                <p:oleObj spid="_x0000_s1328168" name="Ecuación" r:id="rId6" imgW="126725" imgH="126725" progId="Equation.3">
                   <p:embed/>
                 </p:oleObj>
               </mc:Choice>
@@ -21879,7 +21861,7 @@
           <a:graphicData uri="http://schemas.openxmlformats.org/presentationml/2006/ole">
             <mc:AlternateContent xmlns:mc="http://schemas.openxmlformats.org/markup-compatibility/2006">
               <mc:Choice xmlns:v="urn:schemas-microsoft-com:vml" Requires="v">
-                <p:oleObj spid="_x0000_s1328165" name="Ecuación" r:id="rId8" imgW="418918" imgH="203112" progId="Equation.3">
+                <p:oleObj spid="_x0000_s1328169" name="Ecuación" r:id="rId8" imgW="418918" imgH="203112" progId="Equation.3">
                   <p:embed/>
                 </p:oleObj>
               </mc:Choice>
@@ -21955,7 +21937,7 @@
           <a:graphicData uri="http://schemas.openxmlformats.org/presentationml/2006/ole">
             <mc:AlternateContent xmlns:mc="http://schemas.openxmlformats.org/markup-compatibility/2006">
               <mc:Choice xmlns:v="urn:schemas-microsoft-com:vml" Requires="v">
-                <p:oleObj spid="_x0000_s1328166" name="Ecuación" r:id="rId10" imgW="304536" imgH="203024" progId="Equation.3">
+                <p:oleObj spid="_x0000_s1328170" name="Ecuación" r:id="rId10" imgW="304536" imgH="203024" progId="Equation.3">
                   <p:embed/>
                 </p:oleObj>
               </mc:Choice>
@@ -22740,7 +22722,7 @@
           <a:graphicData uri="http://schemas.openxmlformats.org/presentationml/2006/ole">
             <mc:AlternateContent xmlns:mc="http://schemas.openxmlformats.org/markup-compatibility/2006">
               <mc:Choice xmlns:v="urn:schemas-microsoft-com:vml" Requires="v">
-                <p:oleObj spid="_x0000_s1220623" name="Ecuación" r:id="rId4" imgW="583947" imgH="241195" progId="Equation.3">
+                <p:oleObj spid="_x0000_s1220624" name="Ecuación" r:id="rId4" imgW="583947" imgH="241195" progId="Equation.3">
                   <p:embed/>
                 </p:oleObj>
               </mc:Choice>
@@ -23244,7 +23226,7 @@
           <a:graphicData uri="http://schemas.openxmlformats.org/presentationml/2006/ole">
             <mc:AlternateContent xmlns:mc="http://schemas.openxmlformats.org/markup-compatibility/2006">
               <mc:Choice xmlns:v="urn:schemas-microsoft-com:vml" Requires="v">
-                <p:oleObj spid="_x0000_s1221663" name="Ecuación" r:id="rId4" imgW="1054100" imgH="444500" progId="Equation.3">
+                <p:oleObj spid="_x0000_s1221666" name="Ecuación" r:id="rId4" imgW="1054100" imgH="444500" progId="Equation.3">
                   <p:embed/>
                 </p:oleObj>
               </mc:Choice>
@@ -23314,7 +23296,7 @@
           <a:graphicData uri="http://schemas.openxmlformats.org/presentationml/2006/ole">
             <mc:AlternateContent xmlns:mc="http://schemas.openxmlformats.org/markup-compatibility/2006">
               <mc:Choice xmlns:v="urn:schemas-microsoft-com:vml" Requires="v">
-                <p:oleObj spid="_x0000_s1221664" name="Ecuación" r:id="rId6" imgW="1612900" imgH="444500" progId="Equation.3">
+                <p:oleObj spid="_x0000_s1221667" name="Ecuación" r:id="rId6" imgW="1612900" imgH="444500" progId="Equation.3">
                   <p:embed/>
                 </p:oleObj>
               </mc:Choice>
@@ -23384,7 +23366,7 @@
           <a:graphicData uri="http://schemas.openxmlformats.org/presentationml/2006/ole">
             <mc:AlternateContent xmlns:mc="http://schemas.openxmlformats.org/markup-compatibility/2006">
               <mc:Choice xmlns:v="urn:schemas-microsoft-com:vml" Requires="v">
-                <p:oleObj spid="_x0000_s1221665" name="Ecuación" r:id="rId8" imgW="203024" imgH="253780" progId="Equation.3">
+                <p:oleObj spid="_x0000_s1221668" name="Ecuación" r:id="rId8" imgW="203024" imgH="253780" progId="Equation.3">
                   <p:embed/>
                 </p:oleObj>
               </mc:Choice>
@@ -25193,7 +25175,7 @@
           <a:graphicData uri="http://schemas.openxmlformats.org/presentationml/2006/ole">
             <mc:AlternateContent xmlns:mc="http://schemas.openxmlformats.org/markup-compatibility/2006">
               <mc:Choice xmlns:v="urn:schemas-microsoft-com:vml" Requires="v">
-                <p:oleObj spid="_x0000_s1329180" name="Ecuación" r:id="rId4" imgW="152334" imgH="241195" progId="Equation.3">
+                <p:oleObj spid="_x0000_s1329183" name="Ecuación" r:id="rId4" imgW="152334" imgH="241195" progId="Equation.3">
                   <p:embed/>
                 </p:oleObj>
               </mc:Choice>
@@ -25395,7 +25377,7 @@
           <a:graphicData uri="http://schemas.openxmlformats.org/presentationml/2006/ole">
             <mc:AlternateContent xmlns:mc="http://schemas.openxmlformats.org/markup-compatibility/2006">
               <mc:Choice xmlns:v="urn:schemas-microsoft-com:vml" Requires="v">
-                <p:oleObj spid="_x0000_s1329181" name="Ecuación" r:id="rId6" imgW="748975" imgH="241195" progId="Equation.3">
+                <p:oleObj spid="_x0000_s1329184" name="Ecuación" r:id="rId6" imgW="748975" imgH="241195" progId="Equation.3">
                   <p:embed/>
                 </p:oleObj>
               </mc:Choice>
@@ -25465,7 +25447,7 @@
           <a:graphicData uri="http://schemas.openxmlformats.org/presentationml/2006/ole">
             <mc:AlternateContent xmlns:mc="http://schemas.openxmlformats.org/markup-compatibility/2006">
               <mc:Choice xmlns:v="urn:schemas-microsoft-com:vml" Requires="v">
-                <p:oleObj spid="_x0000_s1329182" name="Ecuación" r:id="rId8" imgW="1879600" imgH="444500" progId="Equation.3">
+                <p:oleObj spid="_x0000_s1329185" name="Ecuación" r:id="rId8" imgW="1879600" imgH="444500" progId="Equation.3">
                   <p:embed/>
                 </p:oleObj>
               </mc:Choice>
@@ -26288,7 +26270,7 @@
           <a:graphicData uri="http://schemas.openxmlformats.org/presentationml/2006/ole">
             <mc:AlternateContent xmlns:mc="http://schemas.openxmlformats.org/markup-compatibility/2006">
               <mc:Choice xmlns:v="urn:schemas-microsoft-com:vml" Requires="v">
-                <p:oleObj spid="_x0000_s1331237" name="Ecuación" r:id="rId4" imgW="317225" imgH="203024" progId="Equation.3">
+                <p:oleObj spid="_x0000_s1331241" name="Ecuación" r:id="rId4" imgW="317225" imgH="203024" progId="Equation.3">
                   <p:embed/>
                 </p:oleObj>
               </mc:Choice>
@@ -26358,7 +26340,7 @@
           <a:graphicData uri="http://schemas.openxmlformats.org/presentationml/2006/ole">
             <mc:AlternateContent xmlns:mc="http://schemas.openxmlformats.org/markup-compatibility/2006">
               <mc:Choice xmlns:v="urn:schemas-microsoft-com:vml" Requires="v">
-                <p:oleObj spid="_x0000_s1331238" name="Ecuación" r:id="rId6" imgW="317225" imgH="203024" progId="Equation.3">
+                <p:oleObj spid="_x0000_s1331242" name="Ecuación" r:id="rId6" imgW="317225" imgH="203024" progId="Equation.3">
                   <p:embed/>
                 </p:oleObj>
               </mc:Choice>
@@ -26428,7 +26410,7 @@
           <a:graphicData uri="http://schemas.openxmlformats.org/presentationml/2006/ole">
             <mc:AlternateContent xmlns:mc="http://schemas.openxmlformats.org/markup-compatibility/2006">
               <mc:Choice xmlns:v="urn:schemas-microsoft-com:vml" Requires="v">
-                <p:oleObj spid="_x0000_s1331239" name="Ecuación" r:id="rId8" imgW="304536" imgH="203024" progId="Equation.3">
+                <p:oleObj spid="_x0000_s1331243" name="Ecuación" r:id="rId8" imgW="304536" imgH="203024" progId="Equation.3">
                   <p:embed/>
                 </p:oleObj>
               </mc:Choice>
@@ -27741,7 +27723,7 @@
           <a:graphicData uri="http://schemas.openxmlformats.org/presentationml/2006/ole">
             <mc:AlternateContent xmlns:mc="http://schemas.openxmlformats.org/markup-compatibility/2006">
               <mc:Choice xmlns:v="urn:schemas-microsoft-com:vml" Requires="v">
-                <p:oleObj spid="_x0000_s1331240" name="Ecuación" r:id="rId10" imgW="152334" imgH="241195" progId="Equation.3">
+                <p:oleObj spid="_x0000_s1331244" name="Ecuación" r:id="rId10" imgW="152334" imgH="241195" progId="Equation.3">
                   <p:embed/>
                 </p:oleObj>
               </mc:Choice>
@@ -29467,7 +29449,7 @@
           <a:graphicData uri="http://schemas.openxmlformats.org/presentationml/2006/ole">
             <mc:AlternateContent xmlns:mc="http://schemas.openxmlformats.org/markup-compatibility/2006">
               <mc:Choice xmlns:v="urn:schemas-microsoft-com:vml" Requires="v">
-                <p:oleObj spid="_x0000_s1330213" name="Ecuación" r:id="rId4" imgW="152334" imgH="241195" progId="Equation.3">
+                <p:oleObj spid="_x0000_s1330217" name="Ecuación" r:id="rId4" imgW="152334" imgH="241195" progId="Equation.3">
                   <p:embed/>
                 </p:oleObj>
               </mc:Choice>
@@ -29833,7 +29815,7 @@
           <a:graphicData uri="http://schemas.openxmlformats.org/presentationml/2006/ole">
             <mc:AlternateContent xmlns:mc="http://schemas.openxmlformats.org/markup-compatibility/2006">
               <mc:Choice xmlns:v="urn:schemas-microsoft-com:vml" Requires="v">
-                <p:oleObj spid="_x0000_s1330214" name="Ecuación" r:id="rId6" imgW="406048" imgH="203024" progId="Equation.3">
+                <p:oleObj spid="_x0000_s1330218" name="Ecuación" r:id="rId6" imgW="406048" imgH="203024" progId="Equation.3">
                   <p:embed/>
                 </p:oleObj>
               </mc:Choice>
@@ -29903,7 +29885,7 @@
           <a:graphicData uri="http://schemas.openxmlformats.org/presentationml/2006/ole">
             <mc:AlternateContent xmlns:mc="http://schemas.openxmlformats.org/markup-compatibility/2006">
               <mc:Choice xmlns:v="urn:schemas-microsoft-com:vml" Requires="v">
-                <p:oleObj spid="_x0000_s1330215" name="Ecuación" r:id="rId8" imgW="291973" imgH="203112" progId="Equation.3">
+                <p:oleObj spid="_x0000_s1330219" name="Ecuación" r:id="rId8" imgW="291973" imgH="203112" progId="Equation.3">
                   <p:embed/>
                 </p:oleObj>
               </mc:Choice>
@@ -29973,7 +29955,7 @@
           <a:graphicData uri="http://schemas.openxmlformats.org/presentationml/2006/ole">
             <mc:AlternateContent xmlns:mc="http://schemas.openxmlformats.org/markup-compatibility/2006">
               <mc:Choice xmlns:v="urn:schemas-microsoft-com:vml" Requires="v">
-                <p:oleObj spid="_x0000_s1330216" name="Ecuación" r:id="rId10" imgW="126725" imgH="177415" progId="Equation.3">
+                <p:oleObj spid="_x0000_s1330220" name="Ecuación" r:id="rId10" imgW="126725" imgH="177415" progId="Equation.3">
                   <p:embed/>
                 </p:oleObj>
               </mc:Choice>
@@ -35890,16 +35872,16 @@
                 </a:solidFill>
                 <a:effectLst/>
               </a:rPr>
-              <a:t>El error de muestreo es el resultado de usar un </a:t>
-            </a:r>
-            <a:r>
-              <a:rPr lang="es-CL" dirty="0" err="1">
-                <a:solidFill>
-                  <a:schemeClr val="bg1"/>
-                </a:solidFill>
-                <a:effectLst/>
-              </a:rPr>
-              <a:t>subset</a:t>
+              <a:t>El error de muestreo es el resultado de usar </a:t>
+            </a:r>
+            <a:r>
+              <a:rPr lang="es-CL">
+                <a:solidFill>
+                  <a:schemeClr val="bg1"/>
+                </a:solidFill>
+                <a:effectLst/>
+              </a:rPr>
+              <a:t>un subconjunto </a:t>
             </a:r>
             <a:r>
               <a:rPr lang="es-CL" dirty="0">
@@ -35908,7 +35890,7 @@
                 </a:solidFill>
                 <a:effectLst/>
               </a:rPr>
-              <a:t> de la población (la muestra), y no la población completa para calcular los estimadores.</a:t>
+              <a:t>de la población (la muestra), y no la población completa para calcular los estimadores.</a:t>
             </a:r>
           </a:p>
           <a:p>
@@ -36009,7 +35991,7 @@
           <a:graphicData uri="http://schemas.openxmlformats.org/presentationml/2006/ole">
             <mc:AlternateContent xmlns:mc="http://schemas.openxmlformats.org/markup-compatibility/2006">
               <mc:Choice xmlns:v="urn:schemas-microsoft-com:vml" Requires="v">
-                <p:oleObj spid="_x0000_s1207325" name="Ecuación" r:id="rId4" imgW="520474" imgH="304668" progId="Equation.3">
+                <p:oleObj spid="_x0000_s1207328" name="Ecuación" r:id="rId4" imgW="520474" imgH="304668" progId="Equation.3">
                   <p:embed/>
                 </p:oleObj>
               </mc:Choice>
@@ -36079,7 +36061,7 @@
           <a:graphicData uri="http://schemas.openxmlformats.org/presentationml/2006/ole">
             <mc:AlternateContent xmlns:mc="http://schemas.openxmlformats.org/markup-compatibility/2006">
               <mc:Choice xmlns:v="urn:schemas-microsoft-com:vml" Requires="v">
-                <p:oleObj spid="_x0000_s1207326" name="Ecuación" r:id="rId6" imgW="507780" imgH="253890" progId="Equation.3">
+                <p:oleObj spid="_x0000_s1207329" name="Ecuación" r:id="rId6" imgW="507780" imgH="253890" progId="Equation.3">
                   <p:embed/>
                 </p:oleObj>
               </mc:Choice>
@@ -36149,7 +36131,7 @@
           <a:graphicData uri="http://schemas.openxmlformats.org/presentationml/2006/ole">
             <mc:AlternateContent xmlns:mc="http://schemas.openxmlformats.org/markup-compatibility/2006">
               <mc:Choice xmlns:v="urn:schemas-microsoft-com:vml" Requires="v">
-                <p:oleObj spid="_x0000_s1207327" name="Ecuación" r:id="rId8" imgW="533169" imgH="304668" progId="Equation.3">
+                <p:oleObj spid="_x0000_s1207330" name="Ecuación" r:id="rId8" imgW="533169" imgH="304668" progId="Equation.3">
                   <p:embed/>
                 </p:oleObj>
               </mc:Choice>
